--- a/com.yrtech.bentleyAPI/com.yrtech.InventoryAPI/template/PlanHandOver.pptx
+++ b/com.yrtech.bentleyAPI/com.yrtech.InventoryAPI/template/PlanHandOver.pptx
@@ -120,7 +120,7 @@
   </p:defaultTextStyle>
   <p:extLst>
     <p:ext uri="{EFAFB233-063F-42B5-8137-9DF3F51BA10A}">
-      <p15:sldGuideLst xmlns:p15="http://schemas.microsoft.com/office/powerpoint/2012/main">
+      <p15:sldGuideLst xmlns:p15="http://schemas.microsoft.com/office/powerpoint/2012/main" xmlns="">
         <p15:guide id="1" pos="7310" userDrawn="1">
           <p15:clr>
             <a:srgbClr val="A4A3A4"/>
@@ -219,7 +219,7 @@
           <a:p>
             <a:fld id="{69A4D669-94F9-4D70-8C76-4C2D35D4E5D0}" type="datetimeFigureOut">
               <a:rPr lang="en-US" smtClean="0"/>
-              <a:t>3/30/2022</a:t>
+              <a:t>4/1/2022</a:t>
             </a:fld>
             <a:endParaRPr lang="en-US" dirty="0"/>
           </a:p>
@@ -1191,7 +1191,7 @@
           <a:graphicData uri="http://schemas.openxmlformats.org/presentationml/2006/ole">
             <mc:AlternateContent xmlns:mc="http://schemas.openxmlformats.org/markup-compatibility/2006">
               <mc:Choice xmlns:v="urn:schemas-microsoft-com:vml" Requires="v">
-                <p:oleObj spid="_x0000_s32798" name="think-cell Slide" r:id="rId5" imgW="216" imgH="216" progId="TCLayout.ActiveDocument.1">
+                <p:oleObj spid="_x0000_s32803" name="think-cell Slide" r:id="rId5" imgW="216" imgH="216" progId="TCLayout.ActiveDocument.1">
                   <p:embed/>
                 </p:oleObj>
               </mc:Choice>
@@ -1388,7 +1388,7 @@
           <p:cNvPr id="4" name="Footer Placeholder 3">
             <a:extLst>
               <a:ext uri="{FF2B5EF4-FFF2-40B4-BE49-F238E27FC236}">
-                <a16:creationId xmlns:a16="http://schemas.microsoft.com/office/drawing/2014/main" id="{17D6DE4C-D976-4B4B-B087-C035EF8D4F6F}"/>
+                <a16:creationId xmlns:a16="http://schemas.microsoft.com/office/drawing/2014/main" xmlns="" id="{17D6DE4C-D976-4B4B-B087-C035EF8D4F6F}"/>
               </a:ext>
             </a:extLst>
           </p:cNvPr>
@@ -1447,7 +1447,7 @@
           <p:cNvPr id="13" name="Straight Connector 12">
             <a:extLst>
               <a:ext uri="{FF2B5EF4-FFF2-40B4-BE49-F238E27FC236}">
-                <a16:creationId xmlns:a16="http://schemas.microsoft.com/office/drawing/2014/main" id="{95C486A1-9876-924E-85C2-906892F8B9AC}"/>
+                <a16:creationId xmlns:a16="http://schemas.microsoft.com/office/drawing/2014/main" xmlns="" id="{95C486A1-9876-924E-85C2-906892F8B9AC}"/>
               </a:ext>
             </a:extLst>
           </p:cNvPr>
@@ -1490,7 +1490,7 @@
           <p:cNvPr id="17" name="Slide Number Placeholder 5">
             <a:extLst>
               <a:ext uri="{FF2B5EF4-FFF2-40B4-BE49-F238E27FC236}">
-                <a16:creationId xmlns:a16="http://schemas.microsoft.com/office/drawing/2014/main" id="{CC67CD5C-67EC-5144-B858-5347C50D1ACD}"/>
+                <a16:creationId xmlns:a16="http://schemas.microsoft.com/office/drawing/2014/main" xmlns="" id="{CC67CD5C-67EC-5144-B858-5347C50D1ACD}"/>
               </a:ext>
             </a:extLst>
           </p:cNvPr>
@@ -1542,7 +1542,7 @@
           <p:cNvPr id="8" name="Title 7">
             <a:extLst>
               <a:ext uri="{FF2B5EF4-FFF2-40B4-BE49-F238E27FC236}">
-                <a16:creationId xmlns:a16="http://schemas.microsoft.com/office/drawing/2014/main" id="{8A6F1540-D306-D44E-B1B3-1ACCF1041F70}"/>
+                <a16:creationId xmlns:a16="http://schemas.microsoft.com/office/drawing/2014/main" xmlns="" id="{8A6F1540-D306-D44E-B1B3-1ACCF1041F70}"/>
               </a:ext>
             </a:extLst>
           </p:cNvPr>
@@ -1949,7 +1949,7 @@
           <a:graphicData uri="http://schemas.openxmlformats.org/presentationml/2006/ole">
             <mc:AlternateContent xmlns:mc="http://schemas.openxmlformats.org/markup-compatibility/2006">
               <mc:Choice xmlns:v="urn:schemas-microsoft-com:vml" Requires="v">
-                <p:oleObj spid="_x0000_s33822" name="think-cell Slide" r:id="rId4" imgW="216" imgH="216" progId="TCLayout.ActiveDocument.1">
+                <p:oleObj spid="_x0000_s33827" name="think-cell Slide" r:id="rId4" imgW="216" imgH="216" progId="TCLayout.ActiveDocument.1">
                   <p:embed/>
                 </p:oleObj>
               </mc:Choice>
@@ -2075,7 +2075,7 @@
           <p:cNvPr id="8" name="Title 7">
             <a:extLst>
               <a:ext uri="{FF2B5EF4-FFF2-40B4-BE49-F238E27FC236}">
-                <a16:creationId xmlns:a16="http://schemas.microsoft.com/office/drawing/2014/main" id="{8A6F1540-D306-D44E-B1B3-1ACCF1041F70}"/>
+                <a16:creationId xmlns:a16="http://schemas.microsoft.com/office/drawing/2014/main" xmlns="" id="{8A6F1540-D306-D44E-B1B3-1ACCF1041F70}"/>
               </a:ext>
             </a:extLst>
           </p:cNvPr>
@@ -2111,7 +2111,7 @@
           <p:cNvPr id="9" name="Content Placeholder 2">
             <a:extLst>
               <a:ext uri="{FF2B5EF4-FFF2-40B4-BE49-F238E27FC236}">
-                <a16:creationId xmlns:a16="http://schemas.microsoft.com/office/drawing/2014/main" id="{0A7C1352-3D49-F849-9BC3-BC0AF9CD8F04}"/>
+                <a16:creationId xmlns:a16="http://schemas.microsoft.com/office/drawing/2014/main" xmlns="" id="{0A7C1352-3D49-F849-9BC3-BC0AF9CD8F04}"/>
               </a:ext>
             </a:extLst>
           </p:cNvPr>
@@ -2203,7 +2203,7 @@
           <p:cNvPr id="10" name="Content Placeholder 2">
             <a:extLst>
               <a:ext uri="{FF2B5EF4-FFF2-40B4-BE49-F238E27FC236}">
-                <a16:creationId xmlns:a16="http://schemas.microsoft.com/office/drawing/2014/main" id="{D1AA7CFB-7669-2648-A3E1-E647E531399E}"/>
+                <a16:creationId xmlns:a16="http://schemas.microsoft.com/office/drawing/2014/main" xmlns="" id="{D1AA7CFB-7669-2648-A3E1-E647E531399E}"/>
               </a:ext>
             </a:extLst>
           </p:cNvPr>
@@ -2295,7 +2295,7 @@
           <p:cNvPr id="11" name="Content Placeholder 2">
             <a:extLst>
               <a:ext uri="{FF2B5EF4-FFF2-40B4-BE49-F238E27FC236}">
-                <a16:creationId xmlns:a16="http://schemas.microsoft.com/office/drawing/2014/main" id="{2E4B4082-D988-5D43-9C32-2C7F747717ED}"/>
+                <a16:creationId xmlns:a16="http://schemas.microsoft.com/office/drawing/2014/main" xmlns="" id="{2E4B4082-D988-5D43-9C32-2C7F747717ED}"/>
               </a:ext>
             </a:extLst>
           </p:cNvPr>
@@ -2387,7 +2387,7 @@
           <p:cNvPr id="12" name="Content Placeholder 2">
             <a:extLst>
               <a:ext uri="{FF2B5EF4-FFF2-40B4-BE49-F238E27FC236}">
-                <a16:creationId xmlns:a16="http://schemas.microsoft.com/office/drawing/2014/main" id="{45B8DE4D-1F9B-7341-8CB2-D70634815B55}"/>
+                <a16:creationId xmlns:a16="http://schemas.microsoft.com/office/drawing/2014/main" xmlns="" id="{45B8DE4D-1F9B-7341-8CB2-D70634815B55}"/>
               </a:ext>
             </a:extLst>
           </p:cNvPr>
@@ -2479,7 +2479,7 @@
           <p:cNvPr id="14" name="Footer Placeholder 3">
             <a:extLst>
               <a:ext uri="{FF2B5EF4-FFF2-40B4-BE49-F238E27FC236}">
-                <a16:creationId xmlns:a16="http://schemas.microsoft.com/office/drawing/2014/main" id="{DBA440F4-82E0-7E45-8A6F-4A8C7572AEE5}"/>
+                <a16:creationId xmlns:a16="http://schemas.microsoft.com/office/drawing/2014/main" xmlns="" id="{DBA440F4-82E0-7E45-8A6F-4A8C7572AEE5}"/>
               </a:ext>
             </a:extLst>
           </p:cNvPr>
@@ -2538,7 +2538,7 @@
           <p:cNvPr id="15" name="Slide Number Placeholder 5">
             <a:extLst>
               <a:ext uri="{FF2B5EF4-FFF2-40B4-BE49-F238E27FC236}">
-                <a16:creationId xmlns:a16="http://schemas.microsoft.com/office/drawing/2014/main" id="{CC67CD5C-67EC-5144-B858-5347C50D1ACD}"/>
+                <a16:creationId xmlns:a16="http://schemas.microsoft.com/office/drawing/2014/main" xmlns="" id="{CC67CD5C-67EC-5144-B858-5347C50D1ACD}"/>
               </a:ext>
             </a:extLst>
           </p:cNvPr>
@@ -2590,7 +2590,7 @@
           <p:cNvPr id="16" name="Straight Connector 15">
             <a:extLst>
               <a:ext uri="{FF2B5EF4-FFF2-40B4-BE49-F238E27FC236}">
-                <a16:creationId xmlns:a16="http://schemas.microsoft.com/office/drawing/2014/main" id="{95C486A1-9876-924E-85C2-906892F8B9AC}"/>
+                <a16:creationId xmlns:a16="http://schemas.microsoft.com/office/drawing/2014/main" xmlns="" id="{95C486A1-9876-924E-85C2-906892F8B9AC}"/>
               </a:ext>
             </a:extLst>
           </p:cNvPr>
@@ -2686,7 +2686,7 @@
           <a:graphicData uri="http://schemas.openxmlformats.org/presentationml/2006/ole">
             <mc:AlternateContent xmlns:mc="http://schemas.openxmlformats.org/markup-compatibility/2006">
               <mc:Choice xmlns:v="urn:schemas-microsoft-com:vml" Requires="v">
-                <p:oleObj spid="_x0000_s34846" name="think-cell Slide" r:id="rId4" imgW="216" imgH="216" progId="TCLayout.ActiveDocument.1">
+                <p:oleObj spid="_x0000_s34851" name="think-cell Slide" r:id="rId4" imgW="216" imgH="216" progId="TCLayout.ActiveDocument.1">
                   <p:embed/>
                 </p:oleObj>
               </mc:Choice>
@@ -2726,7 +2726,7 @@
           <p:cNvPr id="8" name="Title 7">
             <a:extLst>
               <a:ext uri="{FF2B5EF4-FFF2-40B4-BE49-F238E27FC236}">
-                <a16:creationId xmlns:a16="http://schemas.microsoft.com/office/drawing/2014/main" id="{8A6F1540-D306-D44E-B1B3-1ACCF1041F70}"/>
+                <a16:creationId xmlns:a16="http://schemas.microsoft.com/office/drawing/2014/main" xmlns="" id="{8A6F1540-D306-D44E-B1B3-1ACCF1041F70}"/>
               </a:ext>
             </a:extLst>
           </p:cNvPr>
@@ -3522,7 +3522,7 @@
           <p:cNvPr id="37" name="Footer Placeholder 3">
             <a:extLst>
               <a:ext uri="{FF2B5EF4-FFF2-40B4-BE49-F238E27FC236}">
-                <a16:creationId xmlns:a16="http://schemas.microsoft.com/office/drawing/2014/main" id="{DBA440F4-82E0-7E45-8A6F-4A8C7572AEE5}"/>
+                <a16:creationId xmlns:a16="http://schemas.microsoft.com/office/drawing/2014/main" xmlns="" id="{DBA440F4-82E0-7E45-8A6F-4A8C7572AEE5}"/>
               </a:ext>
             </a:extLst>
           </p:cNvPr>
@@ -3581,7 +3581,7 @@
           <p:cNvPr id="38" name="Slide Number Placeholder 5">
             <a:extLst>
               <a:ext uri="{FF2B5EF4-FFF2-40B4-BE49-F238E27FC236}">
-                <a16:creationId xmlns:a16="http://schemas.microsoft.com/office/drawing/2014/main" id="{CC67CD5C-67EC-5144-B858-5347C50D1ACD}"/>
+                <a16:creationId xmlns:a16="http://schemas.microsoft.com/office/drawing/2014/main" xmlns="" id="{CC67CD5C-67EC-5144-B858-5347C50D1ACD}"/>
               </a:ext>
             </a:extLst>
           </p:cNvPr>
@@ -3633,7 +3633,7 @@
           <p:cNvPr id="39" name="Straight Connector 38">
             <a:extLst>
               <a:ext uri="{FF2B5EF4-FFF2-40B4-BE49-F238E27FC236}">
-                <a16:creationId xmlns:a16="http://schemas.microsoft.com/office/drawing/2014/main" id="{95C486A1-9876-924E-85C2-906892F8B9AC}"/>
+                <a16:creationId xmlns:a16="http://schemas.microsoft.com/office/drawing/2014/main" xmlns="" id="{95C486A1-9876-924E-85C2-906892F8B9AC}"/>
               </a:ext>
             </a:extLst>
           </p:cNvPr>
@@ -3734,7 +3734,7 @@
           <a:graphicData uri="http://schemas.openxmlformats.org/presentationml/2006/ole">
             <mc:AlternateContent xmlns:mc="http://schemas.openxmlformats.org/markup-compatibility/2006">
               <mc:Choice xmlns:v="urn:schemas-microsoft-com:vml" Requires="v">
-                <p:oleObj spid="_x0000_s35870" name="think-cell Slide" r:id="rId5" imgW="216" imgH="216" progId="TCLayout.ActiveDocument.1">
+                <p:oleObj spid="_x0000_s35875" name="think-cell Slide" r:id="rId5" imgW="216" imgH="216" progId="TCLayout.ActiveDocument.1">
                   <p:embed/>
                 </p:oleObj>
               </mc:Choice>
@@ -3951,7 +3951,7 @@
           <p:cNvPr id="4" name="Footer Placeholder 3">
             <a:extLst>
               <a:ext uri="{FF2B5EF4-FFF2-40B4-BE49-F238E27FC236}">
-                <a16:creationId xmlns:a16="http://schemas.microsoft.com/office/drawing/2014/main" id="{17D6DE4C-D976-4B4B-B087-C035EF8D4F6F}"/>
+                <a16:creationId xmlns:a16="http://schemas.microsoft.com/office/drawing/2014/main" xmlns="" id="{17D6DE4C-D976-4B4B-B087-C035EF8D4F6F}"/>
               </a:ext>
             </a:extLst>
           </p:cNvPr>
@@ -4010,7 +4010,7 @@
           <p:cNvPr id="17" name="Slide Number Placeholder 5">
             <a:extLst>
               <a:ext uri="{FF2B5EF4-FFF2-40B4-BE49-F238E27FC236}">
-                <a16:creationId xmlns:a16="http://schemas.microsoft.com/office/drawing/2014/main" id="{CC67CD5C-67EC-5144-B858-5347C50D1ACD}"/>
+                <a16:creationId xmlns:a16="http://schemas.microsoft.com/office/drawing/2014/main" xmlns="" id="{CC67CD5C-67EC-5144-B858-5347C50D1ACD}"/>
               </a:ext>
             </a:extLst>
           </p:cNvPr>
@@ -4062,7 +4062,7 @@
           <p:cNvPr id="8" name="Title 7">
             <a:extLst>
               <a:ext uri="{FF2B5EF4-FFF2-40B4-BE49-F238E27FC236}">
-                <a16:creationId xmlns:a16="http://schemas.microsoft.com/office/drawing/2014/main" id="{8A6F1540-D306-D44E-B1B3-1ACCF1041F70}"/>
+                <a16:creationId xmlns:a16="http://schemas.microsoft.com/office/drawing/2014/main" xmlns="" id="{8A6F1540-D306-D44E-B1B3-1ACCF1041F70}"/>
               </a:ext>
             </a:extLst>
           </p:cNvPr>
@@ -4106,7 +4106,7 @@
           <p:cNvPr id="9" name="Straight Connector 8">
             <a:extLst>
               <a:ext uri="{FF2B5EF4-FFF2-40B4-BE49-F238E27FC236}">
-                <a16:creationId xmlns:a16="http://schemas.microsoft.com/office/drawing/2014/main" id="{BB1AA2BE-B537-254D-958A-FBAFDE7E90DC}"/>
+                <a16:creationId xmlns:a16="http://schemas.microsoft.com/office/drawing/2014/main" xmlns="" id="{BB1AA2BE-B537-254D-958A-FBAFDE7E90DC}"/>
               </a:ext>
             </a:extLst>
           </p:cNvPr>
@@ -4149,7 +4149,7 @@
           <p:cNvPr id="10" name="Straight Connector 9">
             <a:extLst>
               <a:ext uri="{FF2B5EF4-FFF2-40B4-BE49-F238E27FC236}">
-                <a16:creationId xmlns:a16="http://schemas.microsoft.com/office/drawing/2014/main" id="{95C486A1-9876-924E-85C2-906892F8B9AC}"/>
+                <a16:creationId xmlns:a16="http://schemas.microsoft.com/office/drawing/2014/main" xmlns="" id="{95C486A1-9876-924E-85C2-906892F8B9AC}"/>
               </a:ext>
             </a:extLst>
           </p:cNvPr>
@@ -4253,7 +4253,7 @@
           <a:graphicData uri="http://schemas.openxmlformats.org/presentationml/2006/ole">
             <mc:AlternateContent xmlns:mc="http://schemas.openxmlformats.org/markup-compatibility/2006">
               <mc:Choice xmlns:v="urn:schemas-microsoft-com:vml" Requires="v">
-                <p:oleObj spid="_x0000_s45068" name="think-cell Slide" r:id="rId4" imgW="216" imgH="216" progId="TCLayout.ActiveDocument.1">
+                <p:oleObj spid="_x0000_s45073" name="think-cell Slide" r:id="rId4" imgW="216" imgH="216" progId="TCLayout.ActiveDocument.1">
                   <p:embed/>
                 </p:oleObj>
               </mc:Choice>
@@ -4339,7 +4339,7 @@
           <a:graphicData uri="http://schemas.openxmlformats.org/presentationml/2006/ole">
             <mc:AlternateContent xmlns:mc="http://schemas.openxmlformats.org/markup-compatibility/2006">
               <mc:Choice xmlns:v="urn:schemas-microsoft-com:vml" Requires="v">
-                <p:oleObj spid="_x0000_s37918" name="think-cell Slide" r:id="rId5" imgW="216" imgH="216" progId="TCLayout.ActiveDocument.1">
+                <p:oleObj spid="_x0000_s37923" name="think-cell Slide" r:id="rId5" imgW="216" imgH="216" progId="TCLayout.ActiveDocument.1">
                   <p:embed/>
                 </p:oleObj>
               </mc:Choice>
@@ -4536,7 +4536,7 @@
           <p:cNvPr id="4" name="Footer Placeholder 3">
             <a:extLst>
               <a:ext uri="{FF2B5EF4-FFF2-40B4-BE49-F238E27FC236}">
-                <a16:creationId xmlns:a16="http://schemas.microsoft.com/office/drawing/2014/main" id="{17D6DE4C-D976-4B4B-B087-C035EF8D4F6F}"/>
+                <a16:creationId xmlns:a16="http://schemas.microsoft.com/office/drawing/2014/main" xmlns="" id="{17D6DE4C-D976-4B4B-B087-C035EF8D4F6F}"/>
               </a:ext>
             </a:extLst>
           </p:cNvPr>
@@ -4595,7 +4595,7 @@
           <p:cNvPr id="13" name="Straight Connector 12">
             <a:extLst>
               <a:ext uri="{FF2B5EF4-FFF2-40B4-BE49-F238E27FC236}">
-                <a16:creationId xmlns:a16="http://schemas.microsoft.com/office/drawing/2014/main" id="{95C486A1-9876-924E-85C2-906892F8B9AC}"/>
+                <a16:creationId xmlns:a16="http://schemas.microsoft.com/office/drawing/2014/main" xmlns="" id="{95C486A1-9876-924E-85C2-906892F8B9AC}"/>
               </a:ext>
             </a:extLst>
           </p:cNvPr>
@@ -4638,7 +4638,7 @@
           <p:cNvPr id="17" name="Slide Number Placeholder 5">
             <a:extLst>
               <a:ext uri="{FF2B5EF4-FFF2-40B4-BE49-F238E27FC236}">
-                <a16:creationId xmlns:a16="http://schemas.microsoft.com/office/drawing/2014/main" id="{CC67CD5C-67EC-5144-B858-5347C50D1ACD}"/>
+                <a16:creationId xmlns:a16="http://schemas.microsoft.com/office/drawing/2014/main" xmlns="" id="{CC67CD5C-67EC-5144-B858-5347C50D1ACD}"/>
               </a:ext>
             </a:extLst>
           </p:cNvPr>
@@ -4690,7 +4690,7 @@
           <p:cNvPr id="8" name="Title 7">
             <a:extLst>
               <a:ext uri="{FF2B5EF4-FFF2-40B4-BE49-F238E27FC236}">
-                <a16:creationId xmlns:a16="http://schemas.microsoft.com/office/drawing/2014/main" id="{8A6F1540-D306-D44E-B1B3-1ACCF1041F70}"/>
+                <a16:creationId xmlns:a16="http://schemas.microsoft.com/office/drawing/2014/main" xmlns="" id="{8A6F1540-D306-D44E-B1B3-1ACCF1041F70}"/>
               </a:ext>
             </a:extLst>
           </p:cNvPr>
@@ -4816,7 +4816,7 @@
           <a:graphicData uri="http://schemas.openxmlformats.org/presentationml/2006/ole">
             <mc:AlternateContent xmlns:mc="http://schemas.openxmlformats.org/markup-compatibility/2006">
               <mc:Choice xmlns:v="urn:schemas-microsoft-com:vml" Requires="v">
-                <p:oleObj spid="_x0000_s38942" name="think-cell Slide" r:id="rId4" imgW="216" imgH="216" progId="TCLayout.ActiveDocument.1">
+                <p:oleObj spid="_x0000_s38947" name="think-cell Slide" r:id="rId4" imgW="216" imgH="216" progId="TCLayout.ActiveDocument.1">
                   <p:embed/>
                 </p:oleObj>
               </mc:Choice>
@@ -4942,7 +4942,7 @@
           <p:cNvPr id="8" name="Title 7">
             <a:extLst>
               <a:ext uri="{FF2B5EF4-FFF2-40B4-BE49-F238E27FC236}">
-                <a16:creationId xmlns:a16="http://schemas.microsoft.com/office/drawing/2014/main" id="{8A6F1540-D306-D44E-B1B3-1ACCF1041F70}"/>
+                <a16:creationId xmlns:a16="http://schemas.microsoft.com/office/drawing/2014/main" xmlns="" id="{8A6F1540-D306-D44E-B1B3-1ACCF1041F70}"/>
               </a:ext>
             </a:extLst>
           </p:cNvPr>
@@ -4978,7 +4978,7 @@
           <p:cNvPr id="9" name="Content Placeholder 2">
             <a:extLst>
               <a:ext uri="{FF2B5EF4-FFF2-40B4-BE49-F238E27FC236}">
-                <a16:creationId xmlns:a16="http://schemas.microsoft.com/office/drawing/2014/main" id="{0A7C1352-3D49-F849-9BC3-BC0AF9CD8F04}"/>
+                <a16:creationId xmlns:a16="http://schemas.microsoft.com/office/drawing/2014/main" xmlns="" id="{0A7C1352-3D49-F849-9BC3-BC0AF9CD8F04}"/>
               </a:ext>
             </a:extLst>
           </p:cNvPr>
@@ -5070,7 +5070,7 @@
           <p:cNvPr id="10" name="Content Placeholder 2">
             <a:extLst>
               <a:ext uri="{FF2B5EF4-FFF2-40B4-BE49-F238E27FC236}">
-                <a16:creationId xmlns:a16="http://schemas.microsoft.com/office/drawing/2014/main" id="{D1AA7CFB-7669-2648-A3E1-E647E531399E}"/>
+                <a16:creationId xmlns:a16="http://schemas.microsoft.com/office/drawing/2014/main" xmlns="" id="{D1AA7CFB-7669-2648-A3E1-E647E531399E}"/>
               </a:ext>
             </a:extLst>
           </p:cNvPr>
@@ -5162,7 +5162,7 @@
           <p:cNvPr id="11" name="Content Placeholder 2">
             <a:extLst>
               <a:ext uri="{FF2B5EF4-FFF2-40B4-BE49-F238E27FC236}">
-                <a16:creationId xmlns:a16="http://schemas.microsoft.com/office/drawing/2014/main" id="{2E4B4082-D988-5D43-9C32-2C7F747717ED}"/>
+                <a16:creationId xmlns:a16="http://schemas.microsoft.com/office/drawing/2014/main" xmlns="" id="{2E4B4082-D988-5D43-9C32-2C7F747717ED}"/>
               </a:ext>
             </a:extLst>
           </p:cNvPr>
@@ -5254,7 +5254,7 @@
           <p:cNvPr id="12" name="Content Placeholder 2">
             <a:extLst>
               <a:ext uri="{FF2B5EF4-FFF2-40B4-BE49-F238E27FC236}">
-                <a16:creationId xmlns:a16="http://schemas.microsoft.com/office/drawing/2014/main" id="{45B8DE4D-1F9B-7341-8CB2-D70634815B55}"/>
+                <a16:creationId xmlns:a16="http://schemas.microsoft.com/office/drawing/2014/main" xmlns="" id="{45B8DE4D-1F9B-7341-8CB2-D70634815B55}"/>
               </a:ext>
             </a:extLst>
           </p:cNvPr>
@@ -5346,7 +5346,7 @@
           <p:cNvPr id="14" name="Footer Placeholder 3">
             <a:extLst>
               <a:ext uri="{FF2B5EF4-FFF2-40B4-BE49-F238E27FC236}">
-                <a16:creationId xmlns:a16="http://schemas.microsoft.com/office/drawing/2014/main" id="{DBA440F4-82E0-7E45-8A6F-4A8C7572AEE5}"/>
+                <a16:creationId xmlns:a16="http://schemas.microsoft.com/office/drawing/2014/main" xmlns="" id="{DBA440F4-82E0-7E45-8A6F-4A8C7572AEE5}"/>
               </a:ext>
             </a:extLst>
           </p:cNvPr>
@@ -5405,7 +5405,7 @@
           <p:cNvPr id="15" name="Slide Number Placeholder 5">
             <a:extLst>
               <a:ext uri="{FF2B5EF4-FFF2-40B4-BE49-F238E27FC236}">
-                <a16:creationId xmlns:a16="http://schemas.microsoft.com/office/drawing/2014/main" id="{CC67CD5C-67EC-5144-B858-5347C50D1ACD}"/>
+                <a16:creationId xmlns:a16="http://schemas.microsoft.com/office/drawing/2014/main" xmlns="" id="{CC67CD5C-67EC-5144-B858-5347C50D1ACD}"/>
               </a:ext>
             </a:extLst>
           </p:cNvPr>
@@ -5457,7 +5457,7 @@
           <p:cNvPr id="16" name="Straight Connector 15">
             <a:extLst>
               <a:ext uri="{FF2B5EF4-FFF2-40B4-BE49-F238E27FC236}">
-                <a16:creationId xmlns:a16="http://schemas.microsoft.com/office/drawing/2014/main" id="{95C486A1-9876-924E-85C2-906892F8B9AC}"/>
+                <a16:creationId xmlns:a16="http://schemas.microsoft.com/office/drawing/2014/main" xmlns="" id="{95C486A1-9876-924E-85C2-906892F8B9AC}"/>
               </a:ext>
             </a:extLst>
           </p:cNvPr>
@@ -5553,7 +5553,7 @@
           <a:graphicData uri="http://schemas.openxmlformats.org/presentationml/2006/ole">
             <mc:AlternateContent xmlns:mc="http://schemas.openxmlformats.org/markup-compatibility/2006">
               <mc:Choice xmlns:v="urn:schemas-microsoft-com:vml" Requires="v">
-                <p:oleObj spid="_x0000_s39966" name="think-cell Slide" r:id="rId4" imgW="216" imgH="216" progId="TCLayout.ActiveDocument.1">
+                <p:oleObj spid="_x0000_s39971" name="think-cell Slide" r:id="rId4" imgW="216" imgH="216" progId="TCLayout.ActiveDocument.1">
                   <p:embed/>
                 </p:oleObj>
               </mc:Choice>
@@ -5593,7 +5593,7 @@
           <p:cNvPr id="8" name="Title 7">
             <a:extLst>
               <a:ext uri="{FF2B5EF4-FFF2-40B4-BE49-F238E27FC236}">
-                <a16:creationId xmlns:a16="http://schemas.microsoft.com/office/drawing/2014/main" id="{8A6F1540-D306-D44E-B1B3-1ACCF1041F70}"/>
+                <a16:creationId xmlns:a16="http://schemas.microsoft.com/office/drawing/2014/main" xmlns="" id="{8A6F1540-D306-D44E-B1B3-1ACCF1041F70}"/>
               </a:ext>
             </a:extLst>
           </p:cNvPr>
@@ -6389,7 +6389,7 @@
           <p:cNvPr id="37" name="Footer Placeholder 3">
             <a:extLst>
               <a:ext uri="{FF2B5EF4-FFF2-40B4-BE49-F238E27FC236}">
-                <a16:creationId xmlns:a16="http://schemas.microsoft.com/office/drawing/2014/main" id="{DBA440F4-82E0-7E45-8A6F-4A8C7572AEE5}"/>
+                <a16:creationId xmlns:a16="http://schemas.microsoft.com/office/drawing/2014/main" xmlns="" id="{DBA440F4-82E0-7E45-8A6F-4A8C7572AEE5}"/>
               </a:ext>
             </a:extLst>
           </p:cNvPr>
@@ -6448,7 +6448,7 @@
           <p:cNvPr id="38" name="Slide Number Placeholder 5">
             <a:extLst>
               <a:ext uri="{FF2B5EF4-FFF2-40B4-BE49-F238E27FC236}">
-                <a16:creationId xmlns:a16="http://schemas.microsoft.com/office/drawing/2014/main" id="{CC67CD5C-67EC-5144-B858-5347C50D1ACD}"/>
+                <a16:creationId xmlns:a16="http://schemas.microsoft.com/office/drawing/2014/main" xmlns="" id="{CC67CD5C-67EC-5144-B858-5347C50D1ACD}"/>
               </a:ext>
             </a:extLst>
           </p:cNvPr>
@@ -6500,7 +6500,7 @@
           <p:cNvPr id="39" name="Straight Connector 38">
             <a:extLst>
               <a:ext uri="{FF2B5EF4-FFF2-40B4-BE49-F238E27FC236}">
-                <a16:creationId xmlns:a16="http://schemas.microsoft.com/office/drawing/2014/main" id="{95C486A1-9876-924E-85C2-906892F8B9AC}"/>
+                <a16:creationId xmlns:a16="http://schemas.microsoft.com/office/drawing/2014/main" xmlns="" id="{95C486A1-9876-924E-85C2-906892F8B9AC}"/>
               </a:ext>
             </a:extLst>
           </p:cNvPr>
@@ -6601,7 +6601,7 @@
           <a:graphicData uri="http://schemas.openxmlformats.org/presentationml/2006/ole">
             <mc:AlternateContent xmlns:mc="http://schemas.openxmlformats.org/markup-compatibility/2006">
               <mc:Choice xmlns:v="urn:schemas-microsoft-com:vml" Requires="v">
-                <p:oleObj spid="_x0000_s40990" name="think-cell Slide" r:id="rId5" imgW="216" imgH="216" progId="TCLayout.ActiveDocument.1">
+                <p:oleObj spid="_x0000_s40995" name="think-cell Slide" r:id="rId5" imgW="216" imgH="216" progId="TCLayout.ActiveDocument.1">
                   <p:embed/>
                 </p:oleObj>
               </mc:Choice>
@@ -6818,7 +6818,7 @@
           <p:cNvPr id="4" name="Footer Placeholder 3">
             <a:extLst>
               <a:ext uri="{FF2B5EF4-FFF2-40B4-BE49-F238E27FC236}">
-                <a16:creationId xmlns:a16="http://schemas.microsoft.com/office/drawing/2014/main" id="{17D6DE4C-D976-4B4B-B087-C035EF8D4F6F}"/>
+                <a16:creationId xmlns:a16="http://schemas.microsoft.com/office/drawing/2014/main" xmlns="" id="{17D6DE4C-D976-4B4B-B087-C035EF8D4F6F}"/>
               </a:ext>
             </a:extLst>
           </p:cNvPr>
@@ -6877,7 +6877,7 @@
           <p:cNvPr id="17" name="Slide Number Placeholder 5">
             <a:extLst>
               <a:ext uri="{FF2B5EF4-FFF2-40B4-BE49-F238E27FC236}">
-                <a16:creationId xmlns:a16="http://schemas.microsoft.com/office/drawing/2014/main" id="{CC67CD5C-67EC-5144-B858-5347C50D1ACD}"/>
+                <a16:creationId xmlns:a16="http://schemas.microsoft.com/office/drawing/2014/main" xmlns="" id="{CC67CD5C-67EC-5144-B858-5347C50D1ACD}"/>
               </a:ext>
             </a:extLst>
           </p:cNvPr>
@@ -6929,7 +6929,7 @@
           <p:cNvPr id="8" name="Title 7">
             <a:extLst>
               <a:ext uri="{FF2B5EF4-FFF2-40B4-BE49-F238E27FC236}">
-                <a16:creationId xmlns:a16="http://schemas.microsoft.com/office/drawing/2014/main" id="{8A6F1540-D306-D44E-B1B3-1ACCF1041F70}"/>
+                <a16:creationId xmlns:a16="http://schemas.microsoft.com/office/drawing/2014/main" xmlns="" id="{8A6F1540-D306-D44E-B1B3-1ACCF1041F70}"/>
               </a:ext>
             </a:extLst>
           </p:cNvPr>
@@ -6973,7 +6973,7 @@
           <p:cNvPr id="9" name="Straight Connector 8">
             <a:extLst>
               <a:ext uri="{FF2B5EF4-FFF2-40B4-BE49-F238E27FC236}">
-                <a16:creationId xmlns:a16="http://schemas.microsoft.com/office/drawing/2014/main" id="{BB1AA2BE-B537-254D-958A-FBAFDE7E90DC}"/>
+                <a16:creationId xmlns:a16="http://schemas.microsoft.com/office/drawing/2014/main" xmlns="" id="{BB1AA2BE-B537-254D-958A-FBAFDE7E90DC}"/>
               </a:ext>
             </a:extLst>
           </p:cNvPr>
@@ -7016,7 +7016,7 @@
           <p:cNvPr id="10" name="Straight Connector 9">
             <a:extLst>
               <a:ext uri="{FF2B5EF4-FFF2-40B4-BE49-F238E27FC236}">
-                <a16:creationId xmlns:a16="http://schemas.microsoft.com/office/drawing/2014/main" id="{95C486A1-9876-924E-85C2-906892F8B9AC}"/>
+                <a16:creationId xmlns:a16="http://schemas.microsoft.com/office/drawing/2014/main" xmlns="" id="{95C486A1-9876-924E-85C2-906892F8B9AC}"/>
               </a:ext>
             </a:extLst>
           </p:cNvPr>
@@ -7121,7 +7121,7 @@
           <a:graphicData uri="http://schemas.openxmlformats.org/presentationml/2006/ole">
             <mc:AlternateContent xmlns:mc="http://schemas.openxmlformats.org/markup-compatibility/2006">
               <mc:Choice xmlns:v="urn:schemas-microsoft-com:vml" Requires="v">
-                <p:oleObj spid="_x0000_s31774" name="think-cell Slide" r:id="rId10" imgW="216" imgH="216" progId="TCLayout.ActiveDocument.1">
+                <p:oleObj spid="_x0000_s31779" name="think-cell Slide" r:id="rId10" imgW="216" imgH="216" progId="TCLayout.ActiveDocument.1">
                   <p:embed/>
                 </p:oleObj>
               </mc:Choice>
@@ -7241,7 +7241,7 @@
           <p:cNvPr id="10" name="Straight Connector 9">
             <a:extLst>
               <a:ext uri="{FF2B5EF4-FFF2-40B4-BE49-F238E27FC236}">
-                <a16:creationId xmlns:a16="http://schemas.microsoft.com/office/drawing/2014/main" id="{BB1AA2BE-B537-254D-958A-FBAFDE7E90DC}"/>
+                <a16:creationId xmlns:a16="http://schemas.microsoft.com/office/drawing/2014/main" xmlns="" id="{BB1AA2BE-B537-254D-958A-FBAFDE7E90DC}"/>
               </a:ext>
             </a:extLst>
           </p:cNvPr>
@@ -7284,7 +7284,7 @@
           <p:cNvPr id="15" name="Footer Placeholder 3">
             <a:extLst>
               <a:ext uri="{FF2B5EF4-FFF2-40B4-BE49-F238E27FC236}">
-                <a16:creationId xmlns:a16="http://schemas.microsoft.com/office/drawing/2014/main" id="{DBA440F4-82E0-7E45-8A6F-4A8C7572AEE5}"/>
+                <a16:creationId xmlns:a16="http://schemas.microsoft.com/office/drawing/2014/main" xmlns="" id="{DBA440F4-82E0-7E45-8A6F-4A8C7572AEE5}"/>
               </a:ext>
             </a:extLst>
           </p:cNvPr>
@@ -7343,7 +7343,7 @@
           <p:cNvPr id="16" name="Slide Number Placeholder 5">
             <a:extLst>
               <a:ext uri="{FF2B5EF4-FFF2-40B4-BE49-F238E27FC236}">
-                <a16:creationId xmlns:a16="http://schemas.microsoft.com/office/drawing/2014/main" id="{2D9636C8-FF6B-E141-B9E1-70C7091B23B1}"/>
+                <a16:creationId xmlns:a16="http://schemas.microsoft.com/office/drawing/2014/main" xmlns="" id="{2D9636C8-FF6B-E141-B9E1-70C7091B23B1}"/>
               </a:ext>
             </a:extLst>
           </p:cNvPr>
@@ -7710,7 +7710,7 @@
   </p:txStyles>
   <p:extLst mod="1">
     <p:ext uri="{27BBF7A9-308A-43DC-89C8-2F10F3537804}">
-      <p15:sldGuideLst xmlns:p15="http://schemas.microsoft.com/office/powerpoint/2012/main">
+      <p15:sldGuideLst xmlns:p15="http://schemas.microsoft.com/office/powerpoint/2012/main" xmlns="">
         <p15:guide id="1" orient="horz" pos="2041">
           <p15:clr>
             <a:srgbClr val="F26B43"/>
@@ -7879,7 +7879,7 @@
           <a:graphicData uri="http://schemas.openxmlformats.org/presentationml/2006/ole">
             <mc:AlternateContent xmlns:mc="http://schemas.openxmlformats.org/markup-compatibility/2006">
               <mc:Choice xmlns:v="urn:schemas-microsoft-com:vml" Requires="v">
-                <p:oleObj spid="_x0000_s36895" name="think-cell Slide" r:id="rId10" imgW="216" imgH="216" progId="TCLayout.ActiveDocument.1">
+                <p:oleObj spid="_x0000_s36900" name="think-cell Slide" r:id="rId10" imgW="216" imgH="216" progId="TCLayout.ActiveDocument.1">
                   <p:embed/>
                 </p:oleObj>
               </mc:Choice>
@@ -7999,7 +7999,7 @@
           <p:cNvPr id="10" name="Straight Connector 9">
             <a:extLst>
               <a:ext uri="{FF2B5EF4-FFF2-40B4-BE49-F238E27FC236}">
-                <a16:creationId xmlns:a16="http://schemas.microsoft.com/office/drawing/2014/main" id="{BB1AA2BE-B537-254D-958A-FBAFDE7E90DC}"/>
+                <a16:creationId xmlns:a16="http://schemas.microsoft.com/office/drawing/2014/main" xmlns="" id="{BB1AA2BE-B537-254D-958A-FBAFDE7E90DC}"/>
               </a:ext>
             </a:extLst>
           </p:cNvPr>
@@ -8042,7 +8042,7 @@
           <p:cNvPr id="15" name="Footer Placeholder 3">
             <a:extLst>
               <a:ext uri="{FF2B5EF4-FFF2-40B4-BE49-F238E27FC236}">
-                <a16:creationId xmlns:a16="http://schemas.microsoft.com/office/drawing/2014/main" id="{DBA440F4-82E0-7E45-8A6F-4A8C7572AEE5}"/>
+                <a16:creationId xmlns:a16="http://schemas.microsoft.com/office/drawing/2014/main" xmlns="" id="{DBA440F4-82E0-7E45-8A6F-4A8C7572AEE5}"/>
               </a:ext>
             </a:extLst>
           </p:cNvPr>
@@ -8101,7 +8101,7 @@
           <p:cNvPr id="16" name="Slide Number Placeholder 5">
             <a:extLst>
               <a:ext uri="{FF2B5EF4-FFF2-40B4-BE49-F238E27FC236}">
-                <a16:creationId xmlns:a16="http://schemas.microsoft.com/office/drawing/2014/main" id="{2D9636C8-FF6B-E141-B9E1-70C7091B23B1}"/>
+                <a16:creationId xmlns:a16="http://schemas.microsoft.com/office/drawing/2014/main" xmlns="" id="{2D9636C8-FF6B-E141-B9E1-70C7091B23B1}"/>
               </a:ext>
             </a:extLst>
           </p:cNvPr>
@@ -8468,7 +8468,7 @@
   </p:txStyles>
   <p:extLst mod="1">
     <p:ext uri="{27BBF7A9-308A-43DC-89C8-2F10F3537804}">
-      <p15:sldGuideLst xmlns:p15="http://schemas.microsoft.com/office/powerpoint/2012/main">
+      <p15:sldGuideLst xmlns:p15="http://schemas.microsoft.com/office/powerpoint/2012/main" xmlns="">
         <p15:guide id="1" orient="horz" pos="2041">
           <p15:clr>
             <a:srgbClr val="F26B43"/>
@@ -9084,7 +9084,7 @@
           <a:graphicData uri="http://schemas.openxmlformats.org/presentationml/2006/ole">
             <mc:AlternateContent xmlns:mc="http://schemas.openxmlformats.org/markup-compatibility/2006">
               <mc:Choice xmlns:v="urn:schemas-microsoft-com:vml" Requires="v">
-                <p:oleObj spid="_x0000_s42020" name="think-cell Slide" r:id="rId6" imgW="416" imgH="416" progId="TCLayout.ActiveDocument.1">
+                <p:oleObj spid="_x0000_s42025" name="think-cell Slide" r:id="rId6" imgW="416" imgH="416" progId="TCLayout.ActiveDocument.1">
                   <p:embed/>
                 </p:oleObj>
               </mc:Choice>
@@ -9128,14 +9128,14 @@
           <p:nvPr>
             <p:extLst>
               <p:ext uri="{D42A27DB-BD31-4B8C-83A1-F6EECF244321}">
-                <p14:modId xmlns:p14="http://schemas.microsoft.com/office/powerpoint/2010/main" val="3904184172"/>
+                <p14:modId xmlns:p14="http://schemas.microsoft.com/office/powerpoint/2010/main" val="1770992327"/>
               </p:ext>
             </p:extLst>
           </p:nvPr>
         </p:nvGraphicFramePr>
         <p:xfrm>
           <a:off x="539749" y="1107029"/>
-          <a:ext cx="11079991" cy="2785549"/>
+          <a:ext cx="11079991" cy="2955733"/>
         </p:xfrm>
         <a:graphic>
           <a:graphicData uri="http://schemas.openxmlformats.org/drawingml/2006/table">
@@ -9147,42 +9147,42 @@
                 <a:gridCol w="1924933">
                   <a:extLst>
                     <a:ext uri="{9D8B030D-6E8A-4147-A177-3AD203B41FA5}">
-                      <a16:colId xmlns:a16="http://schemas.microsoft.com/office/drawing/2014/main" val="1357581311"/>
+                      <a16:colId xmlns:a16="http://schemas.microsoft.com/office/drawing/2014/main" xmlns="" val="1357581311"/>
                     </a:ext>
                   </a:extLst>
                 </a:gridCol>
                 <a:gridCol w="2706957">
                   <a:extLst>
                     <a:ext uri="{9D8B030D-6E8A-4147-A177-3AD203B41FA5}">
-                      <a16:colId xmlns:a16="http://schemas.microsoft.com/office/drawing/2014/main" val="1956442140"/>
+                      <a16:colId xmlns:a16="http://schemas.microsoft.com/office/drawing/2014/main" xmlns="" val="1956442140"/>
                     </a:ext>
                   </a:extLst>
                 </a:gridCol>
                 <a:gridCol w="1378384">
                   <a:extLst>
                     <a:ext uri="{9D8B030D-6E8A-4147-A177-3AD203B41FA5}">
-                      <a16:colId xmlns:a16="http://schemas.microsoft.com/office/drawing/2014/main" val="3122743454"/>
+                      <a16:colId xmlns:a16="http://schemas.microsoft.com/office/drawing/2014/main" xmlns="" val="3122743454"/>
                     </a:ext>
                   </a:extLst>
                 </a:gridCol>
                 <a:gridCol w="1030714">
                   <a:extLst>
                     <a:ext uri="{9D8B030D-6E8A-4147-A177-3AD203B41FA5}">
-                      <a16:colId xmlns:a16="http://schemas.microsoft.com/office/drawing/2014/main" val="755301095"/>
+                      <a16:colId xmlns:a16="http://schemas.microsoft.com/office/drawing/2014/main" xmlns="" val="755301095"/>
                     </a:ext>
                   </a:extLst>
                 </a:gridCol>
                 <a:gridCol w="2464037">
                   <a:extLst>
                     <a:ext uri="{9D8B030D-6E8A-4147-A177-3AD203B41FA5}">
-                      <a16:colId xmlns:a16="http://schemas.microsoft.com/office/drawing/2014/main" val="2056552446"/>
+                      <a16:colId xmlns:a16="http://schemas.microsoft.com/office/drawing/2014/main" xmlns="" val="2056552446"/>
                     </a:ext>
                   </a:extLst>
                 </a:gridCol>
                 <a:gridCol w="1574966">
                   <a:extLst>
                     <a:ext uri="{9D8B030D-6E8A-4147-A177-3AD203B41FA5}">
-                      <a16:colId xmlns:a16="http://schemas.microsoft.com/office/drawing/2014/main" val="1567976445"/>
+                      <a16:colId xmlns:a16="http://schemas.microsoft.com/office/drawing/2014/main" xmlns="" val="1567976445"/>
                     </a:ext>
                   </a:extLst>
                 </a:gridCol>
@@ -9327,7 +9327,7 @@
                 </a:tc>
                 <a:extLst>
                   <a:ext uri="{0D108BD9-81ED-4DB2-BD59-A6C34878D82A}">
-                    <a16:rowId xmlns:a16="http://schemas.microsoft.com/office/drawing/2014/main" val="3203583067"/>
+                    <a16:rowId xmlns:a16="http://schemas.microsoft.com/office/drawing/2014/main" xmlns="" val="3203583067"/>
                   </a:ext>
                 </a:extLst>
               </a:tr>
@@ -9492,66 +9492,6 @@
                         <a:tabLst/>
                         <a:defRPr/>
                       </a:pPr>
-                      <a:r>
-                        <a:rPr lang="zh-CN" altLang="en-US" sz="1200" b="0" kern="1200" dirty="0" smtClean="0">
-                          <a:solidFill>
-                            <a:schemeClr val="tx1"/>
-                          </a:solidFill>
-                          <a:latin typeface="+mn-lt"/>
-                          <a:ea typeface="+mn-ea"/>
-                          <a:cs typeface="+mn-ea"/>
-                          <a:sym typeface="+mn-lt"/>
-                        </a:rPr>
-                        <a:t>宾利</a:t>
-                      </a:r>
-                      <a:r>
-                        <a:rPr lang="en-US" altLang="zh-CN" sz="1200" b="0" kern="1200" dirty="0" smtClean="0">
-                          <a:solidFill>
-                            <a:schemeClr val="tx1"/>
-                          </a:solidFill>
-                          <a:latin typeface="+mn-lt"/>
-                          <a:ea typeface="+mn-ea"/>
-                          <a:cs typeface="+mn-ea"/>
-                          <a:sym typeface="+mn-lt"/>
-                        </a:rPr>
-                        <a:t>XXXX</a:t>
-                      </a:r>
-                      <a:r>
-                        <a:rPr lang="zh-CN" altLang="en-US" sz="1200" b="0" kern="1200" dirty="0" smtClean="0">
-                          <a:solidFill>
-                            <a:schemeClr val="tx1"/>
-                          </a:solidFill>
-                          <a:latin typeface="+mn-lt"/>
-                          <a:ea typeface="+mn-ea"/>
-                          <a:cs typeface="+mn-ea"/>
-                          <a:sym typeface="+mn-lt"/>
-                        </a:rPr>
-                        <a:t>交车仪式 </a:t>
-                      </a:r>
-                      <a:r>
-                        <a:rPr lang="en-US" altLang="zh-CN" sz="1200" b="0" kern="1200" dirty="0" smtClean="0">
-                          <a:solidFill>
-                            <a:schemeClr val="tx1"/>
-                          </a:solidFill>
-                          <a:latin typeface="+mn-lt"/>
-                          <a:ea typeface="+mn-ea"/>
-                          <a:cs typeface="+mn-ea"/>
-                          <a:sym typeface="+mn-lt"/>
-                        </a:rPr>
-                        <a:t>– X</a:t>
-                      </a:r>
-                      <a:r>
-                        <a:rPr lang="zh-CN" altLang="en-US" sz="1200" b="0" kern="1200" dirty="0" smtClean="0">
-                          <a:solidFill>
-                            <a:schemeClr val="tx1"/>
-                          </a:solidFill>
-                          <a:latin typeface="+mn-lt"/>
-                          <a:ea typeface="+mn-ea"/>
-                          <a:cs typeface="+mn-ea"/>
-                          <a:sym typeface="+mn-lt"/>
-                        </a:rPr>
-                        <a:t>月</a:t>
-                      </a:r>
                       <a:endParaRPr lang="en-US" sz="1200" b="0" kern="1200" dirty="0" smtClean="0">
                         <a:solidFill>
                           <a:schemeClr val="tx1"/>
@@ -9720,7 +9660,7 @@
                 </a:tc>
                 <a:extLst>
                   <a:ext uri="{0D108BD9-81ED-4DB2-BD59-A6C34878D82A}">
-                    <a16:rowId xmlns:a16="http://schemas.microsoft.com/office/drawing/2014/main" val="851841494"/>
+                    <a16:rowId xmlns:a16="http://schemas.microsoft.com/office/drawing/2014/main" xmlns="" val="851841494"/>
                   </a:ext>
                 </a:extLst>
               </a:tr>
@@ -9991,18 +9931,6 @@
                     <a:bodyPr/>
                     <a:lstStyle/>
                     <a:p>
-                      <a:r>
-                        <a:rPr lang="en-US" sz="1200" b="0" kern="1200" dirty="0" smtClean="0">
-                          <a:solidFill>
-                            <a:schemeClr val="tx1"/>
-                          </a:solidFill>
-                          <a:latin typeface="+mn-lt"/>
-                          <a:ea typeface="+mn-ea"/>
-                          <a:cs typeface="+mn-ea"/>
-                          <a:sym typeface="+mn-lt"/>
-                        </a:rPr>
-                        <a:t>xx</a:t>
-                      </a:r>
                       <a:endParaRPr lang="en-US" sz="1200" b="0" kern="1200" dirty="0">
                         <a:solidFill>
                           <a:schemeClr val="tx1"/>
@@ -10317,7 +10245,7 @@
                 </a:tc>
                 <a:extLst>
                   <a:ext uri="{0D108BD9-81ED-4DB2-BD59-A6C34878D82A}">
-                    <a16:rowId xmlns:a16="http://schemas.microsoft.com/office/drawing/2014/main" val="406495537"/>
+                    <a16:rowId xmlns:a16="http://schemas.microsoft.com/office/drawing/2014/main" xmlns="" val="406495537"/>
                   </a:ext>
                 </a:extLst>
               </a:tr>
@@ -10506,18 +10434,6 @@
                     <a:bodyPr/>
                     <a:lstStyle/>
                     <a:p>
-                      <a:r>
-                        <a:rPr lang="en-US" sz="1200" b="0" dirty="0" smtClean="0">
-                          <a:solidFill>
-                            <a:schemeClr val="tx1"/>
-                          </a:solidFill>
-                          <a:latin typeface="+mn-lt"/>
-                          <a:ea typeface="+mn-ea"/>
-                          <a:cs typeface="+mn-ea"/>
-                          <a:sym typeface="+mn-lt"/>
-                        </a:rPr>
-                        <a:t>xx</a:t>
-                      </a:r>
                       <a:endParaRPr lang="en-US" sz="1200" b="0" dirty="0">
                         <a:solidFill>
                           <a:schemeClr val="tx1"/>
@@ -10693,7 +10609,7 @@
                 </a:tc>
                 <a:extLst>
                   <a:ext uri="{0D108BD9-81ED-4DB2-BD59-A6C34878D82A}">
-                    <a16:rowId xmlns:a16="http://schemas.microsoft.com/office/drawing/2014/main" val="2200042587"/>
+                    <a16:rowId xmlns:a16="http://schemas.microsoft.com/office/drawing/2014/main" xmlns="" val="2200042587"/>
                   </a:ext>
                 </a:extLst>
               </a:tr>
@@ -10885,18 +10801,15 @@
                         <a:tabLst/>
                         <a:defRPr/>
                       </a:pPr>
-                      <a:r>
-                        <a:rPr lang="en-US" altLang="zh-CN" sz="1200" b="0" kern="1200" dirty="0" smtClean="0">
-                          <a:solidFill>
-                            <a:schemeClr val="tx1"/>
-                          </a:solidFill>
-                          <a:latin typeface="+mn-lt"/>
-                          <a:ea typeface="+mn-ea"/>
-                          <a:cs typeface="+mn-ea"/>
-                          <a:sym typeface="+mn-lt"/>
-                        </a:rPr>
-                        <a:t>RMB X,XXX</a:t>
-                      </a:r>
+                      <a:endParaRPr lang="en-US" altLang="zh-CN" sz="1200" b="0" kern="1200" dirty="0" smtClean="0">
+                        <a:solidFill>
+                          <a:schemeClr val="tx1"/>
+                        </a:solidFill>
+                        <a:latin typeface="+mn-lt"/>
+                        <a:ea typeface="+mn-ea"/>
+                        <a:cs typeface="+mn-ea"/>
+                        <a:sym typeface="+mn-lt"/>
+                      </a:endParaRPr>
                     </a:p>
                   </a:txBody>
                   <a:tcPr marL="108522" marR="108522" marT="54261" marB="54261" anchor="ctr">
@@ -10972,7 +10885,7 @@
                 </a:tc>
                 <a:extLst>
                   <a:ext uri="{0D108BD9-81ED-4DB2-BD59-A6C34878D82A}">
-                    <a16:rowId xmlns:a16="http://schemas.microsoft.com/office/drawing/2014/main" val="4069117920"/>
+                    <a16:rowId xmlns:a16="http://schemas.microsoft.com/office/drawing/2014/main" xmlns="" val="4069117920"/>
                   </a:ext>
                 </a:extLst>
               </a:tr>
@@ -11165,18 +11078,6 @@
                         <a:tabLst/>
                         <a:defRPr/>
                       </a:pPr>
-                      <a:r>
-                        <a:rPr lang="en-US" sz="1200" b="0" kern="1200" dirty="0" smtClean="0">
-                          <a:solidFill>
-                            <a:schemeClr val="tx1"/>
-                          </a:solidFill>
-                          <a:latin typeface="+mn-lt"/>
-                          <a:ea typeface="+mn-ea"/>
-                          <a:cs typeface="+mn-ea"/>
-                          <a:sym typeface="+mn-lt"/>
-                        </a:rPr>
-                        <a:t>xx</a:t>
-                      </a:r>
                       <a:endParaRPr lang="en-US" sz="1200" b="0" kern="1200" dirty="0">
                         <a:solidFill>
                           <a:schemeClr val="tx1"/>
@@ -11362,7 +11263,7 @@
                 </a:tc>
                 <a:extLst>
                   <a:ext uri="{0D108BD9-81ED-4DB2-BD59-A6C34878D82A}">
-                    <a16:rowId xmlns:a16="http://schemas.microsoft.com/office/drawing/2014/main" val="2348740028"/>
+                    <a16:rowId xmlns:a16="http://schemas.microsoft.com/office/drawing/2014/main" xmlns="" val="2348740028"/>
                   </a:ext>
                 </a:extLst>
               </a:tr>
@@ -11501,35 +11402,35 @@
                 <a:gridCol w="2454326">
                   <a:extLst>
                     <a:ext uri="{9D8B030D-6E8A-4147-A177-3AD203B41FA5}">
-                      <a16:colId xmlns:a16="http://schemas.microsoft.com/office/drawing/2014/main" val="20000"/>
+                      <a16:colId xmlns:a16="http://schemas.microsoft.com/office/drawing/2014/main" xmlns="" val="20000"/>
                     </a:ext>
                   </a:extLst>
                 </a:gridCol>
                 <a:gridCol w="2306453">
                   <a:extLst>
                     <a:ext uri="{9D8B030D-6E8A-4147-A177-3AD203B41FA5}">
-                      <a16:colId xmlns:a16="http://schemas.microsoft.com/office/drawing/2014/main" val="20002"/>
+                      <a16:colId xmlns:a16="http://schemas.microsoft.com/office/drawing/2014/main" xmlns="" val="20002"/>
                     </a:ext>
                   </a:extLst>
                 </a:gridCol>
                 <a:gridCol w="2254336">
                   <a:extLst>
                     <a:ext uri="{9D8B030D-6E8A-4147-A177-3AD203B41FA5}">
-                      <a16:colId xmlns:a16="http://schemas.microsoft.com/office/drawing/2014/main" val="2575180168"/>
+                      <a16:colId xmlns:a16="http://schemas.microsoft.com/office/drawing/2014/main" xmlns="" val="2575180168"/>
                     </a:ext>
                   </a:extLst>
                 </a:gridCol>
                 <a:gridCol w="2355667">
                   <a:extLst>
                     <a:ext uri="{9D8B030D-6E8A-4147-A177-3AD203B41FA5}">
-                      <a16:colId xmlns:a16="http://schemas.microsoft.com/office/drawing/2014/main" val="20003"/>
+                      <a16:colId xmlns:a16="http://schemas.microsoft.com/office/drawing/2014/main" xmlns="" val="20003"/>
                     </a:ext>
                   </a:extLst>
                 </a:gridCol>
                 <a:gridCol w="1661586">
                   <a:extLst>
                     <a:ext uri="{9D8B030D-6E8A-4147-A177-3AD203B41FA5}">
-                      <a16:colId xmlns:a16="http://schemas.microsoft.com/office/drawing/2014/main" val="1141158204"/>
+                      <a16:colId xmlns:a16="http://schemas.microsoft.com/office/drawing/2014/main" xmlns="" val="1141158204"/>
                     </a:ext>
                   </a:extLst>
                 </a:gridCol>
@@ -12213,7 +12114,7 @@
                 </a:tc>
                 <a:extLst>
                   <a:ext uri="{0D108BD9-81ED-4DB2-BD59-A6C34878D82A}">
-                    <a16:rowId xmlns:a16="http://schemas.microsoft.com/office/drawing/2014/main" val="10000"/>
+                    <a16:rowId xmlns:a16="http://schemas.microsoft.com/office/drawing/2014/main" xmlns="" val="10000"/>
                   </a:ext>
                 </a:extLst>
               </a:tr>
@@ -12601,7 +12502,7 @@
                 </a:tc>
                 <a:extLst>
                   <a:ext uri="{0D108BD9-81ED-4DB2-BD59-A6C34878D82A}">
-                    <a16:rowId xmlns:a16="http://schemas.microsoft.com/office/drawing/2014/main" val="3242880312"/>
+                    <a16:rowId xmlns:a16="http://schemas.microsoft.com/office/drawing/2014/main" xmlns="" val="3242880312"/>
                   </a:ext>
                 </a:extLst>
               </a:tr>
@@ -12966,7 +12867,7 @@
           <p:nvPr>
             <p:extLst>
               <p:ext uri="{D42A27DB-BD31-4B8C-83A1-F6EECF244321}">
-                <p14:modId xmlns:p14="http://schemas.microsoft.com/office/powerpoint/2010/main" val="1371539359"/>
+                <p14:modId xmlns:p14="http://schemas.microsoft.com/office/powerpoint/2010/main" val="2824981620"/>
               </p:ext>
             </p:extLst>
           </p:nvPr>
@@ -12985,63 +12886,63 @@
                 <a:gridCol w="835571">
                   <a:extLst>
                     <a:ext uri="{9D8B030D-6E8A-4147-A177-3AD203B41FA5}">
-                      <a16:colId xmlns:a16="http://schemas.microsoft.com/office/drawing/2014/main" val="2715221625"/>
+                      <a16:colId xmlns:a16="http://schemas.microsoft.com/office/drawing/2014/main" xmlns="" val="2715221625"/>
                     </a:ext>
                   </a:extLst>
                 </a:gridCol>
                 <a:gridCol w="835571">
                   <a:extLst>
                     <a:ext uri="{9D8B030D-6E8A-4147-A177-3AD203B41FA5}">
-                      <a16:colId xmlns:a16="http://schemas.microsoft.com/office/drawing/2014/main" val="1722467380"/>
+                      <a16:colId xmlns:a16="http://schemas.microsoft.com/office/drawing/2014/main" xmlns="" val="1722467380"/>
                     </a:ext>
                   </a:extLst>
                 </a:gridCol>
                 <a:gridCol w="1132729">
                   <a:extLst>
                     <a:ext uri="{9D8B030D-6E8A-4147-A177-3AD203B41FA5}">
-                      <a16:colId xmlns:a16="http://schemas.microsoft.com/office/drawing/2014/main" val="8733085"/>
+                      <a16:colId xmlns:a16="http://schemas.microsoft.com/office/drawing/2014/main" xmlns="" val="8733085"/>
                     </a:ext>
                   </a:extLst>
                 </a:gridCol>
                 <a:gridCol w="879661">
                   <a:extLst>
                     <a:ext uri="{9D8B030D-6E8A-4147-A177-3AD203B41FA5}">
-                      <a16:colId xmlns:a16="http://schemas.microsoft.com/office/drawing/2014/main" val="2034639721"/>
+                      <a16:colId xmlns:a16="http://schemas.microsoft.com/office/drawing/2014/main" xmlns="" val="2034639721"/>
                     </a:ext>
                   </a:extLst>
                 </a:gridCol>
                 <a:gridCol w="1924210">
                   <a:extLst>
                     <a:ext uri="{9D8B030D-6E8A-4147-A177-3AD203B41FA5}">
-                      <a16:colId xmlns:a16="http://schemas.microsoft.com/office/drawing/2014/main" val="984284813"/>
+                      <a16:colId xmlns:a16="http://schemas.microsoft.com/office/drawing/2014/main" xmlns="" val="984284813"/>
                     </a:ext>
                   </a:extLst>
                 </a:gridCol>
                 <a:gridCol w="1597470">
                   <a:extLst>
                     <a:ext uri="{9D8B030D-6E8A-4147-A177-3AD203B41FA5}">
-                      <a16:colId xmlns:a16="http://schemas.microsoft.com/office/drawing/2014/main" val="610353967"/>
+                      <a16:colId xmlns:a16="http://schemas.microsoft.com/office/drawing/2014/main" xmlns="" val="610353967"/>
                     </a:ext>
                   </a:extLst>
                 </a:gridCol>
                 <a:gridCol w="1206400">
                   <a:extLst>
                     <a:ext uri="{9D8B030D-6E8A-4147-A177-3AD203B41FA5}">
-                      <a16:colId xmlns:a16="http://schemas.microsoft.com/office/drawing/2014/main" val="2199988680"/>
+                      <a16:colId xmlns:a16="http://schemas.microsoft.com/office/drawing/2014/main" xmlns="" val="2199988680"/>
                     </a:ext>
                   </a:extLst>
                 </a:gridCol>
                 <a:gridCol w="921453">
                   <a:extLst>
                     <a:ext uri="{9D8B030D-6E8A-4147-A177-3AD203B41FA5}">
-                      <a16:colId xmlns:a16="http://schemas.microsoft.com/office/drawing/2014/main" val="1060807198"/>
+                      <a16:colId xmlns:a16="http://schemas.microsoft.com/office/drawing/2014/main" xmlns="" val="1060807198"/>
                     </a:ext>
                   </a:extLst>
                 </a:gridCol>
                 <a:gridCol w="1882417">
                   <a:extLst>
                     <a:ext uri="{9D8B030D-6E8A-4147-A177-3AD203B41FA5}">
-                      <a16:colId xmlns:a16="http://schemas.microsoft.com/office/drawing/2014/main" val="3687281855"/>
+                      <a16:colId xmlns:a16="http://schemas.microsoft.com/office/drawing/2014/main" xmlns="" val="3687281855"/>
                     </a:ext>
                   </a:extLst>
                 </a:gridCol>
@@ -13172,7 +13073,7 @@
                 </a:tc>
                 <a:extLst>
                   <a:ext uri="{0D108BD9-81ED-4DB2-BD59-A6C34878D82A}">
-                    <a16:rowId xmlns:a16="http://schemas.microsoft.com/office/drawing/2014/main" val="132260445"/>
+                    <a16:rowId xmlns:a16="http://schemas.microsoft.com/office/drawing/2014/main" xmlns="" val="132260445"/>
                   </a:ext>
                 </a:extLst>
               </a:tr>
@@ -13241,18 +13142,15 @@
                         <a:buFontTx/>
                         <a:buNone/>
                       </a:pPr>
-                      <a:r>
-                        <a:rPr lang="en-US" altLang="zh-CN" sz="1200" b="0" dirty="0" smtClean="0">
-                          <a:solidFill>
-                            <a:schemeClr val="tx1"/>
-                          </a:solidFill>
-                          <a:latin typeface="+mn-lt"/>
-                          <a:ea typeface="+mn-ea"/>
-                          <a:cs typeface="+mn-ea"/>
-                          <a:sym typeface="+mn-lt"/>
-                        </a:rPr>
-                        <a:t>RMB XX,XXX</a:t>
-                      </a:r>
+                      <a:endParaRPr lang="en-US" altLang="zh-CN" sz="1200" b="0" dirty="0" smtClean="0">
+                        <a:solidFill>
+                          <a:schemeClr val="tx1"/>
+                        </a:solidFill>
+                        <a:latin typeface="+mn-lt"/>
+                        <a:ea typeface="+mn-ea"/>
+                        <a:cs typeface="+mn-ea"/>
+                        <a:sym typeface="+mn-lt"/>
+                      </a:endParaRPr>
                     </a:p>
                   </a:txBody>
                   <a:tcPr anchor="ctr">
@@ -13325,7 +13223,7 @@
                 </a:tc>
                 <a:extLst>
                   <a:ext uri="{0D108BD9-81ED-4DB2-BD59-A6C34878D82A}">
-                    <a16:rowId xmlns:a16="http://schemas.microsoft.com/office/drawing/2014/main" val="1454925855"/>
+                    <a16:rowId xmlns:a16="http://schemas.microsoft.com/office/drawing/2014/main" xmlns="" val="1454925855"/>
                   </a:ext>
                 </a:extLst>
               </a:tr>
@@ -13390,15 +13288,12 @@
                     <a:bodyPr/>
                     <a:lstStyle/>
                     <a:p>
-                      <a:r>
-                        <a:rPr lang="en-US" sz="1200" dirty="0" smtClean="0">
-                          <a:latin typeface="+mn-lt"/>
-                          <a:ea typeface="+mn-ea"/>
-                          <a:cs typeface="+mn-ea"/>
-                          <a:sym typeface="+mn-lt"/>
-                        </a:rPr>
-                        <a:t>RMB XX,XXX</a:t>
-                      </a:r>
+                      <a:endParaRPr lang="en-US" sz="1200" dirty="0" smtClean="0">
+                        <a:latin typeface="+mn-lt"/>
+                        <a:ea typeface="+mn-ea"/>
+                        <a:cs typeface="+mn-ea"/>
+                        <a:sym typeface="+mn-lt"/>
+                      </a:endParaRPr>
                     </a:p>
                   </a:txBody>
                   <a:tcPr anchor="ctr">
@@ -13471,7 +13366,7 @@
                 </a:tc>
                 <a:extLst>
                   <a:ext uri="{0D108BD9-81ED-4DB2-BD59-A6C34878D82A}">
-                    <a16:rowId xmlns:a16="http://schemas.microsoft.com/office/drawing/2014/main" val="1815440894"/>
+                    <a16:rowId xmlns:a16="http://schemas.microsoft.com/office/drawing/2014/main" xmlns="" val="1815440894"/>
                   </a:ext>
                 </a:extLst>
               </a:tr>
@@ -13593,7 +13488,7 @@
                 </a:tc>
                 <a:extLst>
                   <a:ext uri="{0D108BD9-81ED-4DB2-BD59-A6C34878D82A}">
-                    <a16:rowId xmlns:a16="http://schemas.microsoft.com/office/drawing/2014/main" val="344899817"/>
+                    <a16:rowId xmlns:a16="http://schemas.microsoft.com/office/drawing/2014/main" xmlns="" val="344899817"/>
                   </a:ext>
                 </a:extLst>
               </a:tr>
@@ -13744,7 +13639,7 @@
                 </a:tc>
                 <a:extLst>
                   <a:ext uri="{0D108BD9-81ED-4DB2-BD59-A6C34878D82A}">
-                    <a16:rowId xmlns:a16="http://schemas.microsoft.com/office/drawing/2014/main" val="1268840849"/>
+                    <a16:rowId xmlns:a16="http://schemas.microsoft.com/office/drawing/2014/main" xmlns="" val="1268840849"/>
                   </a:ext>
                 </a:extLst>
               </a:tr>
@@ -14182,7 +14077,7 @@
                 </a:tc>
                 <a:extLst>
                   <a:ext uri="{0D108BD9-81ED-4DB2-BD59-A6C34878D82A}">
-                    <a16:rowId xmlns:a16="http://schemas.microsoft.com/office/drawing/2014/main" val="3241501689"/>
+                    <a16:rowId xmlns:a16="http://schemas.microsoft.com/office/drawing/2014/main" xmlns="" val="3241501689"/>
                   </a:ext>
                 </a:extLst>
               </a:tr>
@@ -14266,18 +14161,15 @@
                         <a:buFontTx/>
                         <a:buNone/>
                       </a:pPr>
-                      <a:r>
-                        <a:rPr lang="en-US" altLang="zh-CN" sz="1200" b="0" dirty="0" smtClean="0">
-                          <a:solidFill>
-                            <a:schemeClr val="tx1"/>
-                          </a:solidFill>
-                          <a:latin typeface="+mn-lt"/>
-                          <a:ea typeface="+mn-ea"/>
-                          <a:cs typeface="+mn-ea"/>
-                          <a:sym typeface="+mn-lt"/>
-                        </a:rPr>
-                        <a:t>RMB XX,XXX</a:t>
-                      </a:r>
+                      <a:endParaRPr lang="en-US" altLang="zh-CN" sz="1200" b="0" dirty="0" smtClean="0">
+                        <a:solidFill>
+                          <a:schemeClr val="tx1"/>
+                        </a:solidFill>
+                        <a:latin typeface="+mn-lt"/>
+                        <a:ea typeface="+mn-ea"/>
+                        <a:cs typeface="+mn-ea"/>
+                        <a:sym typeface="+mn-lt"/>
+                      </a:endParaRPr>
                     </a:p>
                   </a:txBody>
                   <a:tcPr anchor="ctr">
@@ -14295,42 +14187,6 @@
                         <a:buFontTx/>
                         <a:buNone/>
                       </a:pPr>
-                      <a:r>
-                        <a:rPr lang="zh-CN" altLang="en-US" sz="1200" b="0" dirty="0" smtClean="0">
-                          <a:solidFill>
-                            <a:schemeClr val="tx1"/>
-                          </a:solidFill>
-                          <a:latin typeface="+mn-lt"/>
-                          <a:ea typeface="+mn-ea"/>
-                          <a:cs typeface="+mn-ea"/>
-                          <a:sym typeface="+mn-lt"/>
-                        </a:rPr>
-                        <a:t>是</a:t>
-                      </a:r>
-                      <a:r>
-                        <a:rPr lang="en-US" altLang="zh-CN" sz="1200" b="0" dirty="0" smtClean="0">
-                          <a:solidFill>
-                            <a:schemeClr val="tx1"/>
-                          </a:solidFill>
-                          <a:latin typeface="+mn-lt"/>
-                          <a:ea typeface="+mn-ea"/>
-                          <a:cs typeface="+mn-ea"/>
-                          <a:sym typeface="+mn-lt"/>
-                        </a:rPr>
-                        <a:t>/</a:t>
-                      </a:r>
-                      <a:r>
-                        <a:rPr lang="zh-CN" altLang="en-US" sz="1200" b="0" dirty="0" smtClean="0">
-                          <a:solidFill>
-                            <a:schemeClr val="tx1"/>
-                          </a:solidFill>
-                          <a:latin typeface="+mn-lt"/>
-                          <a:ea typeface="+mn-ea"/>
-                          <a:cs typeface="+mn-ea"/>
-                          <a:sym typeface="+mn-lt"/>
-                        </a:rPr>
-                        <a:t>否</a:t>
-                      </a:r>
                       <a:endParaRPr lang="en-US" altLang="zh-CN" sz="1200" b="0" dirty="0" smtClean="0">
                         <a:solidFill>
                           <a:schemeClr val="tx1"/>
@@ -14357,20 +14213,17 @@
                         <a:buFontTx/>
                         <a:buNone/>
                       </a:pPr>
-                      <a:r>
-                        <a:rPr lang="zh-CN" altLang="en-US" sz="1000" b="0" dirty="0" smtClean="0">
-                          <a:solidFill>
-                            <a:schemeClr val="accent1">
-                              <a:lumMod val="75000"/>
-                            </a:schemeClr>
-                          </a:solidFill>
-                          <a:latin typeface="+mn-lt"/>
-                          <a:ea typeface="+mn-ea"/>
-                          <a:cs typeface="+mn-ea"/>
-                          <a:sym typeface="+mn-lt"/>
-                        </a:rPr>
-                        <a:t>选择理由</a:t>
-                      </a:r>
+                      <a:endParaRPr lang="zh-CN" altLang="en-US" sz="1000" b="0" dirty="0" smtClean="0">
+                        <a:solidFill>
+                          <a:schemeClr val="accent1">
+                            <a:lumMod val="75000"/>
+                          </a:schemeClr>
+                        </a:solidFill>
+                        <a:latin typeface="+mn-lt"/>
+                        <a:ea typeface="+mn-ea"/>
+                        <a:cs typeface="+mn-ea"/>
+                        <a:sym typeface="+mn-lt"/>
+                      </a:endParaRPr>
                     </a:p>
                   </a:txBody>
                   <a:tcPr>
@@ -14468,18 +14321,15 @@
                         <a:buFontTx/>
                         <a:buNone/>
                       </a:pPr>
-                      <a:r>
-                        <a:rPr lang="en-US" altLang="zh-CN" sz="1200" b="0" dirty="0" smtClean="0">
-                          <a:solidFill>
-                            <a:schemeClr val="tx1"/>
-                          </a:solidFill>
-                          <a:latin typeface="+mn-lt"/>
-                          <a:ea typeface="+mn-ea"/>
-                          <a:cs typeface="+mn-ea"/>
-                          <a:sym typeface="+mn-lt"/>
-                        </a:rPr>
-                        <a:t>RMB XX,XXX</a:t>
-                      </a:r>
+                      <a:endParaRPr lang="en-US" altLang="zh-CN" sz="1200" b="0" dirty="0" smtClean="0">
+                        <a:solidFill>
+                          <a:schemeClr val="tx1"/>
+                        </a:solidFill>
+                        <a:latin typeface="+mn-lt"/>
+                        <a:ea typeface="+mn-ea"/>
+                        <a:cs typeface="+mn-ea"/>
+                        <a:sym typeface="+mn-lt"/>
+                      </a:endParaRPr>
                     </a:p>
                   </a:txBody>
                   <a:tcPr anchor="ctr">
@@ -14609,226 +14459,6 @@
                         <a:tabLst/>
                         <a:defRPr/>
                       </a:pPr>
-                      <a:r>
-                        <a:rPr kumimoji="0" lang="zh-CN" altLang="en-US" sz="1000" b="0" i="0" u="none" strike="noStrike" kern="1200" cap="none" spc="0" normalizeH="0" baseline="0" noProof="0" dirty="0" smtClean="0">
-                          <a:ln>
-                            <a:noFill/>
-                          </a:ln>
-                          <a:solidFill>
-                            <a:schemeClr val="accent1">
-                              <a:lumMod val="75000"/>
-                            </a:schemeClr>
-                          </a:solidFill>
-                          <a:effectLst/>
-                          <a:uLnTx/>
-                          <a:uFillTx/>
-                          <a:latin typeface="+mn-lt"/>
-                          <a:ea typeface="+mn-ea"/>
-                          <a:cs typeface="+mn-ea"/>
-                          <a:sym typeface="+mn-lt"/>
-                        </a:rPr>
-                        <a:t>摄影师人数</a:t>
-                      </a:r>
-                      <a:r>
-                        <a:rPr kumimoji="0" lang="en-US" altLang="zh-CN" sz="1000" b="0" i="0" u="none" strike="noStrike" kern="1200" cap="none" spc="0" normalizeH="0" baseline="0" noProof="0" dirty="0" smtClean="0">
-                          <a:ln>
-                            <a:noFill/>
-                          </a:ln>
-                          <a:solidFill>
-                            <a:schemeClr val="accent1">
-                              <a:lumMod val="75000"/>
-                            </a:schemeClr>
-                          </a:solidFill>
-                          <a:effectLst/>
-                          <a:uLnTx/>
-                          <a:uFillTx/>
-                          <a:latin typeface="+mn-lt"/>
-                          <a:ea typeface="+mn-ea"/>
-                          <a:cs typeface="+mn-ea"/>
-                          <a:sym typeface="+mn-lt"/>
-                        </a:rPr>
-                        <a:t>/</a:t>
-                      </a:r>
-                      <a:r>
-                        <a:rPr kumimoji="0" lang="zh-CN" altLang="en-US" sz="1000" b="0" i="0" u="none" strike="noStrike" kern="1200" cap="none" spc="0" normalizeH="0" baseline="0" noProof="0" dirty="0" smtClean="0">
-                          <a:ln>
-                            <a:noFill/>
-                          </a:ln>
-                          <a:solidFill>
-                            <a:schemeClr val="accent1">
-                              <a:lumMod val="75000"/>
-                            </a:schemeClr>
-                          </a:solidFill>
-                          <a:effectLst/>
-                          <a:uLnTx/>
-                          <a:uFillTx/>
-                          <a:latin typeface="+mn-lt"/>
-                          <a:ea typeface="+mn-ea"/>
-                          <a:cs typeface="+mn-ea"/>
-                          <a:sym typeface="+mn-lt"/>
-                        </a:rPr>
-                        <a:t>从业年限</a:t>
-                      </a:r>
-                      <a:r>
-                        <a:rPr kumimoji="0" lang="en-US" altLang="zh-CN" sz="1000" b="0" i="0" u="none" strike="noStrike" kern="1200" cap="none" spc="0" normalizeH="0" baseline="0" noProof="0" dirty="0" smtClean="0">
-                          <a:ln>
-                            <a:noFill/>
-                          </a:ln>
-                          <a:solidFill>
-                            <a:schemeClr val="accent1">
-                              <a:lumMod val="75000"/>
-                            </a:schemeClr>
-                          </a:solidFill>
-                          <a:effectLst/>
-                          <a:uLnTx/>
-                          <a:uFillTx/>
-                          <a:latin typeface="+mn-lt"/>
-                          <a:ea typeface="+mn-ea"/>
-                          <a:cs typeface="+mn-ea"/>
-                          <a:sym typeface="+mn-lt"/>
-                        </a:rPr>
-                        <a:t>/</a:t>
-                      </a:r>
-                      <a:r>
-                        <a:rPr kumimoji="0" lang="zh-CN" altLang="en-US" sz="1000" b="0" i="0" u="none" strike="noStrike" kern="1200" cap="none" spc="0" normalizeH="0" baseline="0" noProof="0" dirty="0" smtClean="0">
-                          <a:ln>
-                            <a:noFill/>
-                          </a:ln>
-                          <a:solidFill>
-                            <a:schemeClr val="accent1">
-                              <a:lumMod val="75000"/>
-                            </a:schemeClr>
-                          </a:solidFill>
-                          <a:effectLst/>
-                          <a:uLnTx/>
-                          <a:uFillTx/>
-                          <a:latin typeface="+mn-lt"/>
-                          <a:ea typeface="+mn-ea"/>
-                          <a:cs typeface="+mn-ea"/>
-                          <a:sym typeface="+mn-lt"/>
-                        </a:rPr>
-                        <a:t>拍摄时长</a:t>
-                      </a:r>
-                      <a:r>
-                        <a:rPr kumimoji="0" lang="en-US" altLang="zh-CN" sz="1000" b="0" i="0" u="none" strike="noStrike" kern="1200" cap="none" spc="0" normalizeH="0" baseline="0" noProof="0" dirty="0" smtClean="0">
-                          <a:ln>
-                            <a:noFill/>
-                          </a:ln>
-                          <a:solidFill>
-                            <a:schemeClr val="accent1">
-                              <a:lumMod val="75000"/>
-                            </a:schemeClr>
-                          </a:solidFill>
-                          <a:effectLst/>
-                          <a:uLnTx/>
-                          <a:uFillTx/>
-                          <a:latin typeface="+mn-lt"/>
-                          <a:ea typeface="+mn-ea"/>
-                          <a:cs typeface="+mn-ea"/>
-                          <a:sym typeface="+mn-lt"/>
-                        </a:rPr>
-                        <a:t>/</a:t>
-                      </a:r>
-                      <a:r>
-                        <a:rPr kumimoji="0" lang="zh-CN" altLang="en-US" sz="1000" b="0" i="0" u="none" strike="noStrike" kern="1200" cap="none" spc="0" normalizeH="0" baseline="0" noProof="0" dirty="0" smtClean="0">
-                          <a:ln>
-                            <a:noFill/>
-                          </a:ln>
-                          <a:solidFill>
-                            <a:schemeClr val="accent1">
-                              <a:lumMod val="75000"/>
-                            </a:schemeClr>
-                          </a:solidFill>
-                          <a:effectLst/>
-                          <a:uLnTx/>
-                          <a:uFillTx/>
-                          <a:latin typeface="+mn-lt"/>
-                          <a:ea typeface="+mn-ea"/>
-                          <a:cs typeface="+mn-ea"/>
-                          <a:sym typeface="+mn-lt"/>
-                        </a:rPr>
-                        <a:t>摄影设备（相机</a:t>
-                      </a:r>
-                      <a:r>
-                        <a:rPr kumimoji="0" lang="en-US" altLang="zh-CN" sz="1000" b="0" i="0" u="none" strike="noStrike" kern="1200" cap="none" spc="0" normalizeH="0" baseline="0" noProof="0" dirty="0" smtClean="0">
-                          <a:ln>
-                            <a:noFill/>
-                          </a:ln>
-                          <a:solidFill>
-                            <a:schemeClr val="accent1">
-                              <a:lumMod val="75000"/>
-                            </a:schemeClr>
-                          </a:solidFill>
-                          <a:effectLst/>
-                          <a:uLnTx/>
-                          <a:uFillTx/>
-                          <a:latin typeface="+mn-lt"/>
-                          <a:ea typeface="+mn-ea"/>
-                          <a:cs typeface="+mn-ea"/>
-                          <a:sym typeface="+mn-lt"/>
-                        </a:rPr>
-                        <a:t>/</a:t>
-                      </a:r>
-                      <a:r>
-                        <a:rPr kumimoji="0" lang="zh-CN" altLang="en-US" sz="1000" b="0" i="0" u="none" strike="noStrike" kern="1200" cap="none" spc="0" normalizeH="0" baseline="0" noProof="0" dirty="0" smtClean="0">
-                          <a:ln>
-                            <a:noFill/>
-                          </a:ln>
-                          <a:solidFill>
-                            <a:schemeClr val="accent1">
-                              <a:lumMod val="75000"/>
-                            </a:schemeClr>
-                          </a:solidFill>
-                          <a:effectLst/>
-                          <a:uLnTx/>
-                          <a:uFillTx/>
-                          <a:latin typeface="+mn-lt"/>
-                          <a:ea typeface="+mn-ea"/>
-                          <a:cs typeface="+mn-ea"/>
-                          <a:sym typeface="+mn-lt"/>
-                        </a:rPr>
-                        <a:t>摄像机</a:t>
-                      </a:r>
-                      <a:r>
-                        <a:rPr kumimoji="0" lang="en-US" altLang="zh-CN" sz="1000" b="0" i="0" u="none" strike="noStrike" kern="1200" cap="none" spc="0" normalizeH="0" baseline="0" noProof="0" dirty="0" smtClean="0">
-                          <a:ln>
-                            <a:noFill/>
-                          </a:ln>
-                          <a:solidFill>
-                            <a:schemeClr val="accent1">
-                              <a:lumMod val="75000"/>
-                            </a:schemeClr>
-                          </a:solidFill>
-                          <a:effectLst/>
-                          <a:uLnTx/>
-                          <a:uFillTx/>
-                          <a:latin typeface="+mn-lt"/>
-                          <a:ea typeface="+mn-ea"/>
-                          <a:cs typeface="+mn-ea"/>
-                          <a:sym typeface="+mn-lt"/>
-                        </a:rPr>
-                        <a:t>/</a:t>
-                      </a:r>
-                      <a:r>
-                        <a:rPr kumimoji="0" lang="zh-CN" altLang="en-US" sz="1000" b="0" i="0" u="none" strike="noStrike" kern="1200" cap="none" spc="0" normalizeH="0" baseline="0" noProof="0" dirty="0" smtClean="0">
-                          <a:ln>
-                            <a:noFill/>
-                          </a:ln>
-                          <a:solidFill>
-                            <a:schemeClr val="accent1">
-                              <a:lumMod val="75000"/>
-                            </a:schemeClr>
-                          </a:solidFill>
-                          <a:effectLst/>
-                          <a:uLnTx/>
-                          <a:uFillTx/>
-                          <a:latin typeface="+mn-lt"/>
-                          <a:ea typeface="+mn-ea"/>
-                          <a:cs typeface="+mn-ea"/>
-                          <a:sym typeface="+mn-lt"/>
-                        </a:rPr>
-                        <a:t>无人机等）</a:t>
-                      </a:r>
                       <a:endParaRPr kumimoji="0" lang="en-US" altLang="zh-CN" sz="1000" b="0" i="0" u="none" strike="noStrike" kern="1200" cap="none" spc="0" normalizeH="0" baseline="0" noProof="0" dirty="0" smtClean="0">
                         <a:ln>
                           <a:noFill/>
@@ -14856,7 +14486,7 @@
                 </a:tc>
                 <a:extLst>
                   <a:ext uri="{0D108BD9-81ED-4DB2-BD59-A6C34878D82A}">
-                    <a16:rowId xmlns:a16="http://schemas.microsoft.com/office/drawing/2014/main" val="3375075753"/>
+                    <a16:rowId xmlns:a16="http://schemas.microsoft.com/office/drawing/2014/main" xmlns="" val="3375075753"/>
                   </a:ext>
                 </a:extLst>
               </a:tr>
@@ -14951,6 +14581,131 @@
                         <a:buFontTx/>
                         <a:buNone/>
                       </a:pPr>
+                      <a:endParaRPr lang="en-US" altLang="zh-CN" sz="1200" b="0" dirty="0" smtClean="0">
+                        <a:solidFill>
+                          <a:schemeClr val="tx1"/>
+                        </a:solidFill>
+                        <a:latin typeface="+mn-lt"/>
+                        <a:ea typeface="+mn-ea"/>
+                        <a:cs typeface="+mn-ea"/>
+                        <a:sym typeface="+mn-lt"/>
+                      </a:endParaRPr>
+                    </a:p>
+                  </a:txBody>
+                  <a:tcPr anchor="ctr">
+                    <a:solidFill>
+                      <a:srgbClr val="F2F2F2"/>
+                    </a:solidFill>
+                  </a:tcPr>
+                </a:tc>
+                <a:tc>
+                  <a:txBody>
+                    <a:bodyPr/>
+                    <a:lstStyle/>
+                    <a:p>
+                      <a:pPr marL="0" marR="0" lvl="0" indent="0" algn="ctr" defTabSz="914389" rtl="0" eaLnBrk="1" fontAlgn="auto" latinLnBrk="0" hangingPunct="1">
+                        <a:lnSpc>
+                          <a:spcPct val="100000"/>
+                        </a:lnSpc>
+                        <a:spcBef>
+                          <a:spcPts val="0"/>
+                        </a:spcBef>
+                        <a:spcAft>
+                          <a:spcPts val="0"/>
+                        </a:spcAft>
+                        <a:buClrTx/>
+                        <a:buSzTx/>
+                        <a:buFontTx/>
+                        <a:buNone/>
+                        <a:tabLst/>
+                        <a:defRPr/>
+                      </a:pPr>
+                      <a:endParaRPr kumimoji="0" lang="en-US" altLang="zh-CN" sz="1200" b="0" i="0" u="none" strike="noStrike" kern="1200" cap="none" spc="0" normalizeH="0" baseline="0" noProof="0" dirty="0" smtClean="0">
+                        <a:ln>
+                          <a:noFill/>
+                        </a:ln>
+                        <a:solidFill>
+                          <a:srgbClr val="000000"/>
+                        </a:solidFill>
+                        <a:effectLst/>
+                        <a:uLnTx/>
+                        <a:uFillTx/>
+                        <a:latin typeface="+mn-lt"/>
+                        <a:ea typeface="+mn-ea"/>
+                        <a:cs typeface="+mn-ea"/>
+                        <a:sym typeface="+mn-lt"/>
+                      </a:endParaRPr>
+                    </a:p>
+                  </a:txBody>
+                  <a:tcPr anchor="ctr">
+                    <a:solidFill>
+                      <a:srgbClr val="F2F2F2"/>
+                    </a:solidFill>
+                  </a:tcPr>
+                </a:tc>
+                <a:tc>
+                  <a:txBody>
+                    <a:bodyPr/>
+                    <a:lstStyle/>
+                    <a:p>
+                      <a:pPr marL="0" marR="0" lvl="0" indent="0" algn="l" defTabSz="914389" rtl="0" eaLnBrk="1" fontAlgn="auto" latinLnBrk="0" hangingPunct="1">
+                        <a:lnSpc>
+                          <a:spcPct val="100000"/>
+                        </a:lnSpc>
+                        <a:spcBef>
+                          <a:spcPts val="0"/>
+                        </a:spcBef>
+                        <a:spcAft>
+                          <a:spcPts val="0"/>
+                        </a:spcAft>
+                        <a:buClrTx/>
+                        <a:buSzTx/>
+                        <a:buFontTx/>
+                        <a:buNone/>
+                        <a:tabLst/>
+                        <a:defRPr/>
+                      </a:pPr>
+                      <a:endParaRPr lang="en-US" altLang="zh-CN" sz="1000" b="0" dirty="0" smtClean="0">
+                        <a:solidFill>
+                          <a:schemeClr val="accent1">
+                            <a:lumMod val="75000"/>
+                          </a:schemeClr>
+                        </a:solidFill>
+                        <a:latin typeface="+mn-lt"/>
+                        <a:ea typeface="+mn-ea"/>
+                        <a:cs typeface="+mn-ea"/>
+                        <a:sym typeface="+mn-lt"/>
+                      </a:endParaRPr>
+                    </a:p>
+                  </a:txBody>
+                  <a:tcPr>
+                    <a:solidFill>
+                      <a:srgbClr val="F2F2F2"/>
+                    </a:solidFill>
+                  </a:tcPr>
+                </a:tc>
+                <a:tc>
+                  <a:txBody>
+                    <a:bodyPr/>
+                    <a:lstStyle/>
+                    <a:p>
+                      <a:pPr marL="0" marR="0" lvl="0" indent="0" algn="l" defTabSz="685792" rtl="0" eaLnBrk="1" fontAlgn="auto" latinLnBrk="0" hangingPunct="1">
+                        <a:lnSpc>
+                          <a:spcPct val="100000"/>
+                        </a:lnSpc>
+                        <a:spcBef>
+                          <a:spcPts val="0"/>
+                        </a:spcBef>
+                        <a:spcAft>
+                          <a:spcPts val="0"/>
+                        </a:spcAft>
+                        <a:buClrTx/>
+                        <a:buSzTx/>
+                        <a:buFontTx/>
+                        <a:buNone/>
+                        <a:tabLst/>
+                        <a:defRPr/>
+                      </a:pPr>
                       <a:r>
                         <a:rPr lang="en-US" altLang="zh-CN" sz="1200" b="0" dirty="0" smtClean="0">
                           <a:solidFill>
@@ -14961,8 +14716,85 @@
                           <a:cs typeface="+mn-ea"/>
                           <a:sym typeface="+mn-lt"/>
                         </a:rPr>
-                        <a:t>RMB XX,XXX</a:t>
+                        <a:t>Others</a:t>
                       </a:r>
+                    </a:p>
+                    <a:p>
+                      <a:pPr marL="0" marR="0" lvl="0" indent="0" algn="l" defTabSz="685792" rtl="0" eaLnBrk="1" fontAlgn="auto" latinLnBrk="0" hangingPunct="1">
+                        <a:lnSpc>
+                          <a:spcPct val="100000"/>
+                        </a:lnSpc>
+                        <a:spcBef>
+                          <a:spcPts val="0"/>
+                        </a:spcBef>
+                        <a:spcAft>
+                          <a:spcPts val="0"/>
+                        </a:spcAft>
+                        <a:buClrTx/>
+                        <a:buSzTx/>
+                        <a:buFontTx/>
+                        <a:buNone/>
+                        <a:tabLst/>
+                        <a:defRPr/>
+                      </a:pPr>
+                      <a:r>
+                        <a:rPr lang="zh-CN" altLang="en-US" sz="1200" b="0" dirty="0" smtClean="0">
+                          <a:solidFill>
+                            <a:schemeClr val="tx1"/>
+                          </a:solidFill>
+                          <a:latin typeface="+mn-lt"/>
+                          <a:ea typeface="+mn-ea"/>
+                          <a:cs typeface="+mn-ea"/>
+                          <a:sym typeface="+mn-lt"/>
+                        </a:rPr>
+                        <a:t>其他</a:t>
+                      </a:r>
+                      <a:endParaRPr lang="en-US" altLang="zh-CN" sz="1200" b="0" dirty="0" smtClean="0">
+                        <a:solidFill>
+                          <a:schemeClr val="tx1"/>
+                        </a:solidFill>
+                        <a:latin typeface="+mn-lt"/>
+                        <a:ea typeface="+mn-ea"/>
+                        <a:cs typeface="+mn-ea"/>
+                        <a:sym typeface="+mn-lt"/>
+                      </a:endParaRPr>
+                    </a:p>
+                  </a:txBody>
+                  <a:tcPr anchor="ctr">
+                    <a:noFill/>
+                  </a:tcPr>
+                </a:tc>
+                <a:tc>
+                  <a:txBody>
+                    <a:bodyPr/>
+                    <a:lstStyle/>
+                    <a:p>
+                      <a:pPr marL="0" marR="0" lvl="0" indent="0" algn="l" defTabSz="914389" rtl="0" eaLnBrk="1" fontAlgn="auto" latinLnBrk="0" hangingPunct="1">
+                        <a:lnSpc>
+                          <a:spcPct val="100000"/>
+                        </a:lnSpc>
+                        <a:spcBef>
+                          <a:spcPts val="0"/>
+                        </a:spcBef>
+                        <a:spcAft>
+                          <a:spcPts val="0"/>
+                        </a:spcAft>
+                        <a:buClrTx/>
+                        <a:buSzTx/>
+                        <a:buFontTx/>
+                        <a:buNone/>
+                        <a:tabLst/>
+                        <a:defRPr/>
+                      </a:pPr>
+                      <a:endParaRPr lang="en-US" altLang="zh-CN" sz="1200" b="0" dirty="0" smtClean="0">
+                        <a:solidFill>
+                          <a:schemeClr val="tx1"/>
+                        </a:solidFill>
+                        <a:latin typeface="+mn-lt"/>
+                        <a:ea typeface="+mn-ea"/>
+                        <a:cs typeface="+mn-ea"/>
+                        <a:sym typeface="+mn-lt"/>
+                      </a:endParaRPr>
                     </a:p>
                   </a:txBody>
                   <a:tcPr anchor="ctr">
@@ -15092,296 +14924,6 @@
                         <a:tabLst/>
                         <a:defRPr/>
                       </a:pPr>
-                      <a:r>
-                        <a:rPr lang="zh-CN" altLang="en-US" sz="1000" b="0" dirty="0" smtClean="0">
-                          <a:solidFill>
-                            <a:schemeClr val="accent1">
-                              <a:lumMod val="75000"/>
-                            </a:schemeClr>
-                          </a:solidFill>
-                          <a:latin typeface="+mn-lt"/>
-                          <a:ea typeface="+mn-ea"/>
-                          <a:cs typeface="+mn-ea"/>
-                          <a:sym typeface="+mn-lt"/>
-                        </a:rPr>
-                        <a:t>具体搭建方案及内容</a:t>
-                      </a:r>
-                      <a:endParaRPr lang="en-US" altLang="zh-CN" sz="1000" b="0" dirty="0" smtClean="0">
-                        <a:solidFill>
-                          <a:schemeClr val="accent1">
-                            <a:lumMod val="75000"/>
-                          </a:schemeClr>
-                        </a:solidFill>
-                        <a:latin typeface="+mn-lt"/>
-                        <a:ea typeface="+mn-ea"/>
-                        <a:cs typeface="+mn-ea"/>
-                        <a:sym typeface="+mn-lt"/>
-                      </a:endParaRPr>
-                    </a:p>
-                  </a:txBody>
-                  <a:tcPr>
-                    <a:solidFill>
-                      <a:srgbClr val="F2F2F2"/>
-                    </a:solidFill>
-                  </a:tcPr>
-                </a:tc>
-                <a:tc>
-                  <a:txBody>
-                    <a:bodyPr/>
-                    <a:lstStyle/>
-                    <a:p>
-                      <a:pPr marL="0" marR="0" lvl="0" indent="0" algn="l" defTabSz="685792" rtl="0" eaLnBrk="1" fontAlgn="auto" latinLnBrk="0" hangingPunct="1">
-                        <a:lnSpc>
-                          <a:spcPct val="100000"/>
-                        </a:lnSpc>
-                        <a:spcBef>
-                          <a:spcPts val="0"/>
-                        </a:spcBef>
-                        <a:spcAft>
-                          <a:spcPts val="0"/>
-                        </a:spcAft>
-                        <a:buClrTx/>
-                        <a:buSzTx/>
-                        <a:buFontTx/>
-                        <a:buNone/>
-                        <a:tabLst/>
-                        <a:defRPr/>
-                      </a:pPr>
-                      <a:r>
-                        <a:rPr lang="en-US" altLang="zh-CN" sz="1200" b="0" dirty="0" smtClean="0">
-                          <a:solidFill>
-                            <a:schemeClr val="tx1"/>
-                          </a:solidFill>
-                          <a:latin typeface="+mn-lt"/>
-                          <a:ea typeface="+mn-ea"/>
-                          <a:cs typeface="+mn-ea"/>
-                          <a:sym typeface="+mn-lt"/>
-                        </a:rPr>
-                        <a:t>Others</a:t>
-                      </a:r>
-                    </a:p>
-                    <a:p>
-                      <a:pPr marL="0" marR="0" lvl="0" indent="0" algn="l" defTabSz="685792" rtl="0" eaLnBrk="1" fontAlgn="auto" latinLnBrk="0" hangingPunct="1">
-                        <a:lnSpc>
-                          <a:spcPct val="100000"/>
-                        </a:lnSpc>
-                        <a:spcBef>
-                          <a:spcPts val="0"/>
-                        </a:spcBef>
-                        <a:spcAft>
-                          <a:spcPts val="0"/>
-                        </a:spcAft>
-                        <a:buClrTx/>
-                        <a:buSzTx/>
-                        <a:buFontTx/>
-                        <a:buNone/>
-                        <a:tabLst/>
-                        <a:defRPr/>
-                      </a:pPr>
-                      <a:r>
-                        <a:rPr lang="zh-CN" altLang="en-US" sz="1200" b="0" dirty="0" smtClean="0">
-                          <a:solidFill>
-                            <a:schemeClr val="tx1"/>
-                          </a:solidFill>
-                          <a:latin typeface="+mn-lt"/>
-                          <a:ea typeface="+mn-ea"/>
-                          <a:cs typeface="+mn-ea"/>
-                          <a:sym typeface="+mn-lt"/>
-                        </a:rPr>
-                        <a:t>其他</a:t>
-                      </a:r>
-                      <a:endParaRPr lang="en-US" altLang="zh-CN" sz="1200" b="0" dirty="0" smtClean="0">
-                        <a:solidFill>
-                          <a:schemeClr val="tx1"/>
-                        </a:solidFill>
-                        <a:latin typeface="+mn-lt"/>
-                        <a:ea typeface="+mn-ea"/>
-                        <a:cs typeface="+mn-ea"/>
-                        <a:sym typeface="+mn-lt"/>
-                      </a:endParaRPr>
-                    </a:p>
-                  </a:txBody>
-                  <a:tcPr anchor="ctr">
-                    <a:noFill/>
-                  </a:tcPr>
-                </a:tc>
-                <a:tc>
-                  <a:txBody>
-                    <a:bodyPr/>
-                    <a:lstStyle/>
-                    <a:p>
-                      <a:pPr marL="0" marR="0" lvl="0" indent="0" algn="l" defTabSz="914389" rtl="0" eaLnBrk="1" fontAlgn="auto" latinLnBrk="0" hangingPunct="1">
-                        <a:lnSpc>
-                          <a:spcPct val="100000"/>
-                        </a:lnSpc>
-                        <a:spcBef>
-                          <a:spcPts val="0"/>
-                        </a:spcBef>
-                        <a:spcAft>
-                          <a:spcPts val="0"/>
-                        </a:spcAft>
-                        <a:buClrTx/>
-                        <a:buSzTx/>
-                        <a:buFontTx/>
-                        <a:buNone/>
-                        <a:tabLst/>
-                        <a:defRPr/>
-                      </a:pPr>
-                      <a:r>
-                        <a:rPr lang="en-US" altLang="zh-CN" sz="1200" b="0" dirty="0" smtClean="0">
-                          <a:solidFill>
-                            <a:schemeClr val="tx1"/>
-                          </a:solidFill>
-                          <a:latin typeface="+mn-lt"/>
-                          <a:ea typeface="+mn-ea"/>
-                          <a:cs typeface="+mn-ea"/>
-                          <a:sym typeface="+mn-lt"/>
-                        </a:rPr>
-                        <a:t>RMB XX,XXX</a:t>
-                      </a:r>
-                    </a:p>
-                  </a:txBody>
-                  <a:tcPr anchor="ctr">
-                    <a:solidFill>
-                      <a:srgbClr val="F2F2F2"/>
-                    </a:solidFill>
-                  </a:tcPr>
-                </a:tc>
-                <a:tc>
-                  <a:txBody>
-                    <a:bodyPr/>
-                    <a:lstStyle/>
-                    <a:p>
-                      <a:pPr marL="0" marR="0" lvl="0" indent="0" algn="ctr" defTabSz="914389" rtl="0" eaLnBrk="1" fontAlgn="auto" latinLnBrk="0" hangingPunct="1">
-                        <a:lnSpc>
-                          <a:spcPct val="100000"/>
-                        </a:lnSpc>
-                        <a:spcBef>
-                          <a:spcPts val="0"/>
-                        </a:spcBef>
-                        <a:spcAft>
-                          <a:spcPts val="0"/>
-                        </a:spcAft>
-                        <a:buClrTx/>
-                        <a:buSzTx/>
-                        <a:buFontTx/>
-                        <a:buNone/>
-                        <a:tabLst/>
-                        <a:defRPr/>
-                      </a:pPr>
-                      <a:r>
-                        <a:rPr kumimoji="0" lang="zh-CN" altLang="en-US" sz="1200" b="0" i="0" u="none" strike="noStrike" kern="1200" cap="none" spc="0" normalizeH="0" baseline="0" noProof="0" dirty="0" smtClean="0">
-                          <a:ln>
-                            <a:noFill/>
-                          </a:ln>
-                          <a:solidFill>
-                            <a:srgbClr val="000000"/>
-                          </a:solidFill>
-                          <a:effectLst/>
-                          <a:uLnTx/>
-                          <a:uFillTx/>
-                          <a:latin typeface="+mn-lt"/>
-                          <a:ea typeface="+mn-ea"/>
-                          <a:cs typeface="+mn-ea"/>
-                          <a:sym typeface="+mn-lt"/>
-                        </a:rPr>
-                        <a:t>是</a:t>
-                      </a:r>
-                      <a:r>
-                        <a:rPr kumimoji="0" lang="en-US" altLang="zh-CN" sz="1200" b="0" i="0" u="none" strike="noStrike" kern="1200" cap="none" spc="0" normalizeH="0" baseline="0" noProof="0" dirty="0" smtClean="0">
-                          <a:ln>
-                            <a:noFill/>
-                          </a:ln>
-                          <a:solidFill>
-                            <a:srgbClr val="000000"/>
-                          </a:solidFill>
-                          <a:effectLst/>
-                          <a:uLnTx/>
-                          <a:uFillTx/>
-                          <a:latin typeface="+mn-lt"/>
-                          <a:ea typeface="+mn-ea"/>
-                          <a:cs typeface="+mn-ea"/>
-                          <a:sym typeface="+mn-lt"/>
-                        </a:rPr>
-                        <a:t>/</a:t>
-                      </a:r>
-                      <a:r>
-                        <a:rPr kumimoji="0" lang="zh-CN" altLang="en-US" sz="1200" b="0" i="0" u="none" strike="noStrike" kern="1200" cap="none" spc="0" normalizeH="0" baseline="0" noProof="0" dirty="0" smtClean="0">
-                          <a:ln>
-                            <a:noFill/>
-                          </a:ln>
-                          <a:solidFill>
-                            <a:srgbClr val="000000"/>
-                          </a:solidFill>
-                          <a:effectLst/>
-                          <a:uLnTx/>
-                          <a:uFillTx/>
-                          <a:latin typeface="+mn-lt"/>
-                          <a:ea typeface="+mn-ea"/>
-                          <a:cs typeface="+mn-ea"/>
-                          <a:sym typeface="+mn-lt"/>
-                        </a:rPr>
-                        <a:t>否</a:t>
-                      </a:r>
-                      <a:endParaRPr kumimoji="0" lang="en-US" altLang="zh-CN" sz="1200" b="0" i="0" u="none" strike="noStrike" kern="1200" cap="none" spc="0" normalizeH="0" baseline="0" noProof="0" dirty="0" smtClean="0">
-                        <a:ln>
-                          <a:noFill/>
-                        </a:ln>
-                        <a:solidFill>
-                          <a:srgbClr val="000000"/>
-                        </a:solidFill>
-                        <a:effectLst/>
-                        <a:uLnTx/>
-                        <a:uFillTx/>
-                        <a:latin typeface="+mn-lt"/>
-                        <a:ea typeface="+mn-ea"/>
-                        <a:cs typeface="+mn-ea"/>
-                        <a:sym typeface="+mn-lt"/>
-                      </a:endParaRPr>
-                    </a:p>
-                  </a:txBody>
-                  <a:tcPr anchor="ctr">
-                    <a:solidFill>
-                      <a:srgbClr val="F2F2F2"/>
-                    </a:solidFill>
-                  </a:tcPr>
-                </a:tc>
-                <a:tc>
-                  <a:txBody>
-                    <a:bodyPr/>
-                    <a:lstStyle/>
-                    <a:p>
-                      <a:pPr marL="0" marR="0" lvl="0" indent="0" algn="l" defTabSz="914389" rtl="0" eaLnBrk="1" fontAlgn="auto" latinLnBrk="0" hangingPunct="1">
-                        <a:lnSpc>
-                          <a:spcPct val="100000"/>
-                        </a:lnSpc>
-                        <a:spcBef>
-                          <a:spcPts val="0"/>
-                        </a:spcBef>
-                        <a:spcAft>
-                          <a:spcPts val="0"/>
-                        </a:spcAft>
-                        <a:buClrTx/>
-                        <a:buSzTx/>
-                        <a:buFontTx/>
-                        <a:buNone/>
-                        <a:tabLst/>
-                        <a:defRPr/>
-                      </a:pPr>
-                      <a:r>
-                        <a:rPr lang="zh-CN" altLang="en-US" sz="1000" b="0" dirty="0" smtClean="0">
-                          <a:solidFill>
-                            <a:schemeClr val="accent1">
-                              <a:lumMod val="75000"/>
-                            </a:schemeClr>
-                          </a:solidFill>
-                          <a:latin typeface="+mn-lt"/>
-                          <a:ea typeface="+mn-ea"/>
-                          <a:cs typeface="+mn-ea"/>
-                          <a:sym typeface="+mn-lt"/>
-                        </a:rPr>
-                        <a:t>注明其他费用内容</a:t>
-                      </a:r>
                       <a:endParaRPr lang="en-US" altLang="zh-CN" sz="1000" b="0" dirty="0" smtClean="0">
                         <a:solidFill>
                           <a:schemeClr val="accent1">
@@ -15403,7 +14945,7 @@
                 </a:tc>
                 <a:extLst>
                   <a:ext uri="{0D108BD9-81ED-4DB2-BD59-A6C34878D82A}">
-                    <a16:rowId xmlns:a16="http://schemas.microsoft.com/office/drawing/2014/main" val="1818738132"/>
+                    <a16:rowId xmlns:a16="http://schemas.microsoft.com/office/drawing/2014/main" xmlns="" val="1818738132"/>
                   </a:ext>
                 </a:extLst>
               </a:tr>
@@ -15546,18 +15088,15 @@
                         <a:buFontTx/>
                         <a:buNone/>
                       </a:pPr>
-                      <a:r>
-                        <a:rPr lang="en-US" altLang="zh-CN" sz="1200" b="0" dirty="0" smtClean="0">
-                          <a:solidFill>
-                            <a:schemeClr val="tx1"/>
-                          </a:solidFill>
-                          <a:latin typeface="+mn-lt"/>
-                          <a:ea typeface="+mn-ea"/>
-                          <a:cs typeface="+mn-ea"/>
-                          <a:sym typeface="+mn-lt"/>
-                        </a:rPr>
-                        <a:t>RMB XX,XXX</a:t>
-                      </a:r>
+                      <a:endParaRPr lang="en-US" altLang="zh-CN" sz="1200" b="0" dirty="0" smtClean="0">
+                        <a:solidFill>
+                          <a:schemeClr val="tx1"/>
+                        </a:solidFill>
+                        <a:latin typeface="+mn-lt"/>
+                        <a:ea typeface="+mn-ea"/>
+                        <a:cs typeface="+mn-ea"/>
+                        <a:sym typeface="+mn-lt"/>
+                      </a:endParaRPr>
                     </a:p>
                   </a:txBody>
                   <a:tcPr anchor="ctr">
@@ -15588,60 +15127,6 @@
                         <a:tabLst/>
                         <a:defRPr/>
                       </a:pPr>
-                      <a:r>
-                        <a:rPr kumimoji="0" lang="zh-CN" altLang="en-US" sz="1200" b="0" i="0" u="none" strike="noStrike" kern="1200" cap="none" spc="0" normalizeH="0" baseline="0" noProof="0" dirty="0" smtClean="0">
-                          <a:ln>
-                            <a:noFill/>
-                          </a:ln>
-                          <a:solidFill>
-                            <a:srgbClr val="000000"/>
-                          </a:solidFill>
-                          <a:effectLst/>
-                          <a:uLnTx/>
-                          <a:uFillTx/>
-                          <a:latin typeface="+mn-lt"/>
-                          <a:ea typeface="+mn-ea"/>
-                          <a:cs typeface="+mn-ea"/>
-                          <a:sym typeface="+mn-lt"/>
-                        </a:rPr>
-                        <a:t>是</a:t>
-                      </a:r>
-                      <a:r>
-                        <a:rPr kumimoji="0" lang="en-US" altLang="zh-CN" sz="1200" b="0" i="0" u="none" strike="noStrike" kern="1200" cap="none" spc="0" normalizeH="0" baseline="0" noProof="0" dirty="0" smtClean="0">
-                          <a:ln>
-                            <a:noFill/>
-                          </a:ln>
-                          <a:solidFill>
-                            <a:srgbClr val="000000"/>
-                          </a:solidFill>
-                          <a:effectLst/>
-                          <a:uLnTx/>
-                          <a:uFillTx/>
-                          <a:latin typeface="+mn-lt"/>
-                          <a:ea typeface="+mn-ea"/>
-                          <a:cs typeface="+mn-ea"/>
-                          <a:sym typeface="+mn-lt"/>
-                        </a:rPr>
-                        <a:t>/</a:t>
-                      </a:r>
-                      <a:r>
-                        <a:rPr kumimoji="0" lang="zh-CN" altLang="en-US" sz="1200" b="0" i="0" u="none" strike="noStrike" kern="1200" cap="none" spc="0" normalizeH="0" baseline="0" noProof="0" dirty="0" smtClean="0">
-                          <a:ln>
-                            <a:noFill/>
-                          </a:ln>
-                          <a:solidFill>
-                            <a:srgbClr val="000000"/>
-                          </a:solidFill>
-                          <a:effectLst/>
-                          <a:uLnTx/>
-                          <a:uFillTx/>
-                          <a:latin typeface="+mn-lt"/>
-                          <a:ea typeface="+mn-ea"/>
-                          <a:cs typeface="+mn-ea"/>
-                          <a:sym typeface="+mn-lt"/>
-                        </a:rPr>
-                        <a:t>否</a:t>
-                      </a:r>
                       <a:endParaRPr kumimoji="0" lang="en-US" altLang="zh-CN" sz="1200" b="0" i="0" u="none" strike="noStrike" kern="1200" cap="none" spc="0" normalizeH="0" baseline="0" noProof="0" dirty="0" smtClean="0">
                         <a:ln>
                           <a:noFill/>
@@ -15687,64 +15172,6 @@
                         <a:tabLst/>
                         <a:defRPr/>
                       </a:pPr>
-                      <a:r>
-                        <a:rPr lang="zh-CN" altLang="en-US" sz="1000" b="0" dirty="0" smtClean="0">
-                          <a:solidFill>
-                            <a:schemeClr val="accent1">
-                              <a:lumMod val="75000"/>
-                            </a:schemeClr>
-                          </a:solidFill>
-                          <a:latin typeface="+mn-lt"/>
-                          <a:ea typeface="+mn-ea"/>
-                          <a:cs typeface="+mn-ea"/>
-                          <a:sym typeface="+mn-lt"/>
-                        </a:rPr>
-                        <a:t>总就餐人数</a:t>
-                      </a:r>
-                      <a:endParaRPr lang="en-US" altLang="zh-CN" sz="1000" b="0" dirty="0" smtClean="0">
-                        <a:solidFill>
-                          <a:schemeClr val="accent1">
-                            <a:lumMod val="75000"/>
-                          </a:schemeClr>
-                        </a:solidFill>
-                        <a:latin typeface="+mn-lt"/>
-                        <a:ea typeface="+mn-ea"/>
-                        <a:cs typeface="+mn-ea"/>
-                        <a:sym typeface="+mn-lt"/>
-                      </a:endParaRPr>
-                    </a:p>
-                    <a:p>
-                      <a:pPr marL="0" marR="0" lvl="0" indent="0" algn="l" defTabSz="914389" rtl="0" eaLnBrk="1" fontAlgn="auto" latinLnBrk="0" hangingPunct="1">
-                        <a:lnSpc>
-                          <a:spcPct val="100000"/>
-                        </a:lnSpc>
-                        <a:spcBef>
-                          <a:spcPts val="0"/>
-                        </a:spcBef>
-                        <a:spcAft>
-                          <a:spcPts val="0"/>
-                        </a:spcAft>
-                        <a:buClrTx/>
-                        <a:buSzTx/>
-                        <a:buFontTx/>
-                        <a:buNone/>
-                        <a:tabLst/>
-                        <a:defRPr/>
-                      </a:pPr>
-                      <a:r>
-                        <a:rPr lang="zh-CN" altLang="en-US" sz="1000" b="0" dirty="0" smtClean="0">
-                          <a:solidFill>
-                            <a:schemeClr val="accent1">
-                              <a:lumMod val="75000"/>
-                            </a:schemeClr>
-                          </a:solidFill>
-                          <a:latin typeface="+mn-lt"/>
-                          <a:ea typeface="+mn-ea"/>
-                          <a:cs typeface="+mn-ea"/>
-                          <a:sym typeface="+mn-lt"/>
-                        </a:rPr>
-                        <a:t>人均餐费</a:t>
-                      </a:r>
                       <a:endParaRPr lang="en-US" altLang="zh-CN" sz="1000" b="0" dirty="0" smtClean="0">
                         <a:solidFill>
                           <a:schemeClr val="accent1">
@@ -15820,7 +15247,7 @@
                 </a:tc>
                 <a:extLst>
                   <a:ext uri="{0D108BD9-81ED-4DB2-BD59-A6C34878D82A}">
-                    <a16:rowId xmlns:a16="http://schemas.microsoft.com/office/drawing/2014/main" val="3192001067"/>
+                    <a16:rowId xmlns:a16="http://schemas.microsoft.com/office/drawing/2014/main" xmlns="" val="3192001067"/>
                   </a:ext>
                 </a:extLst>
               </a:tr>
@@ -15933,18 +15360,15 @@
                         <a:tabLst/>
                         <a:defRPr/>
                       </a:pPr>
-                      <a:r>
-                        <a:rPr lang="en-US" altLang="zh-CN" sz="1200" b="0" dirty="0" smtClean="0">
-                          <a:solidFill>
-                            <a:schemeClr val="tx1"/>
-                          </a:solidFill>
-                          <a:latin typeface="+mn-lt"/>
-                          <a:ea typeface="+mn-ea"/>
-                          <a:cs typeface="+mn-ea"/>
-                          <a:sym typeface="+mn-lt"/>
-                        </a:rPr>
-                        <a:t>RMB XX,XXX</a:t>
-                      </a:r>
+                      <a:endParaRPr lang="en-US" altLang="zh-CN" sz="1200" b="0" dirty="0" smtClean="0">
+                        <a:solidFill>
+                          <a:schemeClr val="tx1"/>
+                        </a:solidFill>
+                        <a:latin typeface="+mn-lt"/>
+                        <a:ea typeface="+mn-ea"/>
+                        <a:cs typeface="+mn-ea"/>
+                        <a:sym typeface="+mn-lt"/>
+                      </a:endParaRPr>
                     </a:p>
                   </a:txBody>
                   <a:tcPr anchor="ctr">
@@ -15975,60 +15399,6 @@
                         <a:tabLst/>
                         <a:defRPr/>
                       </a:pPr>
-                      <a:r>
-                        <a:rPr kumimoji="0" lang="zh-CN" altLang="en-US" sz="1200" b="0" i="0" u="none" strike="noStrike" kern="1200" cap="none" spc="0" normalizeH="0" baseline="0" noProof="0" dirty="0" smtClean="0">
-                          <a:ln>
-                            <a:noFill/>
-                          </a:ln>
-                          <a:solidFill>
-                            <a:srgbClr val="000000"/>
-                          </a:solidFill>
-                          <a:effectLst/>
-                          <a:uLnTx/>
-                          <a:uFillTx/>
-                          <a:latin typeface="+mn-lt"/>
-                          <a:ea typeface="+mn-ea"/>
-                          <a:cs typeface="+mn-ea"/>
-                          <a:sym typeface="+mn-lt"/>
-                        </a:rPr>
-                        <a:t>是</a:t>
-                      </a:r>
-                      <a:r>
-                        <a:rPr kumimoji="0" lang="en-US" altLang="zh-CN" sz="1200" b="0" i="0" u="none" strike="noStrike" kern="1200" cap="none" spc="0" normalizeH="0" baseline="0" noProof="0" dirty="0" smtClean="0">
-                          <a:ln>
-                            <a:noFill/>
-                          </a:ln>
-                          <a:solidFill>
-                            <a:srgbClr val="000000"/>
-                          </a:solidFill>
-                          <a:effectLst/>
-                          <a:uLnTx/>
-                          <a:uFillTx/>
-                          <a:latin typeface="+mn-lt"/>
-                          <a:ea typeface="+mn-ea"/>
-                          <a:cs typeface="+mn-ea"/>
-                          <a:sym typeface="+mn-lt"/>
-                        </a:rPr>
-                        <a:t>/</a:t>
-                      </a:r>
-                      <a:r>
-                        <a:rPr kumimoji="0" lang="zh-CN" altLang="en-US" sz="1200" b="0" i="0" u="none" strike="noStrike" kern="1200" cap="none" spc="0" normalizeH="0" baseline="0" noProof="0" dirty="0" smtClean="0">
-                          <a:ln>
-                            <a:noFill/>
-                          </a:ln>
-                          <a:solidFill>
-                            <a:srgbClr val="000000"/>
-                          </a:solidFill>
-                          <a:effectLst/>
-                          <a:uLnTx/>
-                          <a:uFillTx/>
-                          <a:latin typeface="+mn-lt"/>
-                          <a:ea typeface="+mn-ea"/>
-                          <a:cs typeface="+mn-ea"/>
-                          <a:sym typeface="+mn-lt"/>
-                        </a:rPr>
-                        <a:t>否</a:t>
-                      </a:r>
                       <a:endParaRPr kumimoji="0" lang="en-US" altLang="zh-CN" sz="1200" b="0" i="0" u="none" strike="noStrike" kern="1200" cap="none" spc="0" normalizeH="0" baseline="0" noProof="0" dirty="0" smtClean="0">
                         <a:ln>
                           <a:noFill/>
@@ -16074,64 +15444,6 @@
                         <a:tabLst/>
                         <a:defRPr/>
                       </a:pPr>
-                      <a:r>
-                        <a:rPr lang="zh-CN" altLang="en-US" sz="1000" b="0" dirty="0" smtClean="0">
-                          <a:solidFill>
-                            <a:schemeClr val="accent1">
-                              <a:lumMod val="75000"/>
-                            </a:schemeClr>
-                          </a:solidFill>
-                          <a:latin typeface="+mn-lt"/>
-                          <a:ea typeface="+mn-ea"/>
-                          <a:cs typeface="+mn-ea"/>
-                          <a:sym typeface="+mn-lt"/>
-                        </a:rPr>
-                        <a:t>总就餐人数</a:t>
-                      </a:r>
-                      <a:endParaRPr lang="en-US" altLang="zh-CN" sz="1000" b="0" dirty="0" smtClean="0">
-                        <a:solidFill>
-                          <a:schemeClr val="accent1">
-                            <a:lumMod val="75000"/>
-                          </a:schemeClr>
-                        </a:solidFill>
-                        <a:latin typeface="+mn-lt"/>
-                        <a:ea typeface="+mn-ea"/>
-                        <a:cs typeface="+mn-ea"/>
-                        <a:sym typeface="+mn-lt"/>
-                      </a:endParaRPr>
-                    </a:p>
-                    <a:p>
-                      <a:pPr marL="0" marR="0" lvl="0" indent="0" algn="l" defTabSz="914389" rtl="0" eaLnBrk="1" fontAlgn="auto" latinLnBrk="0" hangingPunct="1">
-                        <a:lnSpc>
-                          <a:spcPct val="100000"/>
-                        </a:lnSpc>
-                        <a:spcBef>
-                          <a:spcPts val="0"/>
-                        </a:spcBef>
-                        <a:spcAft>
-                          <a:spcPts val="0"/>
-                        </a:spcAft>
-                        <a:buClrTx/>
-                        <a:buSzTx/>
-                        <a:buFontTx/>
-                        <a:buNone/>
-                        <a:tabLst/>
-                        <a:defRPr/>
-                      </a:pPr>
-                      <a:r>
-                        <a:rPr lang="zh-CN" altLang="en-US" sz="1000" b="0" dirty="0" smtClean="0">
-                          <a:solidFill>
-                            <a:schemeClr val="accent1">
-                              <a:lumMod val="75000"/>
-                            </a:schemeClr>
-                          </a:solidFill>
-                          <a:latin typeface="+mn-lt"/>
-                          <a:ea typeface="+mn-ea"/>
-                          <a:cs typeface="+mn-ea"/>
-                          <a:sym typeface="+mn-lt"/>
-                        </a:rPr>
-                        <a:t>人均酒水费用</a:t>
-                      </a:r>
                       <a:endParaRPr lang="en-US" altLang="zh-CN" sz="1000" b="0" dirty="0" smtClean="0">
                         <a:solidFill>
                           <a:schemeClr val="accent1">
@@ -16193,7 +15505,7 @@
                 </a:tc>
                 <a:extLst>
                   <a:ext uri="{0D108BD9-81ED-4DB2-BD59-A6C34878D82A}">
-                    <a16:rowId xmlns:a16="http://schemas.microsoft.com/office/drawing/2014/main" val="564902271"/>
+                    <a16:rowId xmlns:a16="http://schemas.microsoft.com/office/drawing/2014/main" xmlns="" val="564902271"/>
                   </a:ext>
                 </a:extLst>
               </a:tr>
@@ -16567,28 +15879,28 @@
                 <a:gridCol w="628595">
                   <a:extLst>
                     <a:ext uri="{9D8B030D-6E8A-4147-A177-3AD203B41FA5}">
-                      <a16:colId xmlns:a16="http://schemas.microsoft.com/office/drawing/2014/main" val="207362988"/>
+                      <a16:colId xmlns:a16="http://schemas.microsoft.com/office/drawing/2014/main" xmlns="" val="207362988"/>
                     </a:ext>
                   </a:extLst>
                 </a:gridCol>
                 <a:gridCol w="2213264">
                   <a:extLst>
                     <a:ext uri="{9D8B030D-6E8A-4147-A177-3AD203B41FA5}">
-                      <a16:colId xmlns:a16="http://schemas.microsoft.com/office/drawing/2014/main" val="20000"/>
+                      <a16:colId xmlns:a16="http://schemas.microsoft.com/office/drawing/2014/main" xmlns="" val="20000"/>
                     </a:ext>
                   </a:extLst>
                 </a:gridCol>
                 <a:gridCol w="2556164">
                   <a:extLst>
                     <a:ext uri="{9D8B030D-6E8A-4147-A177-3AD203B41FA5}">
-                      <a16:colId xmlns:a16="http://schemas.microsoft.com/office/drawing/2014/main" val="20001"/>
+                      <a16:colId xmlns:a16="http://schemas.microsoft.com/office/drawing/2014/main" xmlns="" val="20001"/>
                     </a:ext>
                   </a:extLst>
                 </a:gridCol>
                 <a:gridCol w="5634579">
                   <a:extLst>
                     <a:ext uri="{9D8B030D-6E8A-4147-A177-3AD203B41FA5}">
-                      <a16:colId xmlns:a16="http://schemas.microsoft.com/office/drawing/2014/main" val="610373499"/>
+                      <a16:colId xmlns:a16="http://schemas.microsoft.com/office/drawing/2014/main" xmlns="" val="610373499"/>
                     </a:ext>
                   </a:extLst>
                 </a:gridCol>
@@ -16952,7 +16264,7 @@
                 </a:tc>
                 <a:extLst>
                   <a:ext uri="{0D108BD9-81ED-4DB2-BD59-A6C34878D82A}">
-                    <a16:rowId xmlns:a16="http://schemas.microsoft.com/office/drawing/2014/main" val="10000"/>
+                    <a16:rowId xmlns:a16="http://schemas.microsoft.com/office/drawing/2014/main" xmlns="" val="10000"/>
                   </a:ext>
                 </a:extLst>
               </a:tr>
@@ -17282,7 +16594,7 @@
                 </a:tc>
                 <a:extLst>
                   <a:ext uri="{0D108BD9-81ED-4DB2-BD59-A6C34878D82A}">
-                    <a16:rowId xmlns:a16="http://schemas.microsoft.com/office/drawing/2014/main" val="10001"/>
+                    <a16:rowId xmlns:a16="http://schemas.microsoft.com/office/drawing/2014/main" xmlns="" val="10001"/>
                   </a:ext>
                 </a:extLst>
               </a:tr>
@@ -17640,7 +16952,7 @@
                 </a:tc>
                 <a:extLst>
                   <a:ext uri="{0D108BD9-81ED-4DB2-BD59-A6C34878D82A}">
-                    <a16:rowId xmlns:a16="http://schemas.microsoft.com/office/drawing/2014/main" val="10002"/>
+                    <a16:rowId xmlns:a16="http://schemas.microsoft.com/office/drawing/2014/main" xmlns="" val="10002"/>
                   </a:ext>
                 </a:extLst>
               </a:tr>
@@ -17998,7 +17310,7 @@
                 </a:tc>
                 <a:extLst>
                   <a:ext uri="{0D108BD9-81ED-4DB2-BD59-A6C34878D82A}">
-                    <a16:rowId xmlns:a16="http://schemas.microsoft.com/office/drawing/2014/main" val="10003"/>
+                    <a16:rowId xmlns:a16="http://schemas.microsoft.com/office/drawing/2014/main" xmlns="" val="10003"/>
                   </a:ext>
                 </a:extLst>
               </a:tr>
@@ -18356,7 +17668,7 @@
                 </a:tc>
                 <a:extLst>
                   <a:ext uri="{0D108BD9-81ED-4DB2-BD59-A6C34878D82A}">
-                    <a16:rowId xmlns:a16="http://schemas.microsoft.com/office/drawing/2014/main" val="10004"/>
+                    <a16:rowId xmlns:a16="http://schemas.microsoft.com/office/drawing/2014/main" xmlns="" val="10004"/>
                   </a:ext>
                 </a:extLst>
               </a:tr>
@@ -18714,7 +18026,7 @@
                 </a:tc>
                 <a:extLst>
                   <a:ext uri="{0D108BD9-81ED-4DB2-BD59-A6C34878D82A}">
-                    <a16:rowId xmlns:a16="http://schemas.microsoft.com/office/drawing/2014/main" val="2987373226"/>
+                    <a16:rowId xmlns:a16="http://schemas.microsoft.com/office/drawing/2014/main" xmlns="" val="2987373226"/>
                   </a:ext>
                 </a:extLst>
               </a:tr>
@@ -19072,7 +18384,7 @@
                 </a:tc>
                 <a:extLst>
                   <a:ext uri="{0D108BD9-81ED-4DB2-BD59-A6C34878D82A}">
-                    <a16:rowId xmlns:a16="http://schemas.microsoft.com/office/drawing/2014/main" val="2639051246"/>
+                    <a16:rowId xmlns:a16="http://schemas.microsoft.com/office/drawing/2014/main" xmlns="" val="2639051246"/>
                   </a:ext>
                 </a:extLst>
               </a:tr>
@@ -19430,7 +18742,7 @@
                 </a:tc>
                 <a:extLst>
                   <a:ext uri="{0D108BD9-81ED-4DB2-BD59-A6C34878D82A}">
-                    <a16:rowId xmlns:a16="http://schemas.microsoft.com/office/drawing/2014/main" val="1177553746"/>
+                    <a16:rowId xmlns:a16="http://schemas.microsoft.com/office/drawing/2014/main" xmlns="" val="1177553746"/>
                   </a:ext>
                 </a:extLst>
               </a:tr>
@@ -19780,7 +19092,7 @@
                 </a:tc>
                 <a:extLst>
                   <a:ext uri="{0D108BD9-81ED-4DB2-BD59-A6C34878D82A}">
-                    <a16:rowId xmlns:a16="http://schemas.microsoft.com/office/drawing/2014/main" val="4230401121"/>
+                    <a16:rowId xmlns:a16="http://schemas.microsoft.com/office/drawing/2014/main" xmlns="" val="4230401121"/>
                   </a:ext>
                 </a:extLst>
               </a:tr>
@@ -19837,42 +19149,6 @@
                 <a:srgbClr val="232323"/>
               </a:solidFill>
               <a:latin typeface="+mn-lt"/>
-              <a:cs typeface="+mn-ea"/>
-              <a:sym typeface="+mn-lt"/>
-            </a:endParaRPr>
-          </a:p>
-        </p:txBody>
-      </p:sp>
-      <p:sp>
-        <p:nvSpPr>
-          <p:cNvPr id="3" name="TextBox 2"/>
-          <p:cNvSpPr txBox="1"/>
-          <p:nvPr/>
-        </p:nvSpPr>
-        <p:spPr>
-          <a:xfrm>
-            <a:off x="3211064" y="3492957"/>
-            <a:ext cx="5262979" cy="369332"/>
-          </a:xfrm>
-          <a:prstGeom prst="rect">
-            <a:avLst/>
-          </a:prstGeom>
-          <a:noFill/>
-        </p:spPr>
-        <p:txBody>
-          <a:bodyPr wrap="none" rtlCol="0">
-            <a:spAutoFit/>
-          </a:bodyPr>
-          <a:lstStyle/>
-          <a:p>
-            <a:r>
-              <a:rPr lang="zh-CN" altLang="en-US" dirty="0" smtClean="0">
-                <a:cs typeface="+mn-ea"/>
-                <a:sym typeface="+mn-lt"/>
-              </a:rPr>
-              <a:t>请提供本月每场交车活动的安排，需包含活动亮点</a:t>
-            </a:r>
-            <a:endParaRPr lang="en-US" dirty="0">
               <a:cs typeface="+mn-ea"/>
               <a:sym typeface="+mn-lt"/>
             </a:endParaRPr>
@@ -21236,7 +20512,7 @@
           <a:graphicData uri="http://schemas.openxmlformats.org/presentationml/2006/ole">
             <mc:AlternateContent xmlns:mc="http://schemas.openxmlformats.org/markup-compatibility/2006">
               <mc:Choice xmlns:v="urn:schemas-microsoft-com:vml" Requires="v">
-                <p:oleObj spid="_x0000_s44062" name="think-cell Slide" r:id="rId5" imgW="416" imgH="416" progId="TCLayout.ActiveDocument.1">
+                <p:oleObj spid="_x0000_s44067" name="think-cell Slide" r:id="rId5" imgW="416" imgH="416" progId="TCLayout.ActiveDocument.1">
                   <p:embed/>
                 </p:oleObj>
               </mc:Choice>
@@ -23289,12 +22565,12 @@
     </a:clrScheme>
     <a:fontScheme name="1hz2wouy">
       <a:majorFont>
-        <a:latin typeface="Bentley Light" panose="020F0302020204030204"/>
+        <a:latin typeface="Bentley Light"/>
         <a:ea typeface="黑体"/>
         <a:cs typeface=""/>
       </a:majorFont>
       <a:minorFont>
-        <a:latin typeface="Bentley Light" panose="020F0502020204030204"/>
+        <a:latin typeface="Bentley Light"/>
         <a:ea typeface="黑体"/>
         <a:cs typeface=""/>
       </a:minorFont>
@@ -23474,7 +22750,7 @@
   <a:extraClrSchemeLst/>
   <a:extLst>
     <a:ext uri="{05A4C25C-085E-4340-85A3-A5531E510DB2}">
-      <thm15:themeFamily xmlns:thm15="http://schemas.microsoft.com/office/thememl/2012/main" name="Bentley template 2021.potx" id="{C9F80F40-B2B1-4DB6-919B-71F3AAFFE5B0}" vid="{F9D38CA0-4F02-4029-A6BC-9642EF690A5C}"/>
+      <thm15:themeFamily xmlns:thm15="http://schemas.microsoft.com/office/thememl/2012/main" xmlns="" name="Bentley template 2021.potx" id="{C9F80F40-B2B1-4DB6-919B-71F3AAFFE5B0}" vid="{F9D38CA0-4F02-4029-A6BC-9642EF690A5C}"/>
     </a:ext>
   </a:extLst>
 </a:theme>
@@ -23523,12 +22799,12 @@
     </a:clrScheme>
     <a:fontScheme name="1hz2wouy">
       <a:majorFont>
-        <a:latin typeface="Bentley Light" panose="020F0302020204030204"/>
+        <a:latin typeface="Bentley Light"/>
         <a:ea typeface="黑体"/>
         <a:cs typeface=""/>
       </a:majorFont>
       <a:minorFont>
-        <a:latin typeface="Bentley Light" panose="020F0502020204030204"/>
+        <a:latin typeface="Bentley Light"/>
         <a:ea typeface="黑体"/>
         <a:cs typeface=""/>
       </a:minorFont>
@@ -23708,7 +22984,7 @@
   <a:extraClrSchemeLst/>
   <a:extLst>
     <a:ext uri="{05A4C25C-085E-4340-85A3-A5531E510DB2}">
-      <thm15:themeFamily xmlns:thm15="http://schemas.microsoft.com/office/thememl/2012/main" name="Bentley template 2021.potx" id="{C9F80F40-B2B1-4DB6-919B-71F3AAFFE5B0}" vid="{F9D38CA0-4F02-4029-A6BC-9642EF690A5C}"/>
+      <thm15:themeFamily xmlns:thm15="http://schemas.microsoft.com/office/thememl/2012/main" xmlns="" name="Bentley template 2021.potx" id="{C9F80F40-B2B1-4DB6-919B-71F3AAFFE5B0}" vid="{F9D38CA0-4F02-4029-A6BC-9642EF690A5C}"/>
     </a:ext>
   </a:extLst>
 </a:theme>
@@ -23757,7 +23033,7 @@
     </a:clrScheme>
     <a:fontScheme name="Office">
       <a:majorFont>
-        <a:latin typeface="Calibri Light" panose="020F0302020204030204"/>
+        <a:latin typeface="Calibri Light"/>
         <a:ea typeface=""/>
         <a:cs typeface=""/>
         <a:font script="Jpan" typeface="游ゴシック Light"/>
@@ -23792,7 +23068,7 @@
         <a:font script="Geor" typeface="Sylfaen"/>
       </a:majorFont>
       <a:minorFont>
-        <a:latin typeface="Calibri" panose="020F0502020204030204"/>
+        <a:latin typeface="Calibri"/>
         <a:ea typeface=""/>
         <a:cs typeface=""/>
         <a:font script="Jpan" typeface="游ゴシック"/>
@@ -23969,7 +23245,7 @@
   <a:extraClrSchemeLst/>
   <a:extLst>
     <a:ext uri="{05A4C25C-085E-4340-85A3-A5531E510DB2}">
-      <thm15:themeFamily xmlns:thm15="http://schemas.microsoft.com/office/thememl/2012/main" name="Office Theme" id="{62F939B6-93AF-4DB8-9C6B-D6C7DFDC589F}" vid="{4A3C46E8-61CC-4603-A589-7422A47A8E4A}"/>
+      <thm15:themeFamily xmlns:thm15="http://schemas.microsoft.com/office/thememl/2012/main" xmlns="" name="Office Theme" id="{62F939B6-93AF-4DB8-9C6B-D6C7DFDC589F}" vid="{4A3C46E8-61CC-4603-A589-7422A47A8E4A}"/>
     </a:ext>
   </a:extLst>
 </a:theme>

--- a/com.yrtech.bentleyAPI/com.yrtech.InventoryAPI/template/PlanHandOver.pptx
+++ b/com.yrtech.bentleyAPI/com.yrtech.InventoryAPI/template/PlanHandOver.pptx
@@ -120,7 +120,7 @@
   </p:defaultTextStyle>
   <p:extLst>
     <p:ext uri="{EFAFB233-063F-42B5-8137-9DF3F51BA10A}">
-      <p15:sldGuideLst xmlns:p15="http://schemas.microsoft.com/office/powerpoint/2012/main">
+      <p15:sldGuideLst xmlns="" xmlns:p15="http://schemas.microsoft.com/office/powerpoint/2012/main">
         <p15:guide id="1" pos="7310" userDrawn="1">
           <p15:clr>
             <a:srgbClr val="A4A3A4"/>
@@ -219,7 +219,7 @@
           <a:p>
             <a:fld id="{69A4D669-94F9-4D70-8C76-4C2D35D4E5D0}" type="datetimeFigureOut">
               <a:rPr lang="en-US" smtClean="0"/>
-              <a:t>3/30/2022</a:t>
+              <a:t>4/4/2022</a:t>
             </a:fld>
             <a:endParaRPr lang="en-US" dirty="0"/>
           </a:p>
@@ -1191,7 +1191,7 @@
           <a:graphicData uri="http://schemas.openxmlformats.org/presentationml/2006/ole">
             <mc:AlternateContent xmlns:mc="http://schemas.openxmlformats.org/markup-compatibility/2006">
               <mc:Choice xmlns:v="urn:schemas-microsoft-com:vml" Requires="v">
-                <p:oleObj spid="_x0000_s32798" name="think-cell Slide" r:id="rId5" imgW="216" imgH="216" progId="TCLayout.ActiveDocument.1">
+                <p:oleObj spid="_x0000_s32804" name="think-cell Slide" r:id="rId5" imgW="216" imgH="216" progId="TCLayout.ActiveDocument.1">
                   <p:embed/>
                 </p:oleObj>
               </mc:Choice>
@@ -1388,7 +1388,7 @@
           <p:cNvPr id="4" name="Footer Placeholder 3">
             <a:extLst>
               <a:ext uri="{FF2B5EF4-FFF2-40B4-BE49-F238E27FC236}">
-                <a16:creationId xmlns:a16="http://schemas.microsoft.com/office/drawing/2014/main" id="{17D6DE4C-D976-4B4B-B087-C035EF8D4F6F}"/>
+                <a16:creationId xmlns="" xmlns:a16="http://schemas.microsoft.com/office/drawing/2014/main" id="{17D6DE4C-D976-4B4B-B087-C035EF8D4F6F}"/>
               </a:ext>
             </a:extLst>
           </p:cNvPr>
@@ -1447,7 +1447,7 @@
           <p:cNvPr id="13" name="Straight Connector 12">
             <a:extLst>
               <a:ext uri="{FF2B5EF4-FFF2-40B4-BE49-F238E27FC236}">
-                <a16:creationId xmlns:a16="http://schemas.microsoft.com/office/drawing/2014/main" id="{95C486A1-9876-924E-85C2-906892F8B9AC}"/>
+                <a16:creationId xmlns="" xmlns:a16="http://schemas.microsoft.com/office/drawing/2014/main" id="{95C486A1-9876-924E-85C2-906892F8B9AC}"/>
               </a:ext>
             </a:extLst>
           </p:cNvPr>
@@ -1490,7 +1490,7 @@
           <p:cNvPr id="17" name="Slide Number Placeholder 5">
             <a:extLst>
               <a:ext uri="{FF2B5EF4-FFF2-40B4-BE49-F238E27FC236}">
-                <a16:creationId xmlns:a16="http://schemas.microsoft.com/office/drawing/2014/main" id="{CC67CD5C-67EC-5144-B858-5347C50D1ACD}"/>
+                <a16:creationId xmlns="" xmlns:a16="http://schemas.microsoft.com/office/drawing/2014/main" id="{CC67CD5C-67EC-5144-B858-5347C50D1ACD}"/>
               </a:ext>
             </a:extLst>
           </p:cNvPr>
@@ -1542,7 +1542,7 @@
           <p:cNvPr id="8" name="Title 7">
             <a:extLst>
               <a:ext uri="{FF2B5EF4-FFF2-40B4-BE49-F238E27FC236}">
-                <a16:creationId xmlns:a16="http://schemas.microsoft.com/office/drawing/2014/main" id="{8A6F1540-D306-D44E-B1B3-1ACCF1041F70}"/>
+                <a16:creationId xmlns="" xmlns:a16="http://schemas.microsoft.com/office/drawing/2014/main" id="{8A6F1540-D306-D44E-B1B3-1ACCF1041F70}"/>
               </a:ext>
             </a:extLst>
           </p:cNvPr>
@@ -1949,7 +1949,7 @@
           <a:graphicData uri="http://schemas.openxmlformats.org/presentationml/2006/ole">
             <mc:AlternateContent xmlns:mc="http://schemas.openxmlformats.org/markup-compatibility/2006">
               <mc:Choice xmlns:v="urn:schemas-microsoft-com:vml" Requires="v">
-                <p:oleObj spid="_x0000_s33822" name="think-cell Slide" r:id="rId4" imgW="216" imgH="216" progId="TCLayout.ActiveDocument.1">
+                <p:oleObj spid="_x0000_s33828" name="think-cell Slide" r:id="rId4" imgW="216" imgH="216" progId="TCLayout.ActiveDocument.1">
                   <p:embed/>
                 </p:oleObj>
               </mc:Choice>
@@ -2075,7 +2075,7 @@
           <p:cNvPr id="8" name="Title 7">
             <a:extLst>
               <a:ext uri="{FF2B5EF4-FFF2-40B4-BE49-F238E27FC236}">
-                <a16:creationId xmlns:a16="http://schemas.microsoft.com/office/drawing/2014/main" id="{8A6F1540-D306-D44E-B1B3-1ACCF1041F70}"/>
+                <a16:creationId xmlns="" xmlns:a16="http://schemas.microsoft.com/office/drawing/2014/main" id="{8A6F1540-D306-D44E-B1B3-1ACCF1041F70}"/>
               </a:ext>
             </a:extLst>
           </p:cNvPr>
@@ -2111,7 +2111,7 @@
           <p:cNvPr id="9" name="Content Placeholder 2">
             <a:extLst>
               <a:ext uri="{FF2B5EF4-FFF2-40B4-BE49-F238E27FC236}">
-                <a16:creationId xmlns:a16="http://schemas.microsoft.com/office/drawing/2014/main" id="{0A7C1352-3D49-F849-9BC3-BC0AF9CD8F04}"/>
+                <a16:creationId xmlns="" xmlns:a16="http://schemas.microsoft.com/office/drawing/2014/main" id="{0A7C1352-3D49-F849-9BC3-BC0AF9CD8F04}"/>
               </a:ext>
             </a:extLst>
           </p:cNvPr>
@@ -2203,7 +2203,7 @@
           <p:cNvPr id="10" name="Content Placeholder 2">
             <a:extLst>
               <a:ext uri="{FF2B5EF4-FFF2-40B4-BE49-F238E27FC236}">
-                <a16:creationId xmlns:a16="http://schemas.microsoft.com/office/drawing/2014/main" id="{D1AA7CFB-7669-2648-A3E1-E647E531399E}"/>
+                <a16:creationId xmlns="" xmlns:a16="http://schemas.microsoft.com/office/drawing/2014/main" id="{D1AA7CFB-7669-2648-A3E1-E647E531399E}"/>
               </a:ext>
             </a:extLst>
           </p:cNvPr>
@@ -2295,7 +2295,7 @@
           <p:cNvPr id="11" name="Content Placeholder 2">
             <a:extLst>
               <a:ext uri="{FF2B5EF4-FFF2-40B4-BE49-F238E27FC236}">
-                <a16:creationId xmlns:a16="http://schemas.microsoft.com/office/drawing/2014/main" id="{2E4B4082-D988-5D43-9C32-2C7F747717ED}"/>
+                <a16:creationId xmlns="" xmlns:a16="http://schemas.microsoft.com/office/drawing/2014/main" id="{2E4B4082-D988-5D43-9C32-2C7F747717ED}"/>
               </a:ext>
             </a:extLst>
           </p:cNvPr>
@@ -2387,7 +2387,7 @@
           <p:cNvPr id="12" name="Content Placeholder 2">
             <a:extLst>
               <a:ext uri="{FF2B5EF4-FFF2-40B4-BE49-F238E27FC236}">
-                <a16:creationId xmlns:a16="http://schemas.microsoft.com/office/drawing/2014/main" id="{45B8DE4D-1F9B-7341-8CB2-D70634815B55}"/>
+                <a16:creationId xmlns="" xmlns:a16="http://schemas.microsoft.com/office/drawing/2014/main" id="{45B8DE4D-1F9B-7341-8CB2-D70634815B55}"/>
               </a:ext>
             </a:extLst>
           </p:cNvPr>
@@ -2479,7 +2479,7 @@
           <p:cNvPr id="14" name="Footer Placeholder 3">
             <a:extLst>
               <a:ext uri="{FF2B5EF4-FFF2-40B4-BE49-F238E27FC236}">
-                <a16:creationId xmlns:a16="http://schemas.microsoft.com/office/drawing/2014/main" id="{DBA440F4-82E0-7E45-8A6F-4A8C7572AEE5}"/>
+                <a16:creationId xmlns="" xmlns:a16="http://schemas.microsoft.com/office/drawing/2014/main" id="{DBA440F4-82E0-7E45-8A6F-4A8C7572AEE5}"/>
               </a:ext>
             </a:extLst>
           </p:cNvPr>
@@ -2538,7 +2538,7 @@
           <p:cNvPr id="15" name="Slide Number Placeholder 5">
             <a:extLst>
               <a:ext uri="{FF2B5EF4-FFF2-40B4-BE49-F238E27FC236}">
-                <a16:creationId xmlns:a16="http://schemas.microsoft.com/office/drawing/2014/main" id="{CC67CD5C-67EC-5144-B858-5347C50D1ACD}"/>
+                <a16:creationId xmlns="" xmlns:a16="http://schemas.microsoft.com/office/drawing/2014/main" id="{CC67CD5C-67EC-5144-B858-5347C50D1ACD}"/>
               </a:ext>
             </a:extLst>
           </p:cNvPr>
@@ -2590,7 +2590,7 @@
           <p:cNvPr id="16" name="Straight Connector 15">
             <a:extLst>
               <a:ext uri="{FF2B5EF4-FFF2-40B4-BE49-F238E27FC236}">
-                <a16:creationId xmlns:a16="http://schemas.microsoft.com/office/drawing/2014/main" id="{95C486A1-9876-924E-85C2-906892F8B9AC}"/>
+                <a16:creationId xmlns="" xmlns:a16="http://schemas.microsoft.com/office/drawing/2014/main" id="{95C486A1-9876-924E-85C2-906892F8B9AC}"/>
               </a:ext>
             </a:extLst>
           </p:cNvPr>
@@ -2686,7 +2686,7 @@
           <a:graphicData uri="http://schemas.openxmlformats.org/presentationml/2006/ole">
             <mc:AlternateContent xmlns:mc="http://schemas.openxmlformats.org/markup-compatibility/2006">
               <mc:Choice xmlns:v="urn:schemas-microsoft-com:vml" Requires="v">
-                <p:oleObj spid="_x0000_s34846" name="think-cell Slide" r:id="rId4" imgW="216" imgH="216" progId="TCLayout.ActiveDocument.1">
+                <p:oleObj spid="_x0000_s34852" name="think-cell Slide" r:id="rId4" imgW="216" imgH="216" progId="TCLayout.ActiveDocument.1">
                   <p:embed/>
                 </p:oleObj>
               </mc:Choice>
@@ -2726,7 +2726,7 @@
           <p:cNvPr id="8" name="Title 7">
             <a:extLst>
               <a:ext uri="{FF2B5EF4-FFF2-40B4-BE49-F238E27FC236}">
-                <a16:creationId xmlns:a16="http://schemas.microsoft.com/office/drawing/2014/main" id="{8A6F1540-D306-D44E-B1B3-1ACCF1041F70}"/>
+                <a16:creationId xmlns="" xmlns:a16="http://schemas.microsoft.com/office/drawing/2014/main" id="{8A6F1540-D306-D44E-B1B3-1ACCF1041F70}"/>
               </a:ext>
             </a:extLst>
           </p:cNvPr>
@@ -3522,7 +3522,7 @@
           <p:cNvPr id="37" name="Footer Placeholder 3">
             <a:extLst>
               <a:ext uri="{FF2B5EF4-FFF2-40B4-BE49-F238E27FC236}">
-                <a16:creationId xmlns:a16="http://schemas.microsoft.com/office/drawing/2014/main" id="{DBA440F4-82E0-7E45-8A6F-4A8C7572AEE5}"/>
+                <a16:creationId xmlns="" xmlns:a16="http://schemas.microsoft.com/office/drawing/2014/main" id="{DBA440F4-82E0-7E45-8A6F-4A8C7572AEE5}"/>
               </a:ext>
             </a:extLst>
           </p:cNvPr>
@@ -3581,7 +3581,7 @@
           <p:cNvPr id="38" name="Slide Number Placeholder 5">
             <a:extLst>
               <a:ext uri="{FF2B5EF4-FFF2-40B4-BE49-F238E27FC236}">
-                <a16:creationId xmlns:a16="http://schemas.microsoft.com/office/drawing/2014/main" id="{CC67CD5C-67EC-5144-B858-5347C50D1ACD}"/>
+                <a16:creationId xmlns="" xmlns:a16="http://schemas.microsoft.com/office/drawing/2014/main" id="{CC67CD5C-67EC-5144-B858-5347C50D1ACD}"/>
               </a:ext>
             </a:extLst>
           </p:cNvPr>
@@ -3633,7 +3633,7 @@
           <p:cNvPr id="39" name="Straight Connector 38">
             <a:extLst>
               <a:ext uri="{FF2B5EF4-FFF2-40B4-BE49-F238E27FC236}">
-                <a16:creationId xmlns:a16="http://schemas.microsoft.com/office/drawing/2014/main" id="{95C486A1-9876-924E-85C2-906892F8B9AC}"/>
+                <a16:creationId xmlns="" xmlns:a16="http://schemas.microsoft.com/office/drawing/2014/main" id="{95C486A1-9876-924E-85C2-906892F8B9AC}"/>
               </a:ext>
             </a:extLst>
           </p:cNvPr>
@@ -3734,7 +3734,7 @@
           <a:graphicData uri="http://schemas.openxmlformats.org/presentationml/2006/ole">
             <mc:AlternateContent xmlns:mc="http://schemas.openxmlformats.org/markup-compatibility/2006">
               <mc:Choice xmlns:v="urn:schemas-microsoft-com:vml" Requires="v">
-                <p:oleObj spid="_x0000_s35870" name="think-cell Slide" r:id="rId5" imgW="216" imgH="216" progId="TCLayout.ActiveDocument.1">
+                <p:oleObj spid="_x0000_s35876" name="think-cell Slide" r:id="rId5" imgW="216" imgH="216" progId="TCLayout.ActiveDocument.1">
                   <p:embed/>
                 </p:oleObj>
               </mc:Choice>
@@ -3951,7 +3951,7 @@
           <p:cNvPr id="4" name="Footer Placeholder 3">
             <a:extLst>
               <a:ext uri="{FF2B5EF4-FFF2-40B4-BE49-F238E27FC236}">
-                <a16:creationId xmlns:a16="http://schemas.microsoft.com/office/drawing/2014/main" id="{17D6DE4C-D976-4B4B-B087-C035EF8D4F6F}"/>
+                <a16:creationId xmlns="" xmlns:a16="http://schemas.microsoft.com/office/drawing/2014/main" id="{17D6DE4C-D976-4B4B-B087-C035EF8D4F6F}"/>
               </a:ext>
             </a:extLst>
           </p:cNvPr>
@@ -4010,7 +4010,7 @@
           <p:cNvPr id="17" name="Slide Number Placeholder 5">
             <a:extLst>
               <a:ext uri="{FF2B5EF4-FFF2-40B4-BE49-F238E27FC236}">
-                <a16:creationId xmlns:a16="http://schemas.microsoft.com/office/drawing/2014/main" id="{CC67CD5C-67EC-5144-B858-5347C50D1ACD}"/>
+                <a16:creationId xmlns="" xmlns:a16="http://schemas.microsoft.com/office/drawing/2014/main" id="{CC67CD5C-67EC-5144-B858-5347C50D1ACD}"/>
               </a:ext>
             </a:extLst>
           </p:cNvPr>
@@ -4062,7 +4062,7 @@
           <p:cNvPr id="8" name="Title 7">
             <a:extLst>
               <a:ext uri="{FF2B5EF4-FFF2-40B4-BE49-F238E27FC236}">
-                <a16:creationId xmlns:a16="http://schemas.microsoft.com/office/drawing/2014/main" id="{8A6F1540-D306-D44E-B1B3-1ACCF1041F70}"/>
+                <a16:creationId xmlns="" xmlns:a16="http://schemas.microsoft.com/office/drawing/2014/main" id="{8A6F1540-D306-D44E-B1B3-1ACCF1041F70}"/>
               </a:ext>
             </a:extLst>
           </p:cNvPr>
@@ -4106,7 +4106,7 @@
           <p:cNvPr id="9" name="Straight Connector 8">
             <a:extLst>
               <a:ext uri="{FF2B5EF4-FFF2-40B4-BE49-F238E27FC236}">
-                <a16:creationId xmlns:a16="http://schemas.microsoft.com/office/drawing/2014/main" id="{BB1AA2BE-B537-254D-958A-FBAFDE7E90DC}"/>
+                <a16:creationId xmlns="" xmlns:a16="http://schemas.microsoft.com/office/drawing/2014/main" id="{BB1AA2BE-B537-254D-958A-FBAFDE7E90DC}"/>
               </a:ext>
             </a:extLst>
           </p:cNvPr>
@@ -4149,7 +4149,7 @@
           <p:cNvPr id="10" name="Straight Connector 9">
             <a:extLst>
               <a:ext uri="{FF2B5EF4-FFF2-40B4-BE49-F238E27FC236}">
-                <a16:creationId xmlns:a16="http://schemas.microsoft.com/office/drawing/2014/main" id="{95C486A1-9876-924E-85C2-906892F8B9AC}"/>
+                <a16:creationId xmlns="" xmlns:a16="http://schemas.microsoft.com/office/drawing/2014/main" id="{95C486A1-9876-924E-85C2-906892F8B9AC}"/>
               </a:ext>
             </a:extLst>
           </p:cNvPr>
@@ -4253,7 +4253,7 @@
           <a:graphicData uri="http://schemas.openxmlformats.org/presentationml/2006/ole">
             <mc:AlternateContent xmlns:mc="http://schemas.openxmlformats.org/markup-compatibility/2006">
               <mc:Choice xmlns:v="urn:schemas-microsoft-com:vml" Requires="v">
-                <p:oleObj spid="_x0000_s45068" name="think-cell Slide" r:id="rId4" imgW="216" imgH="216" progId="TCLayout.ActiveDocument.1">
+                <p:oleObj spid="_x0000_s45074" name="think-cell Slide" r:id="rId4" imgW="216" imgH="216" progId="TCLayout.ActiveDocument.1">
                   <p:embed/>
                 </p:oleObj>
               </mc:Choice>
@@ -4339,7 +4339,7 @@
           <a:graphicData uri="http://schemas.openxmlformats.org/presentationml/2006/ole">
             <mc:AlternateContent xmlns:mc="http://schemas.openxmlformats.org/markup-compatibility/2006">
               <mc:Choice xmlns:v="urn:schemas-microsoft-com:vml" Requires="v">
-                <p:oleObj spid="_x0000_s37918" name="think-cell Slide" r:id="rId5" imgW="216" imgH="216" progId="TCLayout.ActiveDocument.1">
+                <p:oleObj spid="_x0000_s37924" name="think-cell Slide" r:id="rId5" imgW="216" imgH="216" progId="TCLayout.ActiveDocument.1">
                   <p:embed/>
                 </p:oleObj>
               </mc:Choice>
@@ -4536,7 +4536,7 @@
           <p:cNvPr id="4" name="Footer Placeholder 3">
             <a:extLst>
               <a:ext uri="{FF2B5EF4-FFF2-40B4-BE49-F238E27FC236}">
-                <a16:creationId xmlns:a16="http://schemas.microsoft.com/office/drawing/2014/main" id="{17D6DE4C-D976-4B4B-B087-C035EF8D4F6F}"/>
+                <a16:creationId xmlns="" xmlns:a16="http://schemas.microsoft.com/office/drawing/2014/main" id="{17D6DE4C-D976-4B4B-B087-C035EF8D4F6F}"/>
               </a:ext>
             </a:extLst>
           </p:cNvPr>
@@ -4595,7 +4595,7 @@
           <p:cNvPr id="13" name="Straight Connector 12">
             <a:extLst>
               <a:ext uri="{FF2B5EF4-FFF2-40B4-BE49-F238E27FC236}">
-                <a16:creationId xmlns:a16="http://schemas.microsoft.com/office/drawing/2014/main" id="{95C486A1-9876-924E-85C2-906892F8B9AC}"/>
+                <a16:creationId xmlns="" xmlns:a16="http://schemas.microsoft.com/office/drawing/2014/main" id="{95C486A1-9876-924E-85C2-906892F8B9AC}"/>
               </a:ext>
             </a:extLst>
           </p:cNvPr>
@@ -4638,7 +4638,7 @@
           <p:cNvPr id="17" name="Slide Number Placeholder 5">
             <a:extLst>
               <a:ext uri="{FF2B5EF4-FFF2-40B4-BE49-F238E27FC236}">
-                <a16:creationId xmlns:a16="http://schemas.microsoft.com/office/drawing/2014/main" id="{CC67CD5C-67EC-5144-B858-5347C50D1ACD}"/>
+                <a16:creationId xmlns="" xmlns:a16="http://schemas.microsoft.com/office/drawing/2014/main" id="{CC67CD5C-67EC-5144-B858-5347C50D1ACD}"/>
               </a:ext>
             </a:extLst>
           </p:cNvPr>
@@ -4690,7 +4690,7 @@
           <p:cNvPr id="8" name="Title 7">
             <a:extLst>
               <a:ext uri="{FF2B5EF4-FFF2-40B4-BE49-F238E27FC236}">
-                <a16:creationId xmlns:a16="http://schemas.microsoft.com/office/drawing/2014/main" id="{8A6F1540-D306-D44E-B1B3-1ACCF1041F70}"/>
+                <a16:creationId xmlns="" xmlns:a16="http://schemas.microsoft.com/office/drawing/2014/main" id="{8A6F1540-D306-D44E-B1B3-1ACCF1041F70}"/>
               </a:ext>
             </a:extLst>
           </p:cNvPr>
@@ -4816,7 +4816,7 @@
           <a:graphicData uri="http://schemas.openxmlformats.org/presentationml/2006/ole">
             <mc:AlternateContent xmlns:mc="http://schemas.openxmlformats.org/markup-compatibility/2006">
               <mc:Choice xmlns:v="urn:schemas-microsoft-com:vml" Requires="v">
-                <p:oleObj spid="_x0000_s38942" name="think-cell Slide" r:id="rId4" imgW="216" imgH="216" progId="TCLayout.ActiveDocument.1">
+                <p:oleObj spid="_x0000_s38948" name="think-cell Slide" r:id="rId4" imgW="216" imgH="216" progId="TCLayout.ActiveDocument.1">
                   <p:embed/>
                 </p:oleObj>
               </mc:Choice>
@@ -4942,7 +4942,7 @@
           <p:cNvPr id="8" name="Title 7">
             <a:extLst>
               <a:ext uri="{FF2B5EF4-FFF2-40B4-BE49-F238E27FC236}">
-                <a16:creationId xmlns:a16="http://schemas.microsoft.com/office/drawing/2014/main" id="{8A6F1540-D306-D44E-B1B3-1ACCF1041F70}"/>
+                <a16:creationId xmlns="" xmlns:a16="http://schemas.microsoft.com/office/drawing/2014/main" id="{8A6F1540-D306-D44E-B1B3-1ACCF1041F70}"/>
               </a:ext>
             </a:extLst>
           </p:cNvPr>
@@ -4978,7 +4978,7 @@
           <p:cNvPr id="9" name="Content Placeholder 2">
             <a:extLst>
               <a:ext uri="{FF2B5EF4-FFF2-40B4-BE49-F238E27FC236}">
-                <a16:creationId xmlns:a16="http://schemas.microsoft.com/office/drawing/2014/main" id="{0A7C1352-3D49-F849-9BC3-BC0AF9CD8F04}"/>
+                <a16:creationId xmlns="" xmlns:a16="http://schemas.microsoft.com/office/drawing/2014/main" id="{0A7C1352-3D49-F849-9BC3-BC0AF9CD8F04}"/>
               </a:ext>
             </a:extLst>
           </p:cNvPr>
@@ -5070,7 +5070,7 @@
           <p:cNvPr id="10" name="Content Placeholder 2">
             <a:extLst>
               <a:ext uri="{FF2B5EF4-FFF2-40B4-BE49-F238E27FC236}">
-                <a16:creationId xmlns:a16="http://schemas.microsoft.com/office/drawing/2014/main" id="{D1AA7CFB-7669-2648-A3E1-E647E531399E}"/>
+                <a16:creationId xmlns="" xmlns:a16="http://schemas.microsoft.com/office/drawing/2014/main" id="{D1AA7CFB-7669-2648-A3E1-E647E531399E}"/>
               </a:ext>
             </a:extLst>
           </p:cNvPr>
@@ -5162,7 +5162,7 @@
           <p:cNvPr id="11" name="Content Placeholder 2">
             <a:extLst>
               <a:ext uri="{FF2B5EF4-FFF2-40B4-BE49-F238E27FC236}">
-                <a16:creationId xmlns:a16="http://schemas.microsoft.com/office/drawing/2014/main" id="{2E4B4082-D988-5D43-9C32-2C7F747717ED}"/>
+                <a16:creationId xmlns="" xmlns:a16="http://schemas.microsoft.com/office/drawing/2014/main" id="{2E4B4082-D988-5D43-9C32-2C7F747717ED}"/>
               </a:ext>
             </a:extLst>
           </p:cNvPr>
@@ -5254,7 +5254,7 @@
           <p:cNvPr id="12" name="Content Placeholder 2">
             <a:extLst>
               <a:ext uri="{FF2B5EF4-FFF2-40B4-BE49-F238E27FC236}">
-                <a16:creationId xmlns:a16="http://schemas.microsoft.com/office/drawing/2014/main" id="{45B8DE4D-1F9B-7341-8CB2-D70634815B55}"/>
+                <a16:creationId xmlns="" xmlns:a16="http://schemas.microsoft.com/office/drawing/2014/main" id="{45B8DE4D-1F9B-7341-8CB2-D70634815B55}"/>
               </a:ext>
             </a:extLst>
           </p:cNvPr>
@@ -5346,7 +5346,7 @@
           <p:cNvPr id="14" name="Footer Placeholder 3">
             <a:extLst>
               <a:ext uri="{FF2B5EF4-FFF2-40B4-BE49-F238E27FC236}">
-                <a16:creationId xmlns:a16="http://schemas.microsoft.com/office/drawing/2014/main" id="{DBA440F4-82E0-7E45-8A6F-4A8C7572AEE5}"/>
+                <a16:creationId xmlns="" xmlns:a16="http://schemas.microsoft.com/office/drawing/2014/main" id="{DBA440F4-82E0-7E45-8A6F-4A8C7572AEE5}"/>
               </a:ext>
             </a:extLst>
           </p:cNvPr>
@@ -5405,7 +5405,7 @@
           <p:cNvPr id="15" name="Slide Number Placeholder 5">
             <a:extLst>
               <a:ext uri="{FF2B5EF4-FFF2-40B4-BE49-F238E27FC236}">
-                <a16:creationId xmlns:a16="http://schemas.microsoft.com/office/drawing/2014/main" id="{CC67CD5C-67EC-5144-B858-5347C50D1ACD}"/>
+                <a16:creationId xmlns="" xmlns:a16="http://schemas.microsoft.com/office/drawing/2014/main" id="{CC67CD5C-67EC-5144-B858-5347C50D1ACD}"/>
               </a:ext>
             </a:extLst>
           </p:cNvPr>
@@ -5457,7 +5457,7 @@
           <p:cNvPr id="16" name="Straight Connector 15">
             <a:extLst>
               <a:ext uri="{FF2B5EF4-FFF2-40B4-BE49-F238E27FC236}">
-                <a16:creationId xmlns:a16="http://schemas.microsoft.com/office/drawing/2014/main" id="{95C486A1-9876-924E-85C2-906892F8B9AC}"/>
+                <a16:creationId xmlns="" xmlns:a16="http://schemas.microsoft.com/office/drawing/2014/main" id="{95C486A1-9876-924E-85C2-906892F8B9AC}"/>
               </a:ext>
             </a:extLst>
           </p:cNvPr>
@@ -5553,7 +5553,7 @@
           <a:graphicData uri="http://schemas.openxmlformats.org/presentationml/2006/ole">
             <mc:AlternateContent xmlns:mc="http://schemas.openxmlformats.org/markup-compatibility/2006">
               <mc:Choice xmlns:v="urn:schemas-microsoft-com:vml" Requires="v">
-                <p:oleObj spid="_x0000_s39966" name="think-cell Slide" r:id="rId4" imgW="216" imgH="216" progId="TCLayout.ActiveDocument.1">
+                <p:oleObj spid="_x0000_s39972" name="think-cell Slide" r:id="rId4" imgW="216" imgH="216" progId="TCLayout.ActiveDocument.1">
                   <p:embed/>
                 </p:oleObj>
               </mc:Choice>
@@ -5593,7 +5593,7 @@
           <p:cNvPr id="8" name="Title 7">
             <a:extLst>
               <a:ext uri="{FF2B5EF4-FFF2-40B4-BE49-F238E27FC236}">
-                <a16:creationId xmlns:a16="http://schemas.microsoft.com/office/drawing/2014/main" id="{8A6F1540-D306-D44E-B1B3-1ACCF1041F70}"/>
+                <a16:creationId xmlns="" xmlns:a16="http://schemas.microsoft.com/office/drawing/2014/main" id="{8A6F1540-D306-D44E-B1B3-1ACCF1041F70}"/>
               </a:ext>
             </a:extLst>
           </p:cNvPr>
@@ -6389,7 +6389,7 @@
           <p:cNvPr id="37" name="Footer Placeholder 3">
             <a:extLst>
               <a:ext uri="{FF2B5EF4-FFF2-40B4-BE49-F238E27FC236}">
-                <a16:creationId xmlns:a16="http://schemas.microsoft.com/office/drawing/2014/main" id="{DBA440F4-82E0-7E45-8A6F-4A8C7572AEE5}"/>
+                <a16:creationId xmlns="" xmlns:a16="http://schemas.microsoft.com/office/drawing/2014/main" id="{DBA440F4-82E0-7E45-8A6F-4A8C7572AEE5}"/>
               </a:ext>
             </a:extLst>
           </p:cNvPr>
@@ -6448,7 +6448,7 @@
           <p:cNvPr id="38" name="Slide Number Placeholder 5">
             <a:extLst>
               <a:ext uri="{FF2B5EF4-FFF2-40B4-BE49-F238E27FC236}">
-                <a16:creationId xmlns:a16="http://schemas.microsoft.com/office/drawing/2014/main" id="{CC67CD5C-67EC-5144-B858-5347C50D1ACD}"/>
+                <a16:creationId xmlns="" xmlns:a16="http://schemas.microsoft.com/office/drawing/2014/main" id="{CC67CD5C-67EC-5144-B858-5347C50D1ACD}"/>
               </a:ext>
             </a:extLst>
           </p:cNvPr>
@@ -6500,7 +6500,7 @@
           <p:cNvPr id="39" name="Straight Connector 38">
             <a:extLst>
               <a:ext uri="{FF2B5EF4-FFF2-40B4-BE49-F238E27FC236}">
-                <a16:creationId xmlns:a16="http://schemas.microsoft.com/office/drawing/2014/main" id="{95C486A1-9876-924E-85C2-906892F8B9AC}"/>
+                <a16:creationId xmlns="" xmlns:a16="http://schemas.microsoft.com/office/drawing/2014/main" id="{95C486A1-9876-924E-85C2-906892F8B9AC}"/>
               </a:ext>
             </a:extLst>
           </p:cNvPr>
@@ -6601,7 +6601,7 @@
           <a:graphicData uri="http://schemas.openxmlformats.org/presentationml/2006/ole">
             <mc:AlternateContent xmlns:mc="http://schemas.openxmlformats.org/markup-compatibility/2006">
               <mc:Choice xmlns:v="urn:schemas-microsoft-com:vml" Requires="v">
-                <p:oleObj spid="_x0000_s40990" name="think-cell Slide" r:id="rId5" imgW="216" imgH="216" progId="TCLayout.ActiveDocument.1">
+                <p:oleObj spid="_x0000_s40996" name="think-cell Slide" r:id="rId5" imgW="216" imgH="216" progId="TCLayout.ActiveDocument.1">
                   <p:embed/>
                 </p:oleObj>
               </mc:Choice>
@@ -6818,7 +6818,7 @@
           <p:cNvPr id="4" name="Footer Placeholder 3">
             <a:extLst>
               <a:ext uri="{FF2B5EF4-FFF2-40B4-BE49-F238E27FC236}">
-                <a16:creationId xmlns:a16="http://schemas.microsoft.com/office/drawing/2014/main" id="{17D6DE4C-D976-4B4B-B087-C035EF8D4F6F}"/>
+                <a16:creationId xmlns="" xmlns:a16="http://schemas.microsoft.com/office/drawing/2014/main" id="{17D6DE4C-D976-4B4B-B087-C035EF8D4F6F}"/>
               </a:ext>
             </a:extLst>
           </p:cNvPr>
@@ -6877,7 +6877,7 @@
           <p:cNvPr id="17" name="Slide Number Placeholder 5">
             <a:extLst>
               <a:ext uri="{FF2B5EF4-FFF2-40B4-BE49-F238E27FC236}">
-                <a16:creationId xmlns:a16="http://schemas.microsoft.com/office/drawing/2014/main" id="{CC67CD5C-67EC-5144-B858-5347C50D1ACD}"/>
+                <a16:creationId xmlns="" xmlns:a16="http://schemas.microsoft.com/office/drawing/2014/main" id="{CC67CD5C-67EC-5144-B858-5347C50D1ACD}"/>
               </a:ext>
             </a:extLst>
           </p:cNvPr>
@@ -6929,7 +6929,7 @@
           <p:cNvPr id="8" name="Title 7">
             <a:extLst>
               <a:ext uri="{FF2B5EF4-FFF2-40B4-BE49-F238E27FC236}">
-                <a16:creationId xmlns:a16="http://schemas.microsoft.com/office/drawing/2014/main" id="{8A6F1540-D306-D44E-B1B3-1ACCF1041F70}"/>
+                <a16:creationId xmlns="" xmlns:a16="http://schemas.microsoft.com/office/drawing/2014/main" id="{8A6F1540-D306-D44E-B1B3-1ACCF1041F70}"/>
               </a:ext>
             </a:extLst>
           </p:cNvPr>
@@ -6973,7 +6973,7 @@
           <p:cNvPr id="9" name="Straight Connector 8">
             <a:extLst>
               <a:ext uri="{FF2B5EF4-FFF2-40B4-BE49-F238E27FC236}">
-                <a16:creationId xmlns:a16="http://schemas.microsoft.com/office/drawing/2014/main" id="{BB1AA2BE-B537-254D-958A-FBAFDE7E90DC}"/>
+                <a16:creationId xmlns="" xmlns:a16="http://schemas.microsoft.com/office/drawing/2014/main" id="{BB1AA2BE-B537-254D-958A-FBAFDE7E90DC}"/>
               </a:ext>
             </a:extLst>
           </p:cNvPr>
@@ -7016,7 +7016,7 @@
           <p:cNvPr id="10" name="Straight Connector 9">
             <a:extLst>
               <a:ext uri="{FF2B5EF4-FFF2-40B4-BE49-F238E27FC236}">
-                <a16:creationId xmlns:a16="http://schemas.microsoft.com/office/drawing/2014/main" id="{95C486A1-9876-924E-85C2-906892F8B9AC}"/>
+                <a16:creationId xmlns="" xmlns:a16="http://schemas.microsoft.com/office/drawing/2014/main" id="{95C486A1-9876-924E-85C2-906892F8B9AC}"/>
               </a:ext>
             </a:extLst>
           </p:cNvPr>
@@ -7121,7 +7121,7 @@
           <a:graphicData uri="http://schemas.openxmlformats.org/presentationml/2006/ole">
             <mc:AlternateContent xmlns:mc="http://schemas.openxmlformats.org/markup-compatibility/2006">
               <mc:Choice xmlns:v="urn:schemas-microsoft-com:vml" Requires="v">
-                <p:oleObj spid="_x0000_s31774" name="think-cell Slide" r:id="rId10" imgW="216" imgH="216" progId="TCLayout.ActiveDocument.1">
+                <p:oleObj spid="_x0000_s31780" name="think-cell Slide" r:id="rId10" imgW="216" imgH="216" progId="TCLayout.ActiveDocument.1">
                   <p:embed/>
                 </p:oleObj>
               </mc:Choice>
@@ -7241,7 +7241,7 @@
           <p:cNvPr id="10" name="Straight Connector 9">
             <a:extLst>
               <a:ext uri="{FF2B5EF4-FFF2-40B4-BE49-F238E27FC236}">
-                <a16:creationId xmlns:a16="http://schemas.microsoft.com/office/drawing/2014/main" id="{BB1AA2BE-B537-254D-958A-FBAFDE7E90DC}"/>
+                <a16:creationId xmlns="" xmlns:a16="http://schemas.microsoft.com/office/drawing/2014/main" id="{BB1AA2BE-B537-254D-958A-FBAFDE7E90DC}"/>
               </a:ext>
             </a:extLst>
           </p:cNvPr>
@@ -7284,7 +7284,7 @@
           <p:cNvPr id="15" name="Footer Placeholder 3">
             <a:extLst>
               <a:ext uri="{FF2B5EF4-FFF2-40B4-BE49-F238E27FC236}">
-                <a16:creationId xmlns:a16="http://schemas.microsoft.com/office/drawing/2014/main" id="{DBA440F4-82E0-7E45-8A6F-4A8C7572AEE5}"/>
+                <a16:creationId xmlns="" xmlns:a16="http://schemas.microsoft.com/office/drawing/2014/main" id="{DBA440F4-82E0-7E45-8A6F-4A8C7572AEE5}"/>
               </a:ext>
             </a:extLst>
           </p:cNvPr>
@@ -7343,7 +7343,7 @@
           <p:cNvPr id="16" name="Slide Number Placeholder 5">
             <a:extLst>
               <a:ext uri="{FF2B5EF4-FFF2-40B4-BE49-F238E27FC236}">
-                <a16:creationId xmlns:a16="http://schemas.microsoft.com/office/drawing/2014/main" id="{2D9636C8-FF6B-E141-B9E1-70C7091B23B1}"/>
+                <a16:creationId xmlns="" xmlns:a16="http://schemas.microsoft.com/office/drawing/2014/main" id="{2D9636C8-FF6B-E141-B9E1-70C7091B23B1}"/>
               </a:ext>
             </a:extLst>
           </p:cNvPr>
@@ -7710,7 +7710,7 @@
   </p:txStyles>
   <p:extLst mod="1">
     <p:ext uri="{27BBF7A9-308A-43DC-89C8-2F10F3537804}">
-      <p15:sldGuideLst xmlns:p15="http://schemas.microsoft.com/office/powerpoint/2012/main">
+      <p15:sldGuideLst xmlns="" xmlns:p15="http://schemas.microsoft.com/office/powerpoint/2012/main">
         <p15:guide id="1" orient="horz" pos="2041">
           <p15:clr>
             <a:srgbClr val="F26B43"/>
@@ -7879,7 +7879,7 @@
           <a:graphicData uri="http://schemas.openxmlformats.org/presentationml/2006/ole">
             <mc:AlternateContent xmlns:mc="http://schemas.openxmlformats.org/markup-compatibility/2006">
               <mc:Choice xmlns:v="urn:schemas-microsoft-com:vml" Requires="v">
-                <p:oleObj spid="_x0000_s36895" name="think-cell Slide" r:id="rId10" imgW="216" imgH="216" progId="TCLayout.ActiveDocument.1">
+                <p:oleObj spid="_x0000_s36901" name="think-cell Slide" r:id="rId10" imgW="216" imgH="216" progId="TCLayout.ActiveDocument.1">
                   <p:embed/>
                 </p:oleObj>
               </mc:Choice>
@@ -7999,7 +7999,7 @@
           <p:cNvPr id="10" name="Straight Connector 9">
             <a:extLst>
               <a:ext uri="{FF2B5EF4-FFF2-40B4-BE49-F238E27FC236}">
-                <a16:creationId xmlns:a16="http://schemas.microsoft.com/office/drawing/2014/main" id="{BB1AA2BE-B537-254D-958A-FBAFDE7E90DC}"/>
+                <a16:creationId xmlns="" xmlns:a16="http://schemas.microsoft.com/office/drawing/2014/main" id="{BB1AA2BE-B537-254D-958A-FBAFDE7E90DC}"/>
               </a:ext>
             </a:extLst>
           </p:cNvPr>
@@ -8042,7 +8042,7 @@
           <p:cNvPr id="15" name="Footer Placeholder 3">
             <a:extLst>
               <a:ext uri="{FF2B5EF4-FFF2-40B4-BE49-F238E27FC236}">
-                <a16:creationId xmlns:a16="http://schemas.microsoft.com/office/drawing/2014/main" id="{DBA440F4-82E0-7E45-8A6F-4A8C7572AEE5}"/>
+                <a16:creationId xmlns="" xmlns:a16="http://schemas.microsoft.com/office/drawing/2014/main" id="{DBA440F4-82E0-7E45-8A6F-4A8C7572AEE5}"/>
               </a:ext>
             </a:extLst>
           </p:cNvPr>
@@ -8101,7 +8101,7 @@
           <p:cNvPr id="16" name="Slide Number Placeholder 5">
             <a:extLst>
               <a:ext uri="{FF2B5EF4-FFF2-40B4-BE49-F238E27FC236}">
-                <a16:creationId xmlns:a16="http://schemas.microsoft.com/office/drawing/2014/main" id="{2D9636C8-FF6B-E141-B9E1-70C7091B23B1}"/>
+                <a16:creationId xmlns="" xmlns:a16="http://schemas.microsoft.com/office/drawing/2014/main" id="{2D9636C8-FF6B-E141-B9E1-70C7091B23B1}"/>
               </a:ext>
             </a:extLst>
           </p:cNvPr>
@@ -8468,7 +8468,7 @@
   </p:txStyles>
   <p:extLst mod="1">
     <p:ext uri="{27BBF7A9-308A-43DC-89C8-2F10F3537804}">
-      <p15:sldGuideLst xmlns:p15="http://schemas.microsoft.com/office/powerpoint/2012/main">
+      <p15:sldGuideLst xmlns="" xmlns:p15="http://schemas.microsoft.com/office/powerpoint/2012/main">
         <p15:guide id="1" orient="horz" pos="2041">
           <p15:clr>
             <a:srgbClr val="F26B43"/>
@@ -9084,7 +9084,7 @@
           <a:graphicData uri="http://schemas.openxmlformats.org/presentationml/2006/ole">
             <mc:AlternateContent xmlns:mc="http://schemas.openxmlformats.org/markup-compatibility/2006">
               <mc:Choice xmlns:v="urn:schemas-microsoft-com:vml" Requires="v">
-                <p:oleObj spid="_x0000_s42020" name="think-cell Slide" r:id="rId6" imgW="416" imgH="416" progId="TCLayout.ActiveDocument.1">
+                <p:oleObj spid="_x0000_s42026" name="think-cell Slide" r:id="rId6" imgW="416" imgH="416" progId="TCLayout.ActiveDocument.1">
                   <p:embed/>
                 </p:oleObj>
               </mc:Choice>
@@ -9128,14 +9128,14 @@
           <p:nvPr>
             <p:extLst>
               <p:ext uri="{D42A27DB-BD31-4B8C-83A1-F6EECF244321}">
-                <p14:modId xmlns:p14="http://schemas.microsoft.com/office/powerpoint/2010/main" val="3904184172"/>
+                <p14:modId xmlns:p14="http://schemas.microsoft.com/office/powerpoint/2010/main" val="1770992327"/>
               </p:ext>
             </p:extLst>
           </p:nvPr>
         </p:nvGraphicFramePr>
         <p:xfrm>
           <a:off x="539749" y="1107029"/>
-          <a:ext cx="11079991" cy="2785549"/>
+          <a:ext cx="11079991" cy="2955733"/>
         </p:xfrm>
         <a:graphic>
           <a:graphicData uri="http://schemas.openxmlformats.org/drawingml/2006/table">
@@ -9147,42 +9147,42 @@
                 <a:gridCol w="1924933">
                   <a:extLst>
                     <a:ext uri="{9D8B030D-6E8A-4147-A177-3AD203B41FA5}">
-                      <a16:colId xmlns:a16="http://schemas.microsoft.com/office/drawing/2014/main" val="1357581311"/>
+                      <a16:colId xmlns="" xmlns:a16="http://schemas.microsoft.com/office/drawing/2014/main" val="1357581311"/>
                     </a:ext>
                   </a:extLst>
                 </a:gridCol>
                 <a:gridCol w="2706957">
                   <a:extLst>
                     <a:ext uri="{9D8B030D-6E8A-4147-A177-3AD203B41FA5}">
-                      <a16:colId xmlns:a16="http://schemas.microsoft.com/office/drawing/2014/main" val="1956442140"/>
+                      <a16:colId xmlns="" xmlns:a16="http://schemas.microsoft.com/office/drawing/2014/main" val="1956442140"/>
                     </a:ext>
                   </a:extLst>
                 </a:gridCol>
                 <a:gridCol w="1378384">
                   <a:extLst>
                     <a:ext uri="{9D8B030D-6E8A-4147-A177-3AD203B41FA5}">
-                      <a16:colId xmlns:a16="http://schemas.microsoft.com/office/drawing/2014/main" val="3122743454"/>
+                      <a16:colId xmlns="" xmlns:a16="http://schemas.microsoft.com/office/drawing/2014/main" val="3122743454"/>
                     </a:ext>
                   </a:extLst>
                 </a:gridCol>
                 <a:gridCol w="1030714">
                   <a:extLst>
                     <a:ext uri="{9D8B030D-6E8A-4147-A177-3AD203B41FA5}">
-                      <a16:colId xmlns:a16="http://schemas.microsoft.com/office/drawing/2014/main" val="755301095"/>
+                      <a16:colId xmlns="" xmlns:a16="http://schemas.microsoft.com/office/drawing/2014/main" val="755301095"/>
                     </a:ext>
                   </a:extLst>
                 </a:gridCol>
                 <a:gridCol w="2464037">
                   <a:extLst>
                     <a:ext uri="{9D8B030D-6E8A-4147-A177-3AD203B41FA5}">
-                      <a16:colId xmlns:a16="http://schemas.microsoft.com/office/drawing/2014/main" val="2056552446"/>
+                      <a16:colId xmlns="" xmlns:a16="http://schemas.microsoft.com/office/drawing/2014/main" val="2056552446"/>
                     </a:ext>
                   </a:extLst>
                 </a:gridCol>
                 <a:gridCol w="1574966">
                   <a:extLst>
                     <a:ext uri="{9D8B030D-6E8A-4147-A177-3AD203B41FA5}">
-                      <a16:colId xmlns:a16="http://schemas.microsoft.com/office/drawing/2014/main" val="1567976445"/>
+                      <a16:colId xmlns="" xmlns:a16="http://schemas.microsoft.com/office/drawing/2014/main" val="1567976445"/>
                     </a:ext>
                   </a:extLst>
                 </a:gridCol>
@@ -9327,7 +9327,7 @@
                 </a:tc>
                 <a:extLst>
                   <a:ext uri="{0D108BD9-81ED-4DB2-BD59-A6C34878D82A}">
-                    <a16:rowId xmlns:a16="http://schemas.microsoft.com/office/drawing/2014/main" val="3203583067"/>
+                    <a16:rowId xmlns="" xmlns:a16="http://schemas.microsoft.com/office/drawing/2014/main" val="3203583067"/>
                   </a:ext>
                 </a:extLst>
               </a:tr>
@@ -9492,66 +9492,6 @@
                         <a:tabLst/>
                         <a:defRPr/>
                       </a:pPr>
-                      <a:r>
-                        <a:rPr lang="zh-CN" altLang="en-US" sz="1200" b="0" kern="1200" dirty="0" smtClean="0">
-                          <a:solidFill>
-                            <a:schemeClr val="tx1"/>
-                          </a:solidFill>
-                          <a:latin typeface="+mn-lt"/>
-                          <a:ea typeface="+mn-ea"/>
-                          <a:cs typeface="+mn-ea"/>
-                          <a:sym typeface="+mn-lt"/>
-                        </a:rPr>
-                        <a:t>宾利</a:t>
-                      </a:r>
-                      <a:r>
-                        <a:rPr lang="en-US" altLang="zh-CN" sz="1200" b="0" kern="1200" dirty="0" smtClean="0">
-                          <a:solidFill>
-                            <a:schemeClr val="tx1"/>
-                          </a:solidFill>
-                          <a:latin typeface="+mn-lt"/>
-                          <a:ea typeface="+mn-ea"/>
-                          <a:cs typeface="+mn-ea"/>
-                          <a:sym typeface="+mn-lt"/>
-                        </a:rPr>
-                        <a:t>XXXX</a:t>
-                      </a:r>
-                      <a:r>
-                        <a:rPr lang="zh-CN" altLang="en-US" sz="1200" b="0" kern="1200" dirty="0" smtClean="0">
-                          <a:solidFill>
-                            <a:schemeClr val="tx1"/>
-                          </a:solidFill>
-                          <a:latin typeface="+mn-lt"/>
-                          <a:ea typeface="+mn-ea"/>
-                          <a:cs typeface="+mn-ea"/>
-                          <a:sym typeface="+mn-lt"/>
-                        </a:rPr>
-                        <a:t>交车仪式 </a:t>
-                      </a:r>
-                      <a:r>
-                        <a:rPr lang="en-US" altLang="zh-CN" sz="1200" b="0" kern="1200" dirty="0" smtClean="0">
-                          <a:solidFill>
-                            <a:schemeClr val="tx1"/>
-                          </a:solidFill>
-                          <a:latin typeface="+mn-lt"/>
-                          <a:ea typeface="+mn-ea"/>
-                          <a:cs typeface="+mn-ea"/>
-                          <a:sym typeface="+mn-lt"/>
-                        </a:rPr>
-                        <a:t>– X</a:t>
-                      </a:r>
-                      <a:r>
-                        <a:rPr lang="zh-CN" altLang="en-US" sz="1200" b="0" kern="1200" dirty="0" smtClean="0">
-                          <a:solidFill>
-                            <a:schemeClr val="tx1"/>
-                          </a:solidFill>
-                          <a:latin typeface="+mn-lt"/>
-                          <a:ea typeface="+mn-ea"/>
-                          <a:cs typeface="+mn-ea"/>
-                          <a:sym typeface="+mn-lt"/>
-                        </a:rPr>
-                        <a:t>月</a:t>
-                      </a:r>
                       <a:endParaRPr lang="en-US" sz="1200" b="0" kern="1200" dirty="0" smtClean="0">
                         <a:solidFill>
                           <a:schemeClr val="tx1"/>
@@ -9720,7 +9660,7 @@
                 </a:tc>
                 <a:extLst>
                   <a:ext uri="{0D108BD9-81ED-4DB2-BD59-A6C34878D82A}">
-                    <a16:rowId xmlns:a16="http://schemas.microsoft.com/office/drawing/2014/main" val="851841494"/>
+                    <a16:rowId xmlns="" xmlns:a16="http://schemas.microsoft.com/office/drawing/2014/main" val="851841494"/>
                   </a:ext>
                 </a:extLst>
               </a:tr>
@@ -9991,18 +9931,6 @@
                     <a:bodyPr/>
                     <a:lstStyle/>
                     <a:p>
-                      <a:r>
-                        <a:rPr lang="en-US" sz="1200" b="0" kern="1200" dirty="0" smtClean="0">
-                          <a:solidFill>
-                            <a:schemeClr val="tx1"/>
-                          </a:solidFill>
-                          <a:latin typeface="+mn-lt"/>
-                          <a:ea typeface="+mn-ea"/>
-                          <a:cs typeface="+mn-ea"/>
-                          <a:sym typeface="+mn-lt"/>
-                        </a:rPr>
-                        <a:t>xx</a:t>
-                      </a:r>
                       <a:endParaRPr lang="en-US" sz="1200" b="0" kern="1200" dirty="0">
                         <a:solidFill>
                           <a:schemeClr val="tx1"/>
@@ -10317,7 +10245,7 @@
                 </a:tc>
                 <a:extLst>
                   <a:ext uri="{0D108BD9-81ED-4DB2-BD59-A6C34878D82A}">
-                    <a16:rowId xmlns:a16="http://schemas.microsoft.com/office/drawing/2014/main" val="406495537"/>
+                    <a16:rowId xmlns="" xmlns:a16="http://schemas.microsoft.com/office/drawing/2014/main" val="406495537"/>
                   </a:ext>
                 </a:extLst>
               </a:tr>
@@ -10506,18 +10434,6 @@
                     <a:bodyPr/>
                     <a:lstStyle/>
                     <a:p>
-                      <a:r>
-                        <a:rPr lang="en-US" sz="1200" b="0" dirty="0" smtClean="0">
-                          <a:solidFill>
-                            <a:schemeClr val="tx1"/>
-                          </a:solidFill>
-                          <a:latin typeface="+mn-lt"/>
-                          <a:ea typeface="+mn-ea"/>
-                          <a:cs typeface="+mn-ea"/>
-                          <a:sym typeface="+mn-lt"/>
-                        </a:rPr>
-                        <a:t>xx</a:t>
-                      </a:r>
                       <a:endParaRPr lang="en-US" sz="1200" b="0" dirty="0">
                         <a:solidFill>
                           <a:schemeClr val="tx1"/>
@@ -10693,7 +10609,7 @@
                 </a:tc>
                 <a:extLst>
                   <a:ext uri="{0D108BD9-81ED-4DB2-BD59-A6C34878D82A}">
-                    <a16:rowId xmlns:a16="http://schemas.microsoft.com/office/drawing/2014/main" val="2200042587"/>
+                    <a16:rowId xmlns="" xmlns:a16="http://schemas.microsoft.com/office/drawing/2014/main" val="2200042587"/>
                   </a:ext>
                 </a:extLst>
               </a:tr>
@@ -10885,18 +10801,15 @@
                         <a:tabLst/>
                         <a:defRPr/>
                       </a:pPr>
-                      <a:r>
-                        <a:rPr lang="en-US" altLang="zh-CN" sz="1200" b="0" kern="1200" dirty="0" smtClean="0">
-                          <a:solidFill>
-                            <a:schemeClr val="tx1"/>
-                          </a:solidFill>
-                          <a:latin typeface="+mn-lt"/>
-                          <a:ea typeface="+mn-ea"/>
-                          <a:cs typeface="+mn-ea"/>
-                          <a:sym typeface="+mn-lt"/>
-                        </a:rPr>
-                        <a:t>RMB X,XXX</a:t>
-                      </a:r>
+                      <a:endParaRPr lang="en-US" altLang="zh-CN" sz="1200" b="0" kern="1200" dirty="0" smtClean="0">
+                        <a:solidFill>
+                          <a:schemeClr val="tx1"/>
+                        </a:solidFill>
+                        <a:latin typeface="+mn-lt"/>
+                        <a:ea typeface="+mn-ea"/>
+                        <a:cs typeface="+mn-ea"/>
+                        <a:sym typeface="+mn-lt"/>
+                      </a:endParaRPr>
                     </a:p>
                   </a:txBody>
                   <a:tcPr marL="108522" marR="108522" marT="54261" marB="54261" anchor="ctr">
@@ -10972,7 +10885,7 @@
                 </a:tc>
                 <a:extLst>
                   <a:ext uri="{0D108BD9-81ED-4DB2-BD59-A6C34878D82A}">
-                    <a16:rowId xmlns:a16="http://schemas.microsoft.com/office/drawing/2014/main" val="4069117920"/>
+                    <a16:rowId xmlns="" xmlns:a16="http://schemas.microsoft.com/office/drawing/2014/main" val="4069117920"/>
                   </a:ext>
                 </a:extLst>
               </a:tr>
@@ -11165,18 +11078,6 @@
                         <a:tabLst/>
                         <a:defRPr/>
                       </a:pPr>
-                      <a:r>
-                        <a:rPr lang="en-US" sz="1200" b="0" kern="1200" dirty="0" smtClean="0">
-                          <a:solidFill>
-                            <a:schemeClr val="tx1"/>
-                          </a:solidFill>
-                          <a:latin typeface="+mn-lt"/>
-                          <a:ea typeface="+mn-ea"/>
-                          <a:cs typeface="+mn-ea"/>
-                          <a:sym typeface="+mn-lt"/>
-                        </a:rPr>
-                        <a:t>xx</a:t>
-                      </a:r>
                       <a:endParaRPr lang="en-US" sz="1200" b="0" kern="1200" dirty="0">
                         <a:solidFill>
                           <a:schemeClr val="tx1"/>
@@ -11362,7 +11263,7 @@
                 </a:tc>
                 <a:extLst>
                   <a:ext uri="{0D108BD9-81ED-4DB2-BD59-A6C34878D82A}">
-                    <a16:rowId xmlns:a16="http://schemas.microsoft.com/office/drawing/2014/main" val="2348740028"/>
+                    <a16:rowId xmlns="" xmlns:a16="http://schemas.microsoft.com/office/drawing/2014/main" val="2348740028"/>
                   </a:ext>
                 </a:extLst>
               </a:tr>
@@ -11501,35 +11402,35 @@
                 <a:gridCol w="2454326">
                   <a:extLst>
                     <a:ext uri="{9D8B030D-6E8A-4147-A177-3AD203B41FA5}">
-                      <a16:colId xmlns:a16="http://schemas.microsoft.com/office/drawing/2014/main" val="20000"/>
+                      <a16:colId xmlns="" xmlns:a16="http://schemas.microsoft.com/office/drawing/2014/main" val="20000"/>
                     </a:ext>
                   </a:extLst>
                 </a:gridCol>
                 <a:gridCol w="2306453">
                   <a:extLst>
                     <a:ext uri="{9D8B030D-6E8A-4147-A177-3AD203B41FA5}">
-                      <a16:colId xmlns:a16="http://schemas.microsoft.com/office/drawing/2014/main" val="20002"/>
+                      <a16:colId xmlns="" xmlns:a16="http://schemas.microsoft.com/office/drawing/2014/main" val="20002"/>
                     </a:ext>
                   </a:extLst>
                 </a:gridCol>
                 <a:gridCol w="2254336">
                   <a:extLst>
                     <a:ext uri="{9D8B030D-6E8A-4147-A177-3AD203B41FA5}">
-                      <a16:colId xmlns:a16="http://schemas.microsoft.com/office/drawing/2014/main" val="2575180168"/>
+                      <a16:colId xmlns="" xmlns:a16="http://schemas.microsoft.com/office/drawing/2014/main" val="2575180168"/>
                     </a:ext>
                   </a:extLst>
                 </a:gridCol>
                 <a:gridCol w="2355667">
                   <a:extLst>
                     <a:ext uri="{9D8B030D-6E8A-4147-A177-3AD203B41FA5}">
-                      <a16:colId xmlns:a16="http://schemas.microsoft.com/office/drawing/2014/main" val="20003"/>
+                      <a16:colId xmlns="" xmlns:a16="http://schemas.microsoft.com/office/drawing/2014/main" val="20003"/>
                     </a:ext>
                   </a:extLst>
                 </a:gridCol>
                 <a:gridCol w="1661586">
                   <a:extLst>
                     <a:ext uri="{9D8B030D-6E8A-4147-A177-3AD203B41FA5}">
-                      <a16:colId xmlns:a16="http://schemas.microsoft.com/office/drawing/2014/main" val="1141158204"/>
+                      <a16:colId xmlns="" xmlns:a16="http://schemas.microsoft.com/office/drawing/2014/main" val="1141158204"/>
                     </a:ext>
                   </a:extLst>
                 </a:gridCol>
@@ -12213,7 +12114,7 @@
                 </a:tc>
                 <a:extLst>
                   <a:ext uri="{0D108BD9-81ED-4DB2-BD59-A6C34878D82A}">
-                    <a16:rowId xmlns:a16="http://schemas.microsoft.com/office/drawing/2014/main" val="10000"/>
+                    <a16:rowId xmlns="" xmlns:a16="http://schemas.microsoft.com/office/drawing/2014/main" val="10000"/>
                   </a:ext>
                 </a:extLst>
               </a:tr>
@@ -12601,7 +12502,7 @@
                 </a:tc>
                 <a:extLst>
                   <a:ext uri="{0D108BD9-81ED-4DB2-BD59-A6C34878D82A}">
-                    <a16:rowId xmlns:a16="http://schemas.microsoft.com/office/drawing/2014/main" val="3242880312"/>
+                    <a16:rowId xmlns="" xmlns:a16="http://schemas.microsoft.com/office/drawing/2014/main" val="3242880312"/>
                   </a:ext>
                 </a:extLst>
               </a:tr>
@@ -12966,7 +12867,7 @@
           <p:nvPr>
             <p:extLst>
               <p:ext uri="{D42A27DB-BD31-4B8C-83A1-F6EECF244321}">
-                <p14:modId xmlns:p14="http://schemas.microsoft.com/office/powerpoint/2010/main" val="1371539359"/>
+                <p14:modId xmlns:p14="http://schemas.microsoft.com/office/powerpoint/2010/main" val="1221981005"/>
               </p:ext>
             </p:extLst>
           </p:nvPr>
@@ -12985,63 +12886,63 @@
                 <a:gridCol w="835571">
                   <a:extLst>
                     <a:ext uri="{9D8B030D-6E8A-4147-A177-3AD203B41FA5}">
-                      <a16:colId xmlns:a16="http://schemas.microsoft.com/office/drawing/2014/main" val="2715221625"/>
+                      <a16:colId xmlns="" xmlns:a16="http://schemas.microsoft.com/office/drawing/2014/main" val="2715221625"/>
                     </a:ext>
                   </a:extLst>
                 </a:gridCol>
                 <a:gridCol w="835571">
                   <a:extLst>
                     <a:ext uri="{9D8B030D-6E8A-4147-A177-3AD203B41FA5}">
-                      <a16:colId xmlns:a16="http://schemas.microsoft.com/office/drawing/2014/main" val="1722467380"/>
+                      <a16:colId xmlns="" xmlns:a16="http://schemas.microsoft.com/office/drawing/2014/main" val="1722467380"/>
                     </a:ext>
                   </a:extLst>
                 </a:gridCol>
                 <a:gridCol w="1132729">
                   <a:extLst>
                     <a:ext uri="{9D8B030D-6E8A-4147-A177-3AD203B41FA5}">
-                      <a16:colId xmlns:a16="http://schemas.microsoft.com/office/drawing/2014/main" val="8733085"/>
+                      <a16:colId xmlns="" xmlns:a16="http://schemas.microsoft.com/office/drawing/2014/main" val="8733085"/>
                     </a:ext>
                   </a:extLst>
                 </a:gridCol>
                 <a:gridCol w="879661">
                   <a:extLst>
                     <a:ext uri="{9D8B030D-6E8A-4147-A177-3AD203B41FA5}">
-                      <a16:colId xmlns:a16="http://schemas.microsoft.com/office/drawing/2014/main" val="2034639721"/>
+                      <a16:colId xmlns="" xmlns:a16="http://schemas.microsoft.com/office/drawing/2014/main" val="2034639721"/>
                     </a:ext>
                   </a:extLst>
                 </a:gridCol>
                 <a:gridCol w="1924210">
                   <a:extLst>
                     <a:ext uri="{9D8B030D-6E8A-4147-A177-3AD203B41FA5}">
-                      <a16:colId xmlns:a16="http://schemas.microsoft.com/office/drawing/2014/main" val="984284813"/>
+                      <a16:colId xmlns="" xmlns:a16="http://schemas.microsoft.com/office/drawing/2014/main" val="984284813"/>
                     </a:ext>
                   </a:extLst>
                 </a:gridCol>
                 <a:gridCol w="1597470">
                   <a:extLst>
                     <a:ext uri="{9D8B030D-6E8A-4147-A177-3AD203B41FA5}">
-                      <a16:colId xmlns:a16="http://schemas.microsoft.com/office/drawing/2014/main" val="610353967"/>
+                      <a16:colId xmlns="" xmlns:a16="http://schemas.microsoft.com/office/drawing/2014/main" val="610353967"/>
                     </a:ext>
                   </a:extLst>
                 </a:gridCol>
                 <a:gridCol w="1206400">
                   <a:extLst>
                     <a:ext uri="{9D8B030D-6E8A-4147-A177-3AD203B41FA5}">
-                      <a16:colId xmlns:a16="http://schemas.microsoft.com/office/drawing/2014/main" val="2199988680"/>
+                      <a16:colId xmlns="" xmlns:a16="http://schemas.microsoft.com/office/drawing/2014/main" val="2199988680"/>
                     </a:ext>
                   </a:extLst>
                 </a:gridCol>
                 <a:gridCol w="921453">
                   <a:extLst>
                     <a:ext uri="{9D8B030D-6E8A-4147-A177-3AD203B41FA5}">
-                      <a16:colId xmlns:a16="http://schemas.microsoft.com/office/drawing/2014/main" val="1060807198"/>
+                      <a16:colId xmlns="" xmlns:a16="http://schemas.microsoft.com/office/drawing/2014/main" val="1060807198"/>
                     </a:ext>
                   </a:extLst>
                 </a:gridCol>
                 <a:gridCol w="1882417">
                   <a:extLst>
                     <a:ext uri="{9D8B030D-6E8A-4147-A177-3AD203B41FA5}">
-                      <a16:colId xmlns:a16="http://schemas.microsoft.com/office/drawing/2014/main" val="3687281855"/>
+                      <a16:colId xmlns="" xmlns:a16="http://schemas.microsoft.com/office/drawing/2014/main" val="3687281855"/>
                     </a:ext>
                   </a:extLst>
                 </a:gridCol>
@@ -13172,7 +13073,7 @@
                 </a:tc>
                 <a:extLst>
                   <a:ext uri="{0D108BD9-81ED-4DB2-BD59-A6C34878D82A}">
-                    <a16:rowId xmlns:a16="http://schemas.microsoft.com/office/drawing/2014/main" val="132260445"/>
+                    <a16:rowId xmlns="" xmlns:a16="http://schemas.microsoft.com/office/drawing/2014/main" val="132260445"/>
                   </a:ext>
                 </a:extLst>
               </a:tr>
@@ -13241,18 +13142,15 @@
                         <a:buFontTx/>
                         <a:buNone/>
                       </a:pPr>
-                      <a:r>
-                        <a:rPr lang="en-US" altLang="zh-CN" sz="1200" b="0" dirty="0" smtClean="0">
-                          <a:solidFill>
-                            <a:schemeClr val="tx1"/>
-                          </a:solidFill>
-                          <a:latin typeface="+mn-lt"/>
-                          <a:ea typeface="+mn-ea"/>
-                          <a:cs typeface="+mn-ea"/>
-                          <a:sym typeface="+mn-lt"/>
-                        </a:rPr>
-                        <a:t>RMB XX,XXX</a:t>
-                      </a:r>
+                      <a:endParaRPr lang="en-US" altLang="zh-CN" sz="1200" b="0" dirty="0" smtClean="0">
+                        <a:solidFill>
+                          <a:schemeClr val="tx1"/>
+                        </a:solidFill>
+                        <a:latin typeface="+mn-lt"/>
+                        <a:ea typeface="+mn-ea"/>
+                        <a:cs typeface="+mn-ea"/>
+                        <a:sym typeface="+mn-lt"/>
+                      </a:endParaRPr>
                     </a:p>
                   </a:txBody>
                   <a:tcPr anchor="ctr">
@@ -13325,7 +13223,7 @@
                 </a:tc>
                 <a:extLst>
                   <a:ext uri="{0D108BD9-81ED-4DB2-BD59-A6C34878D82A}">
-                    <a16:rowId xmlns:a16="http://schemas.microsoft.com/office/drawing/2014/main" val="1454925855"/>
+                    <a16:rowId xmlns="" xmlns:a16="http://schemas.microsoft.com/office/drawing/2014/main" val="1454925855"/>
                   </a:ext>
                 </a:extLst>
               </a:tr>
@@ -13390,15 +13288,12 @@
                     <a:bodyPr/>
                     <a:lstStyle/>
                     <a:p>
-                      <a:r>
-                        <a:rPr lang="en-US" sz="1200" dirty="0" smtClean="0">
-                          <a:latin typeface="+mn-lt"/>
-                          <a:ea typeface="+mn-ea"/>
-                          <a:cs typeface="+mn-ea"/>
-                          <a:sym typeface="+mn-lt"/>
-                        </a:rPr>
-                        <a:t>RMB XX,XXX</a:t>
-                      </a:r>
+                      <a:endParaRPr lang="en-US" sz="1200" dirty="0" smtClean="0">
+                        <a:latin typeface="+mn-lt"/>
+                        <a:ea typeface="+mn-ea"/>
+                        <a:cs typeface="+mn-ea"/>
+                        <a:sym typeface="+mn-lt"/>
+                      </a:endParaRPr>
                     </a:p>
                   </a:txBody>
                   <a:tcPr anchor="ctr">
@@ -13471,7 +13366,7 @@
                 </a:tc>
                 <a:extLst>
                   <a:ext uri="{0D108BD9-81ED-4DB2-BD59-A6C34878D82A}">
-                    <a16:rowId xmlns:a16="http://schemas.microsoft.com/office/drawing/2014/main" val="1815440894"/>
+                    <a16:rowId xmlns="" xmlns:a16="http://schemas.microsoft.com/office/drawing/2014/main" val="1815440894"/>
                   </a:ext>
                 </a:extLst>
               </a:tr>
@@ -13593,7 +13488,7 @@
                 </a:tc>
                 <a:extLst>
                   <a:ext uri="{0D108BD9-81ED-4DB2-BD59-A6C34878D82A}">
-                    <a16:rowId xmlns:a16="http://schemas.microsoft.com/office/drawing/2014/main" val="344899817"/>
+                    <a16:rowId xmlns="" xmlns:a16="http://schemas.microsoft.com/office/drawing/2014/main" val="344899817"/>
                   </a:ext>
                 </a:extLst>
               </a:tr>
@@ -13744,7 +13639,7 @@
                 </a:tc>
                 <a:extLst>
                   <a:ext uri="{0D108BD9-81ED-4DB2-BD59-A6C34878D82A}">
-                    <a16:rowId xmlns:a16="http://schemas.microsoft.com/office/drawing/2014/main" val="1268840849"/>
+                    <a16:rowId xmlns="" xmlns:a16="http://schemas.microsoft.com/office/drawing/2014/main" val="1268840849"/>
                   </a:ext>
                 </a:extLst>
               </a:tr>
@@ -14182,7 +14077,7 @@
                 </a:tc>
                 <a:extLst>
                   <a:ext uri="{0D108BD9-81ED-4DB2-BD59-A6C34878D82A}">
-                    <a16:rowId xmlns:a16="http://schemas.microsoft.com/office/drawing/2014/main" val="3241501689"/>
+                    <a16:rowId xmlns="" xmlns:a16="http://schemas.microsoft.com/office/drawing/2014/main" val="3241501689"/>
                   </a:ext>
                 </a:extLst>
               </a:tr>
@@ -14266,18 +14161,15 @@
                         <a:buFontTx/>
                         <a:buNone/>
                       </a:pPr>
-                      <a:r>
-                        <a:rPr lang="en-US" altLang="zh-CN" sz="1200" b="0" dirty="0" smtClean="0">
-                          <a:solidFill>
-                            <a:schemeClr val="tx1"/>
-                          </a:solidFill>
-                          <a:latin typeface="+mn-lt"/>
-                          <a:ea typeface="+mn-ea"/>
-                          <a:cs typeface="+mn-ea"/>
-                          <a:sym typeface="+mn-lt"/>
-                        </a:rPr>
-                        <a:t>RMB XX,XXX</a:t>
-                      </a:r>
+                      <a:endParaRPr lang="en-US" altLang="zh-CN" sz="1200" b="0" dirty="0" smtClean="0">
+                        <a:solidFill>
+                          <a:schemeClr val="tx1"/>
+                        </a:solidFill>
+                        <a:latin typeface="+mn-lt"/>
+                        <a:ea typeface="+mn-ea"/>
+                        <a:cs typeface="+mn-ea"/>
+                        <a:sym typeface="+mn-lt"/>
+                      </a:endParaRPr>
                     </a:p>
                   </a:txBody>
                   <a:tcPr anchor="ctr">
@@ -14295,42 +14187,6 @@
                         <a:buFontTx/>
                         <a:buNone/>
                       </a:pPr>
-                      <a:r>
-                        <a:rPr lang="zh-CN" altLang="en-US" sz="1200" b="0" dirty="0" smtClean="0">
-                          <a:solidFill>
-                            <a:schemeClr val="tx1"/>
-                          </a:solidFill>
-                          <a:latin typeface="+mn-lt"/>
-                          <a:ea typeface="+mn-ea"/>
-                          <a:cs typeface="+mn-ea"/>
-                          <a:sym typeface="+mn-lt"/>
-                        </a:rPr>
-                        <a:t>是</a:t>
-                      </a:r>
-                      <a:r>
-                        <a:rPr lang="en-US" altLang="zh-CN" sz="1200" b="0" dirty="0" smtClean="0">
-                          <a:solidFill>
-                            <a:schemeClr val="tx1"/>
-                          </a:solidFill>
-                          <a:latin typeface="+mn-lt"/>
-                          <a:ea typeface="+mn-ea"/>
-                          <a:cs typeface="+mn-ea"/>
-                          <a:sym typeface="+mn-lt"/>
-                        </a:rPr>
-                        <a:t>/</a:t>
-                      </a:r>
-                      <a:r>
-                        <a:rPr lang="zh-CN" altLang="en-US" sz="1200" b="0" dirty="0" smtClean="0">
-                          <a:solidFill>
-                            <a:schemeClr val="tx1"/>
-                          </a:solidFill>
-                          <a:latin typeface="+mn-lt"/>
-                          <a:ea typeface="+mn-ea"/>
-                          <a:cs typeface="+mn-ea"/>
-                          <a:sym typeface="+mn-lt"/>
-                        </a:rPr>
-                        <a:t>否</a:t>
-                      </a:r>
                       <a:endParaRPr lang="en-US" altLang="zh-CN" sz="1200" b="0" dirty="0" smtClean="0">
                         <a:solidFill>
                           <a:schemeClr val="tx1"/>
@@ -14357,20 +14213,17 @@
                         <a:buFontTx/>
                         <a:buNone/>
                       </a:pPr>
-                      <a:r>
-                        <a:rPr lang="zh-CN" altLang="en-US" sz="1000" b="0" dirty="0" smtClean="0">
-                          <a:solidFill>
-                            <a:schemeClr val="accent1">
-                              <a:lumMod val="75000"/>
-                            </a:schemeClr>
-                          </a:solidFill>
-                          <a:latin typeface="+mn-lt"/>
-                          <a:ea typeface="+mn-ea"/>
-                          <a:cs typeface="+mn-ea"/>
-                          <a:sym typeface="+mn-lt"/>
-                        </a:rPr>
-                        <a:t>选择理由</a:t>
-                      </a:r>
+                      <a:endParaRPr lang="zh-CN" altLang="en-US" sz="1000" b="0" dirty="0" smtClean="0">
+                        <a:solidFill>
+                          <a:schemeClr val="accent1">
+                            <a:lumMod val="75000"/>
+                          </a:schemeClr>
+                        </a:solidFill>
+                        <a:latin typeface="+mn-lt"/>
+                        <a:ea typeface="+mn-ea"/>
+                        <a:cs typeface="+mn-ea"/>
+                        <a:sym typeface="+mn-lt"/>
+                      </a:endParaRPr>
                     </a:p>
                   </a:txBody>
                   <a:tcPr>
@@ -14468,18 +14321,15 @@
                         <a:buFontTx/>
                         <a:buNone/>
                       </a:pPr>
-                      <a:r>
-                        <a:rPr lang="en-US" altLang="zh-CN" sz="1200" b="0" dirty="0" smtClean="0">
-                          <a:solidFill>
-                            <a:schemeClr val="tx1"/>
-                          </a:solidFill>
-                          <a:latin typeface="+mn-lt"/>
-                          <a:ea typeface="+mn-ea"/>
-                          <a:cs typeface="+mn-ea"/>
-                          <a:sym typeface="+mn-lt"/>
-                        </a:rPr>
-                        <a:t>RMB XX,XXX</a:t>
-                      </a:r>
+                      <a:endParaRPr lang="en-US" altLang="zh-CN" sz="1200" b="0" dirty="0" smtClean="0">
+                        <a:solidFill>
+                          <a:schemeClr val="tx1"/>
+                        </a:solidFill>
+                        <a:latin typeface="+mn-lt"/>
+                        <a:ea typeface="+mn-ea"/>
+                        <a:cs typeface="+mn-ea"/>
+                        <a:sym typeface="+mn-lt"/>
+                      </a:endParaRPr>
                     </a:p>
                   </a:txBody>
                   <a:tcPr anchor="ctr">
@@ -14510,60 +14360,6 @@
                         <a:tabLst/>
                         <a:defRPr/>
                       </a:pPr>
-                      <a:r>
-                        <a:rPr kumimoji="0" lang="zh-CN" altLang="en-US" sz="1200" b="0" i="0" u="none" strike="noStrike" kern="1200" cap="none" spc="0" normalizeH="0" baseline="0" noProof="0" dirty="0" smtClean="0">
-                          <a:ln>
-                            <a:noFill/>
-                          </a:ln>
-                          <a:solidFill>
-                            <a:srgbClr val="000000"/>
-                          </a:solidFill>
-                          <a:effectLst/>
-                          <a:uLnTx/>
-                          <a:uFillTx/>
-                          <a:latin typeface="+mn-lt"/>
-                          <a:ea typeface="+mn-ea"/>
-                          <a:cs typeface="+mn-ea"/>
-                          <a:sym typeface="+mn-lt"/>
-                        </a:rPr>
-                        <a:t>是</a:t>
-                      </a:r>
-                      <a:r>
-                        <a:rPr kumimoji="0" lang="en-US" altLang="zh-CN" sz="1200" b="0" i="0" u="none" strike="noStrike" kern="1200" cap="none" spc="0" normalizeH="0" baseline="0" noProof="0" dirty="0" smtClean="0">
-                          <a:ln>
-                            <a:noFill/>
-                          </a:ln>
-                          <a:solidFill>
-                            <a:srgbClr val="000000"/>
-                          </a:solidFill>
-                          <a:effectLst/>
-                          <a:uLnTx/>
-                          <a:uFillTx/>
-                          <a:latin typeface="+mn-lt"/>
-                          <a:ea typeface="+mn-ea"/>
-                          <a:cs typeface="+mn-ea"/>
-                          <a:sym typeface="+mn-lt"/>
-                        </a:rPr>
-                        <a:t>/</a:t>
-                      </a:r>
-                      <a:r>
-                        <a:rPr kumimoji="0" lang="zh-CN" altLang="en-US" sz="1200" b="0" i="0" u="none" strike="noStrike" kern="1200" cap="none" spc="0" normalizeH="0" baseline="0" noProof="0" dirty="0" smtClean="0">
-                          <a:ln>
-                            <a:noFill/>
-                          </a:ln>
-                          <a:solidFill>
-                            <a:srgbClr val="000000"/>
-                          </a:solidFill>
-                          <a:effectLst/>
-                          <a:uLnTx/>
-                          <a:uFillTx/>
-                          <a:latin typeface="+mn-lt"/>
-                          <a:ea typeface="+mn-ea"/>
-                          <a:cs typeface="+mn-ea"/>
-                          <a:sym typeface="+mn-lt"/>
-                        </a:rPr>
-                        <a:t>否</a:t>
-                      </a:r>
                       <a:endParaRPr kumimoji="0" lang="en-US" altLang="zh-CN" sz="1200" b="0" i="0" u="none" strike="noStrike" kern="1200" cap="none" spc="0" normalizeH="0" baseline="0" noProof="0" dirty="0" smtClean="0">
                         <a:ln>
                           <a:noFill/>
@@ -14609,226 +14405,6 @@
                         <a:tabLst/>
                         <a:defRPr/>
                       </a:pPr>
-                      <a:r>
-                        <a:rPr kumimoji="0" lang="zh-CN" altLang="en-US" sz="1000" b="0" i="0" u="none" strike="noStrike" kern="1200" cap="none" spc="0" normalizeH="0" baseline="0" noProof="0" dirty="0" smtClean="0">
-                          <a:ln>
-                            <a:noFill/>
-                          </a:ln>
-                          <a:solidFill>
-                            <a:schemeClr val="accent1">
-                              <a:lumMod val="75000"/>
-                            </a:schemeClr>
-                          </a:solidFill>
-                          <a:effectLst/>
-                          <a:uLnTx/>
-                          <a:uFillTx/>
-                          <a:latin typeface="+mn-lt"/>
-                          <a:ea typeface="+mn-ea"/>
-                          <a:cs typeface="+mn-ea"/>
-                          <a:sym typeface="+mn-lt"/>
-                        </a:rPr>
-                        <a:t>摄影师人数</a:t>
-                      </a:r>
-                      <a:r>
-                        <a:rPr kumimoji="0" lang="en-US" altLang="zh-CN" sz="1000" b="0" i="0" u="none" strike="noStrike" kern="1200" cap="none" spc="0" normalizeH="0" baseline="0" noProof="0" dirty="0" smtClean="0">
-                          <a:ln>
-                            <a:noFill/>
-                          </a:ln>
-                          <a:solidFill>
-                            <a:schemeClr val="accent1">
-                              <a:lumMod val="75000"/>
-                            </a:schemeClr>
-                          </a:solidFill>
-                          <a:effectLst/>
-                          <a:uLnTx/>
-                          <a:uFillTx/>
-                          <a:latin typeface="+mn-lt"/>
-                          <a:ea typeface="+mn-ea"/>
-                          <a:cs typeface="+mn-ea"/>
-                          <a:sym typeface="+mn-lt"/>
-                        </a:rPr>
-                        <a:t>/</a:t>
-                      </a:r>
-                      <a:r>
-                        <a:rPr kumimoji="0" lang="zh-CN" altLang="en-US" sz="1000" b="0" i="0" u="none" strike="noStrike" kern="1200" cap="none" spc="0" normalizeH="0" baseline="0" noProof="0" dirty="0" smtClean="0">
-                          <a:ln>
-                            <a:noFill/>
-                          </a:ln>
-                          <a:solidFill>
-                            <a:schemeClr val="accent1">
-                              <a:lumMod val="75000"/>
-                            </a:schemeClr>
-                          </a:solidFill>
-                          <a:effectLst/>
-                          <a:uLnTx/>
-                          <a:uFillTx/>
-                          <a:latin typeface="+mn-lt"/>
-                          <a:ea typeface="+mn-ea"/>
-                          <a:cs typeface="+mn-ea"/>
-                          <a:sym typeface="+mn-lt"/>
-                        </a:rPr>
-                        <a:t>从业年限</a:t>
-                      </a:r>
-                      <a:r>
-                        <a:rPr kumimoji="0" lang="en-US" altLang="zh-CN" sz="1000" b="0" i="0" u="none" strike="noStrike" kern="1200" cap="none" spc="0" normalizeH="0" baseline="0" noProof="0" dirty="0" smtClean="0">
-                          <a:ln>
-                            <a:noFill/>
-                          </a:ln>
-                          <a:solidFill>
-                            <a:schemeClr val="accent1">
-                              <a:lumMod val="75000"/>
-                            </a:schemeClr>
-                          </a:solidFill>
-                          <a:effectLst/>
-                          <a:uLnTx/>
-                          <a:uFillTx/>
-                          <a:latin typeface="+mn-lt"/>
-                          <a:ea typeface="+mn-ea"/>
-                          <a:cs typeface="+mn-ea"/>
-                          <a:sym typeface="+mn-lt"/>
-                        </a:rPr>
-                        <a:t>/</a:t>
-                      </a:r>
-                      <a:r>
-                        <a:rPr kumimoji="0" lang="zh-CN" altLang="en-US" sz="1000" b="0" i="0" u="none" strike="noStrike" kern="1200" cap="none" spc="0" normalizeH="0" baseline="0" noProof="0" dirty="0" smtClean="0">
-                          <a:ln>
-                            <a:noFill/>
-                          </a:ln>
-                          <a:solidFill>
-                            <a:schemeClr val="accent1">
-                              <a:lumMod val="75000"/>
-                            </a:schemeClr>
-                          </a:solidFill>
-                          <a:effectLst/>
-                          <a:uLnTx/>
-                          <a:uFillTx/>
-                          <a:latin typeface="+mn-lt"/>
-                          <a:ea typeface="+mn-ea"/>
-                          <a:cs typeface="+mn-ea"/>
-                          <a:sym typeface="+mn-lt"/>
-                        </a:rPr>
-                        <a:t>拍摄时长</a:t>
-                      </a:r>
-                      <a:r>
-                        <a:rPr kumimoji="0" lang="en-US" altLang="zh-CN" sz="1000" b="0" i="0" u="none" strike="noStrike" kern="1200" cap="none" spc="0" normalizeH="0" baseline="0" noProof="0" dirty="0" smtClean="0">
-                          <a:ln>
-                            <a:noFill/>
-                          </a:ln>
-                          <a:solidFill>
-                            <a:schemeClr val="accent1">
-                              <a:lumMod val="75000"/>
-                            </a:schemeClr>
-                          </a:solidFill>
-                          <a:effectLst/>
-                          <a:uLnTx/>
-                          <a:uFillTx/>
-                          <a:latin typeface="+mn-lt"/>
-                          <a:ea typeface="+mn-ea"/>
-                          <a:cs typeface="+mn-ea"/>
-                          <a:sym typeface="+mn-lt"/>
-                        </a:rPr>
-                        <a:t>/</a:t>
-                      </a:r>
-                      <a:r>
-                        <a:rPr kumimoji="0" lang="zh-CN" altLang="en-US" sz="1000" b="0" i="0" u="none" strike="noStrike" kern="1200" cap="none" spc="0" normalizeH="0" baseline="0" noProof="0" dirty="0" smtClean="0">
-                          <a:ln>
-                            <a:noFill/>
-                          </a:ln>
-                          <a:solidFill>
-                            <a:schemeClr val="accent1">
-                              <a:lumMod val="75000"/>
-                            </a:schemeClr>
-                          </a:solidFill>
-                          <a:effectLst/>
-                          <a:uLnTx/>
-                          <a:uFillTx/>
-                          <a:latin typeface="+mn-lt"/>
-                          <a:ea typeface="+mn-ea"/>
-                          <a:cs typeface="+mn-ea"/>
-                          <a:sym typeface="+mn-lt"/>
-                        </a:rPr>
-                        <a:t>摄影设备（相机</a:t>
-                      </a:r>
-                      <a:r>
-                        <a:rPr kumimoji="0" lang="en-US" altLang="zh-CN" sz="1000" b="0" i="0" u="none" strike="noStrike" kern="1200" cap="none" spc="0" normalizeH="0" baseline="0" noProof="0" dirty="0" smtClean="0">
-                          <a:ln>
-                            <a:noFill/>
-                          </a:ln>
-                          <a:solidFill>
-                            <a:schemeClr val="accent1">
-                              <a:lumMod val="75000"/>
-                            </a:schemeClr>
-                          </a:solidFill>
-                          <a:effectLst/>
-                          <a:uLnTx/>
-                          <a:uFillTx/>
-                          <a:latin typeface="+mn-lt"/>
-                          <a:ea typeface="+mn-ea"/>
-                          <a:cs typeface="+mn-ea"/>
-                          <a:sym typeface="+mn-lt"/>
-                        </a:rPr>
-                        <a:t>/</a:t>
-                      </a:r>
-                      <a:r>
-                        <a:rPr kumimoji="0" lang="zh-CN" altLang="en-US" sz="1000" b="0" i="0" u="none" strike="noStrike" kern="1200" cap="none" spc="0" normalizeH="0" baseline="0" noProof="0" dirty="0" smtClean="0">
-                          <a:ln>
-                            <a:noFill/>
-                          </a:ln>
-                          <a:solidFill>
-                            <a:schemeClr val="accent1">
-                              <a:lumMod val="75000"/>
-                            </a:schemeClr>
-                          </a:solidFill>
-                          <a:effectLst/>
-                          <a:uLnTx/>
-                          <a:uFillTx/>
-                          <a:latin typeface="+mn-lt"/>
-                          <a:ea typeface="+mn-ea"/>
-                          <a:cs typeface="+mn-ea"/>
-                          <a:sym typeface="+mn-lt"/>
-                        </a:rPr>
-                        <a:t>摄像机</a:t>
-                      </a:r>
-                      <a:r>
-                        <a:rPr kumimoji="0" lang="en-US" altLang="zh-CN" sz="1000" b="0" i="0" u="none" strike="noStrike" kern="1200" cap="none" spc="0" normalizeH="0" baseline="0" noProof="0" dirty="0" smtClean="0">
-                          <a:ln>
-                            <a:noFill/>
-                          </a:ln>
-                          <a:solidFill>
-                            <a:schemeClr val="accent1">
-                              <a:lumMod val="75000"/>
-                            </a:schemeClr>
-                          </a:solidFill>
-                          <a:effectLst/>
-                          <a:uLnTx/>
-                          <a:uFillTx/>
-                          <a:latin typeface="+mn-lt"/>
-                          <a:ea typeface="+mn-ea"/>
-                          <a:cs typeface="+mn-ea"/>
-                          <a:sym typeface="+mn-lt"/>
-                        </a:rPr>
-                        <a:t>/</a:t>
-                      </a:r>
-                      <a:r>
-                        <a:rPr kumimoji="0" lang="zh-CN" altLang="en-US" sz="1000" b="0" i="0" u="none" strike="noStrike" kern="1200" cap="none" spc="0" normalizeH="0" baseline="0" noProof="0" dirty="0" smtClean="0">
-                          <a:ln>
-                            <a:noFill/>
-                          </a:ln>
-                          <a:solidFill>
-                            <a:schemeClr val="accent1">
-                              <a:lumMod val="75000"/>
-                            </a:schemeClr>
-                          </a:solidFill>
-                          <a:effectLst/>
-                          <a:uLnTx/>
-                          <a:uFillTx/>
-                          <a:latin typeface="+mn-lt"/>
-                          <a:ea typeface="+mn-ea"/>
-                          <a:cs typeface="+mn-ea"/>
-                          <a:sym typeface="+mn-lt"/>
-                        </a:rPr>
-                        <a:t>无人机等）</a:t>
-                      </a:r>
                       <a:endParaRPr kumimoji="0" lang="en-US" altLang="zh-CN" sz="1000" b="0" i="0" u="none" strike="noStrike" kern="1200" cap="none" spc="0" normalizeH="0" baseline="0" noProof="0" dirty="0" smtClean="0">
                         <a:ln>
                           <a:noFill/>
@@ -14856,7 +14432,7 @@
                 </a:tc>
                 <a:extLst>
                   <a:ext uri="{0D108BD9-81ED-4DB2-BD59-A6C34878D82A}">
-                    <a16:rowId xmlns:a16="http://schemas.microsoft.com/office/drawing/2014/main" val="3375075753"/>
+                    <a16:rowId xmlns="" xmlns:a16="http://schemas.microsoft.com/office/drawing/2014/main" val="3375075753"/>
                   </a:ext>
                 </a:extLst>
               </a:tr>
@@ -14951,18 +14527,15 @@
                         <a:buFontTx/>
                         <a:buNone/>
                       </a:pPr>
-                      <a:r>
-                        <a:rPr lang="en-US" altLang="zh-CN" sz="1200" b="0" dirty="0" smtClean="0">
-                          <a:solidFill>
-                            <a:schemeClr val="tx1"/>
-                          </a:solidFill>
-                          <a:latin typeface="+mn-lt"/>
-                          <a:ea typeface="+mn-ea"/>
-                          <a:cs typeface="+mn-ea"/>
-                          <a:sym typeface="+mn-lt"/>
-                        </a:rPr>
-                        <a:t>RMB XX,XXX</a:t>
-                      </a:r>
+                      <a:endParaRPr lang="en-US" altLang="zh-CN" sz="1200" b="0" dirty="0" smtClean="0">
+                        <a:solidFill>
+                          <a:schemeClr val="tx1"/>
+                        </a:solidFill>
+                        <a:latin typeface="+mn-lt"/>
+                        <a:ea typeface="+mn-ea"/>
+                        <a:cs typeface="+mn-ea"/>
+                        <a:sym typeface="+mn-lt"/>
+                      </a:endParaRPr>
                     </a:p>
                   </a:txBody>
                   <a:tcPr anchor="ctr">
@@ -14993,60 +14566,6 @@
                         <a:tabLst/>
                         <a:defRPr/>
                       </a:pPr>
-                      <a:r>
-                        <a:rPr kumimoji="0" lang="zh-CN" altLang="en-US" sz="1200" b="0" i="0" u="none" strike="noStrike" kern="1200" cap="none" spc="0" normalizeH="0" baseline="0" noProof="0" dirty="0" smtClean="0">
-                          <a:ln>
-                            <a:noFill/>
-                          </a:ln>
-                          <a:solidFill>
-                            <a:srgbClr val="000000"/>
-                          </a:solidFill>
-                          <a:effectLst/>
-                          <a:uLnTx/>
-                          <a:uFillTx/>
-                          <a:latin typeface="+mn-lt"/>
-                          <a:ea typeface="+mn-ea"/>
-                          <a:cs typeface="+mn-ea"/>
-                          <a:sym typeface="+mn-lt"/>
-                        </a:rPr>
-                        <a:t>是</a:t>
-                      </a:r>
-                      <a:r>
-                        <a:rPr kumimoji="0" lang="en-US" altLang="zh-CN" sz="1200" b="0" i="0" u="none" strike="noStrike" kern="1200" cap="none" spc="0" normalizeH="0" baseline="0" noProof="0" dirty="0" smtClean="0">
-                          <a:ln>
-                            <a:noFill/>
-                          </a:ln>
-                          <a:solidFill>
-                            <a:srgbClr val="000000"/>
-                          </a:solidFill>
-                          <a:effectLst/>
-                          <a:uLnTx/>
-                          <a:uFillTx/>
-                          <a:latin typeface="+mn-lt"/>
-                          <a:ea typeface="+mn-ea"/>
-                          <a:cs typeface="+mn-ea"/>
-                          <a:sym typeface="+mn-lt"/>
-                        </a:rPr>
-                        <a:t>/</a:t>
-                      </a:r>
-                      <a:r>
-                        <a:rPr kumimoji="0" lang="zh-CN" altLang="en-US" sz="1200" b="0" i="0" u="none" strike="noStrike" kern="1200" cap="none" spc="0" normalizeH="0" baseline="0" noProof="0" dirty="0" smtClean="0">
-                          <a:ln>
-                            <a:noFill/>
-                          </a:ln>
-                          <a:solidFill>
-                            <a:srgbClr val="000000"/>
-                          </a:solidFill>
-                          <a:effectLst/>
-                          <a:uLnTx/>
-                          <a:uFillTx/>
-                          <a:latin typeface="+mn-lt"/>
-                          <a:ea typeface="+mn-ea"/>
-                          <a:cs typeface="+mn-ea"/>
-                          <a:sym typeface="+mn-lt"/>
-                        </a:rPr>
-                        <a:t>否</a:t>
-                      </a:r>
                       <a:endParaRPr kumimoji="0" lang="en-US" altLang="zh-CN" sz="1200" b="0" i="0" u="none" strike="noStrike" kern="1200" cap="none" spc="0" normalizeH="0" baseline="0" noProof="0" dirty="0" smtClean="0">
                         <a:ln>
                           <a:noFill/>
@@ -15092,20 +14611,6 @@
                         <a:tabLst/>
                         <a:defRPr/>
                       </a:pPr>
-                      <a:r>
-                        <a:rPr lang="zh-CN" altLang="en-US" sz="1000" b="0" dirty="0" smtClean="0">
-                          <a:solidFill>
-                            <a:schemeClr val="accent1">
-                              <a:lumMod val="75000"/>
-                            </a:schemeClr>
-                          </a:solidFill>
-                          <a:latin typeface="+mn-lt"/>
-                          <a:ea typeface="+mn-ea"/>
-                          <a:cs typeface="+mn-ea"/>
-                          <a:sym typeface="+mn-lt"/>
-                        </a:rPr>
-                        <a:t>具体搭建方案及内容</a:t>
-                      </a:r>
                       <a:endParaRPr lang="en-US" altLang="zh-CN" sz="1000" b="0" dirty="0" smtClean="0">
                         <a:solidFill>
                           <a:schemeClr val="accent1">
@@ -15227,18 +14732,15 @@
                         <a:tabLst/>
                         <a:defRPr/>
                       </a:pPr>
-                      <a:r>
-                        <a:rPr lang="en-US" altLang="zh-CN" sz="1200" b="0" dirty="0" smtClean="0">
-                          <a:solidFill>
-                            <a:schemeClr val="tx1"/>
-                          </a:solidFill>
-                          <a:latin typeface="+mn-lt"/>
-                          <a:ea typeface="+mn-ea"/>
-                          <a:cs typeface="+mn-ea"/>
-                          <a:sym typeface="+mn-lt"/>
-                        </a:rPr>
-                        <a:t>RMB XX,XXX</a:t>
-                      </a:r>
+                      <a:endParaRPr lang="en-US" altLang="zh-CN" sz="1200" b="0" dirty="0" smtClean="0">
+                        <a:solidFill>
+                          <a:schemeClr val="tx1"/>
+                        </a:solidFill>
+                        <a:latin typeface="+mn-lt"/>
+                        <a:ea typeface="+mn-ea"/>
+                        <a:cs typeface="+mn-ea"/>
+                        <a:sym typeface="+mn-lt"/>
+                      </a:endParaRPr>
                     </a:p>
                   </a:txBody>
                   <a:tcPr anchor="ctr">
@@ -15269,60 +14771,6 @@
                         <a:tabLst/>
                         <a:defRPr/>
                       </a:pPr>
-                      <a:r>
-                        <a:rPr kumimoji="0" lang="zh-CN" altLang="en-US" sz="1200" b="0" i="0" u="none" strike="noStrike" kern="1200" cap="none" spc="0" normalizeH="0" baseline="0" noProof="0" dirty="0" smtClean="0">
-                          <a:ln>
-                            <a:noFill/>
-                          </a:ln>
-                          <a:solidFill>
-                            <a:srgbClr val="000000"/>
-                          </a:solidFill>
-                          <a:effectLst/>
-                          <a:uLnTx/>
-                          <a:uFillTx/>
-                          <a:latin typeface="+mn-lt"/>
-                          <a:ea typeface="+mn-ea"/>
-                          <a:cs typeface="+mn-ea"/>
-                          <a:sym typeface="+mn-lt"/>
-                        </a:rPr>
-                        <a:t>是</a:t>
-                      </a:r>
-                      <a:r>
-                        <a:rPr kumimoji="0" lang="en-US" altLang="zh-CN" sz="1200" b="0" i="0" u="none" strike="noStrike" kern="1200" cap="none" spc="0" normalizeH="0" baseline="0" noProof="0" dirty="0" smtClean="0">
-                          <a:ln>
-                            <a:noFill/>
-                          </a:ln>
-                          <a:solidFill>
-                            <a:srgbClr val="000000"/>
-                          </a:solidFill>
-                          <a:effectLst/>
-                          <a:uLnTx/>
-                          <a:uFillTx/>
-                          <a:latin typeface="+mn-lt"/>
-                          <a:ea typeface="+mn-ea"/>
-                          <a:cs typeface="+mn-ea"/>
-                          <a:sym typeface="+mn-lt"/>
-                        </a:rPr>
-                        <a:t>/</a:t>
-                      </a:r>
-                      <a:r>
-                        <a:rPr kumimoji="0" lang="zh-CN" altLang="en-US" sz="1200" b="0" i="0" u="none" strike="noStrike" kern="1200" cap="none" spc="0" normalizeH="0" baseline="0" noProof="0" dirty="0" smtClean="0">
-                          <a:ln>
-                            <a:noFill/>
-                          </a:ln>
-                          <a:solidFill>
-                            <a:srgbClr val="000000"/>
-                          </a:solidFill>
-                          <a:effectLst/>
-                          <a:uLnTx/>
-                          <a:uFillTx/>
-                          <a:latin typeface="+mn-lt"/>
-                          <a:ea typeface="+mn-ea"/>
-                          <a:cs typeface="+mn-ea"/>
-                          <a:sym typeface="+mn-lt"/>
-                        </a:rPr>
-                        <a:t>否</a:t>
-                      </a:r>
                       <a:endParaRPr kumimoji="0" lang="en-US" altLang="zh-CN" sz="1200" b="0" i="0" u="none" strike="noStrike" kern="1200" cap="none" spc="0" normalizeH="0" baseline="0" noProof="0" dirty="0" smtClean="0">
                         <a:ln>
                           <a:noFill/>
@@ -15368,20 +14816,6 @@
                         <a:tabLst/>
                         <a:defRPr/>
                       </a:pPr>
-                      <a:r>
-                        <a:rPr lang="zh-CN" altLang="en-US" sz="1000" b="0" dirty="0" smtClean="0">
-                          <a:solidFill>
-                            <a:schemeClr val="accent1">
-                              <a:lumMod val="75000"/>
-                            </a:schemeClr>
-                          </a:solidFill>
-                          <a:latin typeface="+mn-lt"/>
-                          <a:ea typeface="+mn-ea"/>
-                          <a:cs typeface="+mn-ea"/>
-                          <a:sym typeface="+mn-lt"/>
-                        </a:rPr>
-                        <a:t>注明其他费用内容</a:t>
-                      </a:r>
                       <a:endParaRPr lang="en-US" altLang="zh-CN" sz="1000" b="0" dirty="0" smtClean="0">
                         <a:solidFill>
                           <a:schemeClr val="accent1">
@@ -15403,7 +14837,7 @@
                 </a:tc>
                 <a:extLst>
                   <a:ext uri="{0D108BD9-81ED-4DB2-BD59-A6C34878D82A}">
-                    <a16:rowId xmlns:a16="http://schemas.microsoft.com/office/drawing/2014/main" val="1818738132"/>
+                    <a16:rowId xmlns="" xmlns:a16="http://schemas.microsoft.com/office/drawing/2014/main" val="1818738132"/>
                   </a:ext>
                 </a:extLst>
               </a:tr>
@@ -15546,18 +14980,15 @@
                         <a:buFontTx/>
                         <a:buNone/>
                       </a:pPr>
-                      <a:r>
-                        <a:rPr lang="en-US" altLang="zh-CN" sz="1200" b="0" dirty="0" smtClean="0">
-                          <a:solidFill>
-                            <a:schemeClr val="tx1"/>
-                          </a:solidFill>
-                          <a:latin typeface="+mn-lt"/>
-                          <a:ea typeface="+mn-ea"/>
-                          <a:cs typeface="+mn-ea"/>
-                          <a:sym typeface="+mn-lt"/>
-                        </a:rPr>
-                        <a:t>RMB XX,XXX</a:t>
-                      </a:r>
+                      <a:endParaRPr lang="en-US" altLang="zh-CN" sz="1200" b="0" dirty="0" smtClean="0">
+                        <a:solidFill>
+                          <a:schemeClr val="tx1"/>
+                        </a:solidFill>
+                        <a:latin typeface="+mn-lt"/>
+                        <a:ea typeface="+mn-ea"/>
+                        <a:cs typeface="+mn-ea"/>
+                        <a:sym typeface="+mn-lt"/>
+                      </a:endParaRPr>
                     </a:p>
                   </a:txBody>
                   <a:tcPr anchor="ctr">
@@ -15588,60 +15019,6 @@
                         <a:tabLst/>
                         <a:defRPr/>
                       </a:pPr>
-                      <a:r>
-                        <a:rPr kumimoji="0" lang="zh-CN" altLang="en-US" sz="1200" b="0" i="0" u="none" strike="noStrike" kern="1200" cap="none" spc="0" normalizeH="0" baseline="0" noProof="0" dirty="0" smtClean="0">
-                          <a:ln>
-                            <a:noFill/>
-                          </a:ln>
-                          <a:solidFill>
-                            <a:srgbClr val="000000"/>
-                          </a:solidFill>
-                          <a:effectLst/>
-                          <a:uLnTx/>
-                          <a:uFillTx/>
-                          <a:latin typeface="+mn-lt"/>
-                          <a:ea typeface="+mn-ea"/>
-                          <a:cs typeface="+mn-ea"/>
-                          <a:sym typeface="+mn-lt"/>
-                        </a:rPr>
-                        <a:t>是</a:t>
-                      </a:r>
-                      <a:r>
-                        <a:rPr kumimoji="0" lang="en-US" altLang="zh-CN" sz="1200" b="0" i="0" u="none" strike="noStrike" kern="1200" cap="none" spc="0" normalizeH="0" baseline="0" noProof="0" dirty="0" smtClean="0">
-                          <a:ln>
-                            <a:noFill/>
-                          </a:ln>
-                          <a:solidFill>
-                            <a:srgbClr val="000000"/>
-                          </a:solidFill>
-                          <a:effectLst/>
-                          <a:uLnTx/>
-                          <a:uFillTx/>
-                          <a:latin typeface="+mn-lt"/>
-                          <a:ea typeface="+mn-ea"/>
-                          <a:cs typeface="+mn-ea"/>
-                          <a:sym typeface="+mn-lt"/>
-                        </a:rPr>
-                        <a:t>/</a:t>
-                      </a:r>
-                      <a:r>
-                        <a:rPr kumimoji="0" lang="zh-CN" altLang="en-US" sz="1200" b="0" i="0" u="none" strike="noStrike" kern="1200" cap="none" spc="0" normalizeH="0" baseline="0" noProof="0" dirty="0" smtClean="0">
-                          <a:ln>
-                            <a:noFill/>
-                          </a:ln>
-                          <a:solidFill>
-                            <a:srgbClr val="000000"/>
-                          </a:solidFill>
-                          <a:effectLst/>
-                          <a:uLnTx/>
-                          <a:uFillTx/>
-                          <a:latin typeface="+mn-lt"/>
-                          <a:ea typeface="+mn-ea"/>
-                          <a:cs typeface="+mn-ea"/>
-                          <a:sym typeface="+mn-lt"/>
-                        </a:rPr>
-                        <a:t>否</a:t>
-                      </a:r>
                       <a:endParaRPr kumimoji="0" lang="en-US" altLang="zh-CN" sz="1200" b="0" i="0" u="none" strike="noStrike" kern="1200" cap="none" spc="0" normalizeH="0" baseline="0" noProof="0" dirty="0" smtClean="0">
                         <a:ln>
                           <a:noFill/>
@@ -15687,64 +15064,6 @@
                         <a:tabLst/>
                         <a:defRPr/>
                       </a:pPr>
-                      <a:r>
-                        <a:rPr lang="zh-CN" altLang="en-US" sz="1000" b="0" dirty="0" smtClean="0">
-                          <a:solidFill>
-                            <a:schemeClr val="accent1">
-                              <a:lumMod val="75000"/>
-                            </a:schemeClr>
-                          </a:solidFill>
-                          <a:latin typeface="+mn-lt"/>
-                          <a:ea typeface="+mn-ea"/>
-                          <a:cs typeface="+mn-ea"/>
-                          <a:sym typeface="+mn-lt"/>
-                        </a:rPr>
-                        <a:t>总就餐人数</a:t>
-                      </a:r>
-                      <a:endParaRPr lang="en-US" altLang="zh-CN" sz="1000" b="0" dirty="0" smtClean="0">
-                        <a:solidFill>
-                          <a:schemeClr val="accent1">
-                            <a:lumMod val="75000"/>
-                          </a:schemeClr>
-                        </a:solidFill>
-                        <a:latin typeface="+mn-lt"/>
-                        <a:ea typeface="+mn-ea"/>
-                        <a:cs typeface="+mn-ea"/>
-                        <a:sym typeface="+mn-lt"/>
-                      </a:endParaRPr>
-                    </a:p>
-                    <a:p>
-                      <a:pPr marL="0" marR="0" lvl="0" indent="0" algn="l" defTabSz="914389" rtl="0" eaLnBrk="1" fontAlgn="auto" latinLnBrk="0" hangingPunct="1">
-                        <a:lnSpc>
-                          <a:spcPct val="100000"/>
-                        </a:lnSpc>
-                        <a:spcBef>
-                          <a:spcPts val="0"/>
-                        </a:spcBef>
-                        <a:spcAft>
-                          <a:spcPts val="0"/>
-                        </a:spcAft>
-                        <a:buClrTx/>
-                        <a:buSzTx/>
-                        <a:buFontTx/>
-                        <a:buNone/>
-                        <a:tabLst/>
-                        <a:defRPr/>
-                      </a:pPr>
-                      <a:r>
-                        <a:rPr lang="zh-CN" altLang="en-US" sz="1000" b="0" dirty="0" smtClean="0">
-                          <a:solidFill>
-                            <a:schemeClr val="accent1">
-                              <a:lumMod val="75000"/>
-                            </a:schemeClr>
-                          </a:solidFill>
-                          <a:latin typeface="+mn-lt"/>
-                          <a:ea typeface="+mn-ea"/>
-                          <a:cs typeface="+mn-ea"/>
-                          <a:sym typeface="+mn-lt"/>
-                        </a:rPr>
-                        <a:t>人均餐费</a:t>
-                      </a:r>
                       <a:endParaRPr lang="en-US" altLang="zh-CN" sz="1000" b="0" dirty="0" smtClean="0">
                         <a:solidFill>
                           <a:schemeClr val="accent1">
@@ -15820,7 +15139,7 @@
                 </a:tc>
                 <a:extLst>
                   <a:ext uri="{0D108BD9-81ED-4DB2-BD59-A6C34878D82A}">
-                    <a16:rowId xmlns:a16="http://schemas.microsoft.com/office/drawing/2014/main" val="3192001067"/>
+                    <a16:rowId xmlns="" xmlns:a16="http://schemas.microsoft.com/office/drawing/2014/main" val="3192001067"/>
                   </a:ext>
                 </a:extLst>
               </a:tr>
@@ -15933,18 +15252,15 @@
                         <a:tabLst/>
                         <a:defRPr/>
                       </a:pPr>
-                      <a:r>
-                        <a:rPr lang="en-US" altLang="zh-CN" sz="1200" b="0" dirty="0" smtClean="0">
-                          <a:solidFill>
-                            <a:schemeClr val="tx1"/>
-                          </a:solidFill>
-                          <a:latin typeface="+mn-lt"/>
-                          <a:ea typeface="+mn-ea"/>
-                          <a:cs typeface="+mn-ea"/>
-                          <a:sym typeface="+mn-lt"/>
-                        </a:rPr>
-                        <a:t>RMB XX,XXX</a:t>
-                      </a:r>
+                      <a:endParaRPr lang="en-US" altLang="zh-CN" sz="1200" b="0" dirty="0" smtClean="0">
+                        <a:solidFill>
+                          <a:schemeClr val="tx1"/>
+                        </a:solidFill>
+                        <a:latin typeface="+mn-lt"/>
+                        <a:ea typeface="+mn-ea"/>
+                        <a:cs typeface="+mn-ea"/>
+                        <a:sym typeface="+mn-lt"/>
+                      </a:endParaRPr>
                     </a:p>
                   </a:txBody>
                   <a:tcPr anchor="ctr">
@@ -15975,60 +15291,6 @@
                         <a:tabLst/>
                         <a:defRPr/>
                       </a:pPr>
-                      <a:r>
-                        <a:rPr kumimoji="0" lang="zh-CN" altLang="en-US" sz="1200" b="0" i="0" u="none" strike="noStrike" kern="1200" cap="none" spc="0" normalizeH="0" baseline="0" noProof="0" dirty="0" smtClean="0">
-                          <a:ln>
-                            <a:noFill/>
-                          </a:ln>
-                          <a:solidFill>
-                            <a:srgbClr val="000000"/>
-                          </a:solidFill>
-                          <a:effectLst/>
-                          <a:uLnTx/>
-                          <a:uFillTx/>
-                          <a:latin typeface="+mn-lt"/>
-                          <a:ea typeface="+mn-ea"/>
-                          <a:cs typeface="+mn-ea"/>
-                          <a:sym typeface="+mn-lt"/>
-                        </a:rPr>
-                        <a:t>是</a:t>
-                      </a:r>
-                      <a:r>
-                        <a:rPr kumimoji="0" lang="en-US" altLang="zh-CN" sz="1200" b="0" i="0" u="none" strike="noStrike" kern="1200" cap="none" spc="0" normalizeH="0" baseline="0" noProof="0" dirty="0" smtClean="0">
-                          <a:ln>
-                            <a:noFill/>
-                          </a:ln>
-                          <a:solidFill>
-                            <a:srgbClr val="000000"/>
-                          </a:solidFill>
-                          <a:effectLst/>
-                          <a:uLnTx/>
-                          <a:uFillTx/>
-                          <a:latin typeface="+mn-lt"/>
-                          <a:ea typeface="+mn-ea"/>
-                          <a:cs typeface="+mn-ea"/>
-                          <a:sym typeface="+mn-lt"/>
-                        </a:rPr>
-                        <a:t>/</a:t>
-                      </a:r>
-                      <a:r>
-                        <a:rPr kumimoji="0" lang="zh-CN" altLang="en-US" sz="1200" b="0" i="0" u="none" strike="noStrike" kern="1200" cap="none" spc="0" normalizeH="0" baseline="0" noProof="0" dirty="0" smtClean="0">
-                          <a:ln>
-                            <a:noFill/>
-                          </a:ln>
-                          <a:solidFill>
-                            <a:srgbClr val="000000"/>
-                          </a:solidFill>
-                          <a:effectLst/>
-                          <a:uLnTx/>
-                          <a:uFillTx/>
-                          <a:latin typeface="+mn-lt"/>
-                          <a:ea typeface="+mn-ea"/>
-                          <a:cs typeface="+mn-ea"/>
-                          <a:sym typeface="+mn-lt"/>
-                        </a:rPr>
-                        <a:t>否</a:t>
-                      </a:r>
                       <a:endParaRPr kumimoji="0" lang="en-US" altLang="zh-CN" sz="1200" b="0" i="0" u="none" strike="noStrike" kern="1200" cap="none" spc="0" normalizeH="0" baseline="0" noProof="0" dirty="0" smtClean="0">
                         <a:ln>
                           <a:noFill/>
@@ -16074,64 +15336,6 @@
                         <a:tabLst/>
                         <a:defRPr/>
                       </a:pPr>
-                      <a:r>
-                        <a:rPr lang="zh-CN" altLang="en-US" sz="1000" b="0" dirty="0" smtClean="0">
-                          <a:solidFill>
-                            <a:schemeClr val="accent1">
-                              <a:lumMod val="75000"/>
-                            </a:schemeClr>
-                          </a:solidFill>
-                          <a:latin typeface="+mn-lt"/>
-                          <a:ea typeface="+mn-ea"/>
-                          <a:cs typeface="+mn-ea"/>
-                          <a:sym typeface="+mn-lt"/>
-                        </a:rPr>
-                        <a:t>总就餐人数</a:t>
-                      </a:r>
-                      <a:endParaRPr lang="en-US" altLang="zh-CN" sz="1000" b="0" dirty="0" smtClean="0">
-                        <a:solidFill>
-                          <a:schemeClr val="accent1">
-                            <a:lumMod val="75000"/>
-                          </a:schemeClr>
-                        </a:solidFill>
-                        <a:latin typeface="+mn-lt"/>
-                        <a:ea typeface="+mn-ea"/>
-                        <a:cs typeface="+mn-ea"/>
-                        <a:sym typeface="+mn-lt"/>
-                      </a:endParaRPr>
-                    </a:p>
-                    <a:p>
-                      <a:pPr marL="0" marR="0" lvl="0" indent="0" algn="l" defTabSz="914389" rtl="0" eaLnBrk="1" fontAlgn="auto" latinLnBrk="0" hangingPunct="1">
-                        <a:lnSpc>
-                          <a:spcPct val="100000"/>
-                        </a:lnSpc>
-                        <a:spcBef>
-                          <a:spcPts val="0"/>
-                        </a:spcBef>
-                        <a:spcAft>
-                          <a:spcPts val="0"/>
-                        </a:spcAft>
-                        <a:buClrTx/>
-                        <a:buSzTx/>
-                        <a:buFontTx/>
-                        <a:buNone/>
-                        <a:tabLst/>
-                        <a:defRPr/>
-                      </a:pPr>
-                      <a:r>
-                        <a:rPr lang="zh-CN" altLang="en-US" sz="1000" b="0" dirty="0" smtClean="0">
-                          <a:solidFill>
-                            <a:schemeClr val="accent1">
-                              <a:lumMod val="75000"/>
-                            </a:schemeClr>
-                          </a:solidFill>
-                          <a:latin typeface="+mn-lt"/>
-                          <a:ea typeface="+mn-ea"/>
-                          <a:cs typeface="+mn-ea"/>
-                          <a:sym typeface="+mn-lt"/>
-                        </a:rPr>
-                        <a:t>人均酒水费用</a:t>
-                      </a:r>
                       <a:endParaRPr lang="en-US" altLang="zh-CN" sz="1000" b="0" dirty="0" smtClean="0">
                         <a:solidFill>
                           <a:schemeClr val="accent1">
@@ -16193,7 +15397,7 @@
                 </a:tc>
                 <a:extLst>
                   <a:ext uri="{0D108BD9-81ED-4DB2-BD59-A6C34878D82A}">
-                    <a16:rowId xmlns:a16="http://schemas.microsoft.com/office/drawing/2014/main" val="564902271"/>
+                    <a16:rowId xmlns="" xmlns:a16="http://schemas.microsoft.com/office/drawing/2014/main" val="564902271"/>
                   </a:ext>
                 </a:extLst>
               </a:tr>
@@ -16567,28 +15771,28 @@
                 <a:gridCol w="628595">
                   <a:extLst>
                     <a:ext uri="{9D8B030D-6E8A-4147-A177-3AD203B41FA5}">
-                      <a16:colId xmlns:a16="http://schemas.microsoft.com/office/drawing/2014/main" val="207362988"/>
+                      <a16:colId xmlns="" xmlns:a16="http://schemas.microsoft.com/office/drawing/2014/main" val="207362988"/>
                     </a:ext>
                   </a:extLst>
                 </a:gridCol>
                 <a:gridCol w="2213264">
                   <a:extLst>
                     <a:ext uri="{9D8B030D-6E8A-4147-A177-3AD203B41FA5}">
-                      <a16:colId xmlns:a16="http://schemas.microsoft.com/office/drawing/2014/main" val="20000"/>
+                      <a16:colId xmlns="" xmlns:a16="http://schemas.microsoft.com/office/drawing/2014/main" val="20000"/>
                     </a:ext>
                   </a:extLst>
                 </a:gridCol>
                 <a:gridCol w="2556164">
                   <a:extLst>
                     <a:ext uri="{9D8B030D-6E8A-4147-A177-3AD203B41FA5}">
-                      <a16:colId xmlns:a16="http://schemas.microsoft.com/office/drawing/2014/main" val="20001"/>
+                      <a16:colId xmlns="" xmlns:a16="http://schemas.microsoft.com/office/drawing/2014/main" val="20001"/>
                     </a:ext>
                   </a:extLst>
                 </a:gridCol>
                 <a:gridCol w="5634579">
                   <a:extLst>
                     <a:ext uri="{9D8B030D-6E8A-4147-A177-3AD203B41FA5}">
-                      <a16:colId xmlns:a16="http://schemas.microsoft.com/office/drawing/2014/main" val="610373499"/>
+                      <a16:colId xmlns="" xmlns:a16="http://schemas.microsoft.com/office/drawing/2014/main" val="610373499"/>
                     </a:ext>
                   </a:extLst>
                 </a:gridCol>
@@ -16952,7 +16156,7 @@
                 </a:tc>
                 <a:extLst>
                   <a:ext uri="{0D108BD9-81ED-4DB2-BD59-A6C34878D82A}">
-                    <a16:rowId xmlns:a16="http://schemas.microsoft.com/office/drawing/2014/main" val="10000"/>
+                    <a16:rowId xmlns="" xmlns:a16="http://schemas.microsoft.com/office/drawing/2014/main" val="10000"/>
                   </a:ext>
                 </a:extLst>
               </a:tr>
@@ -17282,7 +16486,7 @@
                 </a:tc>
                 <a:extLst>
                   <a:ext uri="{0D108BD9-81ED-4DB2-BD59-A6C34878D82A}">
-                    <a16:rowId xmlns:a16="http://schemas.microsoft.com/office/drawing/2014/main" val="10001"/>
+                    <a16:rowId xmlns="" xmlns:a16="http://schemas.microsoft.com/office/drawing/2014/main" val="10001"/>
                   </a:ext>
                 </a:extLst>
               </a:tr>
@@ -17640,7 +16844,7 @@
                 </a:tc>
                 <a:extLst>
                   <a:ext uri="{0D108BD9-81ED-4DB2-BD59-A6C34878D82A}">
-                    <a16:rowId xmlns:a16="http://schemas.microsoft.com/office/drawing/2014/main" val="10002"/>
+                    <a16:rowId xmlns="" xmlns:a16="http://schemas.microsoft.com/office/drawing/2014/main" val="10002"/>
                   </a:ext>
                 </a:extLst>
               </a:tr>
@@ -17998,7 +17202,7 @@
                 </a:tc>
                 <a:extLst>
                   <a:ext uri="{0D108BD9-81ED-4DB2-BD59-A6C34878D82A}">
-                    <a16:rowId xmlns:a16="http://schemas.microsoft.com/office/drawing/2014/main" val="10003"/>
+                    <a16:rowId xmlns="" xmlns:a16="http://schemas.microsoft.com/office/drawing/2014/main" val="10003"/>
                   </a:ext>
                 </a:extLst>
               </a:tr>
@@ -18356,7 +17560,7 @@
                 </a:tc>
                 <a:extLst>
                   <a:ext uri="{0D108BD9-81ED-4DB2-BD59-A6C34878D82A}">
-                    <a16:rowId xmlns:a16="http://schemas.microsoft.com/office/drawing/2014/main" val="10004"/>
+                    <a16:rowId xmlns="" xmlns:a16="http://schemas.microsoft.com/office/drawing/2014/main" val="10004"/>
                   </a:ext>
                 </a:extLst>
               </a:tr>
@@ -18714,7 +17918,7 @@
                 </a:tc>
                 <a:extLst>
                   <a:ext uri="{0D108BD9-81ED-4DB2-BD59-A6C34878D82A}">
-                    <a16:rowId xmlns:a16="http://schemas.microsoft.com/office/drawing/2014/main" val="2987373226"/>
+                    <a16:rowId xmlns="" xmlns:a16="http://schemas.microsoft.com/office/drawing/2014/main" val="2987373226"/>
                   </a:ext>
                 </a:extLst>
               </a:tr>
@@ -19072,7 +18276,7 @@
                 </a:tc>
                 <a:extLst>
                   <a:ext uri="{0D108BD9-81ED-4DB2-BD59-A6C34878D82A}">
-                    <a16:rowId xmlns:a16="http://schemas.microsoft.com/office/drawing/2014/main" val="2639051246"/>
+                    <a16:rowId xmlns="" xmlns:a16="http://schemas.microsoft.com/office/drawing/2014/main" val="2639051246"/>
                   </a:ext>
                 </a:extLst>
               </a:tr>
@@ -19430,7 +18634,7 @@
                 </a:tc>
                 <a:extLst>
                   <a:ext uri="{0D108BD9-81ED-4DB2-BD59-A6C34878D82A}">
-                    <a16:rowId xmlns:a16="http://schemas.microsoft.com/office/drawing/2014/main" val="1177553746"/>
+                    <a16:rowId xmlns="" xmlns:a16="http://schemas.microsoft.com/office/drawing/2014/main" val="1177553746"/>
                   </a:ext>
                 </a:extLst>
               </a:tr>
@@ -19780,7 +18984,7 @@
                 </a:tc>
                 <a:extLst>
                   <a:ext uri="{0D108BD9-81ED-4DB2-BD59-A6C34878D82A}">
-                    <a16:rowId xmlns:a16="http://schemas.microsoft.com/office/drawing/2014/main" val="4230401121"/>
+                    <a16:rowId xmlns="" xmlns:a16="http://schemas.microsoft.com/office/drawing/2014/main" val="4230401121"/>
                   </a:ext>
                 </a:extLst>
               </a:tr>
@@ -19837,42 +19041,6 @@
                 <a:srgbClr val="232323"/>
               </a:solidFill>
               <a:latin typeface="+mn-lt"/>
-              <a:cs typeface="+mn-ea"/>
-              <a:sym typeface="+mn-lt"/>
-            </a:endParaRPr>
-          </a:p>
-        </p:txBody>
-      </p:sp>
-      <p:sp>
-        <p:nvSpPr>
-          <p:cNvPr id="3" name="TextBox 2"/>
-          <p:cNvSpPr txBox="1"/>
-          <p:nvPr/>
-        </p:nvSpPr>
-        <p:spPr>
-          <a:xfrm>
-            <a:off x="3211064" y="3492957"/>
-            <a:ext cx="5262979" cy="369332"/>
-          </a:xfrm>
-          <a:prstGeom prst="rect">
-            <a:avLst/>
-          </a:prstGeom>
-          <a:noFill/>
-        </p:spPr>
-        <p:txBody>
-          <a:bodyPr wrap="none" rtlCol="0">
-            <a:spAutoFit/>
-          </a:bodyPr>
-          <a:lstStyle/>
-          <a:p>
-            <a:r>
-              <a:rPr lang="zh-CN" altLang="en-US" dirty="0" smtClean="0">
-                <a:cs typeface="+mn-ea"/>
-                <a:sym typeface="+mn-lt"/>
-              </a:rPr>
-              <a:t>请提供本月每场交车活动的安排，需包含活动亮点</a:t>
-            </a:r>
-            <a:endParaRPr lang="en-US" dirty="0">
               <a:cs typeface="+mn-ea"/>
               <a:sym typeface="+mn-lt"/>
             </a:endParaRPr>
@@ -21236,7 +20404,7 @@
           <a:graphicData uri="http://schemas.openxmlformats.org/presentationml/2006/ole">
             <mc:AlternateContent xmlns:mc="http://schemas.openxmlformats.org/markup-compatibility/2006">
               <mc:Choice xmlns:v="urn:schemas-microsoft-com:vml" Requires="v">
-                <p:oleObj spid="_x0000_s44062" name="think-cell Slide" r:id="rId5" imgW="416" imgH="416" progId="TCLayout.ActiveDocument.1">
+                <p:oleObj spid="_x0000_s44068" name="think-cell Slide" r:id="rId5" imgW="416" imgH="416" progId="TCLayout.ActiveDocument.1">
                   <p:embed/>
                 </p:oleObj>
               </mc:Choice>
@@ -23289,12 +22457,12 @@
     </a:clrScheme>
     <a:fontScheme name="1hz2wouy">
       <a:majorFont>
-        <a:latin typeface="Bentley Light" panose="020F0302020204030204"/>
+        <a:latin typeface="Bentley Light"/>
         <a:ea typeface="黑体"/>
         <a:cs typeface=""/>
       </a:majorFont>
       <a:minorFont>
-        <a:latin typeface="Bentley Light" panose="020F0502020204030204"/>
+        <a:latin typeface="Bentley Light"/>
         <a:ea typeface="黑体"/>
         <a:cs typeface=""/>
       </a:minorFont>
@@ -23474,7 +22642,7 @@
   <a:extraClrSchemeLst/>
   <a:extLst>
     <a:ext uri="{05A4C25C-085E-4340-85A3-A5531E510DB2}">
-      <thm15:themeFamily xmlns:thm15="http://schemas.microsoft.com/office/thememl/2012/main" name="Bentley template 2021.potx" id="{C9F80F40-B2B1-4DB6-919B-71F3AAFFE5B0}" vid="{F9D38CA0-4F02-4029-A6BC-9642EF690A5C}"/>
+      <thm15:themeFamily xmlns="" xmlns:thm15="http://schemas.microsoft.com/office/thememl/2012/main" name="Bentley template 2021.potx" id="{C9F80F40-B2B1-4DB6-919B-71F3AAFFE5B0}" vid="{F9D38CA0-4F02-4029-A6BC-9642EF690A5C}"/>
     </a:ext>
   </a:extLst>
 </a:theme>
@@ -23523,12 +22691,12 @@
     </a:clrScheme>
     <a:fontScheme name="1hz2wouy">
       <a:majorFont>
-        <a:latin typeface="Bentley Light" panose="020F0302020204030204"/>
+        <a:latin typeface="Bentley Light"/>
         <a:ea typeface="黑体"/>
         <a:cs typeface=""/>
       </a:majorFont>
       <a:minorFont>
-        <a:latin typeface="Bentley Light" panose="020F0502020204030204"/>
+        <a:latin typeface="Bentley Light"/>
         <a:ea typeface="黑体"/>
         <a:cs typeface=""/>
       </a:minorFont>
@@ -23708,7 +22876,7 @@
   <a:extraClrSchemeLst/>
   <a:extLst>
     <a:ext uri="{05A4C25C-085E-4340-85A3-A5531E510DB2}">
-      <thm15:themeFamily xmlns:thm15="http://schemas.microsoft.com/office/thememl/2012/main" name="Bentley template 2021.potx" id="{C9F80F40-B2B1-4DB6-919B-71F3AAFFE5B0}" vid="{F9D38CA0-4F02-4029-A6BC-9642EF690A5C}"/>
+      <thm15:themeFamily xmlns="" xmlns:thm15="http://schemas.microsoft.com/office/thememl/2012/main" name="Bentley template 2021.potx" id="{C9F80F40-B2B1-4DB6-919B-71F3AAFFE5B0}" vid="{F9D38CA0-4F02-4029-A6BC-9642EF690A5C}"/>
     </a:ext>
   </a:extLst>
 </a:theme>
@@ -23757,7 +22925,7 @@
     </a:clrScheme>
     <a:fontScheme name="Office">
       <a:majorFont>
-        <a:latin typeface="Calibri Light" panose="020F0302020204030204"/>
+        <a:latin typeface="Calibri Light"/>
         <a:ea typeface=""/>
         <a:cs typeface=""/>
         <a:font script="Jpan" typeface="游ゴシック Light"/>
@@ -23792,7 +22960,7 @@
         <a:font script="Geor" typeface="Sylfaen"/>
       </a:majorFont>
       <a:minorFont>
-        <a:latin typeface="Calibri" panose="020F0502020204030204"/>
+        <a:latin typeface="Calibri"/>
         <a:ea typeface=""/>
         <a:cs typeface=""/>
         <a:font script="Jpan" typeface="游ゴシック"/>
@@ -23969,7 +23137,7 @@
   <a:extraClrSchemeLst/>
   <a:extLst>
     <a:ext uri="{05A4C25C-085E-4340-85A3-A5531E510DB2}">
-      <thm15:themeFamily xmlns:thm15="http://schemas.microsoft.com/office/thememl/2012/main" name="Office Theme" id="{62F939B6-93AF-4DB8-9C6B-D6C7DFDC589F}" vid="{4A3C46E8-61CC-4603-A589-7422A47A8E4A}"/>
+      <thm15:themeFamily xmlns="" xmlns:thm15="http://schemas.microsoft.com/office/thememl/2012/main" name="Office Theme" id="{62F939B6-93AF-4DB8-9C6B-D6C7DFDC589F}" vid="{4A3C46E8-61CC-4603-A589-7422A47A8E4A}"/>
     </a:ext>
   </a:extLst>
 </a:theme>

--- a/com.yrtech.bentleyAPI/com.yrtech.InventoryAPI/template/PlanHandOver.pptx
+++ b/com.yrtech.bentleyAPI/com.yrtech.InventoryAPI/template/PlanHandOver.pptx
@@ -120,7 +120,7 @@
   </p:defaultTextStyle>
   <p:extLst>
     <p:ext uri="{EFAFB233-063F-42B5-8137-9DF3F51BA10A}">
-      <p15:sldGuideLst xmlns:p15="http://schemas.microsoft.com/office/powerpoint/2012/main" xmlns="">
+      <p15:sldGuideLst xmlns="" xmlns:p15="http://schemas.microsoft.com/office/powerpoint/2012/main">
         <p15:guide id="1" pos="7310" userDrawn="1">
           <p15:clr>
             <a:srgbClr val="A4A3A4"/>
@@ -219,7 +219,7 @@
           <a:p>
             <a:fld id="{69A4D669-94F9-4D70-8C76-4C2D35D4E5D0}" type="datetimeFigureOut">
               <a:rPr lang="en-US" smtClean="0"/>
-              <a:t>4/1/2022</a:t>
+              <a:t>4/5/2022</a:t>
             </a:fld>
             <a:endParaRPr lang="en-US" dirty="0"/>
           </a:p>
@@ -1191,7 +1191,7 @@
           <a:graphicData uri="http://schemas.openxmlformats.org/presentationml/2006/ole">
             <mc:AlternateContent xmlns:mc="http://schemas.openxmlformats.org/markup-compatibility/2006">
               <mc:Choice xmlns:v="urn:schemas-microsoft-com:vml" Requires="v">
-                <p:oleObj spid="_x0000_s32803" name="think-cell Slide" r:id="rId5" imgW="216" imgH="216" progId="TCLayout.ActiveDocument.1">
+                <p:oleObj spid="_x0000_s32806" name="think-cell Slide" r:id="rId5" imgW="216" imgH="216" progId="TCLayout.ActiveDocument.1">
                   <p:embed/>
                 </p:oleObj>
               </mc:Choice>
@@ -1388,7 +1388,7 @@
           <p:cNvPr id="4" name="Footer Placeholder 3">
             <a:extLst>
               <a:ext uri="{FF2B5EF4-FFF2-40B4-BE49-F238E27FC236}">
-                <a16:creationId xmlns:a16="http://schemas.microsoft.com/office/drawing/2014/main" xmlns="" id="{17D6DE4C-D976-4B4B-B087-C035EF8D4F6F}"/>
+                <a16:creationId xmlns="" xmlns:a16="http://schemas.microsoft.com/office/drawing/2014/main" id="{17D6DE4C-D976-4B4B-B087-C035EF8D4F6F}"/>
               </a:ext>
             </a:extLst>
           </p:cNvPr>
@@ -1447,7 +1447,7 @@
           <p:cNvPr id="13" name="Straight Connector 12">
             <a:extLst>
               <a:ext uri="{FF2B5EF4-FFF2-40B4-BE49-F238E27FC236}">
-                <a16:creationId xmlns:a16="http://schemas.microsoft.com/office/drawing/2014/main" xmlns="" id="{95C486A1-9876-924E-85C2-906892F8B9AC}"/>
+                <a16:creationId xmlns="" xmlns:a16="http://schemas.microsoft.com/office/drawing/2014/main" id="{95C486A1-9876-924E-85C2-906892F8B9AC}"/>
               </a:ext>
             </a:extLst>
           </p:cNvPr>
@@ -1490,7 +1490,7 @@
           <p:cNvPr id="17" name="Slide Number Placeholder 5">
             <a:extLst>
               <a:ext uri="{FF2B5EF4-FFF2-40B4-BE49-F238E27FC236}">
-                <a16:creationId xmlns:a16="http://schemas.microsoft.com/office/drawing/2014/main" xmlns="" id="{CC67CD5C-67EC-5144-B858-5347C50D1ACD}"/>
+                <a16:creationId xmlns="" xmlns:a16="http://schemas.microsoft.com/office/drawing/2014/main" id="{CC67CD5C-67EC-5144-B858-5347C50D1ACD}"/>
               </a:ext>
             </a:extLst>
           </p:cNvPr>
@@ -1542,7 +1542,7 @@
           <p:cNvPr id="8" name="Title 7">
             <a:extLst>
               <a:ext uri="{FF2B5EF4-FFF2-40B4-BE49-F238E27FC236}">
-                <a16:creationId xmlns:a16="http://schemas.microsoft.com/office/drawing/2014/main" xmlns="" id="{8A6F1540-D306-D44E-B1B3-1ACCF1041F70}"/>
+                <a16:creationId xmlns="" xmlns:a16="http://schemas.microsoft.com/office/drawing/2014/main" id="{8A6F1540-D306-D44E-B1B3-1ACCF1041F70}"/>
               </a:ext>
             </a:extLst>
           </p:cNvPr>
@@ -1949,7 +1949,7 @@
           <a:graphicData uri="http://schemas.openxmlformats.org/presentationml/2006/ole">
             <mc:AlternateContent xmlns:mc="http://schemas.openxmlformats.org/markup-compatibility/2006">
               <mc:Choice xmlns:v="urn:schemas-microsoft-com:vml" Requires="v">
-                <p:oleObj spid="_x0000_s33827" name="think-cell Slide" r:id="rId4" imgW="216" imgH="216" progId="TCLayout.ActiveDocument.1">
+                <p:oleObj spid="_x0000_s33830" name="think-cell Slide" r:id="rId4" imgW="216" imgH="216" progId="TCLayout.ActiveDocument.1">
                   <p:embed/>
                 </p:oleObj>
               </mc:Choice>
@@ -2075,7 +2075,7 @@
           <p:cNvPr id="8" name="Title 7">
             <a:extLst>
               <a:ext uri="{FF2B5EF4-FFF2-40B4-BE49-F238E27FC236}">
-                <a16:creationId xmlns:a16="http://schemas.microsoft.com/office/drawing/2014/main" xmlns="" id="{8A6F1540-D306-D44E-B1B3-1ACCF1041F70}"/>
+                <a16:creationId xmlns="" xmlns:a16="http://schemas.microsoft.com/office/drawing/2014/main" id="{8A6F1540-D306-D44E-B1B3-1ACCF1041F70}"/>
               </a:ext>
             </a:extLst>
           </p:cNvPr>
@@ -2111,7 +2111,7 @@
           <p:cNvPr id="9" name="Content Placeholder 2">
             <a:extLst>
               <a:ext uri="{FF2B5EF4-FFF2-40B4-BE49-F238E27FC236}">
-                <a16:creationId xmlns:a16="http://schemas.microsoft.com/office/drawing/2014/main" xmlns="" id="{0A7C1352-3D49-F849-9BC3-BC0AF9CD8F04}"/>
+                <a16:creationId xmlns="" xmlns:a16="http://schemas.microsoft.com/office/drawing/2014/main" id="{0A7C1352-3D49-F849-9BC3-BC0AF9CD8F04}"/>
               </a:ext>
             </a:extLst>
           </p:cNvPr>
@@ -2203,7 +2203,7 @@
           <p:cNvPr id="10" name="Content Placeholder 2">
             <a:extLst>
               <a:ext uri="{FF2B5EF4-FFF2-40B4-BE49-F238E27FC236}">
-                <a16:creationId xmlns:a16="http://schemas.microsoft.com/office/drawing/2014/main" xmlns="" id="{D1AA7CFB-7669-2648-A3E1-E647E531399E}"/>
+                <a16:creationId xmlns="" xmlns:a16="http://schemas.microsoft.com/office/drawing/2014/main" id="{D1AA7CFB-7669-2648-A3E1-E647E531399E}"/>
               </a:ext>
             </a:extLst>
           </p:cNvPr>
@@ -2295,7 +2295,7 @@
           <p:cNvPr id="11" name="Content Placeholder 2">
             <a:extLst>
               <a:ext uri="{FF2B5EF4-FFF2-40B4-BE49-F238E27FC236}">
-                <a16:creationId xmlns:a16="http://schemas.microsoft.com/office/drawing/2014/main" xmlns="" id="{2E4B4082-D988-5D43-9C32-2C7F747717ED}"/>
+                <a16:creationId xmlns="" xmlns:a16="http://schemas.microsoft.com/office/drawing/2014/main" id="{2E4B4082-D988-5D43-9C32-2C7F747717ED}"/>
               </a:ext>
             </a:extLst>
           </p:cNvPr>
@@ -2387,7 +2387,7 @@
           <p:cNvPr id="12" name="Content Placeholder 2">
             <a:extLst>
               <a:ext uri="{FF2B5EF4-FFF2-40B4-BE49-F238E27FC236}">
-                <a16:creationId xmlns:a16="http://schemas.microsoft.com/office/drawing/2014/main" xmlns="" id="{45B8DE4D-1F9B-7341-8CB2-D70634815B55}"/>
+                <a16:creationId xmlns="" xmlns:a16="http://schemas.microsoft.com/office/drawing/2014/main" id="{45B8DE4D-1F9B-7341-8CB2-D70634815B55}"/>
               </a:ext>
             </a:extLst>
           </p:cNvPr>
@@ -2479,7 +2479,7 @@
           <p:cNvPr id="14" name="Footer Placeholder 3">
             <a:extLst>
               <a:ext uri="{FF2B5EF4-FFF2-40B4-BE49-F238E27FC236}">
-                <a16:creationId xmlns:a16="http://schemas.microsoft.com/office/drawing/2014/main" xmlns="" id="{DBA440F4-82E0-7E45-8A6F-4A8C7572AEE5}"/>
+                <a16:creationId xmlns="" xmlns:a16="http://schemas.microsoft.com/office/drawing/2014/main" id="{DBA440F4-82E0-7E45-8A6F-4A8C7572AEE5}"/>
               </a:ext>
             </a:extLst>
           </p:cNvPr>
@@ -2538,7 +2538,7 @@
           <p:cNvPr id="15" name="Slide Number Placeholder 5">
             <a:extLst>
               <a:ext uri="{FF2B5EF4-FFF2-40B4-BE49-F238E27FC236}">
-                <a16:creationId xmlns:a16="http://schemas.microsoft.com/office/drawing/2014/main" xmlns="" id="{CC67CD5C-67EC-5144-B858-5347C50D1ACD}"/>
+                <a16:creationId xmlns="" xmlns:a16="http://schemas.microsoft.com/office/drawing/2014/main" id="{CC67CD5C-67EC-5144-B858-5347C50D1ACD}"/>
               </a:ext>
             </a:extLst>
           </p:cNvPr>
@@ -2590,7 +2590,7 @@
           <p:cNvPr id="16" name="Straight Connector 15">
             <a:extLst>
               <a:ext uri="{FF2B5EF4-FFF2-40B4-BE49-F238E27FC236}">
-                <a16:creationId xmlns:a16="http://schemas.microsoft.com/office/drawing/2014/main" xmlns="" id="{95C486A1-9876-924E-85C2-906892F8B9AC}"/>
+                <a16:creationId xmlns="" xmlns:a16="http://schemas.microsoft.com/office/drawing/2014/main" id="{95C486A1-9876-924E-85C2-906892F8B9AC}"/>
               </a:ext>
             </a:extLst>
           </p:cNvPr>
@@ -2686,7 +2686,7 @@
           <a:graphicData uri="http://schemas.openxmlformats.org/presentationml/2006/ole">
             <mc:AlternateContent xmlns:mc="http://schemas.openxmlformats.org/markup-compatibility/2006">
               <mc:Choice xmlns:v="urn:schemas-microsoft-com:vml" Requires="v">
-                <p:oleObj spid="_x0000_s34851" name="think-cell Slide" r:id="rId4" imgW="216" imgH="216" progId="TCLayout.ActiveDocument.1">
+                <p:oleObj spid="_x0000_s34854" name="think-cell Slide" r:id="rId4" imgW="216" imgH="216" progId="TCLayout.ActiveDocument.1">
                   <p:embed/>
                 </p:oleObj>
               </mc:Choice>
@@ -2726,7 +2726,7 @@
           <p:cNvPr id="8" name="Title 7">
             <a:extLst>
               <a:ext uri="{FF2B5EF4-FFF2-40B4-BE49-F238E27FC236}">
-                <a16:creationId xmlns:a16="http://schemas.microsoft.com/office/drawing/2014/main" xmlns="" id="{8A6F1540-D306-D44E-B1B3-1ACCF1041F70}"/>
+                <a16:creationId xmlns="" xmlns:a16="http://schemas.microsoft.com/office/drawing/2014/main" id="{8A6F1540-D306-D44E-B1B3-1ACCF1041F70}"/>
               </a:ext>
             </a:extLst>
           </p:cNvPr>
@@ -3522,7 +3522,7 @@
           <p:cNvPr id="37" name="Footer Placeholder 3">
             <a:extLst>
               <a:ext uri="{FF2B5EF4-FFF2-40B4-BE49-F238E27FC236}">
-                <a16:creationId xmlns:a16="http://schemas.microsoft.com/office/drawing/2014/main" xmlns="" id="{DBA440F4-82E0-7E45-8A6F-4A8C7572AEE5}"/>
+                <a16:creationId xmlns="" xmlns:a16="http://schemas.microsoft.com/office/drawing/2014/main" id="{DBA440F4-82E0-7E45-8A6F-4A8C7572AEE5}"/>
               </a:ext>
             </a:extLst>
           </p:cNvPr>
@@ -3581,7 +3581,7 @@
           <p:cNvPr id="38" name="Slide Number Placeholder 5">
             <a:extLst>
               <a:ext uri="{FF2B5EF4-FFF2-40B4-BE49-F238E27FC236}">
-                <a16:creationId xmlns:a16="http://schemas.microsoft.com/office/drawing/2014/main" xmlns="" id="{CC67CD5C-67EC-5144-B858-5347C50D1ACD}"/>
+                <a16:creationId xmlns="" xmlns:a16="http://schemas.microsoft.com/office/drawing/2014/main" id="{CC67CD5C-67EC-5144-B858-5347C50D1ACD}"/>
               </a:ext>
             </a:extLst>
           </p:cNvPr>
@@ -3633,7 +3633,7 @@
           <p:cNvPr id="39" name="Straight Connector 38">
             <a:extLst>
               <a:ext uri="{FF2B5EF4-FFF2-40B4-BE49-F238E27FC236}">
-                <a16:creationId xmlns:a16="http://schemas.microsoft.com/office/drawing/2014/main" xmlns="" id="{95C486A1-9876-924E-85C2-906892F8B9AC}"/>
+                <a16:creationId xmlns="" xmlns:a16="http://schemas.microsoft.com/office/drawing/2014/main" id="{95C486A1-9876-924E-85C2-906892F8B9AC}"/>
               </a:ext>
             </a:extLst>
           </p:cNvPr>
@@ -3734,7 +3734,7 @@
           <a:graphicData uri="http://schemas.openxmlformats.org/presentationml/2006/ole">
             <mc:AlternateContent xmlns:mc="http://schemas.openxmlformats.org/markup-compatibility/2006">
               <mc:Choice xmlns:v="urn:schemas-microsoft-com:vml" Requires="v">
-                <p:oleObj spid="_x0000_s35875" name="think-cell Slide" r:id="rId5" imgW="216" imgH="216" progId="TCLayout.ActiveDocument.1">
+                <p:oleObj spid="_x0000_s35878" name="think-cell Slide" r:id="rId5" imgW="216" imgH="216" progId="TCLayout.ActiveDocument.1">
                   <p:embed/>
                 </p:oleObj>
               </mc:Choice>
@@ -3951,7 +3951,7 @@
           <p:cNvPr id="4" name="Footer Placeholder 3">
             <a:extLst>
               <a:ext uri="{FF2B5EF4-FFF2-40B4-BE49-F238E27FC236}">
-                <a16:creationId xmlns:a16="http://schemas.microsoft.com/office/drawing/2014/main" xmlns="" id="{17D6DE4C-D976-4B4B-B087-C035EF8D4F6F}"/>
+                <a16:creationId xmlns="" xmlns:a16="http://schemas.microsoft.com/office/drawing/2014/main" id="{17D6DE4C-D976-4B4B-B087-C035EF8D4F6F}"/>
               </a:ext>
             </a:extLst>
           </p:cNvPr>
@@ -4010,7 +4010,7 @@
           <p:cNvPr id="17" name="Slide Number Placeholder 5">
             <a:extLst>
               <a:ext uri="{FF2B5EF4-FFF2-40B4-BE49-F238E27FC236}">
-                <a16:creationId xmlns:a16="http://schemas.microsoft.com/office/drawing/2014/main" xmlns="" id="{CC67CD5C-67EC-5144-B858-5347C50D1ACD}"/>
+                <a16:creationId xmlns="" xmlns:a16="http://schemas.microsoft.com/office/drawing/2014/main" id="{CC67CD5C-67EC-5144-B858-5347C50D1ACD}"/>
               </a:ext>
             </a:extLst>
           </p:cNvPr>
@@ -4062,7 +4062,7 @@
           <p:cNvPr id="8" name="Title 7">
             <a:extLst>
               <a:ext uri="{FF2B5EF4-FFF2-40B4-BE49-F238E27FC236}">
-                <a16:creationId xmlns:a16="http://schemas.microsoft.com/office/drawing/2014/main" xmlns="" id="{8A6F1540-D306-D44E-B1B3-1ACCF1041F70}"/>
+                <a16:creationId xmlns="" xmlns:a16="http://schemas.microsoft.com/office/drawing/2014/main" id="{8A6F1540-D306-D44E-B1B3-1ACCF1041F70}"/>
               </a:ext>
             </a:extLst>
           </p:cNvPr>
@@ -4106,7 +4106,7 @@
           <p:cNvPr id="9" name="Straight Connector 8">
             <a:extLst>
               <a:ext uri="{FF2B5EF4-FFF2-40B4-BE49-F238E27FC236}">
-                <a16:creationId xmlns:a16="http://schemas.microsoft.com/office/drawing/2014/main" xmlns="" id="{BB1AA2BE-B537-254D-958A-FBAFDE7E90DC}"/>
+                <a16:creationId xmlns="" xmlns:a16="http://schemas.microsoft.com/office/drawing/2014/main" id="{BB1AA2BE-B537-254D-958A-FBAFDE7E90DC}"/>
               </a:ext>
             </a:extLst>
           </p:cNvPr>
@@ -4149,7 +4149,7 @@
           <p:cNvPr id="10" name="Straight Connector 9">
             <a:extLst>
               <a:ext uri="{FF2B5EF4-FFF2-40B4-BE49-F238E27FC236}">
-                <a16:creationId xmlns:a16="http://schemas.microsoft.com/office/drawing/2014/main" xmlns="" id="{95C486A1-9876-924E-85C2-906892F8B9AC}"/>
+                <a16:creationId xmlns="" xmlns:a16="http://schemas.microsoft.com/office/drawing/2014/main" id="{95C486A1-9876-924E-85C2-906892F8B9AC}"/>
               </a:ext>
             </a:extLst>
           </p:cNvPr>
@@ -4253,7 +4253,7 @@
           <a:graphicData uri="http://schemas.openxmlformats.org/presentationml/2006/ole">
             <mc:AlternateContent xmlns:mc="http://schemas.openxmlformats.org/markup-compatibility/2006">
               <mc:Choice xmlns:v="urn:schemas-microsoft-com:vml" Requires="v">
-                <p:oleObj spid="_x0000_s45073" name="think-cell Slide" r:id="rId4" imgW="216" imgH="216" progId="TCLayout.ActiveDocument.1">
+                <p:oleObj spid="_x0000_s45076" name="think-cell Slide" r:id="rId4" imgW="216" imgH="216" progId="TCLayout.ActiveDocument.1">
                   <p:embed/>
                 </p:oleObj>
               </mc:Choice>
@@ -4339,7 +4339,7 @@
           <a:graphicData uri="http://schemas.openxmlformats.org/presentationml/2006/ole">
             <mc:AlternateContent xmlns:mc="http://schemas.openxmlformats.org/markup-compatibility/2006">
               <mc:Choice xmlns:v="urn:schemas-microsoft-com:vml" Requires="v">
-                <p:oleObj spid="_x0000_s37923" name="think-cell Slide" r:id="rId5" imgW="216" imgH="216" progId="TCLayout.ActiveDocument.1">
+                <p:oleObj spid="_x0000_s37926" name="think-cell Slide" r:id="rId5" imgW="216" imgH="216" progId="TCLayout.ActiveDocument.1">
                   <p:embed/>
                 </p:oleObj>
               </mc:Choice>
@@ -4536,7 +4536,7 @@
           <p:cNvPr id="4" name="Footer Placeholder 3">
             <a:extLst>
               <a:ext uri="{FF2B5EF4-FFF2-40B4-BE49-F238E27FC236}">
-                <a16:creationId xmlns:a16="http://schemas.microsoft.com/office/drawing/2014/main" xmlns="" id="{17D6DE4C-D976-4B4B-B087-C035EF8D4F6F}"/>
+                <a16:creationId xmlns="" xmlns:a16="http://schemas.microsoft.com/office/drawing/2014/main" id="{17D6DE4C-D976-4B4B-B087-C035EF8D4F6F}"/>
               </a:ext>
             </a:extLst>
           </p:cNvPr>
@@ -4595,7 +4595,7 @@
           <p:cNvPr id="13" name="Straight Connector 12">
             <a:extLst>
               <a:ext uri="{FF2B5EF4-FFF2-40B4-BE49-F238E27FC236}">
-                <a16:creationId xmlns:a16="http://schemas.microsoft.com/office/drawing/2014/main" xmlns="" id="{95C486A1-9876-924E-85C2-906892F8B9AC}"/>
+                <a16:creationId xmlns="" xmlns:a16="http://schemas.microsoft.com/office/drawing/2014/main" id="{95C486A1-9876-924E-85C2-906892F8B9AC}"/>
               </a:ext>
             </a:extLst>
           </p:cNvPr>
@@ -4638,7 +4638,7 @@
           <p:cNvPr id="17" name="Slide Number Placeholder 5">
             <a:extLst>
               <a:ext uri="{FF2B5EF4-FFF2-40B4-BE49-F238E27FC236}">
-                <a16:creationId xmlns:a16="http://schemas.microsoft.com/office/drawing/2014/main" xmlns="" id="{CC67CD5C-67EC-5144-B858-5347C50D1ACD}"/>
+                <a16:creationId xmlns="" xmlns:a16="http://schemas.microsoft.com/office/drawing/2014/main" id="{CC67CD5C-67EC-5144-B858-5347C50D1ACD}"/>
               </a:ext>
             </a:extLst>
           </p:cNvPr>
@@ -4690,7 +4690,7 @@
           <p:cNvPr id="8" name="Title 7">
             <a:extLst>
               <a:ext uri="{FF2B5EF4-FFF2-40B4-BE49-F238E27FC236}">
-                <a16:creationId xmlns:a16="http://schemas.microsoft.com/office/drawing/2014/main" xmlns="" id="{8A6F1540-D306-D44E-B1B3-1ACCF1041F70}"/>
+                <a16:creationId xmlns="" xmlns:a16="http://schemas.microsoft.com/office/drawing/2014/main" id="{8A6F1540-D306-D44E-B1B3-1ACCF1041F70}"/>
               </a:ext>
             </a:extLst>
           </p:cNvPr>
@@ -4816,7 +4816,7 @@
           <a:graphicData uri="http://schemas.openxmlformats.org/presentationml/2006/ole">
             <mc:AlternateContent xmlns:mc="http://schemas.openxmlformats.org/markup-compatibility/2006">
               <mc:Choice xmlns:v="urn:schemas-microsoft-com:vml" Requires="v">
-                <p:oleObj spid="_x0000_s38947" name="think-cell Slide" r:id="rId4" imgW="216" imgH="216" progId="TCLayout.ActiveDocument.1">
+                <p:oleObj spid="_x0000_s38950" name="think-cell Slide" r:id="rId4" imgW="216" imgH="216" progId="TCLayout.ActiveDocument.1">
                   <p:embed/>
                 </p:oleObj>
               </mc:Choice>
@@ -4942,7 +4942,7 @@
           <p:cNvPr id="8" name="Title 7">
             <a:extLst>
               <a:ext uri="{FF2B5EF4-FFF2-40B4-BE49-F238E27FC236}">
-                <a16:creationId xmlns:a16="http://schemas.microsoft.com/office/drawing/2014/main" xmlns="" id="{8A6F1540-D306-D44E-B1B3-1ACCF1041F70}"/>
+                <a16:creationId xmlns="" xmlns:a16="http://schemas.microsoft.com/office/drawing/2014/main" id="{8A6F1540-D306-D44E-B1B3-1ACCF1041F70}"/>
               </a:ext>
             </a:extLst>
           </p:cNvPr>
@@ -4978,7 +4978,7 @@
           <p:cNvPr id="9" name="Content Placeholder 2">
             <a:extLst>
               <a:ext uri="{FF2B5EF4-FFF2-40B4-BE49-F238E27FC236}">
-                <a16:creationId xmlns:a16="http://schemas.microsoft.com/office/drawing/2014/main" xmlns="" id="{0A7C1352-3D49-F849-9BC3-BC0AF9CD8F04}"/>
+                <a16:creationId xmlns="" xmlns:a16="http://schemas.microsoft.com/office/drawing/2014/main" id="{0A7C1352-3D49-F849-9BC3-BC0AF9CD8F04}"/>
               </a:ext>
             </a:extLst>
           </p:cNvPr>
@@ -5070,7 +5070,7 @@
           <p:cNvPr id="10" name="Content Placeholder 2">
             <a:extLst>
               <a:ext uri="{FF2B5EF4-FFF2-40B4-BE49-F238E27FC236}">
-                <a16:creationId xmlns:a16="http://schemas.microsoft.com/office/drawing/2014/main" xmlns="" id="{D1AA7CFB-7669-2648-A3E1-E647E531399E}"/>
+                <a16:creationId xmlns="" xmlns:a16="http://schemas.microsoft.com/office/drawing/2014/main" id="{D1AA7CFB-7669-2648-A3E1-E647E531399E}"/>
               </a:ext>
             </a:extLst>
           </p:cNvPr>
@@ -5162,7 +5162,7 @@
           <p:cNvPr id="11" name="Content Placeholder 2">
             <a:extLst>
               <a:ext uri="{FF2B5EF4-FFF2-40B4-BE49-F238E27FC236}">
-                <a16:creationId xmlns:a16="http://schemas.microsoft.com/office/drawing/2014/main" xmlns="" id="{2E4B4082-D988-5D43-9C32-2C7F747717ED}"/>
+                <a16:creationId xmlns="" xmlns:a16="http://schemas.microsoft.com/office/drawing/2014/main" id="{2E4B4082-D988-5D43-9C32-2C7F747717ED}"/>
               </a:ext>
             </a:extLst>
           </p:cNvPr>
@@ -5254,7 +5254,7 @@
           <p:cNvPr id="12" name="Content Placeholder 2">
             <a:extLst>
               <a:ext uri="{FF2B5EF4-FFF2-40B4-BE49-F238E27FC236}">
-                <a16:creationId xmlns:a16="http://schemas.microsoft.com/office/drawing/2014/main" xmlns="" id="{45B8DE4D-1F9B-7341-8CB2-D70634815B55}"/>
+                <a16:creationId xmlns="" xmlns:a16="http://schemas.microsoft.com/office/drawing/2014/main" id="{45B8DE4D-1F9B-7341-8CB2-D70634815B55}"/>
               </a:ext>
             </a:extLst>
           </p:cNvPr>
@@ -5346,7 +5346,7 @@
           <p:cNvPr id="14" name="Footer Placeholder 3">
             <a:extLst>
               <a:ext uri="{FF2B5EF4-FFF2-40B4-BE49-F238E27FC236}">
-                <a16:creationId xmlns:a16="http://schemas.microsoft.com/office/drawing/2014/main" xmlns="" id="{DBA440F4-82E0-7E45-8A6F-4A8C7572AEE5}"/>
+                <a16:creationId xmlns="" xmlns:a16="http://schemas.microsoft.com/office/drawing/2014/main" id="{DBA440F4-82E0-7E45-8A6F-4A8C7572AEE5}"/>
               </a:ext>
             </a:extLst>
           </p:cNvPr>
@@ -5405,7 +5405,7 @@
           <p:cNvPr id="15" name="Slide Number Placeholder 5">
             <a:extLst>
               <a:ext uri="{FF2B5EF4-FFF2-40B4-BE49-F238E27FC236}">
-                <a16:creationId xmlns:a16="http://schemas.microsoft.com/office/drawing/2014/main" xmlns="" id="{CC67CD5C-67EC-5144-B858-5347C50D1ACD}"/>
+                <a16:creationId xmlns="" xmlns:a16="http://schemas.microsoft.com/office/drawing/2014/main" id="{CC67CD5C-67EC-5144-B858-5347C50D1ACD}"/>
               </a:ext>
             </a:extLst>
           </p:cNvPr>
@@ -5457,7 +5457,7 @@
           <p:cNvPr id="16" name="Straight Connector 15">
             <a:extLst>
               <a:ext uri="{FF2B5EF4-FFF2-40B4-BE49-F238E27FC236}">
-                <a16:creationId xmlns:a16="http://schemas.microsoft.com/office/drawing/2014/main" xmlns="" id="{95C486A1-9876-924E-85C2-906892F8B9AC}"/>
+                <a16:creationId xmlns="" xmlns:a16="http://schemas.microsoft.com/office/drawing/2014/main" id="{95C486A1-9876-924E-85C2-906892F8B9AC}"/>
               </a:ext>
             </a:extLst>
           </p:cNvPr>
@@ -5553,7 +5553,7 @@
           <a:graphicData uri="http://schemas.openxmlformats.org/presentationml/2006/ole">
             <mc:AlternateContent xmlns:mc="http://schemas.openxmlformats.org/markup-compatibility/2006">
               <mc:Choice xmlns:v="urn:schemas-microsoft-com:vml" Requires="v">
-                <p:oleObj spid="_x0000_s39971" name="think-cell Slide" r:id="rId4" imgW="216" imgH="216" progId="TCLayout.ActiveDocument.1">
+                <p:oleObj spid="_x0000_s39974" name="think-cell Slide" r:id="rId4" imgW="216" imgH="216" progId="TCLayout.ActiveDocument.1">
                   <p:embed/>
                 </p:oleObj>
               </mc:Choice>
@@ -5593,7 +5593,7 @@
           <p:cNvPr id="8" name="Title 7">
             <a:extLst>
               <a:ext uri="{FF2B5EF4-FFF2-40B4-BE49-F238E27FC236}">
-                <a16:creationId xmlns:a16="http://schemas.microsoft.com/office/drawing/2014/main" xmlns="" id="{8A6F1540-D306-D44E-B1B3-1ACCF1041F70}"/>
+                <a16:creationId xmlns="" xmlns:a16="http://schemas.microsoft.com/office/drawing/2014/main" id="{8A6F1540-D306-D44E-B1B3-1ACCF1041F70}"/>
               </a:ext>
             </a:extLst>
           </p:cNvPr>
@@ -6389,7 +6389,7 @@
           <p:cNvPr id="37" name="Footer Placeholder 3">
             <a:extLst>
               <a:ext uri="{FF2B5EF4-FFF2-40B4-BE49-F238E27FC236}">
-                <a16:creationId xmlns:a16="http://schemas.microsoft.com/office/drawing/2014/main" xmlns="" id="{DBA440F4-82E0-7E45-8A6F-4A8C7572AEE5}"/>
+                <a16:creationId xmlns="" xmlns:a16="http://schemas.microsoft.com/office/drawing/2014/main" id="{DBA440F4-82E0-7E45-8A6F-4A8C7572AEE5}"/>
               </a:ext>
             </a:extLst>
           </p:cNvPr>
@@ -6448,7 +6448,7 @@
           <p:cNvPr id="38" name="Slide Number Placeholder 5">
             <a:extLst>
               <a:ext uri="{FF2B5EF4-FFF2-40B4-BE49-F238E27FC236}">
-                <a16:creationId xmlns:a16="http://schemas.microsoft.com/office/drawing/2014/main" xmlns="" id="{CC67CD5C-67EC-5144-B858-5347C50D1ACD}"/>
+                <a16:creationId xmlns="" xmlns:a16="http://schemas.microsoft.com/office/drawing/2014/main" id="{CC67CD5C-67EC-5144-B858-5347C50D1ACD}"/>
               </a:ext>
             </a:extLst>
           </p:cNvPr>
@@ -6500,7 +6500,7 @@
           <p:cNvPr id="39" name="Straight Connector 38">
             <a:extLst>
               <a:ext uri="{FF2B5EF4-FFF2-40B4-BE49-F238E27FC236}">
-                <a16:creationId xmlns:a16="http://schemas.microsoft.com/office/drawing/2014/main" xmlns="" id="{95C486A1-9876-924E-85C2-906892F8B9AC}"/>
+                <a16:creationId xmlns="" xmlns:a16="http://schemas.microsoft.com/office/drawing/2014/main" id="{95C486A1-9876-924E-85C2-906892F8B9AC}"/>
               </a:ext>
             </a:extLst>
           </p:cNvPr>
@@ -6601,7 +6601,7 @@
           <a:graphicData uri="http://schemas.openxmlformats.org/presentationml/2006/ole">
             <mc:AlternateContent xmlns:mc="http://schemas.openxmlformats.org/markup-compatibility/2006">
               <mc:Choice xmlns:v="urn:schemas-microsoft-com:vml" Requires="v">
-                <p:oleObj spid="_x0000_s40995" name="think-cell Slide" r:id="rId5" imgW="216" imgH="216" progId="TCLayout.ActiveDocument.1">
+                <p:oleObj spid="_x0000_s40998" name="think-cell Slide" r:id="rId5" imgW="216" imgH="216" progId="TCLayout.ActiveDocument.1">
                   <p:embed/>
                 </p:oleObj>
               </mc:Choice>
@@ -6818,7 +6818,7 @@
           <p:cNvPr id="4" name="Footer Placeholder 3">
             <a:extLst>
               <a:ext uri="{FF2B5EF4-FFF2-40B4-BE49-F238E27FC236}">
-                <a16:creationId xmlns:a16="http://schemas.microsoft.com/office/drawing/2014/main" xmlns="" id="{17D6DE4C-D976-4B4B-B087-C035EF8D4F6F}"/>
+                <a16:creationId xmlns="" xmlns:a16="http://schemas.microsoft.com/office/drawing/2014/main" id="{17D6DE4C-D976-4B4B-B087-C035EF8D4F6F}"/>
               </a:ext>
             </a:extLst>
           </p:cNvPr>
@@ -6877,7 +6877,7 @@
           <p:cNvPr id="17" name="Slide Number Placeholder 5">
             <a:extLst>
               <a:ext uri="{FF2B5EF4-FFF2-40B4-BE49-F238E27FC236}">
-                <a16:creationId xmlns:a16="http://schemas.microsoft.com/office/drawing/2014/main" xmlns="" id="{CC67CD5C-67EC-5144-B858-5347C50D1ACD}"/>
+                <a16:creationId xmlns="" xmlns:a16="http://schemas.microsoft.com/office/drawing/2014/main" id="{CC67CD5C-67EC-5144-B858-5347C50D1ACD}"/>
               </a:ext>
             </a:extLst>
           </p:cNvPr>
@@ -6929,7 +6929,7 @@
           <p:cNvPr id="8" name="Title 7">
             <a:extLst>
               <a:ext uri="{FF2B5EF4-FFF2-40B4-BE49-F238E27FC236}">
-                <a16:creationId xmlns:a16="http://schemas.microsoft.com/office/drawing/2014/main" xmlns="" id="{8A6F1540-D306-D44E-B1B3-1ACCF1041F70}"/>
+                <a16:creationId xmlns="" xmlns:a16="http://schemas.microsoft.com/office/drawing/2014/main" id="{8A6F1540-D306-D44E-B1B3-1ACCF1041F70}"/>
               </a:ext>
             </a:extLst>
           </p:cNvPr>
@@ -6973,7 +6973,7 @@
           <p:cNvPr id="9" name="Straight Connector 8">
             <a:extLst>
               <a:ext uri="{FF2B5EF4-FFF2-40B4-BE49-F238E27FC236}">
-                <a16:creationId xmlns:a16="http://schemas.microsoft.com/office/drawing/2014/main" xmlns="" id="{BB1AA2BE-B537-254D-958A-FBAFDE7E90DC}"/>
+                <a16:creationId xmlns="" xmlns:a16="http://schemas.microsoft.com/office/drawing/2014/main" id="{BB1AA2BE-B537-254D-958A-FBAFDE7E90DC}"/>
               </a:ext>
             </a:extLst>
           </p:cNvPr>
@@ -7016,7 +7016,7 @@
           <p:cNvPr id="10" name="Straight Connector 9">
             <a:extLst>
               <a:ext uri="{FF2B5EF4-FFF2-40B4-BE49-F238E27FC236}">
-                <a16:creationId xmlns:a16="http://schemas.microsoft.com/office/drawing/2014/main" xmlns="" id="{95C486A1-9876-924E-85C2-906892F8B9AC}"/>
+                <a16:creationId xmlns="" xmlns:a16="http://schemas.microsoft.com/office/drawing/2014/main" id="{95C486A1-9876-924E-85C2-906892F8B9AC}"/>
               </a:ext>
             </a:extLst>
           </p:cNvPr>
@@ -7121,7 +7121,7 @@
           <a:graphicData uri="http://schemas.openxmlformats.org/presentationml/2006/ole">
             <mc:AlternateContent xmlns:mc="http://schemas.openxmlformats.org/markup-compatibility/2006">
               <mc:Choice xmlns:v="urn:schemas-microsoft-com:vml" Requires="v">
-                <p:oleObj spid="_x0000_s31779" name="think-cell Slide" r:id="rId10" imgW="216" imgH="216" progId="TCLayout.ActiveDocument.1">
+                <p:oleObj spid="_x0000_s31782" name="think-cell Slide" r:id="rId10" imgW="216" imgH="216" progId="TCLayout.ActiveDocument.1">
                   <p:embed/>
                 </p:oleObj>
               </mc:Choice>
@@ -7241,7 +7241,7 @@
           <p:cNvPr id="10" name="Straight Connector 9">
             <a:extLst>
               <a:ext uri="{FF2B5EF4-FFF2-40B4-BE49-F238E27FC236}">
-                <a16:creationId xmlns:a16="http://schemas.microsoft.com/office/drawing/2014/main" xmlns="" id="{BB1AA2BE-B537-254D-958A-FBAFDE7E90DC}"/>
+                <a16:creationId xmlns="" xmlns:a16="http://schemas.microsoft.com/office/drawing/2014/main" id="{BB1AA2BE-B537-254D-958A-FBAFDE7E90DC}"/>
               </a:ext>
             </a:extLst>
           </p:cNvPr>
@@ -7284,7 +7284,7 @@
           <p:cNvPr id="15" name="Footer Placeholder 3">
             <a:extLst>
               <a:ext uri="{FF2B5EF4-FFF2-40B4-BE49-F238E27FC236}">
-                <a16:creationId xmlns:a16="http://schemas.microsoft.com/office/drawing/2014/main" xmlns="" id="{DBA440F4-82E0-7E45-8A6F-4A8C7572AEE5}"/>
+                <a16:creationId xmlns="" xmlns:a16="http://schemas.microsoft.com/office/drawing/2014/main" id="{DBA440F4-82E0-7E45-8A6F-4A8C7572AEE5}"/>
               </a:ext>
             </a:extLst>
           </p:cNvPr>
@@ -7343,7 +7343,7 @@
           <p:cNvPr id="16" name="Slide Number Placeholder 5">
             <a:extLst>
               <a:ext uri="{FF2B5EF4-FFF2-40B4-BE49-F238E27FC236}">
-                <a16:creationId xmlns:a16="http://schemas.microsoft.com/office/drawing/2014/main" xmlns="" id="{2D9636C8-FF6B-E141-B9E1-70C7091B23B1}"/>
+                <a16:creationId xmlns="" xmlns:a16="http://schemas.microsoft.com/office/drawing/2014/main" id="{2D9636C8-FF6B-E141-B9E1-70C7091B23B1}"/>
               </a:ext>
             </a:extLst>
           </p:cNvPr>
@@ -7710,7 +7710,7 @@
   </p:txStyles>
   <p:extLst mod="1">
     <p:ext uri="{27BBF7A9-308A-43DC-89C8-2F10F3537804}">
-      <p15:sldGuideLst xmlns:p15="http://schemas.microsoft.com/office/powerpoint/2012/main" xmlns="">
+      <p15:sldGuideLst xmlns="" xmlns:p15="http://schemas.microsoft.com/office/powerpoint/2012/main">
         <p15:guide id="1" orient="horz" pos="2041">
           <p15:clr>
             <a:srgbClr val="F26B43"/>
@@ -7879,7 +7879,7 @@
           <a:graphicData uri="http://schemas.openxmlformats.org/presentationml/2006/ole">
             <mc:AlternateContent xmlns:mc="http://schemas.openxmlformats.org/markup-compatibility/2006">
               <mc:Choice xmlns:v="urn:schemas-microsoft-com:vml" Requires="v">
-                <p:oleObj spid="_x0000_s36900" name="think-cell Slide" r:id="rId10" imgW="216" imgH="216" progId="TCLayout.ActiveDocument.1">
+                <p:oleObj spid="_x0000_s36903" name="think-cell Slide" r:id="rId10" imgW="216" imgH="216" progId="TCLayout.ActiveDocument.1">
                   <p:embed/>
                 </p:oleObj>
               </mc:Choice>
@@ -7999,7 +7999,7 @@
           <p:cNvPr id="10" name="Straight Connector 9">
             <a:extLst>
               <a:ext uri="{FF2B5EF4-FFF2-40B4-BE49-F238E27FC236}">
-                <a16:creationId xmlns:a16="http://schemas.microsoft.com/office/drawing/2014/main" xmlns="" id="{BB1AA2BE-B537-254D-958A-FBAFDE7E90DC}"/>
+                <a16:creationId xmlns="" xmlns:a16="http://schemas.microsoft.com/office/drawing/2014/main" id="{BB1AA2BE-B537-254D-958A-FBAFDE7E90DC}"/>
               </a:ext>
             </a:extLst>
           </p:cNvPr>
@@ -8042,7 +8042,7 @@
           <p:cNvPr id="15" name="Footer Placeholder 3">
             <a:extLst>
               <a:ext uri="{FF2B5EF4-FFF2-40B4-BE49-F238E27FC236}">
-                <a16:creationId xmlns:a16="http://schemas.microsoft.com/office/drawing/2014/main" xmlns="" id="{DBA440F4-82E0-7E45-8A6F-4A8C7572AEE5}"/>
+                <a16:creationId xmlns="" xmlns:a16="http://schemas.microsoft.com/office/drawing/2014/main" id="{DBA440F4-82E0-7E45-8A6F-4A8C7572AEE5}"/>
               </a:ext>
             </a:extLst>
           </p:cNvPr>
@@ -8101,7 +8101,7 @@
           <p:cNvPr id="16" name="Slide Number Placeholder 5">
             <a:extLst>
               <a:ext uri="{FF2B5EF4-FFF2-40B4-BE49-F238E27FC236}">
-                <a16:creationId xmlns:a16="http://schemas.microsoft.com/office/drawing/2014/main" xmlns="" id="{2D9636C8-FF6B-E141-B9E1-70C7091B23B1}"/>
+                <a16:creationId xmlns="" xmlns:a16="http://schemas.microsoft.com/office/drawing/2014/main" id="{2D9636C8-FF6B-E141-B9E1-70C7091B23B1}"/>
               </a:ext>
             </a:extLst>
           </p:cNvPr>
@@ -8468,7 +8468,7 @@
   </p:txStyles>
   <p:extLst mod="1">
     <p:ext uri="{27BBF7A9-308A-43DC-89C8-2F10F3537804}">
-      <p15:sldGuideLst xmlns:p15="http://schemas.microsoft.com/office/powerpoint/2012/main" xmlns="">
+      <p15:sldGuideLst xmlns="" xmlns:p15="http://schemas.microsoft.com/office/powerpoint/2012/main">
         <p15:guide id="1" orient="horz" pos="2041">
           <p15:clr>
             <a:srgbClr val="F26B43"/>
@@ -9084,7 +9084,7 @@
           <a:graphicData uri="http://schemas.openxmlformats.org/presentationml/2006/ole">
             <mc:AlternateContent xmlns:mc="http://schemas.openxmlformats.org/markup-compatibility/2006">
               <mc:Choice xmlns:v="urn:schemas-microsoft-com:vml" Requires="v">
-                <p:oleObj spid="_x0000_s42025" name="think-cell Slide" r:id="rId6" imgW="416" imgH="416" progId="TCLayout.ActiveDocument.1">
+                <p:oleObj spid="_x0000_s42028" name="think-cell Slide" r:id="rId6" imgW="416" imgH="416" progId="TCLayout.ActiveDocument.1">
                   <p:embed/>
                 </p:oleObj>
               </mc:Choice>
@@ -9147,42 +9147,42 @@
                 <a:gridCol w="1924933">
                   <a:extLst>
                     <a:ext uri="{9D8B030D-6E8A-4147-A177-3AD203B41FA5}">
-                      <a16:colId xmlns:a16="http://schemas.microsoft.com/office/drawing/2014/main" xmlns="" val="1357581311"/>
+                      <a16:colId xmlns="" xmlns:a16="http://schemas.microsoft.com/office/drawing/2014/main" val="1357581311"/>
                     </a:ext>
                   </a:extLst>
                 </a:gridCol>
                 <a:gridCol w="2706957">
                   <a:extLst>
                     <a:ext uri="{9D8B030D-6E8A-4147-A177-3AD203B41FA5}">
-                      <a16:colId xmlns:a16="http://schemas.microsoft.com/office/drawing/2014/main" xmlns="" val="1956442140"/>
+                      <a16:colId xmlns="" xmlns:a16="http://schemas.microsoft.com/office/drawing/2014/main" val="1956442140"/>
                     </a:ext>
                   </a:extLst>
                 </a:gridCol>
                 <a:gridCol w="1378384">
                   <a:extLst>
                     <a:ext uri="{9D8B030D-6E8A-4147-A177-3AD203B41FA5}">
-                      <a16:colId xmlns:a16="http://schemas.microsoft.com/office/drawing/2014/main" xmlns="" val="3122743454"/>
+                      <a16:colId xmlns="" xmlns:a16="http://schemas.microsoft.com/office/drawing/2014/main" val="3122743454"/>
                     </a:ext>
                   </a:extLst>
                 </a:gridCol>
                 <a:gridCol w="1030714">
                   <a:extLst>
                     <a:ext uri="{9D8B030D-6E8A-4147-A177-3AD203B41FA5}">
-                      <a16:colId xmlns:a16="http://schemas.microsoft.com/office/drawing/2014/main" xmlns="" val="755301095"/>
+                      <a16:colId xmlns="" xmlns:a16="http://schemas.microsoft.com/office/drawing/2014/main" val="755301095"/>
                     </a:ext>
                   </a:extLst>
                 </a:gridCol>
                 <a:gridCol w="2464037">
                   <a:extLst>
                     <a:ext uri="{9D8B030D-6E8A-4147-A177-3AD203B41FA5}">
-                      <a16:colId xmlns:a16="http://schemas.microsoft.com/office/drawing/2014/main" xmlns="" val="2056552446"/>
+                      <a16:colId xmlns="" xmlns:a16="http://schemas.microsoft.com/office/drawing/2014/main" val="2056552446"/>
                     </a:ext>
                   </a:extLst>
                 </a:gridCol>
                 <a:gridCol w="1574966">
                   <a:extLst>
                     <a:ext uri="{9D8B030D-6E8A-4147-A177-3AD203B41FA5}">
-                      <a16:colId xmlns:a16="http://schemas.microsoft.com/office/drawing/2014/main" xmlns="" val="1567976445"/>
+                      <a16:colId xmlns="" xmlns:a16="http://schemas.microsoft.com/office/drawing/2014/main" val="1567976445"/>
                     </a:ext>
                   </a:extLst>
                 </a:gridCol>
@@ -9327,7 +9327,7 @@
                 </a:tc>
                 <a:extLst>
                   <a:ext uri="{0D108BD9-81ED-4DB2-BD59-A6C34878D82A}">
-                    <a16:rowId xmlns:a16="http://schemas.microsoft.com/office/drawing/2014/main" xmlns="" val="3203583067"/>
+                    <a16:rowId xmlns="" xmlns:a16="http://schemas.microsoft.com/office/drawing/2014/main" val="3203583067"/>
                   </a:ext>
                 </a:extLst>
               </a:tr>
@@ -9660,7 +9660,7 @@
                 </a:tc>
                 <a:extLst>
                   <a:ext uri="{0D108BD9-81ED-4DB2-BD59-A6C34878D82A}">
-                    <a16:rowId xmlns:a16="http://schemas.microsoft.com/office/drawing/2014/main" xmlns="" val="851841494"/>
+                    <a16:rowId xmlns="" xmlns:a16="http://schemas.microsoft.com/office/drawing/2014/main" val="851841494"/>
                   </a:ext>
                 </a:extLst>
               </a:tr>
@@ -10245,7 +10245,7 @@
                 </a:tc>
                 <a:extLst>
                   <a:ext uri="{0D108BD9-81ED-4DB2-BD59-A6C34878D82A}">
-                    <a16:rowId xmlns:a16="http://schemas.microsoft.com/office/drawing/2014/main" xmlns="" val="406495537"/>
+                    <a16:rowId xmlns="" xmlns:a16="http://schemas.microsoft.com/office/drawing/2014/main" val="406495537"/>
                   </a:ext>
                 </a:extLst>
               </a:tr>
@@ -10609,7 +10609,7 @@
                 </a:tc>
                 <a:extLst>
                   <a:ext uri="{0D108BD9-81ED-4DB2-BD59-A6C34878D82A}">
-                    <a16:rowId xmlns:a16="http://schemas.microsoft.com/office/drawing/2014/main" xmlns="" val="2200042587"/>
+                    <a16:rowId xmlns="" xmlns:a16="http://schemas.microsoft.com/office/drawing/2014/main" val="2200042587"/>
                   </a:ext>
                 </a:extLst>
               </a:tr>
@@ -10885,7 +10885,7 @@
                 </a:tc>
                 <a:extLst>
                   <a:ext uri="{0D108BD9-81ED-4DB2-BD59-A6C34878D82A}">
-                    <a16:rowId xmlns:a16="http://schemas.microsoft.com/office/drawing/2014/main" xmlns="" val="4069117920"/>
+                    <a16:rowId xmlns="" xmlns:a16="http://schemas.microsoft.com/office/drawing/2014/main" val="4069117920"/>
                   </a:ext>
                 </a:extLst>
               </a:tr>
@@ -11263,7 +11263,7 @@
                 </a:tc>
                 <a:extLst>
                   <a:ext uri="{0D108BD9-81ED-4DB2-BD59-A6C34878D82A}">
-                    <a16:rowId xmlns:a16="http://schemas.microsoft.com/office/drawing/2014/main" xmlns="" val="2348740028"/>
+                    <a16:rowId xmlns="" xmlns:a16="http://schemas.microsoft.com/office/drawing/2014/main" val="2348740028"/>
                   </a:ext>
                 </a:extLst>
               </a:tr>
@@ -11402,35 +11402,35 @@
                 <a:gridCol w="2454326">
                   <a:extLst>
                     <a:ext uri="{9D8B030D-6E8A-4147-A177-3AD203B41FA5}">
-                      <a16:colId xmlns:a16="http://schemas.microsoft.com/office/drawing/2014/main" xmlns="" val="20000"/>
+                      <a16:colId xmlns="" xmlns:a16="http://schemas.microsoft.com/office/drawing/2014/main" val="20000"/>
                     </a:ext>
                   </a:extLst>
                 </a:gridCol>
                 <a:gridCol w="2306453">
                   <a:extLst>
                     <a:ext uri="{9D8B030D-6E8A-4147-A177-3AD203B41FA5}">
-                      <a16:colId xmlns:a16="http://schemas.microsoft.com/office/drawing/2014/main" xmlns="" val="20002"/>
+                      <a16:colId xmlns="" xmlns:a16="http://schemas.microsoft.com/office/drawing/2014/main" val="20002"/>
                     </a:ext>
                   </a:extLst>
                 </a:gridCol>
                 <a:gridCol w="2254336">
                   <a:extLst>
                     <a:ext uri="{9D8B030D-6E8A-4147-A177-3AD203B41FA5}">
-                      <a16:colId xmlns:a16="http://schemas.microsoft.com/office/drawing/2014/main" xmlns="" val="2575180168"/>
+                      <a16:colId xmlns="" xmlns:a16="http://schemas.microsoft.com/office/drawing/2014/main" val="2575180168"/>
                     </a:ext>
                   </a:extLst>
                 </a:gridCol>
                 <a:gridCol w="2355667">
                   <a:extLst>
                     <a:ext uri="{9D8B030D-6E8A-4147-A177-3AD203B41FA5}">
-                      <a16:colId xmlns:a16="http://schemas.microsoft.com/office/drawing/2014/main" xmlns="" val="20003"/>
+                      <a16:colId xmlns="" xmlns:a16="http://schemas.microsoft.com/office/drawing/2014/main" val="20003"/>
                     </a:ext>
                   </a:extLst>
                 </a:gridCol>
                 <a:gridCol w="1661586">
                   <a:extLst>
                     <a:ext uri="{9D8B030D-6E8A-4147-A177-3AD203B41FA5}">
-                      <a16:colId xmlns:a16="http://schemas.microsoft.com/office/drawing/2014/main" xmlns="" val="1141158204"/>
+                      <a16:colId xmlns="" xmlns:a16="http://schemas.microsoft.com/office/drawing/2014/main" val="1141158204"/>
                     </a:ext>
                   </a:extLst>
                 </a:gridCol>
@@ -12114,7 +12114,7 @@
                 </a:tc>
                 <a:extLst>
                   <a:ext uri="{0D108BD9-81ED-4DB2-BD59-A6C34878D82A}">
-                    <a16:rowId xmlns:a16="http://schemas.microsoft.com/office/drawing/2014/main" xmlns="" val="10000"/>
+                    <a16:rowId xmlns="" xmlns:a16="http://schemas.microsoft.com/office/drawing/2014/main" val="10000"/>
                   </a:ext>
                 </a:extLst>
               </a:tr>
@@ -12502,7 +12502,7 @@
                 </a:tc>
                 <a:extLst>
                   <a:ext uri="{0D108BD9-81ED-4DB2-BD59-A6C34878D82A}">
-                    <a16:rowId xmlns:a16="http://schemas.microsoft.com/office/drawing/2014/main" xmlns="" val="3242880312"/>
+                    <a16:rowId xmlns="" xmlns:a16="http://schemas.microsoft.com/office/drawing/2014/main" val="3242880312"/>
                   </a:ext>
                 </a:extLst>
               </a:tr>
@@ -12867,7 +12867,7 @@
           <p:nvPr>
             <p:extLst>
               <p:ext uri="{D42A27DB-BD31-4B8C-83A1-F6EECF244321}">
-                <p14:modId xmlns:p14="http://schemas.microsoft.com/office/powerpoint/2010/main" val="2824981620"/>
+                <p14:modId xmlns:p14="http://schemas.microsoft.com/office/powerpoint/2010/main" val="1046583221"/>
               </p:ext>
             </p:extLst>
           </p:nvPr>
@@ -12886,63 +12886,63 @@
                 <a:gridCol w="835571">
                   <a:extLst>
                     <a:ext uri="{9D8B030D-6E8A-4147-A177-3AD203B41FA5}">
-                      <a16:colId xmlns:a16="http://schemas.microsoft.com/office/drawing/2014/main" xmlns="" val="2715221625"/>
+                      <a16:colId xmlns="" xmlns:a16="http://schemas.microsoft.com/office/drawing/2014/main" val="2715221625"/>
                     </a:ext>
                   </a:extLst>
                 </a:gridCol>
                 <a:gridCol w="835571">
                   <a:extLst>
                     <a:ext uri="{9D8B030D-6E8A-4147-A177-3AD203B41FA5}">
-                      <a16:colId xmlns:a16="http://schemas.microsoft.com/office/drawing/2014/main" xmlns="" val="1722467380"/>
+                      <a16:colId xmlns="" xmlns:a16="http://schemas.microsoft.com/office/drawing/2014/main" val="1722467380"/>
                     </a:ext>
                   </a:extLst>
                 </a:gridCol>
                 <a:gridCol w="1132729">
                   <a:extLst>
                     <a:ext uri="{9D8B030D-6E8A-4147-A177-3AD203B41FA5}">
-                      <a16:colId xmlns:a16="http://schemas.microsoft.com/office/drawing/2014/main" xmlns="" val="8733085"/>
+                      <a16:colId xmlns="" xmlns:a16="http://schemas.microsoft.com/office/drawing/2014/main" val="8733085"/>
                     </a:ext>
                   </a:extLst>
                 </a:gridCol>
                 <a:gridCol w="879661">
                   <a:extLst>
                     <a:ext uri="{9D8B030D-6E8A-4147-A177-3AD203B41FA5}">
-                      <a16:colId xmlns:a16="http://schemas.microsoft.com/office/drawing/2014/main" xmlns="" val="2034639721"/>
+                      <a16:colId xmlns="" xmlns:a16="http://schemas.microsoft.com/office/drawing/2014/main" val="2034639721"/>
                     </a:ext>
                   </a:extLst>
                 </a:gridCol>
                 <a:gridCol w="1924210">
                   <a:extLst>
                     <a:ext uri="{9D8B030D-6E8A-4147-A177-3AD203B41FA5}">
-                      <a16:colId xmlns:a16="http://schemas.microsoft.com/office/drawing/2014/main" xmlns="" val="984284813"/>
+                      <a16:colId xmlns="" xmlns:a16="http://schemas.microsoft.com/office/drawing/2014/main" val="984284813"/>
                     </a:ext>
                   </a:extLst>
                 </a:gridCol>
                 <a:gridCol w="1597470">
                   <a:extLst>
                     <a:ext uri="{9D8B030D-6E8A-4147-A177-3AD203B41FA5}">
-                      <a16:colId xmlns:a16="http://schemas.microsoft.com/office/drawing/2014/main" xmlns="" val="610353967"/>
+                      <a16:colId xmlns="" xmlns:a16="http://schemas.microsoft.com/office/drawing/2014/main" val="610353967"/>
                     </a:ext>
                   </a:extLst>
                 </a:gridCol>
                 <a:gridCol w="1206400">
                   <a:extLst>
                     <a:ext uri="{9D8B030D-6E8A-4147-A177-3AD203B41FA5}">
-                      <a16:colId xmlns:a16="http://schemas.microsoft.com/office/drawing/2014/main" xmlns="" val="2199988680"/>
+                      <a16:colId xmlns="" xmlns:a16="http://schemas.microsoft.com/office/drawing/2014/main" val="2199988680"/>
                     </a:ext>
                   </a:extLst>
                 </a:gridCol>
                 <a:gridCol w="921453">
                   <a:extLst>
                     <a:ext uri="{9D8B030D-6E8A-4147-A177-3AD203B41FA5}">
-                      <a16:colId xmlns:a16="http://schemas.microsoft.com/office/drawing/2014/main" xmlns="" val="1060807198"/>
+                      <a16:colId xmlns="" xmlns:a16="http://schemas.microsoft.com/office/drawing/2014/main" val="1060807198"/>
                     </a:ext>
                   </a:extLst>
                 </a:gridCol>
                 <a:gridCol w="1882417">
                   <a:extLst>
                     <a:ext uri="{9D8B030D-6E8A-4147-A177-3AD203B41FA5}">
-                      <a16:colId xmlns:a16="http://schemas.microsoft.com/office/drawing/2014/main" xmlns="" val="3687281855"/>
+                      <a16:colId xmlns="" xmlns:a16="http://schemas.microsoft.com/office/drawing/2014/main" val="3687281855"/>
                     </a:ext>
                   </a:extLst>
                 </a:gridCol>
@@ -13073,7 +13073,7 @@
                 </a:tc>
                 <a:extLst>
                   <a:ext uri="{0D108BD9-81ED-4DB2-BD59-A6C34878D82A}">
-                    <a16:rowId xmlns:a16="http://schemas.microsoft.com/office/drawing/2014/main" xmlns="" val="132260445"/>
+                    <a16:rowId xmlns="" xmlns:a16="http://schemas.microsoft.com/office/drawing/2014/main" val="132260445"/>
                   </a:ext>
                 </a:extLst>
               </a:tr>
@@ -13223,7 +13223,7 @@
                 </a:tc>
                 <a:extLst>
                   <a:ext uri="{0D108BD9-81ED-4DB2-BD59-A6C34878D82A}">
-                    <a16:rowId xmlns:a16="http://schemas.microsoft.com/office/drawing/2014/main" xmlns="" val="1454925855"/>
+                    <a16:rowId xmlns="" xmlns:a16="http://schemas.microsoft.com/office/drawing/2014/main" val="1454925855"/>
                   </a:ext>
                 </a:extLst>
               </a:tr>
@@ -13366,7 +13366,7 @@
                 </a:tc>
                 <a:extLst>
                   <a:ext uri="{0D108BD9-81ED-4DB2-BD59-A6C34878D82A}">
-                    <a16:rowId xmlns:a16="http://schemas.microsoft.com/office/drawing/2014/main" xmlns="" val="1815440894"/>
+                    <a16:rowId xmlns="" xmlns:a16="http://schemas.microsoft.com/office/drawing/2014/main" val="1815440894"/>
                   </a:ext>
                 </a:extLst>
               </a:tr>
@@ -13488,7 +13488,7 @@
                 </a:tc>
                 <a:extLst>
                   <a:ext uri="{0D108BD9-81ED-4DB2-BD59-A6C34878D82A}">
-                    <a16:rowId xmlns:a16="http://schemas.microsoft.com/office/drawing/2014/main" xmlns="" val="344899817"/>
+                    <a16:rowId xmlns="" xmlns:a16="http://schemas.microsoft.com/office/drawing/2014/main" val="344899817"/>
                   </a:ext>
                 </a:extLst>
               </a:tr>
@@ -13639,7 +13639,7 @@
                 </a:tc>
                 <a:extLst>
                   <a:ext uri="{0D108BD9-81ED-4DB2-BD59-A6C34878D82A}">
-                    <a16:rowId xmlns:a16="http://schemas.microsoft.com/office/drawing/2014/main" xmlns="" val="1268840849"/>
+                    <a16:rowId xmlns="" xmlns:a16="http://schemas.microsoft.com/office/drawing/2014/main" val="1268840849"/>
                   </a:ext>
                 </a:extLst>
               </a:tr>
@@ -14077,7 +14077,7 @@
                 </a:tc>
                 <a:extLst>
                   <a:ext uri="{0D108BD9-81ED-4DB2-BD59-A6C34878D82A}">
-                    <a16:rowId xmlns:a16="http://schemas.microsoft.com/office/drawing/2014/main" xmlns="" val="3241501689"/>
+                    <a16:rowId xmlns="" xmlns:a16="http://schemas.microsoft.com/office/drawing/2014/main" val="3241501689"/>
                   </a:ext>
                 </a:extLst>
               </a:tr>
@@ -14360,60 +14360,6 @@
                         <a:tabLst/>
                         <a:defRPr/>
                       </a:pPr>
-                      <a:r>
-                        <a:rPr kumimoji="0" lang="zh-CN" altLang="en-US" sz="1200" b="0" i="0" u="none" strike="noStrike" kern="1200" cap="none" spc="0" normalizeH="0" baseline="0" noProof="0" dirty="0" smtClean="0">
-                          <a:ln>
-                            <a:noFill/>
-                          </a:ln>
-                          <a:solidFill>
-                            <a:srgbClr val="000000"/>
-                          </a:solidFill>
-                          <a:effectLst/>
-                          <a:uLnTx/>
-                          <a:uFillTx/>
-                          <a:latin typeface="+mn-lt"/>
-                          <a:ea typeface="+mn-ea"/>
-                          <a:cs typeface="+mn-ea"/>
-                          <a:sym typeface="+mn-lt"/>
-                        </a:rPr>
-                        <a:t>是</a:t>
-                      </a:r>
-                      <a:r>
-                        <a:rPr kumimoji="0" lang="en-US" altLang="zh-CN" sz="1200" b="0" i="0" u="none" strike="noStrike" kern="1200" cap="none" spc="0" normalizeH="0" baseline="0" noProof="0" dirty="0" smtClean="0">
-                          <a:ln>
-                            <a:noFill/>
-                          </a:ln>
-                          <a:solidFill>
-                            <a:srgbClr val="000000"/>
-                          </a:solidFill>
-                          <a:effectLst/>
-                          <a:uLnTx/>
-                          <a:uFillTx/>
-                          <a:latin typeface="+mn-lt"/>
-                          <a:ea typeface="+mn-ea"/>
-                          <a:cs typeface="+mn-ea"/>
-                          <a:sym typeface="+mn-lt"/>
-                        </a:rPr>
-                        <a:t>/</a:t>
-                      </a:r>
-                      <a:r>
-                        <a:rPr kumimoji="0" lang="zh-CN" altLang="en-US" sz="1200" b="0" i="0" u="none" strike="noStrike" kern="1200" cap="none" spc="0" normalizeH="0" baseline="0" noProof="0" dirty="0" smtClean="0">
-                          <a:ln>
-                            <a:noFill/>
-                          </a:ln>
-                          <a:solidFill>
-                            <a:srgbClr val="000000"/>
-                          </a:solidFill>
-                          <a:effectLst/>
-                          <a:uLnTx/>
-                          <a:uFillTx/>
-                          <a:latin typeface="+mn-lt"/>
-                          <a:ea typeface="+mn-ea"/>
-                          <a:cs typeface="+mn-ea"/>
-                          <a:sym typeface="+mn-lt"/>
-                        </a:rPr>
-                        <a:t>否</a:t>
-                      </a:r>
                       <a:endParaRPr kumimoji="0" lang="en-US" altLang="zh-CN" sz="1200" b="0" i="0" u="none" strike="noStrike" kern="1200" cap="none" spc="0" normalizeH="0" baseline="0" noProof="0" dirty="0" smtClean="0">
                         <a:ln>
                           <a:noFill/>
@@ -14486,7 +14432,7 @@
                 </a:tc>
                 <a:extLst>
                   <a:ext uri="{0D108BD9-81ED-4DB2-BD59-A6C34878D82A}">
-                    <a16:rowId xmlns:a16="http://schemas.microsoft.com/office/drawing/2014/main" xmlns="" val="3375075753"/>
+                    <a16:rowId xmlns="" xmlns:a16="http://schemas.microsoft.com/office/drawing/2014/main" val="3375075753"/>
                   </a:ext>
                 </a:extLst>
               </a:tr>
@@ -14825,60 +14771,6 @@
                         <a:tabLst/>
                         <a:defRPr/>
                       </a:pPr>
-                      <a:r>
-                        <a:rPr kumimoji="0" lang="zh-CN" altLang="en-US" sz="1200" b="0" i="0" u="none" strike="noStrike" kern="1200" cap="none" spc="0" normalizeH="0" baseline="0" noProof="0" dirty="0" smtClean="0">
-                          <a:ln>
-                            <a:noFill/>
-                          </a:ln>
-                          <a:solidFill>
-                            <a:srgbClr val="000000"/>
-                          </a:solidFill>
-                          <a:effectLst/>
-                          <a:uLnTx/>
-                          <a:uFillTx/>
-                          <a:latin typeface="+mn-lt"/>
-                          <a:ea typeface="+mn-ea"/>
-                          <a:cs typeface="+mn-ea"/>
-                          <a:sym typeface="+mn-lt"/>
-                        </a:rPr>
-                        <a:t>是</a:t>
-                      </a:r>
-                      <a:r>
-                        <a:rPr kumimoji="0" lang="en-US" altLang="zh-CN" sz="1200" b="0" i="0" u="none" strike="noStrike" kern="1200" cap="none" spc="0" normalizeH="0" baseline="0" noProof="0" dirty="0" smtClean="0">
-                          <a:ln>
-                            <a:noFill/>
-                          </a:ln>
-                          <a:solidFill>
-                            <a:srgbClr val="000000"/>
-                          </a:solidFill>
-                          <a:effectLst/>
-                          <a:uLnTx/>
-                          <a:uFillTx/>
-                          <a:latin typeface="+mn-lt"/>
-                          <a:ea typeface="+mn-ea"/>
-                          <a:cs typeface="+mn-ea"/>
-                          <a:sym typeface="+mn-lt"/>
-                        </a:rPr>
-                        <a:t>/</a:t>
-                      </a:r>
-                      <a:r>
-                        <a:rPr kumimoji="0" lang="zh-CN" altLang="en-US" sz="1200" b="0" i="0" u="none" strike="noStrike" kern="1200" cap="none" spc="0" normalizeH="0" baseline="0" noProof="0" dirty="0" smtClean="0">
-                          <a:ln>
-                            <a:noFill/>
-                          </a:ln>
-                          <a:solidFill>
-                            <a:srgbClr val="000000"/>
-                          </a:solidFill>
-                          <a:effectLst/>
-                          <a:uLnTx/>
-                          <a:uFillTx/>
-                          <a:latin typeface="+mn-lt"/>
-                          <a:ea typeface="+mn-ea"/>
-                          <a:cs typeface="+mn-ea"/>
-                          <a:sym typeface="+mn-lt"/>
-                        </a:rPr>
-                        <a:t>否</a:t>
-                      </a:r>
                       <a:endParaRPr kumimoji="0" lang="en-US" altLang="zh-CN" sz="1200" b="0" i="0" u="none" strike="noStrike" kern="1200" cap="none" spc="0" normalizeH="0" baseline="0" noProof="0" dirty="0" smtClean="0">
                         <a:ln>
                           <a:noFill/>
@@ -14945,7 +14837,7 @@
                 </a:tc>
                 <a:extLst>
                   <a:ext uri="{0D108BD9-81ED-4DB2-BD59-A6C34878D82A}">
-                    <a16:rowId xmlns:a16="http://schemas.microsoft.com/office/drawing/2014/main" xmlns="" val="1818738132"/>
+                    <a16:rowId xmlns="" xmlns:a16="http://schemas.microsoft.com/office/drawing/2014/main" val="1818738132"/>
                   </a:ext>
                 </a:extLst>
               </a:tr>
@@ -15247,7 +15139,7 @@
                 </a:tc>
                 <a:extLst>
                   <a:ext uri="{0D108BD9-81ED-4DB2-BD59-A6C34878D82A}">
-                    <a16:rowId xmlns:a16="http://schemas.microsoft.com/office/drawing/2014/main" xmlns="" val="3192001067"/>
+                    <a16:rowId xmlns="" xmlns:a16="http://schemas.microsoft.com/office/drawing/2014/main" val="3192001067"/>
                   </a:ext>
                 </a:extLst>
               </a:tr>
@@ -15505,7 +15397,7 @@
                 </a:tc>
                 <a:extLst>
                   <a:ext uri="{0D108BD9-81ED-4DB2-BD59-A6C34878D82A}">
-                    <a16:rowId xmlns:a16="http://schemas.microsoft.com/office/drawing/2014/main" xmlns="" val="564902271"/>
+                    <a16:rowId xmlns="" xmlns:a16="http://schemas.microsoft.com/office/drawing/2014/main" val="564902271"/>
                   </a:ext>
                 </a:extLst>
               </a:tr>
@@ -15879,28 +15771,28 @@
                 <a:gridCol w="628595">
                   <a:extLst>
                     <a:ext uri="{9D8B030D-6E8A-4147-A177-3AD203B41FA5}">
-                      <a16:colId xmlns:a16="http://schemas.microsoft.com/office/drawing/2014/main" xmlns="" val="207362988"/>
+                      <a16:colId xmlns="" xmlns:a16="http://schemas.microsoft.com/office/drawing/2014/main" val="207362988"/>
                     </a:ext>
                   </a:extLst>
                 </a:gridCol>
                 <a:gridCol w="2213264">
                   <a:extLst>
                     <a:ext uri="{9D8B030D-6E8A-4147-A177-3AD203B41FA5}">
-                      <a16:colId xmlns:a16="http://schemas.microsoft.com/office/drawing/2014/main" xmlns="" val="20000"/>
+                      <a16:colId xmlns="" xmlns:a16="http://schemas.microsoft.com/office/drawing/2014/main" val="20000"/>
                     </a:ext>
                   </a:extLst>
                 </a:gridCol>
                 <a:gridCol w="2556164">
                   <a:extLst>
                     <a:ext uri="{9D8B030D-6E8A-4147-A177-3AD203B41FA5}">
-                      <a16:colId xmlns:a16="http://schemas.microsoft.com/office/drawing/2014/main" xmlns="" val="20001"/>
+                      <a16:colId xmlns="" xmlns:a16="http://schemas.microsoft.com/office/drawing/2014/main" val="20001"/>
                     </a:ext>
                   </a:extLst>
                 </a:gridCol>
                 <a:gridCol w="5634579">
                   <a:extLst>
                     <a:ext uri="{9D8B030D-6E8A-4147-A177-3AD203B41FA5}">
-                      <a16:colId xmlns:a16="http://schemas.microsoft.com/office/drawing/2014/main" xmlns="" val="610373499"/>
+                      <a16:colId xmlns="" xmlns:a16="http://schemas.microsoft.com/office/drawing/2014/main" val="610373499"/>
                     </a:ext>
                   </a:extLst>
                 </a:gridCol>
@@ -16264,7 +16156,7 @@
                 </a:tc>
                 <a:extLst>
                   <a:ext uri="{0D108BD9-81ED-4DB2-BD59-A6C34878D82A}">
-                    <a16:rowId xmlns:a16="http://schemas.microsoft.com/office/drawing/2014/main" xmlns="" val="10000"/>
+                    <a16:rowId xmlns="" xmlns:a16="http://schemas.microsoft.com/office/drawing/2014/main" val="10000"/>
                   </a:ext>
                 </a:extLst>
               </a:tr>
@@ -16594,7 +16486,7 @@
                 </a:tc>
                 <a:extLst>
                   <a:ext uri="{0D108BD9-81ED-4DB2-BD59-A6C34878D82A}">
-                    <a16:rowId xmlns:a16="http://schemas.microsoft.com/office/drawing/2014/main" xmlns="" val="10001"/>
+                    <a16:rowId xmlns="" xmlns:a16="http://schemas.microsoft.com/office/drawing/2014/main" val="10001"/>
                   </a:ext>
                 </a:extLst>
               </a:tr>
@@ -16952,7 +16844,7 @@
                 </a:tc>
                 <a:extLst>
                   <a:ext uri="{0D108BD9-81ED-4DB2-BD59-A6C34878D82A}">
-                    <a16:rowId xmlns:a16="http://schemas.microsoft.com/office/drawing/2014/main" xmlns="" val="10002"/>
+                    <a16:rowId xmlns="" xmlns:a16="http://schemas.microsoft.com/office/drawing/2014/main" val="10002"/>
                   </a:ext>
                 </a:extLst>
               </a:tr>
@@ -17310,7 +17202,7 @@
                 </a:tc>
                 <a:extLst>
                   <a:ext uri="{0D108BD9-81ED-4DB2-BD59-A6C34878D82A}">
-                    <a16:rowId xmlns:a16="http://schemas.microsoft.com/office/drawing/2014/main" xmlns="" val="10003"/>
+                    <a16:rowId xmlns="" xmlns:a16="http://schemas.microsoft.com/office/drawing/2014/main" val="10003"/>
                   </a:ext>
                 </a:extLst>
               </a:tr>
@@ -17668,7 +17560,7 @@
                 </a:tc>
                 <a:extLst>
                   <a:ext uri="{0D108BD9-81ED-4DB2-BD59-A6C34878D82A}">
-                    <a16:rowId xmlns:a16="http://schemas.microsoft.com/office/drawing/2014/main" xmlns="" val="10004"/>
+                    <a16:rowId xmlns="" xmlns:a16="http://schemas.microsoft.com/office/drawing/2014/main" val="10004"/>
                   </a:ext>
                 </a:extLst>
               </a:tr>
@@ -18026,7 +17918,7 @@
                 </a:tc>
                 <a:extLst>
                   <a:ext uri="{0D108BD9-81ED-4DB2-BD59-A6C34878D82A}">
-                    <a16:rowId xmlns:a16="http://schemas.microsoft.com/office/drawing/2014/main" xmlns="" val="2987373226"/>
+                    <a16:rowId xmlns="" xmlns:a16="http://schemas.microsoft.com/office/drawing/2014/main" val="2987373226"/>
                   </a:ext>
                 </a:extLst>
               </a:tr>
@@ -18384,7 +18276,7 @@
                 </a:tc>
                 <a:extLst>
                   <a:ext uri="{0D108BD9-81ED-4DB2-BD59-A6C34878D82A}">
-                    <a16:rowId xmlns:a16="http://schemas.microsoft.com/office/drawing/2014/main" xmlns="" val="2639051246"/>
+                    <a16:rowId xmlns="" xmlns:a16="http://schemas.microsoft.com/office/drawing/2014/main" val="2639051246"/>
                   </a:ext>
                 </a:extLst>
               </a:tr>
@@ -18742,7 +18634,7 @@
                 </a:tc>
                 <a:extLst>
                   <a:ext uri="{0D108BD9-81ED-4DB2-BD59-A6C34878D82A}">
-                    <a16:rowId xmlns:a16="http://schemas.microsoft.com/office/drawing/2014/main" xmlns="" val="1177553746"/>
+                    <a16:rowId xmlns="" xmlns:a16="http://schemas.microsoft.com/office/drawing/2014/main" val="1177553746"/>
                   </a:ext>
                 </a:extLst>
               </a:tr>
@@ -19092,7 +18984,7 @@
                 </a:tc>
                 <a:extLst>
                   <a:ext uri="{0D108BD9-81ED-4DB2-BD59-A6C34878D82A}">
-                    <a16:rowId xmlns:a16="http://schemas.microsoft.com/office/drawing/2014/main" xmlns="" val="4230401121"/>
+                    <a16:rowId xmlns="" xmlns:a16="http://schemas.microsoft.com/office/drawing/2014/main" val="4230401121"/>
                   </a:ext>
                 </a:extLst>
               </a:tr>
@@ -20512,7 +20404,7 @@
           <a:graphicData uri="http://schemas.openxmlformats.org/presentationml/2006/ole">
             <mc:AlternateContent xmlns:mc="http://schemas.openxmlformats.org/markup-compatibility/2006">
               <mc:Choice xmlns:v="urn:schemas-microsoft-com:vml" Requires="v">
-                <p:oleObj spid="_x0000_s44067" name="think-cell Slide" r:id="rId5" imgW="416" imgH="416" progId="TCLayout.ActiveDocument.1">
+                <p:oleObj spid="_x0000_s44070" name="think-cell Slide" r:id="rId5" imgW="416" imgH="416" progId="TCLayout.ActiveDocument.1">
                   <p:embed/>
                 </p:oleObj>
               </mc:Choice>
@@ -22750,7 +22642,7 @@
   <a:extraClrSchemeLst/>
   <a:extLst>
     <a:ext uri="{05A4C25C-085E-4340-85A3-A5531E510DB2}">
-      <thm15:themeFamily xmlns:thm15="http://schemas.microsoft.com/office/thememl/2012/main" xmlns="" name="Bentley template 2021.potx" id="{C9F80F40-B2B1-4DB6-919B-71F3AAFFE5B0}" vid="{F9D38CA0-4F02-4029-A6BC-9642EF690A5C}"/>
+      <thm15:themeFamily xmlns="" xmlns:thm15="http://schemas.microsoft.com/office/thememl/2012/main" name="Bentley template 2021.potx" id="{C9F80F40-B2B1-4DB6-919B-71F3AAFFE5B0}" vid="{F9D38CA0-4F02-4029-A6BC-9642EF690A5C}"/>
     </a:ext>
   </a:extLst>
 </a:theme>
@@ -22984,7 +22876,7 @@
   <a:extraClrSchemeLst/>
   <a:extLst>
     <a:ext uri="{05A4C25C-085E-4340-85A3-A5531E510DB2}">
-      <thm15:themeFamily xmlns:thm15="http://schemas.microsoft.com/office/thememl/2012/main" xmlns="" name="Bentley template 2021.potx" id="{C9F80F40-B2B1-4DB6-919B-71F3AAFFE5B0}" vid="{F9D38CA0-4F02-4029-A6BC-9642EF690A5C}"/>
+      <thm15:themeFamily xmlns="" xmlns:thm15="http://schemas.microsoft.com/office/thememl/2012/main" name="Bentley template 2021.potx" id="{C9F80F40-B2B1-4DB6-919B-71F3AAFFE5B0}" vid="{F9D38CA0-4F02-4029-A6BC-9642EF690A5C}"/>
     </a:ext>
   </a:extLst>
 </a:theme>
@@ -23245,7 +23137,7 @@
   <a:extraClrSchemeLst/>
   <a:extLst>
     <a:ext uri="{05A4C25C-085E-4340-85A3-A5531E510DB2}">
-      <thm15:themeFamily xmlns:thm15="http://schemas.microsoft.com/office/thememl/2012/main" xmlns="" name="Office Theme" id="{62F939B6-93AF-4DB8-9C6B-D6C7DFDC589F}" vid="{4A3C46E8-61CC-4603-A589-7422A47A8E4A}"/>
+      <thm15:themeFamily xmlns="" xmlns:thm15="http://schemas.microsoft.com/office/thememl/2012/main" name="Office Theme" id="{62F939B6-93AF-4DB8-9C6B-D6C7DFDC589F}" vid="{4A3C46E8-61CC-4603-A589-7422A47A8E4A}"/>
     </a:ext>
   </a:extLst>
 </a:theme>

--- a/com.yrtech.bentleyAPI/com.yrtech.InventoryAPI/template/PlanHandOver.pptx
+++ b/com.yrtech.bentleyAPI/com.yrtech.InventoryAPI/template/PlanHandOver.pptx
@@ -120,7 +120,7 @@
   </p:defaultTextStyle>
   <p:extLst>
     <p:ext uri="{EFAFB233-063F-42B5-8137-9DF3F51BA10A}">
-      <p15:sldGuideLst xmlns="" xmlns:p15="http://schemas.microsoft.com/office/powerpoint/2012/main">
+      <p15:sldGuideLst xmlns:p15="http://schemas.microsoft.com/office/powerpoint/2012/main" xmlns="">
         <p15:guide id="1" pos="7310" userDrawn="1">
           <p15:clr>
             <a:srgbClr val="A4A3A4"/>
@@ -219,7 +219,7 @@
           <a:p>
             <a:fld id="{69A4D669-94F9-4D70-8C76-4C2D35D4E5D0}" type="datetimeFigureOut">
               <a:rPr lang="en-US" smtClean="0"/>
-              <a:t>4/5/2022</a:t>
+              <a:t>4/9/2022</a:t>
             </a:fld>
             <a:endParaRPr lang="en-US" dirty="0"/>
           </a:p>
@@ -1191,7 +1191,7 @@
           <a:graphicData uri="http://schemas.openxmlformats.org/presentationml/2006/ole">
             <mc:AlternateContent xmlns:mc="http://schemas.openxmlformats.org/markup-compatibility/2006">
               <mc:Choice xmlns:v="urn:schemas-microsoft-com:vml" Requires="v">
-                <p:oleObj spid="_x0000_s32806" name="think-cell Slide" r:id="rId5" imgW="216" imgH="216" progId="TCLayout.ActiveDocument.1">
+                <p:oleObj spid="_x0000_s32807" name="think-cell Slide" r:id="rId5" imgW="216" imgH="216" progId="TCLayout.ActiveDocument.1">
                   <p:embed/>
                 </p:oleObj>
               </mc:Choice>
@@ -1388,7 +1388,7 @@
           <p:cNvPr id="4" name="Footer Placeholder 3">
             <a:extLst>
               <a:ext uri="{FF2B5EF4-FFF2-40B4-BE49-F238E27FC236}">
-                <a16:creationId xmlns="" xmlns:a16="http://schemas.microsoft.com/office/drawing/2014/main" id="{17D6DE4C-D976-4B4B-B087-C035EF8D4F6F}"/>
+                <a16:creationId xmlns:a16="http://schemas.microsoft.com/office/drawing/2014/main" xmlns="" id="{17D6DE4C-D976-4B4B-B087-C035EF8D4F6F}"/>
               </a:ext>
             </a:extLst>
           </p:cNvPr>
@@ -1447,7 +1447,7 @@
           <p:cNvPr id="13" name="Straight Connector 12">
             <a:extLst>
               <a:ext uri="{FF2B5EF4-FFF2-40B4-BE49-F238E27FC236}">
-                <a16:creationId xmlns="" xmlns:a16="http://schemas.microsoft.com/office/drawing/2014/main" id="{95C486A1-9876-924E-85C2-906892F8B9AC}"/>
+                <a16:creationId xmlns:a16="http://schemas.microsoft.com/office/drawing/2014/main" xmlns="" id="{95C486A1-9876-924E-85C2-906892F8B9AC}"/>
               </a:ext>
             </a:extLst>
           </p:cNvPr>
@@ -1490,7 +1490,7 @@
           <p:cNvPr id="17" name="Slide Number Placeholder 5">
             <a:extLst>
               <a:ext uri="{FF2B5EF4-FFF2-40B4-BE49-F238E27FC236}">
-                <a16:creationId xmlns="" xmlns:a16="http://schemas.microsoft.com/office/drawing/2014/main" id="{CC67CD5C-67EC-5144-B858-5347C50D1ACD}"/>
+                <a16:creationId xmlns:a16="http://schemas.microsoft.com/office/drawing/2014/main" xmlns="" id="{CC67CD5C-67EC-5144-B858-5347C50D1ACD}"/>
               </a:ext>
             </a:extLst>
           </p:cNvPr>
@@ -1542,7 +1542,7 @@
           <p:cNvPr id="8" name="Title 7">
             <a:extLst>
               <a:ext uri="{FF2B5EF4-FFF2-40B4-BE49-F238E27FC236}">
-                <a16:creationId xmlns="" xmlns:a16="http://schemas.microsoft.com/office/drawing/2014/main" id="{8A6F1540-D306-D44E-B1B3-1ACCF1041F70}"/>
+                <a16:creationId xmlns:a16="http://schemas.microsoft.com/office/drawing/2014/main" xmlns="" id="{8A6F1540-D306-D44E-B1B3-1ACCF1041F70}"/>
               </a:ext>
             </a:extLst>
           </p:cNvPr>
@@ -1949,7 +1949,7 @@
           <a:graphicData uri="http://schemas.openxmlformats.org/presentationml/2006/ole">
             <mc:AlternateContent xmlns:mc="http://schemas.openxmlformats.org/markup-compatibility/2006">
               <mc:Choice xmlns:v="urn:schemas-microsoft-com:vml" Requires="v">
-                <p:oleObj spid="_x0000_s33830" name="think-cell Slide" r:id="rId4" imgW="216" imgH="216" progId="TCLayout.ActiveDocument.1">
+                <p:oleObj spid="_x0000_s33831" name="think-cell Slide" r:id="rId4" imgW="216" imgH="216" progId="TCLayout.ActiveDocument.1">
                   <p:embed/>
                 </p:oleObj>
               </mc:Choice>
@@ -2075,7 +2075,7 @@
           <p:cNvPr id="8" name="Title 7">
             <a:extLst>
               <a:ext uri="{FF2B5EF4-FFF2-40B4-BE49-F238E27FC236}">
-                <a16:creationId xmlns="" xmlns:a16="http://schemas.microsoft.com/office/drawing/2014/main" id="{8A6F1540-D306-D44E-B1B3-1ACCF1041F70}"/>
+                <a16:creationId xmlns:a16="http://schemas.microsoft.com/office/drawing/2014/main" xmlns="" id="{8A6F1540-D306-D44E-B1B3-1ACCF1041F70}"/>
               </a:ext>
             </a:extLst>
           </p:cNvPr>
@@ -2111,7 +2111,7 @@
           <p:cNvPr id="9" name="Content Placeholder 2">
             <a:extLst>
               <a:ext uri="{FF2B5EF4-FFF2-40B4-BE49-F238E27FC236}">
-                <a16:creationId xmlns="" xmlns:a16="http://schemas.microsoft.com/office/drawing/2014/main" id="{0A7C1352-3D49-F849-9BC3-BC0AF9CD8F04}"/>
+                <a16:creationId xmlns:a16="http://schemas.microsoft.com/office/drawing/2014/main" xmlns="" id="{0A7C1352-3D49-F849-9BC3-BC0AF9CD8F04}"/>
               </a:ext>
             </a:extLst>
           </p:cNvPr>
@@ -2203,7 +2203,7 @@
           <p:cNvPr id="10" name="Content Placeholder 2">
             <a:extLst>
               <a:ext uri="{FF2B5EF4-FFF2-40B4-BE49-F238E27FC236}">
-                <a16:creationId xmlns="" xmlns:a16="http://schemas.microsoft.com/office/drawing/2014/main" id="{D1AA7CFB-7669-2648-A3E1-E647E531399E}"/>
+                <a16:creationId xmlns:a16="http://schemas.microsoft.com/office/drawing/2014/main" xmlns="" id="{D1AA7CFB-7669-2648-A3E1-E647E531399E}"/>
               </a:ext>
             </a:extLst>
           </p:cNvPr>
@@ -2295,7 +2295,7 @@
           <p:cNvPr id="11" name="Content Placeholder 2">
             <a:extLst>
               <a:ext uri="{FF2B5EF4-FFF2-40B4-BE49-F238E27FC236}">
-                <a16:creationId xmlns="" xmlns:a16="http://schemas.microsoft.com/office/drawing/2014/main" id="{2E4B4082-D988-5D43-9C32-2C7F747717ED}"/>
+                <a16:creationId xmlns:a16="http://schemas.microsoft.com/office/drawing/2014/main" xmlns="" id="{2E4B4082-D988-5D43-9C32-2C7F747717ED}"/>
               </a:ext>
             </a:extLst>
           </p:cNvPr>
@@ -2387,7 +2387,7 @@
           <p:cNvPr id="12" name="Content Placeholder 2">
             <a:extLst>
               <a:ext uri="{FF2B5EF4-FFF2-40B4-BE49-F238E27FC236}">
-                <a16:creationId xmlns="" xmlns:a16="http://schemas.microsoft.com/office/drawing/2014/main" id="{45B8DE4D-1F9B-7341-8CB2-D70634815B55}"/>
+                <a16:creationId xmlns:a16="http://schemas.microsoft.com/office/drawing/2014/main" xmlns="" id="{45B8DE4D-1F9B-7341-8CB2-D70634815B55}"/>
               </a:ext>
             </a:extLst>
           </p:cNvPr>
@@ -2479,7 +2479,7 @@
           <p:cNvPr id="14" name="Footer Placeholder 3">
             <a:extLst>
               <a:ext uri="{FF2B5EF4-FFF2-40B4-BE49-F238E27FC236}">
-                <a16:creationId xmlns="" xmlns:a16="http://schemas.microsoft.com/office/drawing/2014/main" id="{DBA440F4-82E0-7E45-8A6F-4A8C7572AEE5}"/>
+                <a16:creationId xmlns:a16="http://schemas.microsoft.com/office/drawing/2014/main" xmlns="" id="{DBA440F4-82E0-7E45-8A6F-4A8C7572AEE5}"/>
               </a:ext>
             </a:extLst>
           </p:cNvPr>
@@ -2538,7 +2538,7 @@
           <p:cNvPr id="15" name="Slide Number Placeholder 5">
             <a:extLst>
               <a:ext uri="{FF2B5EF4-FFF2-40B4-BE49-F238E27FC236}">
-                <a16:creationId xmlns="" xmlns:a16="http://schemas.microsoft.com/office/drawing/2014/main" id="{CC67CD5C-67EC-5144-B858-5347C50D1ACD}"/>
+                <a16:creationId xmlns:a16="http://schemas.microsoft.com/office/drawing/2014/main" xmlns="" id="{CC67CD5C-67EC-5144-B858-5347C50D1ACD}"/>
               </a:ext>
             </a:extLst>
           </p:cNvPr>
@@ -2590,7 +2590,7 @@
           <p:cNvPr id="16" name="Straight Connector 15">
             <a:extLst>
               <a:ext uri="{FF2B5EF4-FFF2-40B4-BE49-F238E27FC236}">
-                <a16:creationId xmlns="" xmlns:a16="http://schemas.microsoft.com/office/drawing/2014/main" id="{95C486A1-9876-924E-85C2-906892F8B9AC}"/>
+                <a16:creationId xmlns:a16="http://schemas.microsoft.com/office/drawing/2014/main" xmlns="" id="{95C486A1-9876-924E-85C2-906892F8B9AC}"/>
               </a:ext>
             </a:extLst>
           </p:cNvPr>
@@ -2686,7 +2686,7 @@
           <a:graphicData uri="http://schemas.openxmlformats.org/presentationml/2006/ole">
             <mc:AlternateContent xmlns:mc="http://schemas.openxmlformats.org/markup-compatibility/2006">
               <mc:Choice xmlns:v="urn:schemas-microsoft-com:vml" Requires="v">
-                <p:oleObj spid="_x0000_s34854" name="think-cell Slide" r:id="rId4" imgW="216" imgH="216" progId="TCLayout.ActiveDocument.1">
+                <p:oleObj spid="_x0000_s34855" name="think-cell Slide" r:id="rId4" imgW="216" imgH="216" progId="TCLayout.ActiveDocument.1">
                   <p:embed/>
                 </p:oleObj>
               </mc:Choice>
@@ -2726,7 +2726,7 @@
           <p:cNvPr id="8" name="Title 7">
             <a:extLst>
               <a:ext uri="{FF2B5EF4-FFF2-40B4-BE49-F238E27FC236}">
-                <a16:creationId xmlns="" xmlns:a16="http://schemas.microsoft.com/office/drawing/2014/main" id="{8A6F1540-D306-D44E-B1B3-1ACCF1041F70}"/>
+                <a16:creationId xmlns:a16="http://schemas.microsoft.com/office/drawing/2014/main" xmlns="" id="{8A6F1540-D306-D44E-B1B3-1ACCF1041F70}"/>
               </a:ext>
             </a:extLst>
           </p:cNvPr>
@@ -3522,7 +3522,7 @@
           <p:cNvPr id="37" name="Footer Placeholder 3">
             <a:extLst>
               <a:ext uri="{FF2B5EF4-FFF2-40B4-BE49-F238E27FC236}">
-                <a16:creationId xmlns="" xmlns:a16="http://schemas.microsoft.com/office/drawing/2014/main" id="{DBA440F4-82E0-7E45-8A6F-4A8C7572AEE5}"/>
+                <a16:creationId xmlns:a16="http://schemas.microsoft.com/office/drawing/2014/main" xmlns="" id="{DBA440F4-82E0-7E45-8A6F-4A8C7572AEE5}"/>
               </a:ext>
             </a:extLst>
           </p:cNvPr>
@@ -3581,7 +3581,7 @@
           <p:cNvPr id="38" name="Slide Number Placeholder 5">
             <a:extLst>
               <a:ext uri="{FF2B5EF4-FFF2-40B4-BE49-F238E27FC236}">
-                <a16:creationId xmlns="" xmlns:a16="http://schemas.microsoft.com/office/drawing/2014/main" id="{CC67CD5C-67EC-5144-B858-5347C50D1ACD}"/>
+                <a16:creationId xmlns:a16="http://schemas.microsoft.com/office/drawing/2014/main" xmlns="" id="{CC67CD5C-67EC-5144-B858-5347C50D1ACD}"/>
               </a:ext>
             </a:extLst>
           </p:cNvPr>
@@ -3633,7 +3633,7 @@
           <p:cNvPr id="39" name="Straight Connector 38">
             <a:extLst>
               <a:ext uri="{FF2B5EF4-FFF2-40B4-BE49-F238E27FC236}">
-                <a16:creationId xmlns="" xmlns:a16="http://schemas.microsoft.com/office/drawing/2014/main" id="{95C486A1-9876-924E-85C2-906892F8B9AC}"/>
+                <a16:creationId xmlns:a16="http://schemas.microsoft.com/office/drawing/2014/main" xmlns="" id="{95C486A1-9876-924E-85C2-906892F8B9AC}"/>
               </a:ext>
             </a:extLst>
           </p:cNvPr>
@@ -3734,7 +3734,7 @@
           <a:graphicData uri="http://schemas.openxmlformats.org/presentationml/2006/ole">
             <mc:AlternateContent xmlns:mc="http://schemas.openxmlformats.org/markup-compatibility/2006">
               <mc:Choice xmlns:v="urn:schemas-microsoft-com:vml" Requires="v">
-                <p:oleObj spid="_x0000_s35878" name="think-cell Slide" r:id="rId5" imgW="216" imgH="216" progId="TCLayout.ActiveDocument.1">
+                <p:oleObj spid="_x0000_s35879" name="think-cell Slide" r:id="rId5" imgW="216" imgH="216" progId="TCLayout.ActiveDocument.1">
                   <p:embed/>
                 </p:oleObj>
               </mc:Choice>
@@ -3951,7 +3951,7 @@
           <p:cNvPr id="4" name="Footer Placeholder 3">
             <a:extLst>
               <a:ext uri="{FF2B5EF4-FFF2-40B4-BE49-F238E27FC236}">
-                <a16:creationId xmlns="" xmlns:a16="http://schemas.microsoft.com/office/drawing/2014/main" id="{17D6DE4C-D976-4B4B-B087-C035EF8D4F6F}"/>
+                <a16:creationId xmlns:a16="http://schemas.microsoft.com/office/drawing/2014/main" xmlns="" id="{17D6DE4C-D976-4B4B-B087-C035EF8D4F6F}"/>
               </a:ext>
             </a:extLst>
           </p:cNvPr>
@@ -4010,7 +4010,7 @@
           <p:cNvPr id="17" name="Slide Number Placeholder 5">
             <a:extLst>
               <a:ext uri="{FF2B5EF4-FFF2-40B4-BE49-F238E27FC236}">
-                <a16:creationId xmlns="" xmlns:a16="http://schemas.microsoft.com/office/drawing/2014/main" id="{CC67CD5C-67EC-5144-B858-5347C50D1ACD}"/>
+                <a16:creationId xmlns:a16="http://schemas.microsoft.com/office/drawing/2014/main" xmlns="" id="{CC67CD5C-67EC-5144-B858-5347C50D1ACD}"/>
               </a:ext>
             </a:extLst>
           </p:cNvPr>
@@ -4062,7 +4062,7 @@
           <p:cNvPr id="8" name="Title 7">
             <a:extLst>
               <a:ext uri="{FF2B5EF4-FFF2-40B4-BE49-F238E27FC236}">
-                <a16:creationId xmlns="" xmlns:a16="http://schemas.microsoft.com/office/drawing/2014/main" id="{8A6F1540-D306-D44E-B1B3-1ACCF1041F70}"/>
+                <a16:creationId xmlns:a16="http://schemas.microsoft.com/office/drawing/2014/main" xmlns="" id="{8A6F1540-D306-D44E-B1B3-1ACCF1041F70}"/>
               </a:ext>
             </a:extLst>
           </p:cNvPr>
@@ -4106,7 +4106,7 @@
           <p:cNvPr id="9" name="Straight Connector 8">
             <a:extLst>
               <a:ext uri="{FF2B5EF4-FFF2-40B4-BE49-F238E27FC236}">
-                <a16:creationId xmlns="" xmlns:a16="http://schemas.microsoft.com/office/drawing/2014/main" id="{BB1AA2BE-B537-254D-958A-FBAFDE7E90DC}"/>
+                <a16:creationId xmlns:a16="http://schemas.microsoft.com/office/drawing/2014/main" xmlns="" id="{BB1AA2BE-B537-254D-958A-FBAFDE7E90DC}"/>
               </a:ext>
             </a:extLst>
           </p:cNvPr>
@@ -4149,7 +4149,7 @@
           <p:cNvPr id="10" name="Straight Connector 9">
             <a:extLst>
               <a:ext uri="{FF2B5EF4-FFF2-40B4-BE49-F238E27FC236}">
-                <a16:creationId xmlns="" xmlns:a16="http://schemas.microsoft.com/office/drawing/2014/main" id="{95C486A1-9876-924E-85C2-906892F8B9AC}"/>
+                <a16:creationId xmlns:a16="http://schemas.microsoft.com/office/drawing/2014/main" xmlns="" id="{95C486A1-9876-924E-85C2-906892F8B9AC}"/>
               </a:ext>
             </a:extLst>
           </p:cNvPr>
@@ -4253,7 +4253,7 @@
           <a:graphicData uri="http://schemas.openxmlformats.org/presentationml/2006/ole">
             <mc:AlternateContent xmlns:mc="http://schemas.openxmlformats.org/markup-compatibility/2006">
               <mc:Choice xmlns:v="urn:schemas-microsoft-com:vml" Requires="v">
-                <p:oleObj spid="_x0000_s45076" name="think-cell Slide" r:id="rId4" imgW="216" imgH="216" progId="TCLayout.ActiveDocument.1">
+                <p:oleObj spid="_x0000_s45077" name="think-cell Slide" r:id="rId4" imgW="216" imgH="216" progId="TCLayout.ActiveDocument.1">
                   <p:embed/>
                 </p:oleObj>
               </mc:Choice>
@@ -4339,7 +4339,7 @@
           <a:graphicData uri="http://schemas.openxmlformats.org/presentationml/2006/ole">
             <mc:AlternateContent xmlns:mc="http://schemas.openxmlformats.org/markup-compatibility/2006">
               <mc:Choice xmlns:v="urn:schemas-microsoft-com:vml" Requires="v">
-                <p:oleObj spid="_x0000_s37926" name="think-cell Slide" r:id="rId5" imgW="216" imgH="216" progId="TCLayout.ActiveDocument.1">
+                <p:oleObj spid="_x0000_s37927" name="think-cell Slide" r:id="rId5" imgW="216" imgH="216" progId="TCLayout.ActiveDocument.1">
                   <p:embed/>
                 </p:oleObj>
               </mc:Choice>
@@ -4536,7 +4536,7 @@
           <p:cNvPr id="4" name="Footer Placeholder 3">
             <a:extLst>
               <a:ext uri="{FF2B5EF4-FFF2-40B4-BE49-F238E27FC236}">
-                <a16:creationId xmlns="" xmlns:a16="http://schemas.microsoft.com/office/drawing/2014/main" id="{17D6DE4C-D976-4B4B-B087-C035EF8D4F6F}"/>
+                <a16:creationId xmlns:a16="http://schemas.microsoft.com/office/drawing/2014/main" xmlns="" id="{17D6DE4C-D976-4B4B-B087-C035EF8D4F6F}"/>
               </a:ext>
             </a:extLst>
           </p:cNvPr>
@@ -4595,7 +4595,7 @@
           <p:cNvPr id="13" name="Straight Connector 12">
             <a:extLst>
               <a:ext uri="{FF2B5EF4-FFF2-40B4-BE49-F238E27FC236}">
-                <a16:creationId xmlns="" xmlns:a16="http://schemas.microsoft.com/office/drawing/2014/main" id="{95C486A1-9876-924E-85C2-906892F8B9AC}"/>
+                <a16:creationId xmlns:a16="http://schemas.microsoft.com/office/drawing/2014/main" xmlns="" id="{95C486A1-9876-924E-85C2-906892F8B9AC}"/>
               </a:ext>
             </a:extLst>
           </p:cNvPr>
@@ -4638,7 +4638,7 @@
           <p:cNvPr id="17" name="Slide Number Placeholder 5">
             <a:extLst>
               <a:ext uri="{FF2B5EF4-FFF2-40B4-BE49-F238E27FC236}">
-                <a16:creationId xmlns="" xmlns:a16="http://schemas.microsoft.com/office/drawing/2014/main" id="{CC67CD5C-67EC-5144-B858-5347C50D1ACD}"/>
+                <a16:creationId xmlns:a16="http://schemas.microsoft.com/office/drawing/2014/main" xmlns="" id="{CC67CD5C-67EC-5144-B858-5347C50D1ACD}"/>
               </a:ext>
             </a:extLst>
           </p:cNvPr>
@@ -4690,7 +4690,7 @@
           <p:cNvPr id="8" name="Title 7">
             <a:extLst>
               <a:ext uri="{FF2B5EF4-FFF2-40B4-BE49-F238E27FC236}">
-                <a16:creationId xmlns="" xmlns:a16="http://schemas.microsoft.com/office/drawing/2014/main" id="{8A6F1540-D306-D44E-B1B3-1ACCF1041F70}"/>
+                <a16:creationId xmlns:a16="http://schemas.microsoft.com/office/drawing/2014/main" xmlns="" id="{8A6F1540-D306-D44E-B1B3-1ACCF1041F70}"/>
               </a:ext>
             </a:extLst>
           </p:cNvPr>
@@ -4816,7 +4816,7 @@
           <a:graphicData uri="http://schemas.openxmlformats.org/presentationml/2006/ole">
             <mc:AlternateContent xmlns:mc="http://schemas.openxmlformats.org/markup-compatibility/2006">
               <mc:Choice xmlns:v="urn:schemas-microsoft-com:vml" Requires="v">
-                <p:oleObj spid="_x0000_s38950" name="think-cell Slide" r:id="rId4" imgW="216" imgH="216" progId="TCLayout.ActiveDocument.1">
+                <p:oleObj spid="_x0000_s38951" name="think-cell Slide" r:id="rId4" imgW="216" imgH="216" progId="TCLayout.ActiveDocument.1">
                   <p:embed/>
                 </p:oleObj>
               </mc:Choice>
@@ -4942,7 +4942,7 @@
           <p:cNvPr id="8" name="Title 7">
             <a:extLst>
               <a:ext uri="{FF2B5EF4-FFF2-40B4-BE49-F238E27FC236}">
-                <a16:creationId xmlns="" xmlns:a16="http://schemas.microsoft.com/office/drawing/2014/main" id="{8A6F1540-D306-D44E-B1B3-1ACCF1041F70}"/>
+                <a16:creationId xmlns:a16="http://schemas.microsoft.com/office/drawing/2014/main" xmlns="" id="{8A6F1540-D306-D44E-B1B3-1ACCF1041F70}"/>
               </a:ext>
             </a:extLst>
           </p:cNvPr>
@@ -4978,7 +4978,7 @@
           <p:cNvPr id="9" name="Content Placeholder 2">
             <a:extLst>
               <a:ext uri="{FF2B5EF4-FFF2-40B4-BE49-F238E27FC236}">
-                <a16:creationId xmlns="" xmlns:a16="http://schemas.microsoft.com/office/drawing/2014/main" id="{0A7C1352-3D49-F849-9BC3-BC0AF9CD8F04}"/>
+                <a16:creationId xmlns:a16="http://schemas.microsoft.com/office/drawing/2014/main" xmlns="" id="{0A7C1352-3D49-F849-9BC3-BC0AF9CD8F04}"/>
               </a:ext>
             </a:extLst>
           </p:cNvPr>
@@ -5070,7 +5070,7 @@
           <p:cNvPr id="10" name="Content Placeholder 2">
             <a:extLst>
               <a:ext uri="{FF2B5EF4-FFF2-40B4-BE49-F238E27FC236}">
-                <a16:creationId xmlns="" xmlns:a16="http://schemas.microsoft.com/office/drawing/2014/main" id="{D1AA7CFB-7669-2648-A3E1-E647E531399E}"/>
+                <a16:creationId xmlns:a16="http://schemas.microsoft.com/office/drawing/2014/main" xmlns="" id="{D1AA7CFB-7669-2648-A3E1-E647E531399E}"/>
               </a:ext>
             </a:extLst>
           </p:cNvPr>
@@ -5162,7 +5162,7 @@
           <p:cNvPr id="11" name="Content Placeholder 2">
             <a:extLst>
               <a:ext uri="{FF2B5EF4-FFF2-40B4-BE49-F238E27FC236}">
-                <a16:creationId xmlns="" xmlns:a16="http://schemas.microsoft.com/office/drawing/2014/main" id="{2E4B4082-D988-5D43-9C32-2C7F747717ED}"/>
+                <a16:creationId xmlns:a16="http://schemas.microsoft.com/office/drawing/2014/main" xmlns="" id="{2E4B4082-D988-5D43-9C32-2C7F747717ED}"/>
               </a:ext>
             </a:extLst>
           </p:cNvPr>
@@ -5254,7 +5254,7 @@
           <p:cNvPr id="12" name="Content Placeholder 2">
             <a:extLst>
               <a:ext uri="{FF2B5EF4-FFF2-40B4-BE49-F238E27FC236}">
-                <a16:creationId xmlns="" xmlns:a16="http://schemas.microsoft.com/office/drawing/2014/main" id="{45B8DE4D-1F9B-7341-8CB2-D70634815B55}"/>
+                <a16:creationId xmlns:a16="http://schemas.microsoft.com/office/drawing/2014/main" xmlns="" id="{45B8DE4D-1F9B-7341-8CB2-D70634815B55}"/>
               </a:ext>
             </a:extLst>
           </p:cNvPr>
@@ -5346,7 +5346,7 @@
           <p:cNvPr id="14" name="Footer Placeholder 3">
             <a:extLst>
               <a:ext uri="{FF2B5EF4-FFF2-40B4-BE49-F238E27FC236}">
-                <a16:creationId xmlns="" xmlns:a16="http://schemas.microsoft.com/office/drawing/2014/main" id="{DBA440F4-82E0-7E45-8A6F-4A8C7572AEE5}"/>
+                <a16:creationId xmlns:a16="http://schemas.microsoft.com/office/drawing/2014/main" xmlns="" id="{DBA440F4-82E0-7E45-8A6F-4A8C7572AEE5}"/>
               </a:ext>
             </a:extLst>
           </p:cNvPr>
@@ -5405,7 +5405,7 @@
           <p:cNvPr id="15" name="Slide Number Placeholder 5">
             <a:extLst>
               <a:ext uri="{FF2B5EF4-FFF2-40B4-BE49-F238E27FC236}">
-                <a16:creationId xmlns="" xmlns:a16="http://schemas.microsoft.com/office/drawing/2014/main" id="{CC67CD5C-67EC-5144-B858-5347C50D1ACD}"/>
+                <a16:creationId xmlns:a16="http://schemas.microsoft.com/office/drawing/2014/main" xmlns="" id="{CC67CD5C-67EC-5144-B858-5347C50D1ACD}"/>
               </a:ext>
             </a:extLst>
           </p:cNvPr>
@@ -5457,7 +5457,7 @@
           <p:cNvPr id="16" name="Straight Connector 15">
             <a:extLst>
               <a:ext uri="{FF2B5EF4-FFF2-40B4-BE49-F238E27FC236}">
-                <a16:creationId xmlns="" xmlns:a16="http://schemas.microsoft.com/office/drawing/2014/main" id="{95C486A1-9876-924E-85C2-906892F8B9AC}"/>
+                <a16:creationId xmlns:a16="http://schemas.microsoft.com/office/drawing/2014/main" xmlns="" id="{95C486A1-9876-924E-85C2-906892F8B9AC}"/>
               </a:ext>
             </a:extLst>
           </p:cNvPr>
@@ -5553,7 +5553,7 @@
           <a:graphicData uri="http://schemas.openxmlformats.org/presentationml/2006/ole">
             <mc:AlternateContent xmlns:mc="http://schemas.openxmlformats.org/markup-compatibility/2006">
               <mc:Choice xmlns:v="urn:schemas-microsoft-com:vml" Requires="v">
-                <p:oleObj spid="_x0000_s39974" name="think-cell Slide" r:id="rId4" imgW="216" imgH="216" progId="TCLayout.ActiveDocument.1">
+                <p:oleObj spid="_x0000_s39975" name="think-cell Slide" r:id="rId4" imgW="216" imgH="216" progId="TCLayout.ActiveDocument.1">
                   <p:embed/>
                 </p:oleObj>
               </mc:Choice>
@@ -5593,7 +5593,7 @@
           <p:cNvPr id="8" name="Title 7">
             <a:extLst>
               <a:ext uri="{FF2B5EF4-FFF2-40B4-BE49-F238E27FC236}">
-                <a16:creationId xmlns="" xmlns:a16="http://schemas.microsoft.com/office/drawing/2014/main" id="{8A6F1540-D306-D44E-B1B3-1ACCF1041F70}"/>
+                <a16:creationId xmlns:a16="http://schemas.microsoft.com/office/drawing/2014/main" xmlns="" id="{8A6F1540-D306-D44E-B1B3-1ACCF1041F70}"/>
               </a:ext>
             </a:extLst>
           </p:cNvPr>
@@ -6389,7 +6389,7 @@
           <p:cNvPr id="37" name="Footer Placeholder 3">
             <a:extLst>
               <a:ext uri="{FF2B5EF4-FFF2-40B4-BE49-F238E27FC236}">
-                <a16:creationId xmlns="" xmlns:a16="http://schemas.microsoft.com/office/drawing/2014/main" id="{DBA440F4-82E0-7E45-8A6F-4A8C7572AEE5}"/>
+                <a16:creationId xmlns:a16="http://schemas.microsoft.com/office/drawing/2014/main" xmlns="" id="{DBA440F4-82E0-7E45-8A6F-4A8C7572AEE5}"/>
               </a:ext>
             </a:extLst>
           </p:cNvPr>
@@ -6448,7 +6448,7 @@
           <p:cNvPr id="38" name="Slide Number Placeholder 5">
             <a:extLst>
               <a:ext uri="{FF2B5EF4-FFF2-40B4-BE49-F238E27FC236}">
-                <a16:creationId xmlns="" xmlns:a16="http://schemas.microsoft.com/office/drawing/2014/main" id="{CC67CD5C-67EC-5144-B858-5347C50D1ACD}"/>
+                <a16:creationId xmlns:a16="http://schemas.microsoft.com/office/drawing/2014/main" xmlns="" id="{CC67CD5C-67EC-5144-B858-5347C50D1ACD}"/>
               </a:ext>
             </a:extLst>
           </p:cNvPr>
@@ -6500,7 +6500,7 @@
           <p:cNvPr id="39" name="Straight Connector 38">
             <a:extLst>
               <a:ext uri="{FF2B5EF4-FFF2-40B4-BE49-F238E27FC236}">
-                <a16:creationId xmlns="" xmlns:a16="http://schemas.microsoft.com/office/drawing/2014/main" id="{95C486A1-9876-924E-85C2-906892F8B9AC}"/>
+                <a16:creationId xmlns:a16="http://schemas.microsoft.com/office/drawing/2014/main" xmlns="" id="{95C486A1-9876-924E-85C2-906892F8B9AC}"/>
               </a:ext>
             </a:extLst>
           </p:cNvPr>
@@ -6601,7 +6601,7 @@
           <a:graphicData uri="http://schemas.openxmlformats.org/presentationml/2006/ole">
             <mc:AlternateContent xmlns:mc="http://schemas.openxmlformats.org/markup-compatibility/2006">
               <mc:Choice xmlns:v="urn:schemas-microsoft-com:vml" Requires="v">
-                <p:oleObj spid="_x0000_s40998" name="think-cell Slide" r:id="rId5" imgW="216" imgH="216" progId="TCLayout.ActiveDocument.1">
+                <p:oleObj spid="_x0000_s40999" name="think-cell Slide" r:id="rId5" imgW="216" imgH="216" progId="TCLayout.ActiveDocument.1">
                   <p:embed/>
                 </p:oleObj>
               </mc:Choice>
@@ -6818,7 +6818,7 @@
           <p:cNvPr id="4" name="Footer Placeholder 3">
             <a:extLst>
               <a:ext uri="{FF2B5EF4-FFF2-40B4-BE49-F238E27FC236}">
-                <a16:creationId xmlns="" xmlns:a16="http://schemas.microsoft.com/office/drawing/2014/main" id="{17D6DE4C-D976-4B4B-B087-C035EF8D4F6F}"/>
+                <a16:creationId xmlns:a16="http://schemas.microsoft.com/office/drawing/2014/main" xmlns="" id="{17D6DE4C-D976-4B4B-B087-C035EF8D4F6F}"/>
               </a:ext>
             </a:extLst>
           </p:cNvPr>
@@ -6877,7 +6877,7 @@
           <p:cNvPr id="17" name="Slide Number Placeholder 5">
             <a:extLst>
               <a:ext uri="{FF2B5EF4-FFF2-40B4-BE49-F238E27FC236}">
-                <a16:creationId xmlns="" xmlns:a16="http://schemas.microsoft.com/office/drawing/2014/main" id="{CC67CD5C-67EC-5144-B858-5347C50D1ACD}"/>
+                <a16:creationId xmlns:a16="http://schemas.microsoft.com/office/drawing/2014/main" xmlns="" id="{CC67CD5C-67EC-5144-B858-5347C50D1ACD}"/>
               </a:ext>
             </a:extLst>
           </p:cNvPr>
@@ -6929,7 +6929,7 @@
           <p:cNvPr id="8" name="Title 7">
             <a:extLst>
               <a:ext uri="{FF2B5EF4-FFF2-40B4-BE49-F238E27FC236}">
-                <a16:creationId xmlns="" xmlns:a16="http://schemas.microsoft.com/office/drawing/2014/main" id="{8A6F1540-D306-D44E-B1B3-1ACCF1041F70}"/>
+                <a16:creationId xmlns:a16="http://schemas.microsoft.com/office/drawing/2014/main" xmlns="" id="{8A6F1540-D306-D44E-B1B3-1ACCF1041F70}"/>
               </a:ext>
             </a:extLst>
           </p:cNvPr>
@@ -6973,7 +6973,7 @@
           <p:cNvPr id="9" name="Straight Connector 8">
             <a:extLst>
               <a:ext uri="{FF2B5EF4-FFF2-40B4-BE49-F238E27FC236}">
-                <a16:creationId xmlns="" xmlns:a16="http://schemas.microsoft.com/office/drawing/2014/main" id="{BB1AA2BE-B537-254D-958A-FBAFDE7E90DC}"/>
+                <a16:creationId xmlns:a16="http://schemas.microsoft.com/office/drawing/2014/main" xmlns="" id="{BB1AA2BE-B537-254D-958A-FBAFDE7E90DC}"/>
               </a:ext>
             </a:extLst>
           </p:cNvPr>
@@ -7016,7 +7016,7 @@
           <p:cNvPr id="10" name="Straight Connector 9">
             <a:extLst>
               <a:ext uri="{FF2B5EF4-FFF2-40B4-BE49-F238E27FC236}">
-                <a16:creationId xmlns="" xmlns:a16="http://schemas.microsoft.com/office/drawing/2014/main" id="{95C486A1-9876-924E-85C2-906892F8B9AC}"/>
+                <a16:creationId xmlns:a16="http://schemas.microsoft.com/office/drawing/2014/main" xmlns="" id="{95C486A1-9876-924E-85C2-906892F8B9AC}"/>
               </a:ext>
             </a:extLst>
           </p:cNvPr>
@@ -7121,7 +7121,7 @@
           <a:graphicData uri="http://schemas.openxmlformats.org/presentationml/2006/ole">
             <mc:AlternateContent xmlns:mc="http://schemas.openxmlformats.org/markup-compatibility/2006">
               <mc:Choice xmlns:v="urn:schemas-microsoft-com:vml" Requires="v">
-                <p:oleObj spid="_x0000_s31782" name="think-cell Slide" r:id="rId10" imgW="216" imgH="216" progId="TCLayout.ActiveDocument.1">
+                <p:oleObj spid="_x0000_s31783" name="think-cell Slide" r:id="rId10" imgW="216" imgH="216" progId="TCLayout.ActiveDocument.1">
                   <p:embed/>
                 </p:oleObj>
               </mc:Choice>
@@ -7241,7 +7241,7 @@
           <p:cNvPr id="10" name="Straight Connector 9">
             <a:extLst>
               <a:ext uri="{FF2B5EF4-FFF2-40B4-BE49-F238E27FC236}">
-                <a16:creationId xmlns="" xmlns:a16="http://schemas.microsoft.com/office/drawing/2014/main" id="{BB1AA2BE-B537-254D-958A-FBAFDE7E90DC}"/>
+                <a16:creationId xmlns:a16="http://schemas.microsoft.com/office/drawing/2014/main" xmlns="" id="{BB1AA2BE-B537-254D-958A-FBAFDE7E90DC}"/>
               </a:ext>
             </a:extLst>
           </p:cNvPr>
@@ -7284,7 +7284,7 @@
           <p:cNvPr id="15" name="Footer Placeholder 3">
             <a:extLst>
               <a:ext uri="{FF2B5EF4-FFF2-40B4-BE49-F238E27FC236}">
-                <a16:creationId xmlns="" xmlns:a16="http://schemas.microsoft.com/office/drawing/2014/main" id="{DBA440F4-82E0-7E45-8A6F-4A8C7572AEE5}"/>
+                <a16:creationId xmlns:a16="http://schemas.microsoft.com/office/drawing/2014/main" xmlns="" id="{DBA440F4-82E0-7E45-8A6F-4A8C7572AEE5}"/>
               </a:ext>
             </a:extLst>
           </p:cNvPr>
@@ -7343,7 +7343,7 @@
           <p:cNvPr id="16" name="Slide Number Placeholder 5">
             <a:extLst>
               <a:ext uri="{FF2B5EF4-FFF2-40B4-BE49-F238E27FC236}">
-                <a16:creationId xmlns="" xmlns:a16="http://schemas.microsoft.com/office/drawing/2014/main" id="{2D9636C8-FF6B-E141-B9E1-70C7091B23B1}"/>
+                <a16:creationId xmlns:a16="http://schemas.microsoft.com/office/drawing/2014/main" xmlns="" id="{2D9636C8-FF6B-E141-B9E1-70C7091B23B1}"/>
               </a:ext>
             </a:extLst>
           </p:cNvPr>
@@ -7710,7 +7710,7 @@
   </p:txStyles>
   <p:extLst mod="1">
     <p:ext uri="{27BBF7A9-308A-43DC-89C8-2F10F3537804}">
-      <p15:sldGuideLst xmlns="" xmlns:p15="http://schemas.microsoft.com/office/powerpoint/2012/main">
+      <p15:sldGuideLst xmlns:p15="http://schemas.microsoft.com/office/powerpoint/2012/main" xmlns="">
         <p15:guide id="1" orient="horz" pos="2041">
           <p15:clr>
             <a:srgbClr val="F26B43"/>
@@ -7879,7 +7879,7 @@
           <a:graphicData uri="http://schemas.openxmlformats.org/presentationml/2006/ole">
             <mc:AlternateContent xmlns:mc="http://schemas.openxmlformats.org/markup-compatibility/2006">
               <mc:Choice xmlns:v="urn:schemas-microsoft-com:vml" Requires="v">
-                <p:oleObj spid="_x0000_s36903" name="think-cell Slide" r:id="rId10" imgW="216" imgH="216" progId="TCLayout.ActiveDocument.1">
+                <p:oleObj spid="_x0000_s36904" name="think-cell Slide" r:id="rId10" imgW="216" imgH="216" progId="TCLayout.ActiveDocument.1">
                   <p:embed/>
                 </p:oleObj>
               </mc:Choice>
@@ -7999,7 +7999,7 @@
           <p:cNvPr id="10" name="Straight Connector 9">
             <a:extLst>
               <a:ext uri="{FF2B5EF4-FFF2-40B4-BE49-F238E27FC236}">
-                <a16:creationId xmlns="" xmlns:a16="http://schemas.microsoft.com/office/drawing/2014/main" id="{BB1AA2BE-B537-254D-958A-FBAFDE7E90DC}"/>
+                <a16:creationId xmlns:a16="http://schemas.microsoft.com/office/drawing/2014/main" xmlns="" id="{BB1AA2BE-B537-254D-958A-FBAFDE7E90DC}"/>
               </a:ext>
             </a:extLst>
           </p:cNvPr>
@@ -8042,7 +8042,7 @@
           <p:cNvPr id="15" name="Footer Placeholder 3">
             <a:extLst>
               <a:ext uri="{FF2B5EF4-FFF2-40B4-BE49-F238E27FC236}">
-                <a16:creationId xmlns="" xmlns:a16="http://schemas.microsoft.com/office/drawing/2014/main" id="{DBA440F4-82E0-7E45-8A6F-4A8C7572AEE5}"/>
+                <a16:creationId xmlns:a16="http://schemas.microsoft.com/office/drawing/2014/main" xmlns="" id="{DBA440F4-82E0-7E45-8A6F-4A8C7572AEE5}"/>
               </a:ext>
             </a:extLst>
           </p:cNvPr>
@@ -8101,7 +8101,7 @@
           <p:cNvPr id="16" name="Slide Number Placeholder 5">
             <a:extLst>
               <a:ext uri="{FF2B5EF4-FFF2-40B4-BE49-F238E27FC236}">
-                <a16:creationId xmlns="" xmlns:a16="http://schemas.microsoft.com/office/drawing/2014/main" id="{2D9636C8-FF6B-E141-B9E1-70C7091B23B1}"/>
+                <a16:creationId xmlns:a16="http://schemas.microsoft.com/office/drawing/2014/main" xmlns="" id="{2D9636C8-FF6B-E141-B9E1-70C7091B23B1}"/>
               </a:ext>
             </a:extLst>
           </p:cNvPr>
@@ -8468,7 +8468,7 @@
   </p:txStyles>
   <p:extLst mod="1">
     <p:ext uri="{27BBF7A9-308A-43DC-89C8-2F10F3537804}">
-      <p15:sldGuideLst xmlns="" xmlns:p15="http://schemas.microsoft.com/office/powerpoint/2012/main">
+      <p15:sldGuideLst xmlns:p15="http://schemas.microsoft.com/office/powerpoint/2012/main" xmlns="">
         <p15:guide id="1" orient="horz" pos="2041">
           <p15:clr>
             <a:srgbClr val="F26B43"/>
@@ -9084,7 +9084,7 @@
           <a:graphicData uri="http://schemas.openxmlformats.org/presentationml/2006/ole">
             <mc:AlternateContent xmlns:mc="http://schemas.openxmlformats.org/markup-compatibility/2006">
               <mc:Choice xmlns:v="urn:schemas-microsoft-com:vml" Requires="v">
-                <p:oleObj spid="_x0000_s42028" name="think-cell Slide" r:id="rId6" imgW="416" imgH="416" progId="TCLayout.ActiveDocument.1">
+                <p:oleObj spid="_x0000_s42029" name="think-cell Slide" r:id="rId6" imgW="416" imgH="416" progId="TCLayout.ActiveDocument.1">
                   <p:embed/>
                 </p:oleObj>
               </mc:Choice>
@@ -9147,42 +9147,42 @@
                 <a:gridCol w="1924933">
                   <a:extLst>
                     <a:ext uri="{9D8B030D-6E8A-4147-A177-3AD203B41FA5}">
-                      <a16:colId xmlns="" xmlns:a16="http://schemas.microsoft.com/office/drawing/2014/main" val="1357581311"/>
+                      <a16:colId xmlns:a16="http://schemas.microsoft.com/office/drawing/2014/main" xmlns="" val="1357581311"/>
                     </a:ext>
                   </a:extLst>
                 </a:gridCol>
                 <a:gridCol w="2706957">
                   <a:extLst>
                     <a:ext uri="{9D8B030D-6E8A-4147-A177-3AD203B41FA5}">
-                      <a16:colId xmlns="" xmlns:a16="http://schemas.microsoft.com/office/drawing/2014/main" val="1956442140"/>
+                      <a16:colId xmlns:a16="http://schemas.microsoft.com/office/drawing/2014/main" xmlns="" val="1956442140"/>
                     </a:ext>
                   </a:extLst>
                 </a:gridCol>
                 <a:gridCol w="1378384">
                   <a:extLst>
                     <a:ext uri="{9D8B030D-6E8A-4147-A177-3AD203B41FA5}">
-                      <a16:colId xmlns="" xmlns:a16="http://schemas.microsoft.com/office/drawing/2014/main" val="3122743454"/>
+                      <a16:colId xmlns:a16="http://schemas.microsoft.com/office/drawing/2014/main" xmlns="" val="3122743454"/>
                     </a:ext>
                   </a:extLst>
                 </a:gridCol>
                 <a:gridCol w="1030714">
                   <a:extLst>
                     <a:ext uri="{9D8B030D-6E8A-4147-A177-3AD203B41FA5}">
-                      <a16:colId xmlns="" xmlns:a16="http://schemas.microsoft.com/office/drawing/2014/main" val="755301095"/>
+                      <a16:colId xmlns:a16="http://schemas.microsoft.com/office/drawing/2014/main" xmlns="" val="755301095"/>
                     </a:ext>
                   </a:extLst>
                 </a:gridCol>
                 <a:gridCol w="2464037">
                   <a:extLst>
                     <a:ext uri="{9D8B030D-6E8A-4147-A177-3AD203B41FA5}">
-                      <a16:colId xmlns="" xmlns:a16="http://schemas.microsoft.com/office/drawing/2014/main" val="2056552446"/>
+                      <a16:colId xmlns:a16="http://schemas.microsoft.com/office/drawing/2014/main" xmlns="" val="2056552446"/>
                     </a:ext>
                   </a:extLst>
                 </a:gridCol>
                 <a:gridCol w="1574966">
                   <a:extLst>
                     <a:ext uri="{9D8B030D-6E8A-4147-A177-3AD203B41FA5}">
-                      <a16:colId xmlns="" xmlns:a16="http://schemas.microsoft.com/office/drawing/2014/main" val="1567976445"/>
+                      <a16:colId xmlns:a16="http://schemas.microsoft.com/office/drawing/2014/main" xmlns="" val="1567976445"/>
                     </a:ext>
                   </a:extLst>
                 </a:gridCol>
@@ -9327,7 +9327,7 @@
                 </a:tc>
                 <a:extLst>
                   <a:ext uri="{0D108BD9-81ED-4DB2-BD59-A6C34878D82A}">
-                    <a16:rowId xmlns="" xmlns:a16="http://schemas.microsoft.com/office/drawing/2014/main" val="3203583067"/>
+                    <a16:rowId xmlns:a16="http://schemas.microsoft.com/office/drawing/2014/main" xmlns="" val="3203583067"/>
                   </a:ext>
                 </a:extLst>
               </a:tr>
@@ -9660,7 +9660,7 @@
                 </a:tc>
                 <a:extLst>
                   <a:ext uri="{0D108BD9-81ED-4DB2-BD59-A6C34878D82A}">
-                    <a16:rowId xmlns="" xmlns:a16="http://schemas.microsoft.com/office/drawing/2014/main" val="851841494"/>
+                    <a16:rowId xmlns:a16="http://schemas.microsoft.com/office/drawing/2014/main" xmlns="" val="851841494"/>
                   </a:ext>
                 </a:extLst>
               </a:tr>
@@ -10245,7 +10245,7 @@
                 </a:tc>
                 <a:extLst>
                   <a:ext uri="{0D108BD9-81ED-4DB2-BD59-A6C34878D82A}">
-                    <a16:rowId xmlns="" xmlns:a16="http://schemas.microsoft.com/office/drawing/2014/main" val="406495537"/>
+                    <a16:rowId xmlns:a16="http://schemas.microsoft.com/office/drawing/2014/main" xmlns="" val="406495537"/>
                   </a:ext>
                 </a:extLst>
               </a:tr>
@@ -10609,7 +10609,7 @@
                 </a:tc>
                 <a:extLst>
                   <a:ext uri="{0D108BD9-81ED-4DB2-BD59-A6C34878D82A}">
-                    <a16:rowId xmlns="" xmlns:a16="http://schemas.microsoft.com/office/drawing/2014/main" val="2200042587"/>
+                    <a16:rowId xmlns:a16="http://schemas.microsoft.com/office/drawing/2014/main" xmlns="" val="2200042587"/>
                   </a:ext>
                 </a:extLst>
               </a:tr>
@@ -10885,7 +10885,7 @@
                 </a:tc>
                 <a:extLst>
                   <a:ext uri="{0D108BD9-81ED-4DB2-BD59-A6C34878D82A}">
-                    <a16:rowId xmlns="" xmlns:a16="http://schemas.microsoft.com/office/drawing/2014/main" val="4069117920"/>
+                    <a16:rowId xmlns:a16="http://schemas.microsoft.com/office/drawing/2014/main" xmlns="" val="4069117920"/>
                   </a:ext>
                 </a:extLst>
               </a:tr>
@@ -11263,7 +11263,7 @@
                 </a:tc>
                 <a:extLst>
                   <a:ext uri="{0D108BD9-81ED-4DB2-BD59-A6C34878D82A}">
-                    <a16:rowId xmlns="" xmlns:a16="http://schemas.microsoft.com/office/drawing/2014/main" val="2348740028"/>
+                    <a16:rowId xmlns:a16="http://schemas.microsoft.com/office/drawing/2014/main" xmlns="" val="2348740028"/>
                   </a:ext>
                 </a:extLst>
               </a:tr>
@@ -11402,35 +11402,35 @@
                 <a:gridCol w="2454326">
                   <a:extLst>
                     <a:ext uri="{9D8B030D-6E8A-4147-A177-3AD203B41FA5}">
-                      <a16:colId xmlns="" xmlns:a16="http://schemas.microsoft.com/office/drawing/2014/main" val="20000"/>
+                      <a16:colId xmlns:a16="http://schemas.microsoft.com/office/drawing/2014/main" xmlns="" val="20000"/>
                     </a:ext>
                   </a:extLst>
                 </a:gridCol>
                 <a:gridCol w="2306453">
                   <a:extLst>
                     <a:ext uri="{9D8B030D-6E8A-4147-A177-3AD203B41FA5}">
-                      <a16:colId xmlns="" xmlns:a16="http://schemas.microsoft.com/office/drawing/2014/main" val="20002"/>
+                      <a16:colId xmlns:a16="http://schemas.microsoft.com/office/drawing/2014/main" xmlns="" val="20002"/>
                     </a:ext>
                   </a:extLst>
                 </a:gridCol>
                 <a:gridCol w="2254336">
                   <a:extLst>
                     <a:ext uri="{9D8B030D-6E8A-4147-A177-3AD203B41FA5}">
-                      <a16:colId xmlns="" xmlns:a16="http://schemas.microsoft.com/office/drawing/2014/main" val="2575180168"/>
+                      <a16:colId xmlns:a16="http://schemas.microsoft.com/office/drawing/2014/main" xmlns="" val="2575180168"/>
                     </a:ext>
                   </a:extLst>
                 </a:gridCol>
                 <a:gridCol w="2355667">
                   <a:extLst>
                     <a:ext uri="{9D8B030D-6E8A-4147-A177-3AD203B41FA5}">
-                      <a16:colId xmlns="" xmlns:a16="http://schemas.microsoft.com/office/drawing/2014/main" val="20003"/>
+                      <a16:colId xmlns:a16="http://schemas.microsoft.com/office/drawing/2014/main" xmlns="" val="20003"/>
                     </a:ext>
                   </a:extLst>
                 </a:gridCol>
                 <a:gridCol w="1661586">
                   <a:extLst>
                     <a:ext uri="{9D8B030D-6E8A-4147-A177-3AD203B41FA5}">
-                      <a16:colId xmlns="" xmlns:a16="http://schemas.microsoft.com/office/drawing/2014/main" val="1141158204"/>
+                      <a16:colId xmlns:a16="http://schemas.microsoft.com/office/drawing/2014/main" xmlns="" val="1141158204"/>
                     </a:ext>
                   </a:extLst>
                 </a:gridCol>
@@ -12114,7 +12114,7 @@
                 </a:tc>
                 <a:extLst>
                   <a:ext uri="{0D108BD9-81ED-4DB2-BD59-A6C34878D82A}">
-                    <a16:rowId xmlns="" xmlns:a16="http://schemas.microsoft.com/office/drawing/2014/main" val="10000"/>
+                    <a16:rowId xmlns:a16="http://schemas.microsoft.com/office/drawing/2014/main" xmlns="" val="10000"/>
                   </a:ext>
                 </a:extLst>
               </a:tr>
@@ -12502,7 +12502,7 @@
                 </a:tc>
                 <a:extLst>
                   <a:ext uri="{0D108BD9-81ED-4DB2-BD59-A6C34878D82A}">
-                    <a16:rowId xmlns="" xmlns:a16="http://schemas.microsoft.com/office/drawing/2014/main" val="3242880312"/>
+                    <a16:rowId xmlns:a16="http://schemas.microsoft.com/office/drawing/2014/main" xmlns="" val="3242880312"/>
                   </a:ext>
                 </a:extLst>
               </a:tr>
@@ -12886,63 +12886,63 @@
                 <a:gridCol w="835571">
                   <a:extLst>
                     <a:ext uri="{9D8B030D-6E8A-4147-A177-3AD203B41FA5}">
-                      <a16:colId xmlns="" xmlns:a16="http://schemas.microsoft.com/office/drawing/2014/main" val="2715221625"/>
+                      <a16:colId xmlns:a16="http://schemas.microsoft.com/office/drawing/2014/main" xmlns="" val="2715221625"/>
                     </a:ext>
                   </a:extLst>
                 </a:gridCol>
                 <a:gridCol w="835571">
                   <a:extLst>
                     <a:ext uri="{9D8B030D-6E8A-4147-A177-3AD203B41FA5}">
-                      <a16:colId xmlns="" xmlns:a16="http://schemas.microsoft.com/office/drawing/2014/main" val="1722467380"/>
+                      <a16:colId xmlns:a16="http://schemas.microsoft.com/office/drawing/2014/main" xmlns="" val="1722467380"/>
                     </a:ext>
                   </a:extLst>
                 </a:gridCol>
                 <a:gridCol w="1132729">
                   <a:extLst>
                     <a:ext uri="{9D8B030D-6E8A-4147-A177-3AD203B41FA5}">
-                      <a16:colId xmlns="" xmlns:a16="http://schemas.microsoft.com/office/drawing/2014/main" val="8733085"/>
+                      <a16:colId xmlns:a16="http://schemas.microsoft.com/office/drawing/2014/main" xmlns="" val="8733085"/>
                     </a:ext>
                   </a:extLst>
                 </a:gridCol>
                 <a:gridCol w="879661">
                   <a:extLst>
                     <a:ext uri="{9D8B030D-6E8A-4147-A177-3AD203B41FA5}">
-                      <a16:colId xmlns="" xmlns:a16="http://schemas.microsoft.com/office/drawing/2014/main" val="2034639721"/>
+                      <a16:colId xmlns:a16="http://schemas.microsoft.com/office/drawing/2014/main" xmlns="" val="2034639721"/>
                     </a:ext>
                   </a:extLst>
                 </a:gridCol>
                 <a:gridCol w="1924210">
                   <a:extLst>
                     <a:ext uri="{9D8B030D-6E8A-4147-A177-3AD203B41FA5}">
-                      <a16:colId xmlns="" xmlns:a16="http://schemas.microsoft.com/office/drawing/2014/main" val="984284813"/>
+                      <a16:colId xmlns:a16="http://schemas.microsoft.com/office/drawing/2014/main" xmlns="" val="984284813"/>
                     </a:ext>
                   </a:extLst>
                 </a:gridCol>
                 <a:gridCol w="1597470">
                   <a:extLst>
                     <a:ext uri="{9D8B030D-6E8A-4147-A177-3AD203B41FA5}">
-                      <a16:colId xmlns="" xmlns:a16="http://schemas.microsoft.com/office/drawing/2014/main" val="610353967"/>
+                      <a16:colId xmlns:a16="http://schemas.microsoft.com/office/drawing/2014/main" xmlns="" val="610353967"/>
                     </a:ext>
                   </a:extLst>
                 </a:gridCol>
                 <a:gridCol w="1206400">
                   <a:extLst>
                     <a:ext uri="{9D8B030D-6E8A-4147-A177-3AD203B41FA5}">
-                      <a16:colId xmlns="" xmlns:a16="http://schemas.microsoft.com/office/drawing/2014/main" val="2199988680"/>
+                      <a16:colId xmlns:a16="http://schemas.microsoft.com/office/drawing/2014/main" xmlns="" val="2199988680"/>
                     </a:ext>
                   </a:extLst>
                 </a:gridCol>
                 <a:gridCol w="921453">
                   <a:extLst>
                     <a:ext uri="{9D8B030D-6E8A-4147-A177-3AD203B41FA5}">
-                      <a16:colId xmlns="" xmlns:a16="http://schemas.microsoft.com/office/drawing/2014/main" val="1060807198"/>
+                      <a16:colId xmlns:a16="http://schemas.microsoft.com/office/drawing/2014/main" xmlns="" val="1060807198"/>
                     </a:ext>
                   </a:extLst>
                 </a:gridCol>
                 <a:gridCol w="1882417">
                   <a:extLst>
                     <a:ext uri="{9D8B030D-6E8A-4147-A177-3AD203B41FA5}">
-                      <a16:colId xmlns="" xmlns:a16="http://schemas.microsoft.com/office/drawing/2014/main" val="3687281855"/>
+                      <a16:colId xmlns:a16="http://schemas.microsoft.com/office/drawing/2014/main" xmlns="" val="3687281855"/>
                     </a:ext>
                   </a:extLst>
                 </a:gridCol>
@@ -13073,7 +13073,7 @@
                 </a:tc>
                 <a:extLst>
                   <a:ext uri="{0D108BD9-81ED-4DB2-BD59-A6C34878D82A}">
-                    <a16:rowId xmlns="" xmlns:a16="http://schemas.microsoft.com/office/drawing/2014/main" val="132260445"/>
+                    <a16:rowId xmlns:a16="http://schemas.microsoft.com/office/drawing/2014/main" xmlns="" val="132260445"/>
                   </a:ext>
                 </a:extLst>
               </a:tr>
@@ -13223,7 +13223,7 @@
                 </a:tc>
                 <a:extLst>
                   <a:ext uri="{0D108BD9-81ED-4DB2-BD59-A6C34878D82A}">
-                    <a16:rowId xmlns="" xmlns:a16="http://schemas.microsoft.com/office/drawing/2014/main" val="1454925855"/>
+                    <a16:rowId xmlns:a16="http://schemas.microsoft.com/office/drawing/2014/main" xmlns="" val="1454925855"/>
                   </a:ext>
                 </a:extLst>
               </a:tr>
@@ -13366,7 +13366,7 @@
                 </a:tc>
                 <a:extLst>
                   <a:ext uri="{0D108BD9-81ED-4DB2-BD59-A6C34878D82A}">
-                    <a16:rowId xmlns="" xmlns:a16="http://schemas.microsoft.com/office/drawing/2014/main" val="1815440894"/>
+                    <a16:rowId xmlns:a16="http://schemas.microsoft.com/office/drawing/2014/main" xmlns="" val="1815440894"/>
                   </a:ext>
                 </a:extLst>
               </a:tr>
@@ -13488,7 +13488,7 @@
                 </a:tc>
                 <a:extLst>
                   <a:ext uri="{0D108BD9-81ED-4DB2-BD59-A6C34878D82A}">
-                    <a16:rowId xmlns="" xmlns:a16="http://schemas.microsoft.com/office/drawing/2014/main" val="344899817"/>
+                    <a16:rowId xmlns:a16="http://schemas.microsoft.com/office/drawing/2014/main" xmlns="" val="344899817"/>
                   </a:ext>
                 </a:extLst>
               </a:tr>
@@ -13639,7 +13639,7 @@
                 </a:tc>
                 <a:extLst>
                   <a:ext uri="{0D108BD9-81ED-4DB2-BD59-A6C34878D82A}">
-                    <a16:rowId xmlns="" xmlns:a16="http://schemas.microsoft.com/office/drawing/2014/main" val="1268840849"/>
+                    <a16:rowId xmlns:a16="http://schemas.microsoft.com/office/drawing/2014/main" xmlns="" val="1268840849"/>
                   </a:ext>
                 </a:extLst>
               </a:tr>
@@ -14077,7 +14077,7 @@
                 </a:tc>
                 <a:extLst>
                   <a:ext uri="{0D108BD9-81ED-4DB2-BD59-A6C34878D82A}">
-                    <a16:rowId xmlns="" xmlns:a16="http://schemas.microsoft.com/office/drawing/2014/main" val="3241501689"/>
+                    <a16:rowId xmlns:a16="http://schemas.microsoft.com/office/drawing/2014/main" xmlns="" val="3241501689"/>
                   </a:ext>
                 </a:extLst>
               </a:tr>
@@ -14432,7 +14432,7 @@
                 </a:tc>
                 <a:extLst>
                   <a:ext uri="{0D108BD9-81ED-4DB2-BD59-A6C34878D82A}">
-                    <a16:rowId xmlns="" xmlns:a16="http://schemas.microsoft.com/office/drawing/2014/main" val="3375075753"/>
+                    <a16:rowId xmlns:a16="http://schemas.microsoft.com/office/drawing/2014/main" xmlns="" val="3375075753"/>
                   </a:ext>
                 </a:extLst>
               </a:tr>
@@ -14837,7 +14837,7 @@
                 </a:tc>
                 <a:extLst>
                   <a:ext uri="{0D108BD9-81ED-4DB2-BD59-A6C34878D82A}">
-                    <a16:rowId xmlns="" xmlns:a16="http://schemas.microsoft.com/office/drawing/2014/main" val="1818738132"/>
+                    <a16:rowId xmlns:a16="http://schemas.microsoft.com/office/drawing/2014/main" xmlns="" val="1818738132"/>
                   </a:ext>
                 </a:extLst>
               </a:tr>
@@ -15139,7 +15139,7 @@
                 </a:tc>
                 <a:extLst>
                   <a:ext uri="{0D108BD9-81ED-4DB2-BD59-A6C34878D82A}">
-                    <a16:rowId xmlns="" xmlns:a16="http://schemas.microsoft.com/office/drawing/2014/main" val="3192001067"/>
+                    <a16:rowId xmlns:a16="http://schemas.microsoft.com/office/drawing/2014/main" xmlns="" val="3192001067"/>
                   </a:ext>
                 </a:extLst>
               </a:tr>
@@ -15397,7 +15397,7 @@
                 </a:tc>
                 <a:extLst>
                   <a:ext uri="{0D108BD9-81ED-4DB2-BD59-A6C34878D82A}">
-                    <a16:rowId xmlns="" xmlns:a16="http://schemas.microsoft.com/office/drawing/2014/main" val="564902271"/>
+                    <a16:rowId xmlns:a16="http://schemas.microsoft.com/office/drawing/2014/main" xmlns="" val="564902271"/>
                   </a:ext>
                 </a:extLst>
               </a:tr>
@@ -15771,28 +15771,28 @@
                 <a:gridCol w="628595">
                   <a:extLst>
                     <a:ext uri="{9D8B030D-6E8A-4147-A177-3AD203B41FA5}">
-                      <a16:colId xmlns="" xmlns:a16="http://schemas.microsoft.com/office/drawing/2014/main" val="207362988"/>
+                      <a16:colId xmlns:a16="http://schemas.microsoft.com/office/drawing/2014/main" xmlns="" val="207362988"/>
                     </a:ext>
                   </a:extLst>
                 </a:gridCol>
                 <a:gridCol w="2213264">
                   <a:extLst>
                     <a:ext uri="{9D8B030D-6E8A-4147-A177-3AD203B41FA5}">
-                      <a16:colId xmlns="" xmlns:a16="http://schemas.microsoft.com/office/drawing/2014/main" val="20000"/>
+                      <a16:colId xmlns:a16="http://schemas.microsoft.com/office/drawing/2014/main" xmlns="" val="20000"/>
                     </a:ext>
                   </a:extLst>
                 </a:gridCol>
                 <a:gridCol w="2556164">
                   <a:extLst>
                     <a:ext uri="{9D8B030D-6E8A-4147-A177-3AD203B41FA5}">
-                      <a16:colId xmlns="" xmlns:a16="http://schemas.microsoft.com/office/drawing/2014/main" val="20001"/>
+                      <a16:colId xmlns:a16="http://schemas.microsoft.com/office/drawing/2014/main" xmlns="" val="20001"/>
                     </a:ext>
                   </a:extLst>
                 </a:gridCol>
                 <a:gridCol w="5634579">
                   <a:extLst>
                     <a:ext uri="{9D8B030D-6E8A-4147-A177-3AD203B41FA5}">
-                      <a16:colId xmlns="" xmlns:a16="http://schemas.microsoft.com/office/drawing/2014/main" val="610373499"/>
+                      <a16:colId xmlns:a16="http://schemas.microsoft.com/office/drawing/2014/main" xmlns="" val="610373499"/>
                     </a:ext>
                   </a:extLst>
                 </a:gridCol>
@@ -16156,7 +16156,7 @@
                 </a:tc>
                 <a:extLst>
                   <a:ext uri="{0D108BD9-81ED-4DB2-BD59-A6C34878D82A}">
-                    <a16:rowId xmlns="" xmlns:a16="http://schemas.microsoft.com/office/drawing/2014/main" val="10000"/>
+                    <a16:rowId xmlns:a16="http://schemas.microsoft.com/office/drawing/2014/main" xmlns="" val="10000"/>
                   </a:ext>
                 </a:extLst>
               </a:tr>
@@ -16486,7 +16486,7 @@
                 </a:tc>
                 <a:extLst>
                   <a:ext uri="{0D108BD9-81ED-4DB2-BD59-A6C34878D82A}">
-                    <a16:rowId xmlns="" xmlns:a16="http://schemas.microsoft.com/office/drawing/2014/main" val="10001"/>
+                    <a16:rowId xmlns:a16="http://schemas.microsoft.com/office/drawing/2014/main" xmlns="" val="10001"/>
                   </a:ext>
                 </a:extLst>
               </a:tr>
@@ -16844,7 +16844,7 @@
                 </a:tc>
                 <a:extLst>
                   <a:ext uri="{0D108BD9-81ED-4DB2-BD59-A6C34878D82A}">
-                    <a16:rowId xmlns="" xmlns:a16="http://schemas.microsoft.com/office/drawing/2014/main" val="10002"/>
+                    <a16:rowId xmlns:a16="http://schemas.microsoft.com/office/drawing/2014/main" xmlns="" val="10002"/>
                   </a:ext>
                 </a:extLst>
               </a:tr>
@@ -17202,7 +17202,7 @@
                 </a:tc>
                 <a:extLst>
                   <a:ext uri="{0D108BD9-81ED-4DB2-BD59-A6C34878D82A}">
-                    <a16:rowId xmlns="" xmlns:a16="http://schemas.microsoft.com/office/drawing/2014/main" val="10003"/>
+                    <a16:rowId xmlns:a16="http://schemas.microsoft.com/office/drawing/2014/main" xmlns="" val="10003"/>
                   </a:ext>
                 </a:extLst>
               </a:tr>
@@ -17560,7 +17560,7 @@
                 </a:tc>
                 <a:extLst>
                   <a:ext uri="{0D108BD9-81ED-4DB2-BD59-A6C34878D82A}">
-                    <a16:rowId xmlns="" xmlns:a16="http://schemas.microsoft.com/office/drawing/2014/main" val="10004"/>
+                    <a16:rowId xmlns:a16="http://schemas.microsoft.com/office/drawing/2014/main" xmlns="" val="10004"/>
                   </a:ext>
                 </a:extLst>
               </a:tr>
@@ -17918,7 +17918,7 @@
                 </a:tc>
                 <a:extLst>
                   <a:ext uri="{0D108BD9-81ED-4DB2-BD59-A6C34878D82A}">
-                    <a16:rowId xmlns="" xmlns:a16="http://schemas.microsoft.com/office/drawing/2014/main" val="2987373226"/>
+                    <a16:rowId xmlns:a16="http://schemas.microsoft.com/office/drawing/2014/main" xmlns="" val="2987373226"/>
                   </a:ext>
                 </a:extLst>
               </a:tr>
@@ -18276,7 +18276,7 @@
                 </a:tc>
                 <a:extLst>
                   <a:ext uri="{0D108BD9-81ED-4DB2-BD59-A6C34878D82A}">
-                    <a16:rowId xmlns="" xmlns:a16="http://schemas.microsoft.com/office/drawing/2014/main" val="2639051246"/>
+                    <a16:rowId xmlns:a16="http://schemas.microsoft.com/office/drawing/2014/main" xmlns="" val="2639051246"/>
                   </a:ext>
                 </a:extLst>
               </a:tr>
@@ -18634,7 +18634,7 @@
                 </a:tc>
                 <a:extLst>
                   <a:ext uri="{0D108BD9-81ED-4DB2-BD59-A6C34878D82A}">
-                    <a16:rowId xmlns="" xmlns:a16="http://schemas.microsoft.com/office/drawing/2014/main" val="1177553746"/>
+                    <a16:rowId xmlns:a16="http://schemas.microsoft.com/office/drawing/2014/main" xmlns="" val="1177553746"/>
                   </a:ext>
                 </a:extLst>
               </a:tr>
@@ -18984,7 +18984,7 @@
                 </a:tc>
                 <a:extLst>
                   <a:ext uri="{0D108BD9-81ED-4DB2-BD59-A6C34878D82A}">
-                    <a16:rowId xmlns="" xmlns:a16="http://schemas.microsoft.com/office/drawing/2014/main" val="4230401121"/>
+                    <a16:rowId xmlns:a16="http://schemas.microsoft.com/office/drawing/2014/main" xmlns="" val="4230401121"/>
                   </a:ext>
                 </a:extLst>
               </a:tr>
@@ -20404,7 +20404,7 @@
           <a:graphicData uri="http://schemas.openxmlformats.org/presentationml/2006/ole">
             <mc:AlternateContent xmlns:mc="http://schemas.openxmlformats.org/markup-compatibility/2006">
               <mc:Choice xmlns:v="urn:schemas-microsoft-com:vml" Requires="v">
-                <p:oleObj spid="_x0000_s44070" name="think-cell Slide" r:id="rId5" imgW="416" imgH="416" progId="TCLayout.ActiveDocument.1">
+                <p:oleObj spid="_x0000_s44071" name="think-cell Slide" r:id="rId5" imgW="416" imgH="416" progId="TCLayout.ActiveDocument.1">
                   <p:embed/>
                 </p:oleObj>
               </mc:Choice>
@@ -20801,7 +20801,7 @@
         </p:nvSpPr>
         <p:spPr>
           <a:xfrm>
-            <a:off x="8177026" y="5834618"/>
+            <a:off x="8177026" y="6262457"/>
             <a:ext cx="3442716" cy="466056"/>
           </a:xfrm>
           <a:prstGeom prst="rect">
@@ -22642,7 +22642,7 @@
   <a:extraClrSchemeLst/>
   <a:extLst>
     <a:ext uri="{05A4C25C-085E-4340-85A3-A5531E510DB2}">
-      <thm15:themeFamily xmlns="" xmlns:thm15="http://schemas.microsoft.com/office/thememl/2012/main" name="Bentley template 2021.potx" id="{C9F80F40-B2B1-4DB6-919B-71F3AAFFE5B0}" vid="{F9D38CA0-4F02-4029-A6BC-9642EF690A5C}"/>
+      <thm15:themeFamily xmlns:thm15="http://schemas.microsoft.com/office/thememl/2012/main" xmlns="" name="Bentley template 2021.potx" id="{C9F80F40-B2B1-4DB6-919B-71F3AAFFE5B0}" vid="{F9D38CA0-4F02-4029-A6BC-9642EF690A5C}"/>
     </a:ext>
   </a:extLst>
 </a:theme>
@@ -22876,7 +22876,7 @@
   <a:extraClrSchemeLst/>
   <a:extLst>
     <a:ext uri="{05A4C25C-085E-4340-85A3-A5531E510DB2}">
-      <thm15:themeFamily xmlns="" xmlns:thm15="http://schemas.microsoft.com/office/thememl/2012/main" name="Bentley template 2021.potx" id="{C9F80F40-B2B1-4DB6-919B-71F3AAFFE5B0}" vid="{F9D38CA0-4F02-4029-A6BC-9642EF690A5C}"/>
+      <thm15:themeFamily xmlns:thm15="http://schemas.microsoft.com/office/thememl/2012/main" xmlns="" name="Bentley template 2021.potx" id="{C9F80F40-B2B1-4DB6-919B-71F3AAFFE5B0}" vid="{F9D38CA0-4F02-4029-A6BC-9642EF690A5C}"/>
     </a:ext>
   </a:extLst>
 </a:theme>
@@ -23137,7 +23137,7 @@
   <a:extraClrSchemeLst/>
   <a:extLst>
     <a:ext uri="{05A4C25C-085E-4340-85A3-A5531E510DB2}">
-      <thm15:themeFamily xmlns="" xmlns:thm15="http://schemas.microsoft.com/office/thememl/2012/main" name="Office Theme" id="{62F939B6-93AF-4DB8-9C6B-D6C7DFDC589F}" vid="{4A3C46E8-61CC-4603-A589-7422A47A8E4A}"/>
+      <thm15:themeFamily xmlns:thm15="http://schemas.microsoft.com/office/thememl/2012/main" xmlns="" name="Office Theme" id="{62F939B6-93AF-4DB8-9C6B-D6C7DFDC589F}" vid="{4A3C46E8-61CC-4603-A589-7422A47A8E4A}"/>
     </a:ext>
   </a:extLst>
 </a:theme>

--- a/com.yrtech.bentleyAPI/com.yrtech.InventoryAPI/template/PlanHandOver.pptx
+++ b/com.yrtech.bentleyAPI/com.yrtech.InventoryAPI/template/PlanHandOver.pptx
@@ -120,7 +120,7 @@
   </p:defaultTextStyle>
   <p:extLst>
     <p:ext uri="{EFAFB233-063F-42B5-8137-9DF3F51BA10A}">
-      <p15:sldGuideLst xmlns:p15="http://schemas.microsoft.com/office/powerpoint/2012/main" xmlns="">
+      <p15:sldGuideLst xmlns:p15="http://schemas.microsoft.com/office/powerpoint/2012/main">
         <p15:guide id="1" pos="7310" userDrawn="1">
           <p15:clr>
             <a:srgbClr val="A4A3A4"/>
@@ -219,7 +219,7 @@
           <a:p>
             <a:fld id="{69A4D669-94F9-4D70-8C76-4C2D35D4E5D0}" type="datetimeFigureOut">
               <a:rPr lang="en-US" smtClean="0"/>
-              <a:t>4/9/2022</a:t>
+              <a:t>4/26/2022</a:t>
             </a:fld>
             <a:endParaRPr lang="en-US" dirty="0"/>
           </a:p>
@@ -1191,7 +1191,7 @@
           <a:graphicData uri="http://schemas.openxmlformats.org/presentationml/2006/ole">
             <mc:AlternateContent xmlns:mc="http://schemas.openxmlformats.org/markup-compatibility/2006">
               <mc:Choice xmlns:v="urn:schemas-microsoft-com:vml" Requires="v">
-                <p:oleObj spid="_x0000_s32807" name="think-cell Slide" r:id="rId5" imgW="216" imgH="216" progId="TCLayout.ActiveDocument.1">
+                <p:oleObj spid="_x0000_s32809" name="think-cell Slide" r:id="rId5" imgW="216" imgH="216" progId="TCLayout.ActiveDocument.1">
                   <p:embed/>
                 </p:oleObj>
               </mc:Choice>
@@ -1388,7 +1388,7 @@
           <p:cNvPr id="4" name="Footer Placeholder 3">
             <a:extLst>
               <a:ext uri="{FF2B5EF4-FFF2-40B4-BE49-F238E27FC236}">
-                <a16:creationId xmlns:a16="http://schemas.microsoft.com/office/drawing/2014/main" xmlns="" id="{17D6DE4C-D976-4B4B-B087-C035EF8D4F6F}"/>
+                <a16:creationId xmlns:a16="http://schemas.microsoft.com/office/drawing/2014/main" id="{17D6DE4C-D976-4B4B-B087-C035EF8D4F6F}"/>
               </a:ext>
             </a:extLst>
           </p:cNvPr>
@@ -1447,7 +1447,7 @@
           <p:cNvPr id="13" name="Straight Connector 12">
             <a:extLst>
               <a:ext uri="{FF2B5EF4-FFF2-40B4-BE49-F238E27FC236}">
-                <a16:creationId xmlns:a16="http://schemas.microsoft.com/office/drawing/2014/main" xmlns="" id="{95C486A1-9876-924E-85C2-906892F8B9AC}"/>
+                <a16:creationId xmlns:a16="http://schemas.microsoft.com/office/drawing/2014/main" id="{95C486A1-9876-924E-85C2-906892F8B9AC}"/>
               </a:ext>
             </a:extLst>
           </p:cNvPr>
@@ -1490,7 +1490,7 @@
           <p:cNvPr id="17" name="Slide Number Placeholder 5">
             <a:extLst>
               <a:ext uri="{FF2B5EF4-FFF2-40B4-BE49-F238E27FC236}">
-                <a16:creationId xmlns:a16="http://schemas.microsoft.com/office/drawing/2014/main" xmlns="" id="{CC67CD5C-67EC-5144-B858-5347C50D1ACD}"/>
+                <a16:creationId xmlns:a16="http://schemas.microsoft.com/office/drawing/2014/main" id="{CC67CD5C-67EC-5144-B858-5347C50D1ACD}"/>
               </a:ext>
             </a:extLst>
           </p:cNvPr>
@@ -1542,7 +1542,7 @@
           <p:cNvPr id="8" name="Title 7">
             <a:extLst>
               <a:ext uri="{FF2B5EF4-FFF2-40B4-BE49-F238E27FC236}">
-                <a16:creationId xmlns:a16="http://schemas.microsoft.com/office/drawing/2014/main" xmlns="" id="{8A6F1540-D306-D44E-B1B3-1ACCF1041F70}"/>
+                <a16:creationId xmlns:a16="http://schemas.microsoft.com/office/drawing/2014/main" id="{8A6F1540-D306-D44E-B1B3-1ACCF1041F70}"/>
               </a:ext>
             </a:extLst>
           </p:cNvPr>
@@ -1949,7 +1949,7 @@
           <a:graphicData uri="http://schemas.openxmlformats.org/presentationml/2006/ole">
             <mc:AlternateContent xmlns:mc="http://schemas.openxmlformats.org/markup-compatibility/2006">
               <mc:Choice xmlns:v="urn:schemas-microsoft-com:vml" Requires="v">
-                <p:oleObj spid="_x0000_s33831" name="think-cell Slide" r:id="rId4" imgW="216" imgH="216" progId="TCLayout.ActiveDocument.1">
+                <p:oleObj spid="_x0000_s33833" name="think-cell Slide" r:id="rId4" imgW="216" imgH="216" progId="TCLayout.ActiveDocument.1">
                   <p:embed/>
                 </p:oleObj>
               </mc:Choice>
@@ -2075,7 +2075,7 @@
           <p:cNvPr id="8" name="Title 7">
             <a:extLst>
               <a:ext uri="{FF2B5EF4-FFF2-40B4-BE49-F238E27FC236}">
-                <a16:creationId xmlns:a16="http://schemas.microsoft.com/office/drawing/2014/main" xmlns="" id="{8A6F1540-D306-D44E-B1B3-1ACCF1041F70}"/>
+                <a16:creationId xmlns:a16="http://schemas.microsoft.com/office/drawing/2014/main" id="{8A6F1540-D306-D44E-B1B3-1ACCF1041F70}"/>
               </a:ext>
             </a:extLst>
           </p:cNvPr>
@@ -2111,7 +2111,7 @@
           <p:cNvPr id="9" name="Content Placeholder 2">
             <a:extLst>
               <a:ext uri="{FF2B5EF4-FFF2-40B4-BE49-F238E27FC236}">
-                <a16:creationId xmlns:a16="http://schemas.microsoft.com/office/drawing/2014/main" xmlns="" id="{0A7C1352-3D49-F849-9BC3-BC0AF9CD8F04}"/>
+                <a16:creationId xmlns:a16="http://schemas.microsoft.com/office/drawing/2014/main" id="{0A7C1352-3D49-F849-9BC3-BC0AF9CD8F04}"/>
               </a:ext>
             </a:extLst>
           </p:cNvPr>
@@ -2203,7 +2203,7 @@
           <p:cNvPr id="10" name="Content Placeholder 2">
             <a:extLst>
               <a:ext uri="{FF2B5EF4-FFF2-40B4-BE49-F238E27FC236}">
-                <a16:creationId xmlns:a16="http://schemas.microsoft.com/office/drawing/2014/main" xmlns="" id="{D1AA7CFB-7669-2648-A3E1-E647E531399E}"/>
+                <a16:creationId xmlns:a16="http://schemas.microsoft.com/office/drawing/2014/main" id="{D1AA7CFB-7669-2648-A3E1-E647E531399E}"/>
               </a:ext>
             </a:extLst>
           </p:cNvPr>
@@ -2295,7 +2295,7 @@
           <p:cNvPr id="11" name="Content Placeholder 2">
             <a:extLst>
               <a:ext uri="{FF2B5EF4-FFF2-40B4-BE49-F238E27FC236}">
-                <a16:creationId xmlns:a16="http://schemas.microsoft.com/office/drawing/2014/main" xmlns="" id="{2E4B4082-D988-5D43-9C32-2C7F747717ED}"/>
+                <a16:creationId xmlns:a16="http://schemas.microsoft.com/office/drawing/2014/main" id="{2E4B4082-D988-5D43-9C32-2C7F747717ED}"/>
               </a:ext>
             </a:extLst>
           </p:cNvPr>
@@ -2387,7 +2387,7 @@
           <p:cNvPr id="12" name="Content Placeholder 2">
             <a:extLst>
               <a:ext uri="{FF2B5EF4-FFF2-40B4-BE49-F238E27FC236}">
-                <a16:creationId xmlns:a16="http://schemas.microsoft.com/office/drawing/2014/main" xmlns="" id="{45B8DE4D-1F9B-7341-8CB2-D70634815B55}"/>
+                <a16:creationId xmlns:a16="http://schemas.microsoft.com/office/drawing/2014/main" id="{45B8DE4D-1F9B-7341-8CB2-D70634815B55}"/>
               </a:ext>
             </a:extLst>
           </p:cNvPr>
@@ -2479,7 +2479,7 @@
           <p:cNvPr id="14" name="Footer Placeholder 3">
             <a:extLst>
               <a:ext uri="{FF2B5EF4-FFF2-40B4-BE49-F238E27FC236}">
-                <a16:creationId xmlns:a16="http://schemas.microsoft.com/office/drawing/2014/main" xmlns="" id="{DBA440F4-82E0-7E45-8A6F-4A8C7572AEE5}"/>
+                <a16:creationId xmlns:a16="http://schemas.microsoft.com/office/drawing/2014/main" id="{DBA440F4-82E0-7E45-8A6F-4A8C7572AEE5}"/>
               </a:ext>
             </a:extLst>
           </p:cNvPr>
@@ -2538,7 +2538,7 @@
           <p:cNvPr id="15" name="Slide Number Placeholder 5">
             <a:extLst>
               <a:ext uri="{FF2B5EF4-FFF2-40B4-BE49-F238E27FC236}">
-                <a16:creationId xmlns:a16="http://schemas.microsoft.com/office/drawing/2014/main" xmlns="" id="{CC67CD5C-67EC-5144-B858-5347C50D1ACD}"/>
+                <a16:creationId xmlns:a16="http://schemas.microsoft.com/office/drawing/2014/main" id="{CC67CD5C-67EC-5144-B858-5347C50D1ACD}"/>
               </a:ext>
             </a:extLst>
           </p:cNvPr>
@@ -2590,7 +2590,7 @@
           <p:cNvPr id="16" name="Straight Connector 15">
             <a:extLst>
               <a:ext uri="{FF2B5EF4-FFF2-40B4-BE49-F238E27FC236}">
-                <a16:creationId xmlns:a16="http://schemas.microsoft.com/office/drawing/2014/main" xmlns="" id="{95C486A1-9876-924E-85C2-906892F8B9AC}"/>
+                <a16:creationId xmlns:a16="http://schemas.microsoft.com/office/drawing/2014/main" id="{95C486A1-9876-924E-85C2-906892F8B9AC}"/>
               </a:ext>
             </a:extLst>
           </p:cNvPr>
@@ -2686,7 +2686,7 @@
           <a:graphicData uri="http://schemas.openxmlformats.org/presentationml/2006/ole">
             <mc:AlternateContent xmlns:mc="http://schemas.openxmlformats.org/markup-compatibility/2006">
               <mc:Choice xmlns:v="urn:schemas-microsoft-com:vml" Requires="v">
-                <p:oleObj spid="_x0000_s34855" name="think-cell Slide" r:id="rId4" imgW="216" imgH="216" progId="TCLayout.ActiveDocument.1">
+                <p:oleObj spid="_x0000_s34857" name="think-cell Slide" r:id="rId4" imgW="216" imgH="216" progId="TCLayout.ActiveDocument.1">
                   <p:embed/>
                 </p:oleObj>
               </mc:Choice>
@@ -2726,7 +2726,7 @@
           <p:cNvPr id="8" name="Title 7">
             <a:extLst>
               <a:ext uri="{FF2B5EF4-FFF2-40B4-BE49-F238E27FC236}">
-                <a16:creationId xmlns:a16="http://schemas.microsoft.com/office/drawing/2014/main" xmlns="" id="{8A6F1540-D306-D44E-B1B3-1ACCF1041F70}"/>
+                <a16:creationId xmlns:a16="http://schemas.microsoft.com/office/drawing/2014/main" id="{8A6F1540-D306-D44E-B1B3-1ACCF1041F70}"/>
               </a:ext>
             </a:extLst>
           </p:cNvPr>
@@ -3522,7 +3522,7 @@
           <p:cNvPr id="37" name="Footer Placeholder 3">
             <a:extLst>
               <a:ext uri="{FF2B5EF4-FFF2-40B4-BE49-F238E27FC236}">
-                <a16:creationId xmlns:a16="http://schemas.microsoft.com/office/drawing/2014/main" xmlns="" id="{DBA440F4-82E0-7E45-8A6F-4A8C7572AEE5}"/>
+                <a16:creationId xmlns:a16="http://schemas.microsoft.com/office/drawing/2014/main" id="{DBA440F4-82E0-7E45-8A6F-4A8C7572AEE5}"/>
               </a:ext>
             </a:extLst>
           </p:cNvPr>
@@ -3581,7 +3581,7 @@
           <p:cNvPr id="38" name="Slide Number Placeholder 5">
             <a:extLst>
               <a:ext uri="{FF2B5EF4-FFF2-40B4-BE49-F238E27FC236}">
-                <a16:creationId xmlns:a16="http://schemas.microsoft.com/office/drawing/2014/main" xmlns="" id="{CC67CD5C-67EC-5144-B858-5347C50D1ACD}"/>
+                <a16:creationId xmlns:a16="http://schemas.microsoft.com/office/drawing/2014/main" id="{CC67CD5C-67EC-5144-B858-5347C50D1ACD}"/>
               </a:ext>
             </a:extLst>
           </p:cNvPr>
@@ -3633,7 +3633,7 @@
           <p:cNvPr id="39" name="Straight Connector 38">
             <a:extLst>
               <a:ext uri="{FF2B5EF4-FFF2-40B4-BE49-F238E27FC236}">
-                <a16:creationId xmlns:a16="http://schemas.microsoft.com/office/drawing/2014/main" xmlns="" id="{95C486A1-9876-924E-85C2-906892F8B9AC}"/>
+                <a16:creationId xmlns:a16="http://schemas.microsoft.com/office/drawing/2014/main" id="{95C486A1-9876-924E-85C2-906892F8B9AC}"/>
               </a:ext>
             </a:extLst>
           </p:cNvPr>
@@ -3734,7 +3734,7 @@
           <a:graphicData uri="http://schemas.openxmlformats.org/presentationml/2006/ole">
             <mc:AlternateContent xmlns:mc="http://schemas.openxmlformats.org/markup-compatibility/2006">
               <mc:Choice xmlns:v="urn:schemas-microsoft-com:vml" Requires="v">
-                <p:oleObj spid="_x0000_s35879" name="think-cell Slide" r:id="rId5" imgW="216" imgH="216" progId="TCLayout.ActiveDocument.1">
+                <p:oleObj spid="_x0000_s35881" name="think-cell Slide" r:id="rId5" imgW="216" imgH="216" progId="TCLayout.ActiveDocument.1">
                   <p:embed/>
                 </p:oleObj>
               </mc:Choice>
@@ -3951,7 +3951,7 @@
           <p:cNvPr id="4" name="Footer Placeholder 3">
             <a:extLst>
               <a:ext uri="{FF2B5EF4-FFF2-40B4-BE49-F238E27FC236}">
-                <a16:creationId xmlns:a16="http://schemas.microsoft.com/office/drawing/2014/main" xmlns="" id="{17D6DE4C-D976-4B4B-B087-C035EF8D4F6F}"/>
+                <a16:creationId xmlns:a16="http://schemas.microsoft.com/office/drawing/2014/main" id="{17D6DE4C-D976-4B4B-B087-C035EF8D4F6F}"/>
               </a:ext>
             </a:extLst>
           </p:cNvPr>
@@ -4010,7 +4010,7 @@
           <p:cNvPr id="17" name="Slide Number Placeholder 5">
             <a:extLst>
               <a:ext uri="{FF2B5EF4-FFF2-40B4-BE49-F238E27FC236}">
-                <a16:creationId xmlns:a16="http://schemas.microsoft.com/office/drawing/2014/main" xmlns="" id="{CC67CD5C-67EC-5144-B858-5347C50D1ACD}"/>
+                <a16:creationId xmlns:a16="http://schemas.microsoft.com/office/drawing/2014/main" id="{CC67CD5C-67EC-5144-B858-5347C50D1ACD}"/>
               </a:ext>
             </a:extLst>
           </p:cNvPr>
@@ -4062,7 +4062,7 @@
           <p:cNvPr id="8" name="Title 7">
             <a:extLst>
               <a:ext uri="{FF2B5EF4-FFF2-40B4-BE49-F238E27FC236}">
-                <a16:creationId xmlns:a16="http://schemas.microsoft.com/office/drawing/2014/main" xmlns="" id="{8A6F1540-D306-D44E-B1B3-1ACCF1041F70}"/>
+                <a16:creationId xmlns:a16="http://schemas.microsoft.com/office/drawing/2014/main" id="{8A6F1540-D306-D44E-B1B3-1ACCF1041F70}"/>
               </a:ext>
             </a:extLst>
           </p:cNvPr>
@@ -4106,7 +4106,7 @@
           <p:cNvPr id="9" name="Straight Connector 8">
             <a:extLst>
               <a:ext uri="{FF2B5EF4-FFF2-40B4-BE49-F238E27FC236}">
-                <a16:creationId xmlns:a16="http://schemas.microsoft.com/office/drawing/2014/main" xmlns="" id="{BB1AA2BE-B537-254D-958A-FBAFDE7E90DC}"/>
+                <a16:creationId xmlns:a16="http://schemas.microsoft.com/office/drawing/2014/main" id="{BB1AA2BE-B537-254D-958A-FBAFDE7E90DC}"/>
               </a:ext>
             </a:extLst>
           </p:cNvPr>
@@ -4149,7 +4149,7 @@
           <p:cNvPr id="10" name="Straight Connector 9">
             <a:extLst>
               <a:ext uri="{FF2B5EF4-FFF2-40B4-BE49-F238E27FC236}">
-                <a16:creationId xmlns:a16="http://schemas.microsoft.com/office/drawing/2014/main" xmlns="" id="{95C486A1-9876-924E-85C2-906892F8B9AC}"/>
+                <a16:creationId xmlns:a16="http://schemas.microsoft.com/office/drawing/2014/main" id="{95C486A1-9876-924E-85C2-906892F8B9AC}"/>
               </a:ext>
             </a:extLst>
           </p:cNvPr>
@@ -4253,7 +4253,7 @@
           <a:graphicData uri="http://schemas.openxmlformats.org/presentationml/2006/ole">
             <mc:AlternateContent xmlns:mc="http://schemas.openxmlformats.org/markup-compatibility/2006">
               <mc:Choice xmlns:v="urn:schemas-microsoft-com:vml" Requires="v">
-                <p:oleObj spid="_x0000_s45077" name="think-cell Slide" r:id="rId4" imgW="216" imgH="216" progId="TCLayout.ActiveDocument.1">
+                <p:oleObj spid="_x0000_s45079" name="think-cell Slide" r:id="rId4" imgW="216" imgH="216" progId="TCLayout.ActiveDocument.1">
                   <p:embed/>
                 </p:oleObj>
               </mc:Choice>
@@ -4339,7 +4339,7 @@
           <a:graphicData uri="http://schemas.openxmlformats.org/presentationml/2006/ole">
             <mc:AlternateContent xmlns:mc="http://schemas.openxmlformats.org/markup-compatibility/2006">
               <mc:Choice xmlns:v="urn:schemas-microsoft-com:vml" Requires="v">
-                <p:oleObj spid="_x0000_s37927" name="think-cell Slide" r:id="rId5" imgW="216" imgH="216" progId="TCLayout.ActiveDocument.1">
+                <p:oleObj spid="_x0000_s37929" name="think-cell Slide" r:id="rId5" imgW="216" imgH="216" progId="TCLayout.ActiveDocument.1">
                   <p:embed/>
                 </p:oleObj>
               </mc:Choice>
@@ -4536,7 +4536,7 @@
           <p:cNvPr id="4" name="Footer Placeholder 3">
             <a:extLst>
               <a:ext uri="{FF2B5EF4-FFF2-40B4-BE49-F238E27FC236}">
-                <a16:creationId xmlns:a16="http://schemas.microsoft.com/office/drawing/2014/main" xmlns="" id="{17D6DE4C-D976-4B4B-B087-C035EF8D4F6F}"/>
+                <a16:creationId xmlns:a16="http://schemas.microsoft.com/office/drawing/2014/main" id="{17D6DE4C-D976-4B4B-B087-C035EF8D4F6F}"/>
               </a:ext>
             </a:extLst>
           </p:cNvPr>
@@ -4595,7 +4595,7 @@
           <p:cNvPr id="13" name="Straight Connector 12">
             <a:extLst>
               <a:ext uri="{FF2B5EF4-FFF2-40B4-BE49-F238E27FC236}">
-                <a16:creationId xmlns:a16="http://schemas.microsoft.com/office/drawing/2014/main" xmlns="" id="{95C486A1-9876-924E-85C2-906892F8B9AC}"/>
+                <a16:creationId xmlns:a16="http://schemas.microsoft.com/office/drawing/2014/main" id="{95C486A1-9876-924E-85C2-906892F8B9AC}"/>
               </a:ext>
             </a:extLst>
           </p:cNvPr>
@@ -4638,7 +4638,7 @@
           <p:cNvPr id="17" name="Slide Number Placeholder 5">
             <a:extLst>
               <a:ext uri="{FF2B5EF4-FFF2-40B4-BE49-F238E27FC236}">
-                <a16:creationId xmlns:a16="http://schemas.microsoft.com/office/drawing/2014/main" xmlns="" id="{CC67CD5C-67EC-5144-B858-5347C50D1ACD}"/>
+                <a16:creationId xmlns:a16="http://schemas.microsoft.com/office/drawing/2014/main" id="{CC67CD5C-67EC-5144-B858-5347C50D1ACD}"/>
               </a:ext>
             </a:extLst>
           </p:cNvPr>
@@ -4690,7 +4690,7 @@
           <p:cNvPr id="8" name="Title 7">
             <a:extLst>
               <a:ext uri="{FF2B5EF4-FFF2-40B4-BE49-F238E27FC236}">
-                <a16:creationId xmlns:a16="http://schemas.microsoft.com/office/drawing/2014/main" xmlns="" id="{8A6F1540-D306-D44E-B1B3-1ACCF1041F70}"/>
+                <a16:creationId xmlns:a16="http://schemas.microsoft.com/office/drawing/2014/main" id="{8A6F1540-D306-D44E-B1B3-1ACCF1041F70}"/>
               </a:ext>
             </a:extLst>
           </p:cNvPr>
@@ -4816,7 +4816,7 @@
           <a:graphicData uri="http://schemas.openxmlformats.org/presentationml/2006/ole">
             <mc:AlternateContent xmlns:mc="http://schemas.openxmlformats.org/markup-compatibility/2006">
               <mc:Choice xmlns:v="urn:schemas-microsoft-com:vml" Requires="v">
-                <p:oleObj spid="_x0000_s38951" name="think-cell Slide" r:id="rId4" imgW="216" imgH="216" progId="TCLayout.ActiveDocument.1">
+                <p:oleObj spid="_x0000_s38953" name="think-cell Slide" r:id="rId4" imgW="216" imgH="216" progId="TCLayout.ActiveDocument.1">
                   <p:embed/>
                 </p:oleObj>
               </mc:Choice>
@@ -4942,7 +4942,7 @@
           <p:cNvPr id="8" name="Title 7">
             <a:extLst>
               <a:ext uri="{FF2B5EF4-FFF2-40B4-BE49-F238E27FC236}">
-                <a16:creationId xmlns:a16="http://schemas.microsoft.com/office/drawing/2014/main" xmlns="" id="{8A6F1540-D306-D44E-B1B3-1ACCF1041F70}"/>
+                <a16:creationId xmlns:a16="http://schemas.microsoft.com/office/drawing/2014/main" id="{8A6F1540-D306-D44E-B1B3-1ACCF1041F70}"/>
               </a:ext>
             </a:extLst>
           </p:cNvPr>
@@ -4978,7 +4978,7 @@
           <p:cNvPr id="9" name="Content Placeholder 2">
             <a:extLst>
               <a:ext uri="{FF2B5EF4-FFF2-40B4-BE49-F238E27FC236}">
-                <a16:creationId xmlns:a16="http://schemas.microsoft.com/office/drawing/2014/main" xmlns="" id="{0A7C1352-3D49-F849-9BC3-BC0AF9CD8F04}"/>
+                <a16:creationId xmlns:a16="http://schemas.microsoft.com/office/drawing/2014/main" id="{0A7C1352-3D49-F849-9BC3-BC0AF9CD8F04}"/>
               </a:ext>
             </a:extLst>
           </p:cNvPr>
@@ -5070,7 +5070,7 @@
           <p:cNvPr id="10" name="Content Placeholder 2">
             <a:extLst>
               <a:ext uri="{FF2B5EF4-FFF2-40B4-BE49-F238E27FC236}">
-                <a16:creationId xmlns:a16="http://schemas.microsoft.com/office/drawing/2014/main" xmlns="" id="{D1AA7CFB-7669-2648-A3E1-E647E531399E}"/>
+                <a16:creationId xmlns:a16="http://schemas.microsoft.com/office/drawing/2014/main" id="{D1AA7CFB-7669-2648-A3E1-E647E531399E}"/>
               </a:ext>
             </a:extLst>
           </p:cNvPr>
@@ -5162,7 +5162,7 @@
           <p:cNvPr id="11" name="Content Placeholder 2">
             <a:extLst>
               <a:ext uri="{FF2B5EF4-FFF2-40B4-BE49-F238E27FC236}">
-                <a16:creationId xmlns:a16="http://schemas.microsoft.com/office/drawing/2014/main" xmlns="" id="{2E4B4082-D988-5D43-9C32-2C7F747717ED}"/>
+                <a16:creationId xmlns:a16="http://schemas.microsoft.com/office/drawing/2014/main" id="{2E4B4082-D988-5D43-9C32-2C7F747717ED}"/>
               </a:ext>
             </a:extLst>
           </p:cNvPr>
@@ -5254,7 +5254,7 @@
           <p:cNvPr id="12" name="Content Placeholder 2">
             <a:extLst>
               <a:ext uri="{FF2B5EF4-FFF2-40B4-BE49-F238E27FC236}">
-                <a16:creationId xmlns:a16="http://schemas.microsoft.com/office/drawing/2014/main" xmlns="" id="{45B8DE4D-1F9B-7341-8CB2-D70634815B55}"/>
+                <a16:creationId xmlns:a16="http://schemas.microsoft.com/office/drawing/2014/main" id="{45B8DE4D-1F9B-7341-8CB2-D70634815B55}"/>
               </a:ext>
             </a:extLst>
           </p:cNvPr>
@@ -5346,7 +5346,7 @@
           <p:cNvPr id="14" name="Footer Placeholder 3">
             <a:extLst>
               <a:ext uri="{FF2B5EF4-FFF2-40B4-BE49-F238E27FC236}">
-                <a16:creationId xmlns:a16="http://schemas.microsoft.com/office/drawing/2014/main" xmlns="" id="{DBA440F4-82E0-7E45-8A6F-4A8C7572AEE5}"/>
+                <a16:creationId xmlns:a16="http://schemas.microsoft.com/office/drawing/2014/main" id="{DBA440F4-82E0-7E45-8A6F-4A8C7572AEE5}"/>
               </a:ext>
             </a:extLst>
           </p:cNvPr>
@@ -5405,7 +5405,7 @@
           <p:cNvPr id="15" name="Slide Number Placeholder 5">
             <a:extLst>
               <a:ext uri="{FF2B5EF4-FFF2-40B4-BE49-F238E27FC236}">
-                <a16:creationId xmlns:a16="http://schemas.microsoft.com/office/drawing/2014/main" xmlns="" id="{CC67CD5C-67EC-5144-B858-5347C50D1ACD}"/>
+                <a16:creationId xmlns:a16="http://schemas.microsoft.com/office/drawing/2014/main" id="{CC67CD5C-67EC-5144-B858-5347C50D1ACD}"/>
               </a:ext>
             </a:extLst>
           </p:cNvPr>
@@ -5457,7 +5457,7 @@
           <p:cNvPr id="16" name="Straight Connector 15">
             <a:extLst>
               <a:ext uri="{FF2B5EF4-FFF2-40B4-BE49-F238E27FC236}">
-                <a16:creationId xmlns:a16="http://schemas.microsoft.com/office/drawing/2014/main" xmlns="" id="{95C486A1-9876-924E-85C2-906892F8B9AC}"/>
+                <a16:creationId xmlns:a16="http://schemas.microsoft.com/office/drawing/2014/main" id="{95C486A1-9876-924E-85C2-906892F8B9AC}"/>
               </a:ext>
             </a:extLst>
           </p:cNvPr>
@@ -5553,7 +5553,7 @@
           <a:graphicData uri="http://schemas.openxmlformats.org/presentationml/2006/ole">
             <mc:AlternateContent xmlns:mc="http://schemas.openxmlformats.org/markup-compatibility/2006">
               <mc:Choice xmlns:v="urn:schemas-microsoft-com:vml" Requires="v">
-                <p:oleObj spid="_x0000_s39975" name="think-cell Slide" r:id="rId4" imgW="216" imgH="216" progId="TCLayout.ActiveDocument.1">
+                <p:oleObj spid="_x0000_s39977" name="think-cell Slide" r:id="rId4" imgW="216" imgH="216" progId="TCLayout.ActiveDocument.1">
                   <p:embed/>
                 </p:oleObj>
               </mc:Choice>
@@ -5593,7 +5593,7 @@
           <p:cNvPr id="8" name="Title 7">
             <a:extLst>
               <a:ext uri="{FF2B5EF4-FFF2-40B4-BE49-F238E27FC236}">
-                <a16:creationId xmlns:a16="http://schemas.microsoft.com/office/drawing/2014/main" xmlns="" id="{8A6F1540-D306-D44E-B1B3-1ACCF1041F70}"/>
+                <a16:creationId xmlns:a16="http://schemas.microsoft.com/office/drawing/2014/main" id="{8A6F1540-D306-D44E-B1B3-1ACCF1041F70}"/>
               </a:ext>
             </a:extLst>
           </p:cNvPr>
@@ -6389,7 +6389,7 @@
           <p:cNvPr id="37" name="Footer Placeholder 3">
             <a:extLst>
               <a:ext uri="{FF2B5EF4-FFF2-40B4-BE49-F238E27FC236}">
-                <a16:creationId xmlns:a16="http://schemas.microsoft.com/office/drawing/2014/main" xmlns="" id="{DBA440F4-82E0-7E45-8A6F-4A8C7572AEE5}"/>
+                <a16:creationId xmlns:a16="http://schemas.microsoft.com/office/drawing/2014/main" id="{DBA440F4-82E0-7E45-8A6F-4A8C7572AEE5}"/>
               </a:ext>
             </a:extLst>
           </p:cNvPr>
@@ -6448,7 +6448,7 @@
           <p:cNvPr id="38" name="Slide Number Placeholder 5">
             <a:extLst>
               <a:ext uri="{FF2B5EF4-FFF2-40B4-BE49-F238E27FC236}">
-                <a16:creationId xmlns:a16="http://schemas.microsoft.com/office/drawing/2014/main" xmlns="" id="{CC67CD5C-67EC-5144-B858-5347C50D1ACD}"/>
+                <a16:creationId xmlns:a16="http://schemas.microsoft.com/office/drawing/2014/main" id="{CC67CD5C-67EC-5144-B858-5347C50D1ACD}"/>
               </a:ext>
             </a:extLst>
           </p:cNvPr>
@@ -6500,7 +6500,7 @@
           <p:cNvPr id="39" name="Straight Connector 38">
             <a:extLst>
               <a:ext uri="{FF2B5EF4-FFF2-40B4-BE49-F238E27FC236}">
-                <a16:creationId xmlns:a16="http://schemas.microsoft.com/office/drawing/2014/main" xmlns="" id="{95C486A1-9876-924E-85C2-906892F8B9AC}"/>
+                <a16:creationId xmlns:a16="http://schemas.microsoft.com/office/drawing/2014/main" id="{95C486A1-9876-924E-85C2-906892F8B9AC}"/>
               </a:ext>
             </a:extLst>
           </p:cNvPr>
@@ -6601,7 +6601,7 @@
           <a:graphicData uri="http://schemas.openxmlformats.org/presentationml/2006/ole">
             <mc:AlternateContent xmlns:mc="http://schemas.openxmlformats.org/markup-compatibility/2006">
               <mc:Choice xmlns:v="urn:schemas-microsoft-com:vml" Requires="v">
-                <p:oleObj spid="_x0000_s40999" name="think-cell Slide" r:id="rId5" imgW="216" imgH="216" progId="TCLayout.ActiveDocument.1">
+                <p:oleObj spid="_x0000_s41001" name="think-cell Slide" r:id="rId5" imgW="216" imgH="216" progId="TCLayout.ActiveDocument.1">
                   <p:embed/>
                 </p:oleObj>
               </mc:Choice>
@@ -6818,7 +6818,7 @@
           <p:cNvPr id="4" name="Footer Placeholder 3">
             <a:extLst>
               <a:ext uri="{FF2B5EF4-FFF2-40B4-BE49-F238E27FC236}">
-                <a16:creationId xmlns:a16="http://schemas.microsoft.com/office/drawing/2014/main" xmlns="" id="{17D6DE4C-D976-4B4B-B087-C035EF8D4F6F}"/>
+                <a16:creationId xmlns:a16="http://schemas.microsoft.com/office/drawing/2014/main" id="{17D6DE4C-D976-4B4B-B087-C035EF8D4F6F}"/>
               </a:ext>
             </a:extLst>
           </p:cNvPr>
@@ -6877,7 +6877,7 @@
           <p:cNvPr id="17" name="Slide Number Placeholder 5">
             <a:extLst>
               <a:ext uri="{FF2B5EF4-FFF2-40B4-BE49-F238E27FC236}">
-                <a16:creationId xmlns:a16="http://schemas.microsoft.com/office/drawing/2014/main" xmlns="" id="{CC67CD5C-67EC-5144-B858-5347C50D1ACD}"/>
+                <a16:creationId xmlns:a16="http://schemas.microsoft.com/office/drawing/2014/main" id="{CC67CD5C-67EC-5144-B858-5347C50D1ACD}"/>
               </a:ext>
             </a:extLst>
           </p:cNvPr>
@@ -6929,7 +6929,7 @@
           <p:cNvPr id="8" name="Title 7">
             <a:extLst>
               <a:ext uri="{FF2B5EF4-FFF2-40B4-BE49-F238E27FC236}">
-                <a16:creationId xmlns:a16="http://schemas.microsoft.com/office/drawing/2014/main" xmlns="" id="{8A6F1540-D306-D44E-B1B3-1ACCF1041F70}"/>
+                <a16:creationId xmlns:a16="http://schemas.microsoft.com/office/drawing/2014/main" id="{8A6F1540-D306-D44E-B1B3-1ACCF1041F70}"/>
               </a:ext>
             </a:extLst>
           </p:cNvPr>
@@ -6973,7 +6973,7 @@
           <p:cNvPr id="9" name="Straight Connector 8">
             <a:extLst>
               <a:ext uri="{FF2B5EF4-FFF2-40B4-BE49-F238E27FC236}">
-                <a16:creationId xmlns:a16="http://schemas.microsoft.com/office/drawing/2014/main" xmlns="" id="{BB1AA2BE-B537-254D-958A-FBAFDE7E90DC}"/>
+                <a16:creationId xmlns:a16="http://schemas.microsoft.com/office/drawing/2014/main" id="{BB1AA2BE-B537-254D-958A-FBAFDE7E90DC}"/>
               </a:ext>
             </a:extLst>
           </p:cNvPr>
@@ -7016,7 +7016,7 @@
           <p:cNvPr id="10" name="Straight Connector 9">
             <a:extLst>
               <a:ext uri="{FF2B5EF4-FFF2-40B4-BE49-F238E27FC236}">
-                <a16:creationId xmlns:a16="http://schemas.microsoft.com/office/drawing/2014/main" xmlns="" id="{95C486A1-9876-924E-85C2-906892F8B9AC}"/>
+                <a16:creationId xmlns:a16="http://schemas.microsoft.com/office/drawing/2014/main" id="{95C486A1-9876-924E-85C2-906892F8B9AC}"/>
               </a:ext>
             </a:extLst>
           </p:cNvPr>
@@ -7121,7 +7121,7 @@
           <a:graphicData uri="http://schemas.openxmlformats.org/presentationml/2006/ole">
             <mc:AlternateContent xmlns:mc="http://schemas.openxmlformats.org/markup-compatibility/2006">
               <mc:Choice xmlns:v="urn:schemas-microsoft-com:vml" Requires="v">
-                <p:oleObj spid="_x0000_s31783" name="think-cell Slide" r:id="rId10" imgW="216" imgH="216" progId="TCLayout.ActiveDocument.1">
+                <p:oleObj spid="_x0000_s31785" name="think-cell Slide" r:id="rId10" imgW="216" imgH="216" progId="TCLayout.ActiveDocument.1">
                   <p:embed/>
                 </p:oleObj>
               </mc:Choice>
@@ -7241,7 +7241,7 @@
           <p:cNvPr id="10" name="Straight Connector 9">
             <a:extLst>
               <a:ext uri="{FF2B5EF4-FFF2-40B4-BE49-F238E27FC236}">
-                <a16:creationId xmlns:a16="http://schemas.microsoft.com/office/drawing/2014/main" xmlns="" id="{BB1AA2BE-B537-254D-958A-FBAFDE7E90DC}"/>
+                <a16:creationId xmlns:a16="http://schemas.microsoft.com/office/drawing/2014/main" id="{BB1AA2BE-B537-254D-958A-FBAFDE7E90DC}"/>
               </a:ext>
             </a:extLst>
           </p:cNvPr>
@@ -7284,7 +7284,7 @@
           <p:cNvPr id="15" name="Footer Placeholder 3">
             <a:extLst>
               <a:ext uri="{FF2B5EF4-FFF2-40B4-BE49-F238E27FC236}">
-                <a16:creationId xmlns:a16="http://schemas.microsoft.com/office/drawing/2014/main" xmlns="" id="{DBA440F4-82E0-7E45-8A6F-4A8C7572AEE5}"/>
+                <a16:creationId xmlns:a16="http://schemas.microsoft.com/office/drawing/2014/main" id="{DBA440F4-82E0-7E45-8A6F-4A8C7572AEE5}"/>
               </a:ext>
             </a:extLst>
           </p:cNvPr>
@@ -7343,7 +7343,7 @@
           <p:cNvPr id="16" name="Slide Number Placeholder 5">
             <a:extLst>
               <a:ext uri="{FF2B5EF4-FFF2-40B4-BE49-F238E27FC236}">
-                <a16:creationId xmlns:a16="http://schemas.microsoft.com/office/drawing/2014/main" xmlns="" id="{2D9636C8-FF6B-E141-B9E1-70C7091B23B1}"/>
+                <a16:creationId xmlns:a16="http://schemas.microsoft.com/office/drawing/2014/main" id="{2D9636C8-FF6B-E141-B9E1-70C7091B23B1}"/>
               </a:ext>
             </a:extLst>
           </p:cNvPr>
@@ -7710,7 +7710,7 @@
   </p:txStyles>
   <p:extLst mod="1">
     <p:ext uri="{27BBF7A9-308A-43DC-89C8-2F10F3537804}">
-      <p15:sldGuideLst xmlns:p15="http://schemas.microsoft.com/office/powerpoint/2012/main" xmlns="">
+      <p15:sldGuideLst xmlns:p15="http://schemas.microsoft.com/office/powerpoint/2012/main">
         <p15:guide id="1" orient="horz" pos="2041">
           <p15:clr>
             <a:srgbClr val="F26B43"/>
@@ -7879,7 +7879,7 @@
           <a:graphicData uri="http://schemas.openxmlformats.org/presentationml/2006/ole">
             <mc:AlternateContent xmlns:mc="http://schemas.openxmlformats.org/markup-compatibility/2006">
               <mc:Choice xmlns:v="urn:schemas-microsoft-com:vml" Requires="v">
-                <p:oleObj spid="_x0000_s36904" name="think-cell Slide" r:id="rId10" imgW="216" imgH="216" progId="TCLayout.ActiveDocument.1">
+                <p:oleObj spid="_x0000_s36906" name="think-cell Slide" r:id="rId10" imgW="216" imgH="216" progId="TCLayout.ActiveDocument.1">
                   <p:embed/>
                 </p:oleObj>
               </mc:Choice>
@@ -7999,7 +7999,7 @@
           <p:cNvPr id="10" name="Straight Connector 9">
             <a:extLst>
               <a:ext uri="{FF2B5EF4-FFF2-40B4-BE49-F238E27FC236}">
-                <a16:creationId xmlns:a16="http://schemas.microsoft.com/office/drawing/2014/main" xmlns="" id="{BB1AA2BE-B537-254D-958A-FBAFDE7E90DC}"/>
+                <a16:creationId xmlns:a16="http://schemas.microsoft.com/office/drawing/2014/main" id="{BB1AA2BE-B537-254D-958A-FBAFDE7E90DC}"/>
               </a:ext>
             </a:extLst>
           </p:cNvPr>
@@ -8042,7 +8042,7 @@
           <p:cNvPr id="15" name="Footer Placeholder 3">
             <a:extLst>
               <a:ext uri="{FF2B5EF4-FFF2-40B4-BE49-F238E27FC236}">
-                <a16:creationId xmlns:a16="http://schemas.microsoft.com/office/drawing/2014/main" xmlns="" id="{DBA440F4-82E0-7E45-8A6F-4A8C7572AEE5}"/>
+                <a16:creationId xmlns:a16="http://schemas.microsoft.com/office/drawing/2014/main" id="{DBA440F4-82E0-7E45-8A6F-4A8C7572AEE5}"/>
               </a:ext>
             </a:extLst>
           </p:cNvPr>
@@ -8101,7 +8101,7 @@
           <p:cNvPr id="16" name="Slide Number Placeholder 5">
             <a:extLst>
               <a:ext uri="{FF2B5EF4-FFF2-40B4-BE49-F238E27FC236}">
-                <a16:creationId xmlns:a16="http://schemas.microsoft.com/office/drawing/2014/main" xmlns="" id="{2D9636C8-FF6B-E141-B9E1-70C7091B23B1}"/>
+                <a16:creationId xmlns:a16="http://schemas.microsoft.com/office/drawing/2014/main" id="{2D9636C8-FF6B-E141-B9E1-70C7091B23B1}"/>
               </a:ext>
             </a:extLst>
           </p:cNvPr>
@@ -8468,7 +8468,7 @@
   </p:txStyles>
   <p:extLst mod="1">
     <p:ext uri="{27BBF7A9-308A-43DC-89C8-2F10F3537804}">
-      <p15:sldGuideLst xmlns:p15="http://schemas.microsoft.com/office/powerpoint/2012/main" xmlns="">
+      <p15:sldGuideLst xmlns:p15="http://schemas.microsoft.com/office/powerpoint/2012/main">
         <p15:guide id="1" orient="horz" pos="2041">
           <p15:clr>
             <a:srgbClr val="F26B43"/>
@@ -9084,7 +9084,7 @@
           <a:graphicData uri="http://schemas.openxmlformats.org/presentationml/2006/ole">
             <mc:AlternateContent xmlns:mc="http://schemas.openxmlformats.org/markup-compatibility/2006">
               <mc:Choice xmlns:v="urn:schemas-microsoft-com:vml" Requires="v">
-                <p:oleObj spid="_x0000_s42029" name="think-cell Slide" r:id="rId6" imgW="416" imgH="416" progId="TCLayout.ActiveDocument.1">
+                <p:oleObj spid="_x0000_s42031" name="think-cell Slide" r:id="rId6" imgW="416" imgH="416" progId="TCLayout.ActiveDocument.1">
                   <p:embed/>
                 </p:oleObj>
               </mc:Choice>
@@ -9135,7 +9135,7 @@
         </p:nvGraphicFramePr>
         <p:xfrm>
           <a:off x="539749" y="1107029"/>
-          <a:ext cx="11079991" cy="2955733"/>
+          <a:ext cx="11079991" cy="2785549"/>
         </p:xfrm>
         <a:graphic>
           <a:graphicData uri="http://schemas.openxmlformats.org/drawingml/2006/table">
@@ -9147,42 +9147,42 @@
                 <a:gridCol w="1924933">
                   <a:extLst>
                     <a:ext uri="{9D8B030D-6E8A-4147-A177-3AD203B41FA5}">
-                      <a16:colId xmlns:a16="http://schemas.microsoft.com/office/drawing/2014/main" xmlns="" val="1357581311"/>
+                      <a16:colId xmlns:a16="http://schemas.microsoft.com/office/drawing/2014/main" val="1357581311"/>
                     </a:ext>
                   </a:extLst>
                 </a:gridCol>
                 <a:gridCol w="2706957">
                   <a:extLst>
                     <a:ext uri="{9D8B030D-6E8A-4147-A177-3AD203B41FA5}">
-                      <a16:colId xmlns:a16="http://schemas.microsoft.com/office/drawing/2014/main" xmlns="" val="1956442140"/>
+                      <a16:colId xmlns:a16="http://schemas.microsoft.com/office/drawing/2014/main" val="1956442140"/>
                     </a:ext>
                   </a:extLst>
                 </a:gridCol>
                 <a:gridCol w="1378384">
                   <a:extLst>
                     <a:ext uri="{9D8B030D-6E8A-4147-A177-3AD203B41FA5}">
-                      <a16:colId xmlns:a16="http://schemas.microsoft.com/office/drawing/2014/main" xmlns="" val="3122743454"/>
+                      <a16:colId xmlns:a16="http://schemas.microsoft.com/office/drawing/2014/main" val="3122743454"/>
                     </a:ext>
                   </a:extLst>
                 </a:gridCol>
                 <a:gridCol w="1030714">
                   <a:extLst>
                     <a:ext uri="{9D8B030D-6E8A-4147-A177-3AD203B41FA5}">
-                      <a16:colId xmlns:a16="http://schemas.microsoft.com/office/drawing/2014/main" xmlns="" val="755301095"/>
+                      <a16:colId xmlns:a16="http://schemas.microsoft.com/office/drawing/2014/main" val="755301095"/>
                     </a:ext>
                   </a:extLst>
                 </a:gridCol>
                 <a:gridCol w="2464037">
                   <a:extLst>
                     <a:ext uri="{9D8B030D-6E8A-4147-A177-3AD203B41FA5}">
-                      <a16:colId xmlns:a16="http://schemas.microsoft.com/office/drawing/2014/main" xmlns="" val="2056552446"/>
+                      <a16:colId xmlns:a16="http://schemas.microsoft.com/office/drawing/2014/main" val="2056552446"/>
                     </a:ext>
                   </a:extLst>
                 </a:gridCol>
                 <a:gridCol w="1574966">
                   <a:extLst>
                     <a:ext uri="{9D8B030D-6E8A-4147-A177-3AD203B41FA5}">
-                      <a16:colId xmlns:a16="http://schemas.microsoft.com/office/drawing/2014/main" xmlns="" val="1567976445"/>
+                      <a16:colId xmlns:a16="http://schemas.microsoft.com/office/drawing/2014/main" val="1567976445"/>
                     </a:ext>
                   </a:extLst>
                 </a:gridCol>
@@ -9327,7 +9327,7 @@
                 </a:tc>
                 <a:extLst>
                   <a:ext uri="{0D108BD9-81ED-4DB2-BD59-A6C34878D82A}">
-                    <a16:rowId xmlns:a16="http://schemas.microsoft.com/office/drawing/2014/main" xmlns="" val="3203583067"/>
+                    <a16:rowId xmlns:a16="http://schemas.microsoft.com/office/drawing/2014/main" val="3203583067"/>
                   </a:ext>
                 </a:extLst>
               </a:tr>
@@ -9660,7 +9660,7 @@
                 </a:tc>
                 <a:extLst>
                   <a:ext uri="{0D108BD9-81ED-4DB2-BD59-A6C34878D82A}">
-                    <a16:rowId xmlns:a16="http://schemas.microsoft.com/office/drawing/2014/main" xmlns="" val="851841494"/>
+                    <a16:rowId xmlns:a16="http://schemas.microsoft.com/office/drawing/2014/main" val="851841494"/>
                   </a:ext>
                 </a:extLst>
               </a:tr>
@@ -10245,7 +10245,7 @@
                 </a:tc>
                 <a:extLst>
                   <a:ext uri="{0D108BD9-81ED-4DB2-BD59-A6C34878D82A}">
-                    <a16:rowId xmlns:a16="http://schemas.microsoft.com/office/drawing/2014/main" xmlns="" val="406495537"/>
+                    <a16:rowId xmlns:a16="http://schemas.microsoft.com/office/drawing/2014/main" val="406495537"/>
                   </a:ext>
                 </a:extLst>
               </a:tr>
@@ -10609,7 +10609,7 @@
                 </a:tc>
                 <a:extLst>
                   <a:ext uri="{0D108BD9-81ED-4DB2-BD59-A6C34878D82A}">
-                    <a16:rowId xmlns:a16="http://schemas.microsoft.com/office/drawing/2014/main" xmlns="" val="2200042587"/>
+                    <a16:rowId xmlns:a16="http://schemas.microsoft.com/office/drawing/2014/main" val="2200042587"/>
                   </a:ext>
                 </a:extLst>
               </a:tr>
@@ -10885,7 +10885,7 @@
                 </a:tc>
                 <a:extLst>
                   <a:ext uri="{0D108BD9-81ED-4DB2-BD59-A6C34878D82A}">
-                    <a16:rowId xmlns:a16="http://schemas.microsoft.com/office/drawing/2014/main" xmlns="" val="4069117920"/>
+                    <a16:rowId xmlns:a16="http://schemas.microsoft.com/office/drawing/2014/main" val="4069117920"/>
                   </a:ext>
                 </a:extLst>
               </a:tr>
@@ -11263,7 +11263,7 @@
                 </a:tc>
                 <a:extLst>
                   <a:ext uri="{0D108BD9-81ED-4DB2-BD59-A6C34878D82A}">
-                    <a16:rowId xmlns:a16="http://schemas.microsoft.com/office/drawing/2014/main" xmlns="" val="2348740028"/>
+                    <a16:rowId xmlns:a16="http://schemas.microsoft.com/office/drawing/2014/main" val="2348740028"/>
                   </a:ext>
                 </a:extLst>
               </a:tr>
@@ -11402,35 +11402,35 @@
                 <a:gridCol w="2454326">
                   <a:extLst>
                     <a:ext uri="{9D8B030D-6E8A-4147-A177-3AD203B41FA5}">
-                      <a16:colId xmlns:a16="http://schemas.microsoft.com/office/drawing/2014/main" xmlns="" val="20000"/>
+                      <a16:colId xmlns:a16="http://schemas.microsoft.com/office/drawing/2014/main" val="20000"/>
                     </a:ext>
                   </a:extLst>
                 </a:gridCol>
                 <a:gridCol w="2306453">
                   <a:extLst>
                     <a:ext uri="{9D8B030D-6E8A-4147-A177-3AD203B41FA5}">
-                      <a16:colId xmlns:a16="http://schemas.microsoft.com/office/drawing/2014/main" xmlns="" val="20002"/>
+                      <a16:colId xmlns:a16="http://schemas.microsoft.com/office/drawing/2014/main" val="20002"/>
                     </a:ext>
                   </a:extLst>
                 </a:gridCol>
                 <a:gridCol w="2254336">
                   <a:extLst>
                     <a:ext uri="{9D8B030D-6E8A-4147-A177-3AD203B41FA5}">
-                      <a16:colId xmlns:a16="http://schemas.microsoft.com/office/drawing/2014/main" xmlns="" val="2575180168"/>
+                      <a16:colId xmlns:a16="http://schemas.microsoft.com/office/drawing/2014/main" val="2575180168"/>
                     </a:ext>
                   </a:extLst>
                 </a:gridCol>
                 <a:gridCol w="2355667">
                   <a:extLst>
                     <a:ext uri="{9D8B030D-6E8A-4147-A177-3AD203B41FA5}">
-                      <a16:colId xmlns:a16="http://schemas.microsoft.com/office/drawing/2014/main" xmlns="" val="20003"/>
+                      <a16:colId xmlns:a16="http://schemas.microsoft.com/office/drawing/2014/main" val="20003"/>
                     </a:ext>
                   </a:extLst>
                 </a:gridCol>
                 <a:gridCol w="1661586">
                   <a:extLst>
                     <a:ext uri="{9D8B030D-6E8A-4147-A177-3AD203B41FA5}">
-                      <a16:colId xmlns:a16="http://schemas.microsoft.com/office/drawing/2014/main" xmlns="" val="1141158204"/>
+                      <a16:colId xmlns:a16="http://schemas.microsoft.com/office/drawing/2014/main" val="1141158204"/>
                     </a:ext>
                   </a:extLst>
                 </a:gridCol>
@@ -12114,7 +12114,7 @@
                 </a:tc>
                 <a:extLst>
                   <a:ext uri="{0D108BD9-81ED-4DB2-BD59-A6C34878D82A}">
-                    <a16:rowId xmlns:a16="http://schemas.microsoft.com/office/drawing/2014/main" xmlns="" val="10000"/>
+                    <a16:rowId xmlns:a16="http://schemas.microsoft.com/office/drawing/2014/main" val="10000"/>
                   </a:ext>
                 </a:extLst>
               </a:tr>
@@ -12502,7 +12502,7 @@
                 </a:tc>
                 <a:extLst>
                   <a:ext uri="{0D108BD9-81ED-4DB2-BD59-A6C34878D82A}">
-                    <a16:rowId xmlns:a16="http://schemas.microsoft.com/office/drawing/2014/main" xmlns="" val="3242880312"/>
+                    <a16:rowId xmlns:a16="http://schemas.microsoft.com/office/drawing/2014/main" val="3242880312"/>
                   </a:ext>
                 </a:extLst>
               </a:tr>
@@ -12867,7 +12867,7 @@
           <p:nvPr>
             <p:extLst>
               <p:ext uri="{D42A27DB-BD31-4B8C-83A1-F6EECF244321}">
-                <p14:modId xmlns:p14="http://schemas.microsoft.com/office/powerpoint/2010/main" val="1046583221"/>
+                <p14:modId xmlns:p14="http://schemas.microsoft.com/office/powerpoint/2010/main" val="3659018523"/>
               </p:ext>
             </p:extLst>
           </p:nvPr>
@@ -12886,63 +12886,63 @@
                 <a:gridCol w="835571">
                   <a:extLst>
                     <a:ext uri="{9D8B030D-6E8A-4147-A177-3AD203B41FA5}">
-                      <a16:colId xmlns:a16="http://schemas.microsoft.com/office/drawing/2014/main" xmlns="" val="2715221625"/>
+                      <a16:colId xmlns:a16="http://schemas.microsoft.com/office/drawing/2014/main" val="2715221625"/>
                     </a:ext>
                   </a:extLst>
                 </a:gridCol>
                 <a:gridCol w="835571">
                   <a:extLst>
                     <a:ext uri="{9D8B030D-6E8A-4147-A177-3AD203B41FA5}">
-                      <a16:colId xmlns:a16="http://schemas.microsoft.com/office/drawing/2014/main" xmlns="" val="1722467380"/>
+                      <a16:colId xmlns:a16="http://schemas.microsoft.com/office/drawing/2014/main" val="1722467380"/>
                     </a:ext>
                   </a:extLst>
                 </a:gridCol>
                 <a:gridCol w="1132729">
                   <a:extLst>
                     <a:ext uri="{9D8B030D-6E8A-4147-A177-3AD203B41FA5}">
-                      <a16:colId xmlns:a16="http://schemas.microsoft.com/office/drawing/2014/main" xmlns="" val="8733085"/>
+                      <a16:colId xmlns:a16="http://schemas.microsoft.com/office/drawing/2014/main" val="8733085"/>
                     </a:ext>
                   </a:extLst>
                 </a:gridCol>
                 <a:gridCol w="879661">
                   <a:extLst>
                     <a:ext uri="{9D8B030D-6E8A-4147-A177-3AD203B41FA5}">
-                      <a16:colId xmlns:a16="http://schemas.microsoft.com/office/drawing/2014/main" xmlns="" val="2034639721"/>
+                      <a16:colId xmlns:a16="http://schemas.microsoft.com/office/drawing/2014/main" val="2034639721"/>
                     </a:ext>
                   </a:extLst>
                 </a:gridCol>
                 <a:gridCol w="1924210">
                   <a:extLst>
                     <a:ext uri="{9D8B030D-6E8A-4147-A177-3AD203B41FA5}">
-                      <a16:colId xmlns:a16="http://schemas.microsoft.com/office/drawing/2014/main" xmlns="" val="984284813"/>
+                      <a16:colId xmlns:a16="http://schemas.microsoft.com/office/drawing/2014/main" val="984284813"/>
                     </a:ext>
                   </a:extLst>
                 </a:gridCol>
                 <a:gridCol w="1597470">
                   <a:extLst>
                     <a:ext uri="{9D8B030D-6E8A-4147-A177-3AD203B41FA5}">
-                      <a16:colId xmlns:a16="http://schemas.microsoft.com/office/drawing/2014/main" xmlns="" val="610353967"/>
+                      <a16:colId xmlns:a16="http://schemas.microsoft.com/office/drawing/2014/main" val="610353967"/>
                     </a:ext>
                   </a:extLst>
                 </a:gridCol>
                 <a:gridCol w="1206400">
                   <a:extLst>
                     <a:ext uri="{9D8B030D-6E8A-4147-A177-3AD203B41FA5}">
-                      <a16:colId xmlns:a16="http://schemas.microsoft.com/office/drawing/2014/main" xmlns="" val="2199988680"/>
+                      <a16:colId xmlns:a16="http://schemas.microsoft.com/office/drawing/2014/main" val="2199988680"/>
                     </a:ext>
                   </a:extLst>
                 </a:gridCol>
                 <a:gridCol w="921453">
                   <a:extLst>
                     <a:ext uri="{9D8B030D-6E8A-4147-A177-3AD203B41FA5}">
-                      <a16:colId xmlns:a16="http://schemas.microsoft.com/office/drawing/2014/main" xmlns="" val="1060807198"/>
+                      <a16:colId xmlns:a16="http://schemas.microsoft.com/office/drawing/2014/main" val="1060807198"/>
                     </a:ext>
                   </a:extLst>
                 </a:gridCol>
                 <a:gridCol w="1882417">
                   <a:extLst>
                     <a:ext uri="{9D8B030D-6E8A-4147-A177-3AD203B41FA5}">
-                      <a16:colId xmlns:a16="http://schemas.microsoft.com/office/drawing/2014/main" xmlns="" val="3687281855"/>
+                      <a16:colId xmlns:a16="http://schemas.microsoft.com/office/drawing/2014/main" val="3687281855"/>
                     </a:ext>
                   </a:extLst>
                 </a:gridCol>
@@ -13073,7 +13073,7 @@
                 </a:tc>
                 <a:extLst>
                   <a:ext uri="{0D108BD9-81ED-4DB2-BD59-A6C34878D82A}">
-                    <a16:rowId xmlns:a16="http://schemas.microsoft.com/office/drawing/2014/main" xmlns="" val="132260445"/>
+                    <a16:rowId xmlns:a16="http://schemas.microsoft.com/office/drawing/2014/main" val="132260445"/>
                   </a:ext>
                 </a:extLst>
               </a:tr>
@@ -13223,7 +13223,7 @@
                 </a:tc>
                 <a:extLst>
                   <a:ext uri="{0D108BD9-81ED-4DB2-BD59-A6C34878D82A}">
-                    <a16:rowId xmlns:a16="http://schemas.microsoft.com/office/drawing/2014/main" xmlns="" val="1454925855"/>
+                    <a16:rowId xmlns:a16="http://schemas.microsoft.com/office/drawing/2014/main" val="1454925855"/>
                   </a:ext>
                 </a:extLst>
               </a:tr>
@@ -13366,7 +13366,7 @@
                 </a:tc>
                 <a:extLst>
                   <a:ext uri="{0D108BD9-81ED-4DB2-BD59-A6C34878D82A}">
-                    <a16:rowId xmlns:a16="http://schemas.microsoft.com/office/drawing/2014/main" xmlns="" val="1815440894"/>
+                    <a16:rowId xmlns:a16="http://schemas.microsoft.com/office/drawing/2014/main" val="1815440894"/>
                   </a:ext>
                 </a:extLst>
               </a:tr>
@@ -13488,7 +13488,7 @@
                 </a:tc>
                 <a:extLst>
                   <a:ext uri="{0D108BD9-81ED-4DB2-BD59-A6C34878D82A}">
-                    <a16:rowId xmlns:a16="http://schemas.microsoft.com/office/drawing/2014/main" xmlns="" val="344899817"/>
+                    <a16:rowId xmlns:a16="http://schemas.microsoft.com/office/drawing/2014/main" val="344899817"/>
                   </a:ext>
                 </a:extLst>
               </a:tr>
@@ -13639,7 +13639,7 @@
                 </a:tc>
                 <a:extLst>
                   <a:ext uri="{0D108BD9-81ED-4DB2-BD59-A6C34878D82A}">
-                    <a16:rowId xmlns:a16="http://schemas.microsoft.com/office/drawing/2014/main" xmlns="" val="1268840849"/>
+                    <a16:rowId xmlns:a16="http://schemas.microsoft.com/office/drawing/2014/main" val="1268840849"/>
                   </a:ext>
                 </a:extLst>
               </a:tr>
@@ -14077,7 +14077,7 @@
                 </a:tc>
                 <a:extLst>
                   <a:ext uri="{0D108BD9-81ED-4DB2-BD59-A6C34878D82A}">
-                    <a16:rowId xmlns:a16="http://schemas.microsoft.com/office/drawing/2014/main" xmlns="" val="3241501689"/>
+                    <a16:rowId xmlns:a16="http://schemas.microsoft.com/office/drawing/2014/main" val="3241501689"/>
                   </a:ext>
                 </a:extLst>
               </a:tr>
@@ -14213,14 +14213,12 @@
                         <a:buFontTx/>
                         <a:buNone/>
                       </a:pPr>
-                      <a:endParaRPr lang="zh-CN" altLang="en-US" sz="1000" b="0" dirty="0" smtClean="0">
+                      <a:endParaRPr lang="zh-CN" altLang="en-US" sz="1200" b="0" baseline="0" dirty="0" smtClean="0">
                         <a:solidFill>
-                          <a:schemeClr val="accent1">
-                            <a:lumMod val="75000"/>
-                          </a:schemeClr>
+                          <a:schemeClr val="tx1"/>
                         </a:solidFill>
-                        <a:latin typeface="+mn-lt"/>
-                        <a:ea typeface="+mn-ea"/>
+                        <a:latin typeface="Bentley Light" panose="020B0404020201020102"/>
+                        <a:ea typeface="黑体" panose="02010609060101010101" pitchFamily="49" charset="-122"/>
                         <a:cs typeface="+mn-ea"/>
                         <a:sym typeface="+mn-lt"/>
                       </a:endParaRPr>
@@ -14405,20 +14403,18 @@
                         <a:tabLst/>
                         <a:defRPr/>
                       </a:pPr>
-                      <a:endParaRPr kumimoji="0" lang="en-US" altLang="zh-CN" sz="1000" b="0" i="0" u="none" strike="noStrike" kern="1200" cap="none" spc="0" normalizeH="0" baseline="0" noProof="0" dirty="0" smtClean="0">
+                      <a:endParaRPr kumimoji="0" lang="en-US" altLang="zh-CN" sz="1200" b="0" i="0" u="none" strike="noStrike" kern="1200" cap="none" spc="0" normalizeH="0" baseline="0" noProof="0" dirty="0" smtClean="0">
                         <a:ln>
                           <a:noFill/>
                         </a:ln>
                         <a:solidFill>
-                          <a:schemeClr val="accent1">
-                            <a:lumMod val="75000"/>
-                          </a:schemeClr>
+                          <a:schemeClr val="tx1"/>
                         </a:solidFill>
                         <a:effectLst/>
                         <a:uLnTx/>
                         <a:uFillTx/>
-                        <a:latin typeface="+mn-lt"/>
-                        <a:ea typeface="+mn-ea"/>
+                        <a:latin typeface="Bentley Light" panose="020B0404020201020102"/>
+                        <a:ea typeface="黑体" panose="02010609060101010101" pitchFamily="49" charset="-122"/>
                         <a:cs typeface="+mn-ea"/>
                         <a:sym typeface="+mn-lt"/>
                       </a:endParaRPr>
@@ -14432,7 +14428,7 @@
                 </a:tc>
                 <a:extLst>
                   <a:ext uri="{0D108BD9-81ED-4DB2-BD59-A6C34878D82A}">
-                    <a16:rowId xmlns:a16="http://schemas.microsoft.com/office/drawing/2014/main" xmlns="" val="3375075753"/>
+                    <a16:rowId xmlns:a16="http://schemas.microsoft.com/office/drawing/2014/main" val="3375075753"/>
                   </a:ext>
                 </a:extLst>
               </a:tr>
@@ -14611,14 +14607,12 @@
                         <a:tabLst/>
                         <a:defRPr/>
                       </a:pPr>
-                      <a:endParaRPr lang="en-US" altLang="zh-CN" sz="1000" b="0" dirty="0" smtClean="0">
+                      <a:endParaRPr lang="en-US" altLang="zh-CN" sz="1200" b="0" baseline="0" dirty="0" smtClean="0">
                         <a:solidFill>
-                          <a:schemeClr val="accent1">
-                            <a:lumMod val="75000"/>
-                          </a:schemeClr>
+                          <a:schemeClr val="tx1"/>
                         </a:solidFill>
-                        <a:latin typeface="+mn-lt"/>
-                        <a:ea typeface="+mn-ea"/>
+                        <a:latin typeface="Bentley Light" panose="020B0404020201020102"/>
+                        <a:ea typeface="黑体" panose="02010609060101010101" pitchFamily="49" charset="-122"/>
                         <a:cs typeface="+mn-ea"/>
                         <a:sym typeface="+mn-lt"/>
                       </a:endParaRPr>
@@ -14816,14 +14810,12 @@
                         <a:tabLst/>
                         <a:defRPr/>
                       </a:pPr>
-                      <a:endParaRPr lang="en-US" altLang="zh-CN" sz="1000" b="0" dirty="0" smtClean="0">
+                      <a:endParaRPr lang="en-US" altLang="zh-CN" sz="1200" b="0" baseline="0" dirty="0" smtClean="0">
                         <a:solidFill>
-                          <a:schemeClr val="accent1">
-                            <a:lumMod val="75000"/>
-                          </a:schemeClr>
+                          <a:schemeClr val="tx1"/>
                         </a:solidFill>
-                        <a:latin typeface="+mn-lt"/>
-                        <a:ea typeface="+mn-ea"/>
+                        <a:latin typeface="Bentley Light" panose="020B0404020201020102"/>
+                        <a:ea typeface="黑体" panose="02010609060101010101" pitchFamily="49" charset="-122"/>
                         <a:cs typeface="+mn-ea"/>
                         <a:sym typeface="+mn-lt"/>
                       </a:endParaRPr>
@@ -14837,7 +14829,7 @@
                 </a:tc>
                 <a:extLst>
                   <a:ext uri="{0D108BD9-81ED-4DB2-BD59-A6C34878D82A}">
-                    <a16:rowId xmlns:a16="http://schemas.microsoft.com/office/drawing/2014/main" xmlns="" val="1818738132"/>
+                    <a16:rowId xmlns:a16="http://schemas.microsoft.com/office/drawing/2014/main" val="1818738132"/>
                   </a:ext>
                 </a:extLst>
               </a:tr>
@@ -15064,14 +15056,12 @@
                         <a:tabLst/>
                         <a:defRPr/>
                       </a:pPr>
-                      <a:endParaRPr lang="en-US" altLang="zh-CN" sz="1000" b="0" dirty="0" smtClean="0">
+                      <a:endParaRPr lang="en-US" altLang="zh-CN" sz="1200" b="0" baseline="0" dirty="0" smtClean="0">
                         <a:solidFill>
-                          <a:schemeClr val="accent1">
-                            <a:lumMod val="75000"/>
-                          </a:schemeClr>
+                          <a:schemeClr val="tx1"/>
                         </a:solidFill>
-                        <a:latin typeface="+mn-lt"/>
-                        <a:ea typeface="+mn-ea"/>
+                        <a:latin typeface="Bentley Light" panose="020B0404020201020102"/>
+                        <a:ea typeface="黑体" panose="02010609060101010101" pitchFamily="49" charset="-122"/>
                         <a:cs typeface="+mn-ea"/>
                         <a:sym typeface="+mn-lt"/>
                       </a:endParaRPr>
@@ -15128,7 +15118,13 @@
                     <a:bodyPr/>
                     <a:lstStyle/>
                     <a:p>
-                      <a:endParaRPr lang="en-US" dirty="0"/>
+                      <a:endParaRPr lang="en-US" sz="1200" baseline="0" dirty="0">
+                        <a:solidFill>
+                          <a:schemeClr val="tx1"/>
+                        </a:solidFill>
+                        <a:latin typeface="Bentley Light" panose="020B0404020201020102"/>
+                        <a:ea typeface="黑体" panose="02010609060101010101" pitchFamily="49" charset="-122"/>
+                      </a:endParaRPr>
                     </a:p>
                   </a:txBody>
                   <a:tcPr>
@@ -15139,7 +15135,7 @@
                 </a:tc>
                 <a:extLst>
                   <a:ext uri="{0D108BD9-81ED-4DB2-BD59-A6C34878D82A}">
-                    <a16:rowId xmlns:a16="http://schemas.microsoft.com/office/drawing/2014/main" xmlns="" val="3192001067"/>
+                    <a16:rowId xmlns:a16="http://schemas.microsoft.com/office/drawing/2014/main" val="3192001067"/>
                   </a:ext>
                 </a:extLst>
               </a:tr>
@@ -15336,14 +15332,12 @@
                         <a:tabLst/>
                         <a:defRPr/>
                       </a:pPr>
-                      <a:endParaRPr lang="en-US" altLang="zh-CN" sz="1000" b="0" dirty="0" smtClean="0">
+                      <a:endParaRPr lang="en-US" altLang="zh-CN" sz="1200" b="0" baseline="0" dirty="0" smtClean="0">
                         <a:solidFill>
-                          <a:schemeClr val="accent1">
-                            <a:lumMod val="75000"/>
-                          </a:schemeClr>
+                          <a:schemeClr val="tx1"/>
                         </a:solidFill>
-                        <a:latin typeface="+mn-lt"/>
-                        <a:ea typeface="+mn-ea"/>
+                        <a:latin typeface="Bentley Light" panose="020B0404020201020102"/>
+                        <a:ea typeface="黑体" panose="02010609060101010101" pitchFamily="49" charset="-122"/>
                         <a:cs typeface="+mn-ea"/>
                         <a:sym typeface="+mn-lt"/>
                       </a:endParaRPr>
@@ -15397,7 +15391,7 @@
                 </a:tc>
                 <a:extLst>
                   <a:ext uri="{0D108BD9-81ED-4DB2-BD59-A6C34878D82A}">
-                    <a16:rowId xmlns:a16="http://schemas.microsoft.com/office/drawing/2014/main" xmlns="" val="564902271"/>
+                    <a16:rowId xmlns:a16="http://schemas.microsoft.com/office/drawing/2014/main" val="564902271"/>
                   </a:ext>
                 </a:extLst>
               </a:tr>
@@ -15752,14 +15746,14 @@
           <p:nvPr>
             <p:extLst>
               <p:ext uri="{D42A27DB-BD31-4B8C-83A1-F6EECF244321}">
-                <p14:modId xmlns:p14="http://schemas.microsoft.com/office/powerpoint/2010/main" val="3826472019"/>
+                <p14:modId xmlns:p14="http://schemas.microsoft.com/office/powerpoint/2010/main" val="739655467"/>
               </p:ext>
             </p:extLst>
           </p:nvPr>
         </p:nvGraphicFramePr>
         <p:xfrm>
           <a:off x="587141" y="1234463"/>
-          <a:ext cx="11032602" cy="4286693"/>
+          <a:ext cx="11032602" cy="5210719"/>
         </p:xfrm>
         <a:graphic>
           <a:graphicData uri="http://schemas.openxmlformats.org/drawingml/2006/table">
@@ -15771,28 +15765,28 @@
                 <a:gridCol w="628595">
                   <a:extLst>
                     <a:ext uri="{9D8B030D-6E8A-4147-A177-3AD203B41FA5}">
-                      <a16:colId xmlns:a16="http://schemas.microsoft.com/office/drawing/2014/main" xmlns="" val="207362988"/>
+                      <a16:colId xmlns:a16="http://schemas.microsoft.com/office/drawing/2014/main" val="207362988"/>
                     </a:ext>
                   </a:extLst>
                 </a:gridCol>
                 <a:gridCol w="2213264">
                   <a:extLst>
                     <a:ext uri="{9D8B030D-6E8A-4147-A177-3AD203B41FA5}">
-                      <a16:colId xmlns:a16="http://schemas.microsoft.com/office/drawing/2014/main" xmlns="" val="20000"/>
+                      <a16:colId xmlns:a16="http://schemas.microsoft.com/office/drawing/2014/main" val="20000"/>
                     </a:ext>
                   </a:extLst>
                 </a:gridCol>
                 <a:gridCol w="2556164">
                   <a:extLst>
                     <a:ext uri="{9D8B030D-6E8A-4147-A177-3AD203B41FA5}">
-                      <a16:colId xmlns:a16="http://schemas.microsoft.com/office/drawing/2014/main" xmlns="" val="20001"/>
+                      <a16:colId xmlns:a16="http://schemas.microsoft.com/office/drawing/2014/main" val="20001"/>
                     </a:ext>
                   </a:extLst>
                 </a:gridCol>
                 <a:gridCol w="5634579">
                   <a:extLst>
                     <a:ext uri="{9D8B030D-6E8A-4147-A177-3AD203B41FA5}">
-                      <a16:colId xmlns:a16="http://schemas.microsoft.com/office/drawing/2014/main" xmlns="" val="610373499"/>
+                      <a16:colId xmlns:a16="http://schemas.microsoft.com/office/drawing/2014/main" val="610373499"/>
                     </a:ext>
                   </a:extLst>
                 </a:gridCol>
@@ -16156,7 +16150,7 @@
                 </a:tc>
                 <a:extLst>
                   <a:ext uri="{0D108BD9-81ED-4DB2-BD59-A6C34878D82A}">
-                    <a16:rowId xmlns:a16="http://schemas.microsoft.com/office/drawing/2014/main" xmlns="" val="10000"/>
+                    <a16:rowId xmlns:a16="http://schemas.microsoft.com/office/drawing/2014/main" val="10000"/>
                   </a:ext>
                 </a:extLst>
               </a:tr>
@@ -16184,15 +16178,15 @@
                         <a:defRPr/>
                       </a:pPr>
                       <a:r>
-                        <a:rPr lang="en-US" sz="1200" b="0" kern="1200" dirty="0" smtClean="0">
+                        <a:rPr lang="en-US" sz="1200" b="0" kern="1200" baseline="0" dirty="0" smtClean="0">
                           <a:solidFill>
                             <a:schemeClr val="tx1">
                               <a:lumMod val="75000"/>
                               <a:lumOff val="25000"/>
                             </a:schemeClr>
                           </a:solidFill>
-                          <a:latin typeface="+mn-lt"/>
-                          <a:ea typeface="+mn-ea"/>
+                          <a:latin typeface="Bentley Light" panose="020B0404020201020102"/>
+                          <a:ea typeface="黑体" panose="02010609060101010101" pitchFamily="49" charset="-122"/>
                           <a:cs typeface="+mn-ea"/>
                           <a:sym typeface="+mn-lt"/>
                         </a:rPr>
@@ -16266,15 +16260,15 @@
                         <a:tabLst/>
                         <a:defRPr/>
                       </a:pPr>
-                      <a:endParaRPr lang="en-US" sz="1200" b="0" kern="1200" dirty="0" smtClean="0">
+                      <a:endParaRPr lang="en-US" sz="1200" b="0" kern="1200" baseline="0" dirty="0" smtClean="0">
                         <a:solidFill>
                           <a:schemeClr val="tx1">
                             <a:lumMod val="75000"/>
                             <a:lumOff val="25000"/>
                           </a:schemeClr>
                         </a:solidFill>
-                        <a:latin typeface="+mn-lt"/>
-                        <a:ea typeface="+mn-ea"/>
+                        <a:latin typeface="Bentley Light" panose="020B0404020201020102"/>
+                        <a:ea typeface="黑体" panose="02010609060101010101" pitchFamily="49" charset="-122"/>
                         <a:cs typeface="+mn-ea"/>
                         <a:sym typeface="+mn-lt"/>
                       </a:endParaRPr>
@@ -16346,15 +16340,15 @@
                         <a:tabLst/>
                         <a:defRPr/>
                       </a:pPr>
-                      <a:endParaRPr lang="en-US" altLang="zh-CN" sz="1200" b="0" kern="1200" dirty="0">
+                      <a:endParaRPr lang="en-US" altLang="zh-CN" sz="1200" b="0" kern="1200" baseline="0" dirty="0">
                         <a:solidFill>
                           <a:schemeClr val="tx1">
                             <a:lumMod val="75000"/>
                             <a:lumOff val="25000"/>
                           </a:schemeClr>
                         </a:solidFill>
-                        <a:latin typeface="+mn-lt"/>
-                        <a:ea typeface="+mn-ea"/>
+                        <a:latin typeface="Bentley Light" panose="020B0404020201020102"/>
+                        <a:ea typeface="黑体" panose="02010609060101010101" pitchFamily="49" charset="-122"/>
                         <a:cs typeface="+mn-ea"/>
                         <a:sym typeface="+mn-lt"/>
                       </a:endParaRPr>
@@ -16426,15 +16420,15 @@
                         <a:tabLst/>
                         <a:defRPr/>
                       </a:pPr>
-                      <a:endParaRPr lang="en-US" altLang="zh-CN" sz="1200" b="0" kern="1200" dirty="0">
+                      <a:endParaRPr lang="en-US" altLang="zh-CN" sz="1200" b="0" kern="1200" baseline="0" dirty="0">
                         <a:solidFill>
                           <a:schemeClr val="tx1">
                             <a:lumMod val="75000"/>
                             <a:lumOff val="25000"/>
                           </a:schemeClr>
                         </a:solidFill>
-                        <a:latin typeface="+mn-lt"/>
-                        <a:ea typeface="+mn-ea"/>
+                        <a:latin typeface="Bentley Light" panose="020B0404020201020102"/>
+                        <a:ea typeface="黑体" panose="02010609060101010101" pitchFamily="49" charset="-122"/>
                         <a:cs typeface="+mn-ea"/>
                         <a:sym typeface="+mn-lt"/>
                       </a:endParaRPr>
@@ -16486,7 +16480,7 @@
                 </a:tc>
                 <a:extLst>
                   <a:ext uri="{0D108BD9-81ED-4DB2-BD59-A6C34878D82A}">
-                    <a16:rowId xmlns:a16="http://schemas.microsoft.com/office/drawing/2014/main" xmlns="" val="10001"/>
+                    <a16:rowId xmlns:a16="http://schemas.microsoft.com/office/drawing/2014/main" val="10001"/>
                   </a:ext>
                 </a:extLst>
               </a:tr>
@@ -16514,29 +16508,29 @@
                         <a:defRPr/>
                       </a:pPr>
                       <a:r>
-                        <a:rPr lang="en-US" altLang="zh-CN" sz="1200" b="0" kern="1200" dirty="0" smtClean="0">
+                        <a:rPr lang="en-US" altLang="zh-CN" sz="1200" b="0" kern="1200" baseline="0" dirty="0" smtClean="0">
                           <a:solidFill>
                             <a:schemeClr val="tx1">
                               <a:lumMod val="75000"/>
                               <a:lumOff val="25000"/>
                             </a:schemeClr>
                           </a:solidFill>
-                          <a:latin typeface="+mn-lt"/>
-                          <a:ea typeface="+mn-ea"/>
+                          <a:latin typeface="Bentley Light" panose="020B0404020201020102"/>
+                          <a:ea typeface="黑体" panose="02010609060101010101" pitchFamily="49" charset="-122"/>
                           <a:cs typeface="+mn-ea"/>
                           <a:sym typeface="+mn-lt"/>
                         </a:rPr>
                         <a:t>2</a:t>
                       </a:r>
-                      <a:endParaRPr lang="zh-CN" altLang="en-US" sz="1200" b="0" kern="1200" dirty="0">
+                      <a:endParaRPr lang="zh-CN" altLang="en-US" sz="1200" b="0" kern="1200" baseline="0" dirty="0">
                         <a:solidFill>
                           <a:schemeClr val="tx1">
                             <a:lumMod val="75000"/>
                             <a:lumOff val="25000"/>
                           </a:schemeClr>
                         </a:solidFill>
-                        <a:latin typeface="+mn-lt"/>
-                        <a:ea typeface="+mn-ea"/>
+                        <a:latin typeface="Bentley Light" panose="020B0404020201020102"/>
+                        <a:ea typeface="黑体" panose="02010609060101010101" pitchFamily="49" charset="-122"/>
                         <a:cs typeface="+mn-ea"/>
                         <a:sym typeface="+mn-lt"/>
                       </a:endParaRPr>
@@ -16612,15 +16606,15 @@
                         <a:tabLst/>
                         <a:defRPr/>
                       </a:pPr>
-                      <a:endParaRPr lang="zh-CN" altLang="en-US" sz="1200" b="0" kern="1200" dirty="0">
+                      <a:endParaRPr lang="zh-CN" altLang="en-US" sz="1200" b="0" kern="1200" baseline="0" dirty="0">
                         <a:solidFill>
                           <a:schemeClr val="tx1">
                             <a:lumMod val="75000"/>
                             <a:lumOff val="25000"/>
                           </a:schemeClr>
                         </a:solidFill>
-                        <a:latin typeface="+mn-lt"/>
-                        <a:ea typeface="+mn-ea"/>
+                        <a:latin typeface="Bentley Light" panose="020B0404020201020102"/>
+                        <a:ea typeface="黑体" panose="02010609060101010101" pitchFamily="49" charset="-122"/>
                         <a:cs typeface="+mn-ea"/>
                         <a:sym typeface="+mn-lt"/>
                       </a:endParaRPr>
@@ -16696,15 +16690,15 @@
                         <a:tabLst/>
                         <a:defRPr/>
                       </a:pPr>
-                      <a:endParaRPr lang="zh-CN" altLang="en-US" sz="1200" b="0" kern="1200" dirty="0">
+                      <a:endParaRPr lang="zh-CN" altLang="en-US" sz="1200" b="0" kern="1200" baseline="0" dirty="0">
                         <a:solidFill>
                           <a:schemeClr val="tx1">
                             <a:lumMod val="75000"/>
                             <a:lumOff val="25000"/>
                           </a:schemeClr>
                         </a:solidFill>
-                        <a:latin typeface="+mn-lt"/>
-                        <a:ea typeface="+mn-ea"/>
+                        <a:latin typeface="Bentley Light" panose="020B0404020201020102"/>
+                        <a:ea typeface="黑体" panose="02010609060101010101" pitchFamily="49" charset="-122"/>
                         <a:cs typeface="+mn-ea"/>
                         <a:sym typeface="+mn-lt"/>
                       </a:endParaRPr>
@@ -16780,15 +16774,15 @@
                         <a:tabLst/>
                         <a:defRPr/>
                       </a:pPr>
-                      <a:endParaRPr lang="zh-CN" altLang="en-US" sz="1200" b="0" kern="1200" dirty="0">
+                      <a:endParaRPr lang="zh-CN" altLang="en-US" sz="1200" b="0" kern="1200" baseline="0" dirty="0">
                         <a:solidFill>
                           <a:schemeClr val="tx1">
                             <a:lumMod val="75000"/>
                             <a:lumOff val="25000"/>
                           </a:schemeClr>
                         </a:solidFill>
-                        <a:latin typeface="+mn-lt"/>
-                        <a:ea typeface="+mn-ea"/>
+                        <a:latin typeface="Bentley Light" panose="020B0404020201020102"/>
+                        <a:ea typeface="黑体" panose="02010609060101010101" pitchFamily="49" charset="-122"/>
                         <a:cs typeface="+mn-ea"/>
                         <a:sym typeface="+mn-lt"/>
                       </a:endParaRPr>
@@ -16844,7 +16838,7 @@
                 </a:tc>
                 <a:extLst>
                   <a:ext uri="{0D108BD9-81ED-4DB2-BD59-A6C34878D82A}">
-                    <a16:rowId xmlns:a16="http://schemas.microsoft.com/office/drawing/2014/main" xmlns="" val="10002"/>
+                    <a16:rowId xmlns:a16="http://schemas.microsoft.com/office/drawing/2014/main" val="10002"/>
                   </a:ext>
                 </a:extLst>
               </a:tr>
@@ -16872,29 +16866,29 @@
                         <a:defRPr/>
                       </a:pPr>
                       <a:r>
-                        <a:rPr lang="en-US" altLang="zh-CN" sz="1200" b="0" kern="1200" dirty="0" smtClean="0">
+                        <a:rPr lang="en-US" altLang="zh-CN" sz="1200" b="0" kern="1200" baseline="0" dirty="0" smtClean="0">
                           <a:solidFill>
                             <a:schemeClr val="tx1">
                               <a:lumMod val="75000"/>
                               <a:lumOff val="25000"/>
                             </a:schemeClr>
                           </a:solidFill>
-                          <a:latin typeface="+mn-lt"/>
-                          <a:ea typeface="+mn-ea"/>
+                          <a:latin typeface="Bentley Light" panose="020B0404020201020102"/>
+                          <a:ea typeface="黑体" panose="02010609060101010101" pitchFamily="49" charset="-122"/>
                           <a:cs typeface="+mn-ea"/>
                           <a:sym typeface="+mn-lt"/>
                         </a:rPr>
                         <a:t>3</a:t>
                       </a:r>
-                      <a:endParaRPr lang="zh-CN" altLang="en-US" sz="1200" b="0" kern="1200" dirty="0">
+                      <a:endParaRPr lang="zh-CN" altLang="en-US" sz="1200" b="0" kern="1200" baseline="0" dirty="0">
                         <a:solidFill>
                           <a:schemeClr val="tx1">
                             <a:lumMod val="75000"/>
                             <a:lumOff val="25000"/>
                           </a:schemeClr>
                         </a:solidFill>
-                        <a:latin typeface="+mn-lt"/>
-                        <a:ea typeface="+mn-ea"/>
+                        <a:latin typeface="Bentley Light" panose="020B0404020201020102"/>
+                        <a:ea typeface="黑体" panose="02010609060101010101" pitchFamily="49" charset="-122"/>
                         <a:cs typeface="+mn-ea"/>
                         <a:sym typeface="+mn-lt"/>
                       </a:endParaRPr>
@@ -16970,15 +16964,15 @@
                         <a:tabLst/>
                         <a:defRPr/>
                       </a:pPr>
-                      <a:endParaRPr lang="zh-CN" altLang="en-US" sz="1200" b="0" kern="1200" dirty="0">
+                      <a:endParaRPr lang="zh-CN" altLang="en-US" sz="1200" b="0" kern="1200" baseline="0" dirty="0">
                         <a:solidFill>
                           <a:schemeClr val="tx1">
                             <a:lumMod val="75000"/>
                             <a:lumOff val="25000"/>
                           </a:schemeClr>
                         </a:solidFill>
-                        <a:latin typeface="+mn-lt"/>
-                        <a:ea typeface="+mn-ea"/>
+                        <a:latin typeface="Bentley Light" panose="020B0404020201020102"/>
+                        <a:ea typeface="黑体" panose="02010609060101010101" pitchFamily="49" charset="-122"/>
                         <a:cs typeface="+mn-ea"/>
                         <a:sym typeface="+mn-lt"/>
                       </a:endParaRPr>
@@ -17054,15 +17048,15 @@
                         <a:tabLst/>
                         <a:defRPr/>
                       </a:pPr>
-                      <a:endParaRPr lang="zh-CN" altLang="en-US" sz="1200" b="0" kern="1200" dirty="0">
+                      <a:endParaRPr lang="zh-CN" altLang="en-US" sz="1200" b="0" kern="1200" baseline="0" dirty="0">
                         <a:solidFill>
                           <a:schemeClr val="tx1">
                             <a:lumMod val="75000"/>
                             <a:lumOff val="25000"/>
                           </a:schemeClr>
                         </a:solidFill>
-                        <a:latin typeface="+mn-lt"/>
-                        <a:ea typeface="+mn-ea"/>
+                        <a:latin typeface="Bentley Light" panose="020B0404020201020102"/>
+                        <a:ea typeface="黑体" panose="02010609060101010101" pitchFamily="49" charset="-122"/>
                         <a:cs typeface="+mn-ea"/>
                         <a:sym typeface="+mn-lt"/>
                       </a:endParaRPr>
@@ -17138,15 +17132,15 @@
                         <a:tabLst/>
                         <a:defRPr/>
                       </a:pPr>
-                      <a:endParaRPr lang="zh-CN" altLang="en-US" sz="1200" b="0" kern="1200" dirty="0">
+                      <a:endParaRPr lang="zh-CN" altLang="en-US" sz="1200" b="0" kern="1200" baseline="0" dirty="0">
                         <a:solidFill>
                           <a:schemeClr val="tx1">
                             <a:lumMod val="75000"/>
                             <a:lumOff val="25000"/>
                           </a:schemeClr>
                         </a:solidFill>
-                        <a:latin typeface="+mn-lt"/>
-                        <a:ea typeface="+mn-ea"/>
+                        <a:latin typeface="Bentley Light" panose="020B0404020201020102"/>
+                        <a:ea typeface="黑体" panose="02010609060101010101" pitchFamily="49" charset="-122"/>
                         <a:cs typeface="+mn-ea"/>
                         <a:sym typeface="+mn-lt"/>
                       </a:endParaRPr>
@@ -17202,7 +17196,7 @@
                 </a:tc>
                 <a:extLst>
                   <a:ext uri="{0D108BD9-81ED-4DB2-BD59-A6C34878D82A}">
-                    <a16:rowId xmlns:a16="http://schemas.microsoft.com/office/drawing/2014/main" xmlns="" val="10003"/>
+                    <a16:rowId xmlns:a16="http://schemas.microsoft.com/office/drawing/2014/main" val="10003"/>
                   </a:ext>
                 </a:extLst>
               </a:tr>
@@ -17230,29 +17224,29 @@
                         <a:defRPr/>
                       </a:pPr>
                       <a:r>
-                        <a:rPr lang="en-US" altLang="zh-CN" sz="1200" b="0" kern="1200" dirty="0" smtClean="0">
+                        <a:rPr lang="en-US" altLang="zh-CN" sz="1200" b="0" kern="1200" baseline="0" dirty="0" smtClean="0">
                           <a:solidFill>
                             <a:schemeClr val="tx1">
                               <a:lumMod val="75000"/>
                               <a:lumOff val="25000"/>
                             </a:schemeClr>
                           </a:solidFill>
-                          <a:latin typeface="+mn-lt"/>
-                          <a:ea typeface="+mn-ea"/>
+                          <a:latin typeface="Bentley Light" panose="020B0404020201020102"/>
+                          <a:ea typeface="黑体" panose="02010609060101010101" pitchFamily="49" charset="-122"/>
                           <a:cs typeface="+mn-ea"/>
                           <a:sym typeface="+mn-lt"/>
                         </a:rPr>
                         <a:t>4</a:t>
                       </a:r>
-                      <a:endParaRPr lang="zh-CN" altLang="en-US" sz="1200" b="0" kern="1200" dirty="0">
+                      <a:endParaRPr lang="zh-CN" altLang="en-US" sz="1200" b="0" kern="1200" baseline="0" dirty="0">
                         <a:solidFill>
                           <a:schemeClr val="tx1">
                             <a:lumMod val="75000"/>
                             <a:lumOff val="25000"/>
                           </a:schemeClr>
                         </a:solidFill>
-                        <a:latin typeface="+mn-lt"/>
-                        <a:ea typeface="+mn-ea"/>
+                        <a:latin typeface="Bentley Light" panose="020B0404020201020102"/>
+                        <a:ea typeface="黑体" panose="02010609060101010101" pitchFamily="49" charset="-122"/>
                         <a:cs typeface="+mn-ea"/>
                         <a:sym typeface="+mn-lt"/>
                       </a:endParaRPr>
@@ -17328,15 +17322,15 @@
                         <a:tabLst/>
                         <a:defRPr/>
                       </a:pPr>
-                      <a:endParaRPr lang="zh-CN" altLang="en-US" sz="1200" b="0" kern="1200" dirty="0">
+                      <a:endParaRPr lang="zh-CN" altLang="en-US" sz="1200" b="0" kern="1200" baseline="0" dirty="0">
                         <a:solidFill>
                           <a:schemeClr val="tx1">
                             <a:lumMod val="75000"/>
                             <a:lumOff val="25000"/>
                           </a:schemeClr>
                         </a:solidFill>
-                        <a:latin typeface="+mn-lt"/>
-                        <a:ea typeface="+mn-ea"/>
+                        <a:latin typeface="Bentley Light" panose="020B0404020201020102"/>
+                        <a:ea typeface="黑体" panose="02010609060101010101" pitchFamily="49" charset="-122"/>
                         <a:cs typeface="+mn-ea"/>
                         <a:sym typeface="+mn-lt"/>
                       </a:endParaRPr>
@@ -17412,15 +17406,15 @@
                         <a:tabLst/>
                         <a:defRPr/>
                       </a:pPr>
-                      <a:endParaRPr lang="zh-CN" altLang="en-US" sz="1200" b="0" kern="1200" dirty="0">
+                      <a:endParaRPr lang="zh-CN" altLang="en-US" sz="1200" b="0" kern="1200" baseline="0" dirty="0">
                         <a:solidFill>
                           <a:schemeClr val="tx1">
                             <a:lumMod val="75000"/>
                             <a:lumOff val="25000"/>
                           </a:schemeClr>
                         </a:solidFill>
-                        <a:latin typeface="+mn-lt"/>
-                        <a:ea typeface="+mn-ea"/>
+                        <a:latin typeface="Bentley Light" panose="020B0404020201020102"/>
+                        <a:ea typeface="黑体" panose="02010609060101010101" pitchFamily="49" charset="-122"/>
                         <a:cs typeface="+mn-ea"/>
                         <a:sym typeface="+mn-lt"/>
                       </a:endParaRPr>
@@ -17496,15 +17490,15 @@
                         <a:tabLst/>
                         <a:defRPr/>
                       </a:pPr>
-                      <a:endParaRPr lang="zh-CN" altLang="en-US" sz="1200" b="0" kern="1200" dirty="0">
+                      <a:endParaRPr lang="zh-CN" altLang="en-US" sz="1200" b="0" kern="1200" baseline="0" dirty="0">
                         <a:solidFill>
                           <a:schemeClr val="tx1">
                             <a:lumMod val="75000"/>
                             <a:lumOff val="25000"/>
                           </a:schemeClr>
                         </a:solidFill>
-                        <a:latin typeface="+mn-lt"/>
-                        <a:ea typeface="+mn-ea"/>
+                        <a:latin typeface="Bentley Light" panose="020B0404020201020102"/>
+                        <a:ea typeface="黑体" panose="02010609060101010101" pitchFamily="49" charset="-122"/>
                         <a:cs typeface="+mn-ea"/>
                         <a:sym typeface="+mn-lt"/>
                       </a:endParaRPr>
@@ -17560,7 +17554,7 @@
                 </a:tc>
                 <a:extLst>
                   <a:ext uri="{0D108BD9-81ED-4DB2-BD59-A6C34878D82A}">
-                    <a16:rowId xmlns:a16="http://schemas.microsoft.com/office/drawing/2014/main" xmlns="" val="10004"/>
+                    <a16:rowId xmlns:a16="http://schemas.microsoft.com/office/drawing/2014/main" val="10004"/>
                   </a:ext>
                 </a:extLst>
               </a:tr>
@@ -17588,29 +17582,29 @@
                         <a:defRPr/>
                       </a:pPr>
                       <a:r>
-                        <a:rPr lang="en-US" altLang="zh-CN" sz="1200" b="0" kern="1200" dirty="0" smtClean="0">
+                        <a:rPr lang="en-US" altLang="zh-CN" sz="1200" b="0" kern="1200" baseline="0" dirty="0" smtClean="0">
                           <a:solidFill>
                             <a:schemeClr val="tx1">
                               <a:lumMod val="75000"/>
                               <a:lumOff val="25000"/>
                             </a:schemeClr>
                           </a:solidFill>
-                          <a:latin typeface="+mn-lt"/>
-                          <a:ea typeface="+mn-ea"/>
+                          <a:latin typeface="Bentley Light" panose="020B0404020201020102"/>
+                          <a:ea typeface="黑体" panose="02010609060101010101" pitchFamily="49" charset="-122"/>
                           <a:cs typeface="+mn-ea"/>
                           <a:sym typeface="+mn-lt"/>
                         </a:rPr>
                         <a:t>5</a:t>
                       </a:r>
-                      <a:endParaRPr lang="zh-CN" altLang="en-US" sz="1200" b="0" kern="1200" dirty="0">
+                      <a:endParaRPr lang="zh-CN" altLang="en-US" sz="1200" b="0" kern="1200" baseline="0" dirty="0">
                         <a:solidFill>
                           <a:schemeClr val="tx1">
                             <a:lumMod val="75000"/>
                             <a:lumOff val="25000"/>
                           </a:schemeClr>
                         </a:solidFill>
-                        <a:latin typeface="+mn-lt"/>
-                        <a:ea typeface="+mn-ea"/>
+                        <a:latin typeface="Bentley Light" panose="020B0404020201020102"/>
+                        <a:ea typeface="黑体" panose="02010609060101010101" pitchFamily="49" charset="-122"/>
                         <a:cs typeface="+mn-ea"/>
                         <a:sym typeface="+mn-lt"/>
                       </a:endParaRPr>
@@ -17686,15 +17680,15 @@
                         <a:tabLst/>
                         <a:defRPr/>
                       </a:pPr>
-                      <a:endParaRPr lang="zh-CN" altLang="en-US" sz="1200" b="0" kern="1200" dirty="0">
+                      <a:endParaRPr lang="zh-CN" altLang="en-US" sz="1200" b="0" kern="1200" baseline="0" dirty="0">
                         <a:solidFill>
                           <a:schemeClr val="tx1">
                             <a:lumMod val="75000"/>
                             <a:lumOff val="25000"/>
                           </a:schemeClr>
                         </a:solidFill>
-                        <a:latin typeface="+mn-lt"/>
-                        <a:ea typeface="+mn-ea"/>
+                        <a:latin typeface="Bentley Light" panose="020B0404020201020102"/>
+                        <a:ea typeface="黑体" panose="02010609060101010101" pitchFamily="49" charset="-122"/>
                         <a:cs typeface="+mn-ea"/>
                         <a:sym typeface="+mn-lt"/>
                       </a:endParaRPr>
@@ -17770,15 +17764,15 @@
                         <a:tabLst/>
                         <a:defRPr/>
                       </a:pPr>
-                      <a:endParaRPr lang="zh-CN" altLang="en-US" sz="1200" b="0" kern="1200" dirty="0">
+                      <a:endParaRPr lang="zh-CN" altLang="en-US" sz="1200" b="0" kern="1200" baseline="0" dirty="0">
                         <a:solidFill>
                           <a:schemeClr val="tx1">
                             <a:lumMod val="75000"/>
                             <a:lumOff val="25000"/>
                           </a:schemeClr>
                         </a:solidFill>
-                        <a:latin typeface="+mn-lt"/>
-                        <a:ea typeface="+mn-ea"/>
+                        <a:latin typeface="Bentley Light" panose="020B0404020201020102"/>
+                        <a:ea typeface="黑体" panose="02010609060101010101" pitchFamily="49" charset="-122"/>
                         <a:cs typeface="+mn-ea"/>
                         <a:sym typeface="+mn-lt"/>
                       </a:endParaRPr>
@@ -17854,15 +17848,15 @@
                         <a:tabLst/>
                         <a:defRPr/>
                       </a:pPr>
-                      <a:endParaRPr lang="zh-CN" altLang="en-US" sz="1200" b="0" kern="1200" dirty="0">
+                      <a:endParaRPr lang="zh-CN" altLang="en-US" sz="1200" b="0" kern="1200" baseline="0" dirty="0">
                         <a:solidFill>
                           <a:schemeClr val="tx1">
                             <a:lumMod val="75000"/>
                             <a:lumOff val="25000"/>
                           </a:schemeClr>
                         </a:solidFill>
-                        <a:latin typeface="+mn-lt"/>
-                        <a:ea typeface="+mn-ea"/>
+                        <a:latin typeface="Bentley Light" panose="020B0404020201020102"/>
+                        <a:ea typeface="黑体" panose="02010609060101010101" pitchFamily="49" charset="-122"/>
                         <a:cs typeface="+mn-ea"/>
                         <a:sym typeface="+mn-lt"/>
                       </a:endParaRPr>
@@ -17918,7 +17912,7 @@
                 </a:tc>
                 <a:extLst>
                   <a:ext uri="{0D108BD9-81ED-4DB2-BD59-A6C34878D82A}">
-                    <a16:rowId xmlns:a16="http://schemas.microsoft.com/office/drawing/2014/main" xmlns="" val="2987373226"/>
+                    <a16:rowId xmlns:a16="http://schemas.microsoft.com/office/drawing/2014/main" val="2987373226"/>
                   </a:ext>
                 </a:extLst>
               </a:tr>
@@ -17946,29 +17940,29 @@
                         <a:defRPr/>
                       </a:pPr>
                       <a:r>
-                        <a:rPr lang="en-US" altLang="zh-CN" sz="1200" b="0" kern="1200" dirty="0" smtClean="0">
+                        <a:rPr lang="en-US" altLang="zh-CN" sz="1200" b="0" kern="1200" baseline="0" dirty="0" smtClean="0">
                           <a:solidFill>
                             <a:schemeClr val="tx1">
                               <a:lumMod val="75000"/>
                               <a:lumOff val="25000"/>
                             </a:schemeClr>
                           </a:solidFill>
-                          <a:latin typeface="+mn-lt"/>
-                          <a:ea typeface="+mn-ea"/>
+                          <a:latin typeface="Bentley Light" panose="020B0404020201020102"/>
+                          <a:ea typeface="黑体" panose="02010609060101010101" pitchFamily="49" charset="-122"/>
                           <a:cs typeface="+mn-ea"/>
                           <a:sym typeface="+mn-lt"/>
                         </a:rPr>
                         <a:t>6</a:t>
                       </a:r>
-                      <a:endParaRPr lang="zh-CN" altLang="en-US" sz="1200" b="0" kern="1200" dirty="0">
+                      <a:endParaRPr lang="zh-CN" altLang="en-US" sz="1200" b="0" kern="1200" baseline="0" dirty="0">
                         <a:solidFill>
                           <a:schemeClr val="tx1">
                             <a:lumMod val="75000"/>
                             <a:lumOff val="25000"/>
                           </a:schemeClr>
                         </a:solidFill>
-                        <a:latin typeface="+mn-lt"/>
-                        <a:ea typeface="+mn-ea"/>
+                        <a:latin typeface="Bentley Light" panose="020B0404020201020102"/>
+                        <a:ea typeface="黑体" panose="02010609060101010101" pitchFamily="49" charset="-122"/>
                         <a:cs typeface="+mn-ea"/>
                         <a:sym typeface="+mn-lt"/>
                       </a:endParaRPr>
@@ -18044,15 +18038,15 @@
                         <a:tabLst/>
                         <a:defRPr/>
                       </a:pPr>
-                      <a:endParaRPr lang="zh-CN" altLang="en-US" sz="1200" b="0" kern="1200" dirty="0">
+                      <a:endParaRPr lang="zh-CN" altLang="en-US" sz="1200" b="0" kern="1200" baseline="0" dirty="0">
                         <a:solidFill>
                           <a:schemeClr val="tx1">
                             <a:lumMod val="75000"/>
                             <a:lumOff val="25000"/>
                           </a:schemeClr>
                         </a:solidFill>
-                        <a:latin typeface="+mn-lt"/>
-                        <a:ea typeface="+mn-ea"/>
+                        <a:latin typeface="Bentley Light" panose="020B0404020201020102"/>
+                        <a:ea typeface="黑体" panose="02010609060101010101" pitchFamily="49" charset="-122"/>
                         <a:cs typeface="+mn-ea"/>
                         <a:sym typeface="+mn-lt"/>
                       </a:endParaRPr>
@@ -18128,15 +18122,15 @@
                         <a:tabLst/>
                         <a:defRPr/>
                       </a:pPr>
-                      <a:endParaRPr lang="zh-CN" altLang="en-US" sz="1200" b="0" kern="1200" dirty="0">
+                      <a:endParaRPr lang="zh-CN" altLang="en-US" sz="1200" b="0" kern="1200" baseline="0" dirty="0">
                         <a:solidFill>
                           <a:schemeClr val="tx1">
                             <a:lumMod val="75000"/>
                             <a:lumOff val="25000"/>
                           </a:schemeClr>
                         </a:solidFill>
-                        <a:latin typeface="+mn-lt"/>
-                        <a:ea typeface="+mn-ea"/>
+                        <a:latin typeface="Bentley Light" panose="020B0404020201020102"/>
+                        <a:ea typeface="黑体" panose="02010609060101010101" pitchFamily="49" charset="-122"/>
                         <a:cs typeface="+mn-ea"/>
                         <a:sym typeface="+mn-lt"/>
                       </a:endParaRPr>
@@ -18212,15 +18206,15 @@
                         <a:tabLst/>
                         <a:defRPr/>
                       </a:pPr>
-                      <a:endParaRPr lang="zh-CN" altLang="en-US" sz="1200" b="0" kern="1200" dirty="0">
+                      <a:endParaRPr lang="zh-CN" altLang="en-US" sz="1200" b="0" kern="1200" baseline="0" dirty="0">
                         <a:solidFill>
                           <a:schemeClr val="tx1">
                             <a:lumMod val="75000"/>
                             <a:lumOff val="25000"/>
                           </a:schemeClr>
                         </a:solidFill>
-                        <a:latin typeface="+mn-lt"/>
-                        <a:ea typeface="+mn-ea"/>
+                        <a:latin typeface="Bentley Light" panose="020B0404020201020102"/>
+                        <a:ea typeface="黑体" panose="02010609060101010101" pitchFamily="49" charset="-122"/>
                         <a:cs typeface="+mn-ea"/>
                         <a:sym typeface="+mn-lt"/>
                       </a:endParaRPr>
@@ -18276,7 +18270,723 @@
                 </a:tc>
                 <a:extLst>
                   <a:ext uri="{0D108BD9-81ED-4DB2-BD59-A6C34878D82A}">
-                    <a16:rowId xmlns:a16="http://schemas.microsoft.com/office/drawing/2014/main" xmlns="" val="2639051246"/>
+                    <a16:rowId xmlns:a16="http://schemas.microsoft.com/office/drawing/2014/main" val="2639051246"/>
+                  </a:ext>
+                </a:extLst>
+              </a:tr>
+              <a:tr h="462013">
+                <a:tc>
+                  <a:txBody>
+                    <a:bodyPr/>
+                    <a:lstStyle/>
+                    <a:p>
+                      <a:pPr marL="0" marR="0" lvl="0" indent="0" algn="ctr" defTabSz="685792" rtl="0" eaLnBrk="1" fontAlgn="auto" latinLnBrk="0" hangingPunct="1">
+                        <a:lnSpc>
+                          <a:spcPct val="130000"/>
+                        </a:lnSpc>
+                        <a:spcBef>
+                          <a:spcPts val="0"/>
+                        </a:spcBef>
+                        <a:spcAft>
+                          <a:spcPts val="0"/>
+                        </a:spcAft>
+                        <a:buClrTx/>
+                        <a:buSzTx/>
+                        <a:buFontTx/>
+                        <a:buNone/>
+                        <a:tabLst/>
+                        <a:defRPr/>
+                      </a:pPr>
+                      <a:r>
+                        <a:rPr lang="en-US" altLang="zh-CN" sz="1200" b="0" kern="1200" baseline="0" dirty="0" smtClean="0">
+                          <a:solidFill>
+                            <a:schemeClr val="tx1">
+                              <a:lumMod val="75000"/>
+                              <a:lumOff val="25000"/>
+                            </a:schemeClr>
+                          </a:solidFill>
+                          <a:latin typeface="Bentley Light" panose="020B0404020201020102"/>
+                          <a:ea typeface="黑体" panose="02010609060101010101" pitchFamily="49" charset="-122"/>
+                          <a:cs typeface="+mn-ea"/>
+                          <a:sym typeface="+mn-lt"/>
+                        </a:rPr>
+                        <a:t>7</a:t>
+                      </a:r>
+                      <a:endParaRPr lang="zh-CN" altLang="en-US" sz="1200" b="0" kern="1200" baseline="0" dirty="0">
+                        <a:solidFill>
+                          <a:schemeClr val="tx1">
+                            <a:lumMod val="75000"/>
+                            <a:lumOff val="25000"/>
+                          </a:schemeClr>
+                        </a:solidFill>
+                        <a:latin typeface="Bentley Light" panose="020B0404020201020102"/>
+                        <a:ea typeface="黑体" panose="02010609060101010101" pitchFamily="49" charset="-122"/>
+                        <a:cs typeface="+mn-ea"/>
+                        <a:sym typeface="+mn-lt"/>
+                      </a:endParaRPr>
+                    </a:p>
+                  </a:txBody>
+                  <a:tcPr marL="108666" marR="108666" marT="108522" marB="108522" anchor="ctr">
+                    <a:lnL w="57150" cap="flat" cmpd="sng" algn="ctr">
+                      <a:noFill/>
+                      <a:prstDash val="solid"/>
+                      <a:round/>
+                      <a:headEnd type="none" w="med" len="med"/>
+                      <a:tailEnd type="none" w="med" len="med"/>
+                    </a:lnL>
+                    <a:lnR w="3175" cap="flat" cmpd="sng" algn="ctr">
+                      <a:noFill/>
+                      <a:prstDash val="solid"/>
+                      <a:round/>
+                      <a:headEnd type="none" w="med" len="med"/>
+                      <a:tailEnd type="none" w="med" len="med"/>
+                    </a:lnR>
+                    <a:lnT w="3175" cap="flat" cmpd="sng" algn="ctr">
+                      <a:solidFill>
+                        <a:schemeClr val="bg1">
+                          <a:lumMod val="75000"/>
+                        </a:schemeClr>
+                      </a:solidFill>
+                      <a:prstDash val="sysDot"/>
+                      <a:round/>
+                      <a:headEnd type="none" w="med" len="med"/>
+                      <a:tailEnd type="none" w="med" len="med"/>
+                    </a:lnT>
+                    <a:lnB w="3175" cap="flat" cmpd="sng" algn="ctr">
+                      <a:solidFill>
+                        <a:schemeClr val="bg1">
+                          <a:lumMod val="75000"/>
+                        </a:schemeClr>
+                      </a:solidFill>
+                      <a:prstDash val="sysDot"/>
+                      <a:round/>
+                      <a:headEnd type="none" w="med" len="med"/>
+                      <a:tailEnd type="none" w="med" len="med"/>
+                    </a:lnB>
+                    <a:lnTlToBr w="12700" cmpd="sng">
+                      <a:noFill/>
+                      <a:prstDash val="solid"/>
+                    </a:lnTlToBr>
+                    <a:lnBlToTr w="12700" cmpd="sng">
+                      <a:noFill/>
+                      <a:prstDash val="solid"/>
+                    </a:lnBlToTr>
+                    <a:noFill/>
+                  </a:tcPr>
+                </a:tc>
+                <a:tc>
+                  <a:txBody>
+                    <a:bodyPr/>
+                    <a:lstStyle/>
+                    <a:p>
+                      <a:pPr marL="0" marR="0" lvl="0" indent="0" algn="ctr" defTabSz="685792" rtl="0" eaLnBrk="1" fontAlgn="auto" latinLnBrk="0" hangingPunct="1">
+                        <a:lnSpc>
+                          <a:spcPct val="130000"/>
+                        </a:lnSpc>
+                        <a:spcBef>
+                          <a:spcPts val="0"/>
+                        </a:spcBef>
+                        <a:spcAft>
+                          <a:spcPts val="0"/>
+                        </a:spcAft>
+                        <a:buClrTx/>
+                        <a:buSzTx/>
+                        <a:buFontTx/>
+                        <a:buNone/>
+                        <a:tabLst/>
+                        <a:defRPr/>
+                      </a:pPr>
+                      <a:endParaRPr lang="zh-CN" altLang="en-US" sz="1200" b="0" kern="1200" baseline="0" dirty="0">
+                        <a:solidFill>
+                          <a:schemeClr val="tx1">
+                            <a:lumMod val="75000"/>
+                            <a:lumOff val="25000"/>
+                          </a:schemeClr>
+                        </a:solidFill>
+                        <a:latin typeface="Bentley Light" panose="020B0404020201020102"/>
+                        <a:ea typeface="黑体" panose="02010609060101010101" pitchFamily="49" charset="-122"/>
+                        <a:cs typeface="+mn-ea"/>
+                        <a:sym typeface="+mn-lt"/>
+                      </a:endParaRPr>
+                    </a:p>
+                  </a:txBody>
+                  <a:tcPr marL="108666" marR="108666" marT="108522" marB="108522" anchor="ctr">
+                    <a:lnL w="57150" cap="flat" cmpd="sng" algn="ctr">
+                      <a:noFill/>
+                      <a:prstDash val="solid"/>
+                      <a:round/>
+                      <a:headEnd type="none" w="med" len="med"/>
+                      <a:tailEnd type="none" w="med" len="med"/>
+                    </a:lnL>
+                    <a:lnR w="3175" cap="flat" cmpd="sng" algn="ctr">
+                      <a:noFill/>
+                      <a:prstDash val="solid"/>
+                      <a:round/>
+                      <a:headEnd type="none" w="med" len="med"/>
+                      <a:tailEnd type="none" w="med" len="med"/>
+                    </a:lnR>
+                    <a:lnT w="3175" cap="flat" cmpd="sng" algn="ctr">
+                      <a:solidFill>
+                        <a:schemeClr val="bg1">
+                          <a:lumMod val="75000"/>
+                        </a:schemeClr>
+                      </a:solidFill>
+                      <a:prstDash val="sysDot"/>
+                      <a:round/>
+                      <a:headEnd type="none" w="med" len="med"/>
+                      <a:tailEnd type="none" w="med" len="med"/>
+                    </a:lnT>
+                    <a:lnB w="3175" cap="flat" cmpd="sng" algn="ctr">
+                      <a:solidFill>
+                        <a:schemeClr val="bg1">
+                          <a:lumMod val="75000"/>
+                        </a:schemeClr>
+                      </a:solidFill>
+                      <a:prstDash val="sysDot"/>
+                      <a:round/>
+                      <a:headEnd type="none" w="med" len="med"/>
+                      <a:tailEnd type="none" w="med" len="med"/>
+                    </a:lnB>
+                    <a:lnTlToBr w="12700" cmpd="sng">
+                      <a:noFill/>
+                      <a:prstDash val="solid"/>
+                    </a:lnTlToBr>
+                    <a:lnBlToTr w="12700" cmpd="sng">
+                      <a:noFill/>
+                      <a:prstDash val="solid"/>
+                    </a:lnBlToTr>
+                    <a:noFill/>
+                  </a:tcPr>
+                </a:tc>
+                <a:tc>
+                  <a:txBody>
+                    <a:bodyPr/>
+                    <a:lstStyle/>
+                    <a:p>
+                      <a:pPr marL="0" marR="0" lvl="0" indent="0" algn="l" defTabSz="685792" rtl="0" eaLnBrk="1" fontAlgn="auto" latinLnBrk="0" hangingPunct="1">
+                        <a:lnSpc>
+                          <a:spcPct val="130000"/>
+                        </a:lnSpc>
+                        <a:spcBef>
+                          <a:spcPts val="0"/>
+                        </a:spcBef>
+                        <a:spcAft>
+                          <a:spcPts val="0"/>
+                        </a:spcAft>
+                        <a:buClrTx/>
+                        <a:buSzTx/>
+                        <a:buFontTx/>
+                        <a:buNone/>
+                        <a:tabLst/>
+                        <a:defRPr/>
+                      </a:pPr>
+                      <a:endParaRPr lang="zh-CN" altLang="en-US" sz="1200" b="0" kern="1200" baseline="0" dirty="0">
+                        <a:solidFill>
+                          <a:schemeClr val="tx1">
+                            <a:lumMod val="75000"/>
+                            <a:lumOff val="25000"/>
+                          </a:schemeClr>
+                        </a:solidFill>
+                        <a:latin typeface="Bentley Light" panose="020B0404020201020102"/>
+                        <a:ea typeface="黑体" panose="02010609060101010101" pitchFamily="49" charset="-122"/>
+                        <a:cs typeface="+mn-ea"/>
+                        <a:sym typeface="+mn-lt"/>
+                      </a:endParaRPr>
+                    </a:p>
+                  </a:txBody>
+                  <a:tcPr marL="108666" marR="108666" marT="108522" marB="108522" anchor="ctr">
+                    <a:lnL w="3175" cap="flat" cmpd="sng" algn="ctr">
+                      <a:noFill/>
+                      <a:prstDash val="solid"/>
+                      <a:round/>
+                      <a:headEnd type="none" w="med" len="med"/>
+                      <a:tailEnd type="none" w="med" len="med"/>
+                    </a:lnL>
+                    <a:lnR w="57150" cap="flat" cmpd="sng" algn="ctr">
+                      <a:noFill/>
+                      <a:prstDash val="solid"/>
+                      <a:round/>
+                      <a:headEnd type="none" w="med" len="med"/>
+                      <a:tailEnd type="none" w="med" len="med"/>
+                    </a:lnR>
+                    <a:lnT w="3175" cap="flat" cmpd="sng" algn="ctr">
+                      <a:solidFill>
+                        <a:schemeClr val="bg1">
+                          <a:lumMod val="75000"/>
+                        </a:schemeClr>
+                      </a:solidFill>
+                      <a:prstDash val="sysDot"/>
+                      <a:round/>
+                      <a:headEnd type="none" w="med" len="med"/>
+                      <a:tailEnd type="none" w="med" len="med"/>
+                    </a:lnT>
+                    <a:lnB w="3175" cap="flat" cmpd="sng" algn="ctr">
+                      <a:solidFill>
+                        <a:schemeClr val="bg1">
+                          <a:lumMod val="75000"/>
+                        </a:schemeClr>
+                      </a:solidFill>
+                      <a:prstDash val="sysDot"/>
+                      <a:round/>
+                      <a:headEnd type="none" w="med" len="med"/>
+                      <a:tailEnd type="none" w="med" len="med"/>
+                    </a:lnB>
+                    <a:lnTlToBr w="12700" cmpd="sng">
+                      <a:noFill/>
+                      <a:prstDash val="solid"/>
+                    </a:lnTlToBr>
+                    <a:lnBlToTr w="12700" cmpd="sng">
+                      <a:noFill/>
+                      <a:prstDash val="solid"/>
+                    </a:lnBlToTr>
+                    <a:noFill/>
+                  </a:tcPr>
+                </a:tc>
+                <a:tc>
+                  <a:txBody>
+                    <a:bodyPr/>
+                    <a:lstStyle/>
+                    <a:p>
+                      <a:pPr marL="0" marR="0" lvl="0" indent="0" algn="l" defTabSz="685792" rtl="0" eaLnBrk="1" fontAlgn="auto" latinLnBrk="0" hangingPunct="1">
+                        <a:lnSpc>
+                          <a:spcPct val="130000"/>
+                        </a:lnSpc>
+                        <a:spcBef>
+                          <a:spcPts val="0"/>
+                        </a:spcBef>
+                        <a:spcAft>
+                          <a:spcPts val="0"/>
+                        </a:spcAft>
+                        <a:buClrTx/>
+                        <a:buSzTx/>
+                        <a:buFontTx/>
+                        <a:buNone/>
+                        <a:tabLst/>
+                        <a:defRPr/>
+                      </a:pPr>
+                      <a:endParaRPr lang="zh-CN" altLang="en-US" sz="1200" b="0" kern="1200" baseline="0" dirty="0">
+                        <a:solidFill>
+                          <a:schemeClr val="tx1">
+                            <a:lumMod val="75000"/>
+                            <a:lumOff val="25000"/>
+                          </a:schemeClr>
+                        </a:solidFill>
+                        <a:latin typeface="Bentley Light" panose="020B0404020201020102"/>
+                        <a:ea typeface="黑体" panose="02010609060101010101" pitchFamily="49" charset="-122"/>
+                        <a:cs typeface="+mn-ea"/>
+                        <a:sym typeface="+mn-lt"/>
+                      </a:endParaRPr>
+                    </a:p>
+                  </a:txBody>
+                  <a:tcPr marL="108666" marR="108666" marT="108522" marB="108522" anchor="ctr">
+                    <a:lnL w="3175" cap="flat" cmpd="sng" algn="ctr">
+                      <a:noFill/>
+                      <a:prstDash val="solid"/>
+                      <a:round/>
+                      <a:headEnd type="none" w="med" len="med"/>
+                      <a:tailEnd type="none" w="med" len="med"/>
+                    </a:lnL>
+                    <a:lnR w="57150" cap="flat" cmpd="sng" algn="ctr">
+                      <a:noFill/>
+                      <a:prstDash val="solid"/>
+                      <a:round/>
+                      <a:headEnd type="none" w="med" len="med"/>
+                      <a:tailEnd type="none" w="med" len="med"/>
+                    </a:lnR>
+                    <a:lnT w="3175" cap="flat" cmpd="sng" algn="ctr">
+                      <a:solidFill>
+                        <a:schemeClr val="bg1">
+                          <a:lumMod val="75000"/>
+                        </a:schemeClr>
+                      </a:solidFill>
+                      <a:prstDash val="sysDot"/>
+                      <a:round/>
+                      <a:headEnd type="none" w="med" len="med"/>
+                      <a:tailEnd type="none" w="med" len="med"/>
+                    </a:lnT>
+                    <a:lnB w="3175" cap="flat" cmpd="sng" algn="ctr">
+                      <a:solidFill>
+                        <a:schemeClr val="bg1">
+                          <a:lumMod val="75000"/>
+                        </a:schemeClr>
+                      </a:solidFill>
+                      <a:prstDash val="sysDot"/>
+                      <a:round/>
+                      <a:headEnd type="none" w="med" len="med"/>
+                      <a:tailEnd type="none" w="med" len="med"/>
+                    </a:lnB>
+                    <a:lnTlToBr w="12700" cmpd="sng">
+                      <a:noFill/>
+                      <a:prstDash val="solid"/>
+                    </a:lnTlToBr>
+                    <a:lnBlToTr w="12700" cmpd="sng">
+                      <a:noFill/>
+                      <a:prstDash val="solid"/>
+                    </a:lnBlToTr>
+                    <a:noFill/>
+                  </a:tcPr>
+                </a:tc>
+                <a:extLst>
+                  <a:ext uri="{0D108BD9-81ED-4DB2-BD59-A6C34878D82A}">
+                    <a16:rowId xmlns:a16="http://schemas.microsoft.com/office/drawing/2014/main" val="3883440836"/>
+                  </a:ext>
+                </a:extLst>
+              </a:tr>
+              <a:tr h="462013">
+                <a:tc>
+                  <a:txBody>
+                    <a:bodyPr/>
+                    <a:lstStyle/>
+                    <a:p>
+                      <a:pPr marL="0" marR="0" lvl="0" indent="0" algn="ctr" defTabSz="685792" rtl="0" eaLnBrk="1" fontAlgn="auto" latinLnBrk="0" hangingPunct="1">
+                        <a:lnSpc>
+                          <a:spcPct val="130000"/>
+                        </a:lnSpc>
+                        <a:spcBef>
+                          <a:spcPts val="0"/>
+                        </a:spcBef>
+                        <a:spcAft>
+                          <a:spcPts val="0"/>
+                        </a:spcAft>
+                        <a:buClrTx/>
+                        <a:buSzTx/>
+                        <a:buFontTx/>
+                        <a:buNone/>
+                        <a:tabLst/>
+                        <a:defRPr/>
+                      </a:pPr>
+                      <a:r>
+                        <a:rPr lang="en-US" altLang="zh-CN" sz="1200" b="0" kern="1200" baseline="0" dirty="0" smtClean="0">
+                          <a:solidFill>
+                            <a:schemeClr val="tx1">
+                              <a:lumMod val="75000"/>
+                              <a:lumOff val="25000"/>
+                            </a:schemeClr>
+                          </a:solidFill>
+                          <a:latin typeface="Bentley Light" panose="020B0404020201020102"/>
+                          <a:ea typeface="黑体" panose="02010609060101010101" pitchFamily="49" charset="-122"/>
+                          <a:cs typeface="+mn-ea"/>
+                          <a:sym typeface="+mn-lt"/>
+                        </a:rPr>
+                        <a:t>8</a:t>
+                      </a:r>
+                      <a:endParaRPr lang="zh-CN" altLang="en-US" sz="1200" b="0" kern="1200" baseline="0" dirty="0">
+                        <a:solidFill>
+                          <a:schemeClr val="tx1">
+                            <a:lumMod val="75000"/>
+                            <a:lumOff val="25000"/>
+                          </a:schemeClr>
+                        </a:solidFill>
+                        <a:latin typeface="Bentley Light" panose="020B0404020201020102"/>
+                        <a:ea typeface="黑体" panose="02010609060101010101" pitchFamily="49" charset="-122"/>
+                        <a:cs typeface="+mn-ea"/>
+                        <a:sym typeface="+mn-lt"/>
+                      </a:endParaRPr>
+                    </a:p>
+                  </a:txBody>
+                  <a:tcPr marL="108666" marR="108666" marT="108522" marB="108522" anchor="ctr">
+                    <a:lnL w="57150" cap="flat" cmpd="sng" algn="ctr">
+                      <a:noFill/>
+                      <a:prstDash val="solid"/>
+                      <a:round/>
+                      <a:headEnd type="none" w="med" len="med"/>
+                      <a:tailEnd type="none" w="med" len="med"/>
+                    </a:lnL>
+                    <a:lnR w="3175" cap="flat" cmpd="sng" algn="ctr">
+                      <a:noFill/>
+                      <a:prstDash val="solid"/>
+                      <a:round/>
+                      <a:headEnd type="none" w="med" len="med"/>
+                      <a:tailEnd type="none" w="med" len="med"/>
+                    </a:lnR>
+                    <a:lnT w="3175" cap="flat" cmpd="sng" algn="ctr">
+                      <a:solidFill>
+                        <a:schemeClr val="bg1">
+                          <a:lumMod val="75000"/>
+                        </a:schemeClr>
+                      </a:solidFill>
+                      <a:prstDash val="sysDot"/>
+                      <a:round/>
+                      <a:headEnd type="none" w="med" len="med"/>
+                      <a:tailEnd type="none" w="med" len="med"/>
+                    </a:lnT>
+                    <a:lnB w="3175" cap="flat" cmpd="sng" algn="ctr">
+                      <a:solidFill>
+                        <a:schemeClr val="bg1">
+                          <a:lumMod val="75000"/>
+                        </a:schemeClr>
+                      </a:solidFill>
+                      <a:prstDash val="sysDot"/>
+                      <a:round/>
+                      <a:headEnd type="none" w="med" len="med"/>
+                      <a:tailEnd type="none" w="med" len="med"/>
+                    </a:lnB>
+                    <a:lnTlToBr w="12700" cmpd="sng">
+                      <a:noFill/>
+                      <a:prstDash val="solid"/>
+                    </a:lnTlToBr>
+                    <a:lnBlToTr w="12700" cmpd="sng">
+                      <a:noFill/>
+                      <a:prstDash val="solid"/>
+                    </a:lnBlToTr>
+                    <a:noFill/>
+                  </a:tcPr>
+                </a:tc>
+                <a:tc>
+                  <a:txBody>
+                    <a:bodyPr/>
+                    <a:lstStyle/>
+                    <a:p>
+                      <a:pPr marL="0" marR="0" lvl="0" indent="0" algn="ctr" defTabSz="685792" rtl="0" eaLnBrk="1" fontAlgn="auto" latinLnBrk="0" hangingPunct="1">
+                        <a:lnSpc>
+                          <a:spcPct val="130000"/>
+                        </a:lnSpc>
+                        <a:spcBef>
+                          <a:spcPts val="0"/>
+                        </a:spcBef>
+                        <a:spcAft>
+                          <a:spcPts val="0"/>
+                        </a:spcAft>
+                        <a:buClrTx/>
+                        <a:buSzTx/>
+                        <a:buFontTx/>
+                        <a:buNone/>
+                        <a:tabLst/>
+                        <a:defRPr/>
+                      </a:pPr>
+                      <a:endParaRPr lang="zh-CN" altLang="en-US" sz="1200" b="0" kern="1200" baseline="0" dirty="0">
+                        <a:solidFill>
+                          <a:schemeClr val="tx1">
+                            <a:lumMod val="75000"/>
+                            <a:lumOff val="25000"/>
+                          </a:schemeClr>
+                        </a:solidFill>
+                        <a:latin typeface="Bentley Light" panose="020B0404020201020102"/>
+                        <a:ea typeface="黑体" panose="02010609060101010101" pitchFamily="49" charset="-122"/>
+                        <a:cs typeface="+mn-ea"/>
+                        <a:sym typeface="+mn-lt"/>
+                      </a:endParaRPr>
+                    </a:p>
+                  </a:txBody>
+                  <a:tcPr marL="108666" marR="108666" marT="108522" marB="108522" anchor="ctr">
+                    <a:lnL w="57150" cap="flat" cmpd="sng" algn="ctr">
+                      <a:noFill/>
+                      <a:prstDash val="solid"/>
+                      <a:round/>
+                      <a:headEnd type="none" w="med" len="med"/>
+                      <a:tailEnd type="none" w="med" len="med"/>
+                    </a:lnL>
+                    <a:lnR w="3175" cap="flat" cmpd="sng" algn="ctr">
+                      <a:noFill/>
+                      <a:prstDash val="solid"/>
+                      <a:round/>
+                      <a:headEnd type="none" w="med" len="med"/>
+                      <a:tailEnd type="none" w="med" len="med"/>
+                    </a:lnR>
+                    <a:lnT w="3175" cap="flat" cmpd="sng" algn="ctr">
+                      <a:solidFill>
+                        <a:schemeClr val="bg1">
+                          <a:lumMod val="75000"/>
+                        </a:schemeClr>
+                      </a:solidFill>
+                      <a:prstDash val="sysDot"/>
+                      <a:round/>
+                      <a:headEnd type="none" w="med" len="med"/>
+                      <a:tailEnd type="none" w="med" len="med"/>
+                    </a:lnT>
+                    <a:lnB w="3175" cap="flat" cmpd="sng" algn="ctr">
+                      <a:solidFill>
+                        <a:schemeClr val="bg1">
+                          <a:lumMod val="75000"/>
+                        </a:schemeClr>
+                      </a:solidFill>
+                      <a:prstDash val="sysDot"/>
+                      <a:round/>
+                      <a:headEnd type="none" w="med" len="med"/>
+                      <a:tailEnd type="none" w="med" len="med"/>
+                    </a:lnB>
+                    <a:lnTlToBr w="12700" cmpd="sng">
+                      <a:noFill/>
+                      <a:prstDash val="solid"/>
+                    </a:lnTlToBr>
+                    <a:lnBlToTr w="12700" cmpd="sng">
+                      <a:noFill/>
+                      <a:prstDash val="solid"/>
+                    </a:lnBlToTr>
+                    <a:noFill/>
+                  </a:tcPr>
+                </a:tc>
+                <a:tc>
+                  <a:txBody>
+                    <a:bodyPr/>
+                    <a:lstStyle/>
+                    <a:p>
+                      <a:pPr marL="0" marR="0" lvl="0" indent="0" algn="l" defTabSz="685792" rtl="0" eaLnBrk="1" fontAlgn="auto" latinLnBrk="0" hangingPunct="1">
+                        <a:lnSpc>
+                          <a:spcPct val="130000"/>
+                        </a:lnSpc>
+                        <a:spcBef>
+                          <a:spcPts val="0"/>
+                        </a:spcBef>
+                        <a:spcAft>
+                          <a:spcPts val="0"/>
+                        </a:spcAft>
+                        <a:buClrTx/>
+                        <a:buSzTx/>
+                        <a:buFontTx/>
+                        <a:buNone/>
+                        <a:tabLst/>
+                        <a:defRPr/>
+                      </a:pPr>
+                      <a:endParaRPr lang="zh-CN" altLang="en-US" sz="1200" b="0" kern="1200" baseline="0" dirty="0">
+                        <a:solidFill>
+                          <a:schemeClr val="tx1">
+                            <a:lumMod val="75000"/>
+                            <a:lumOff val="25000"/>
+                          </a:schemeClr>
+                        </a:solidFill>
+                        <a:latin typeface="Bentley Light" panose="020B0404020201020102"/>
+                        <a:ea typeface="黑体" panose="02010609060101010101" pitchFamily="49" charset="-122"/>
+                        <a:cs typeface="+mn-ea"/>
+                        <a:sym typeface="+mn-lt"/>
+                      </a:endParaRPr>
+                    </a:p>
+                  </a:txBody>
+                  <a:tcPr marL="108666" marR="108666" marT="108522" marB="108522" anchor="ctr">
+                    <a:lnL w="3175" cap="flat" cmpd="sng" algn="ctr">
+                      <a:noFill/>
+                      <a:prstDash val="solid"/>
+                      <a:round/>
+                      <a:headEnd type="none" w="med" len="med"/>
+                      <a:tailEnd type="none" w="med" len="med"/>
+                    </a:lnL>
+                    <a:lnR w="57150" cap="flat" cmpd="sng" algn="ctr">
+                      <a:noFill/>
+                      <a:prstDash val="solid"/>
+                      <a:round/>
+                      <a:headEnd type="none" w="med" len="med"/>
+                      <a:tailEnd type="none" w="med" len="med"/>
+                    </a:lnR>
+                    <a:lnT w="3175" cap="flat" cmpd="sng" algn="ctr">
+                      <a:solidFill>
+                        <a:schemeClr val="bg1">
+                          <a:lumMod val="75000"/>
+                        </a:schemeClr>
+                      </a:solidFill>
+                      <a:prstDash val="sysDot"/>
+                      <a:round/>
+                      <a:headEnd type="none" w="med" len="med"/>
+                      <a:tailEnd type="none" w="med" len="med"/>
+                    </a:lnT>
+                    <a:lnB w="3175" cap="flat" cmpd="sng" algn="ctr">
+                      <a:solidFill>
+                        <a:schemeClr val="bg1">
+                          <a:lumMod val="75000"/>
+                        </a:schemeClr>
+                      </a:solidFill>
+                      <a:prstDash val="sysDot"/>
+                      <a:round/>
+                      <a:headEnd type="none" w="med" len="med"/>
+                      <a:tailEnd type="none" w="med" len="med"/>
+                    </a:lnB>
+                    <a:lnTlToBr w="12700" cmpd="sng">
+                      <a:noFill/>
+                      <a:prstDash val="solid"/>
+                    </a:lnTlToBr>
+                    <a:lnBlToTr w="12700" cmpd="sng">
+                      <a:noFill/>
+                      <a:prstDash val="solid"/>
+                    </a:lnBlToTr>
+                    <a:noFill/>
+                  </a:tcPr>
+                </a:tc>
+                <a:tc>
+                  <a:txBody>
+                    <a:bodyPr/>
+                    <a:lstStyle/>
+                    <a:p>
+                      <a:pPr marL="0" marR="0" lvl="0" indent="0" algn="l" defTabSz="685792" rtl="0" eaLnBrk="1" fontAlgn="auto" latinLnBrk="0" hangingPunct="1">
+                        <a:lnSpc>
+                          <a:spcPct val="130000"/>
+                        </a:lnSpc>
+                        <a:spcBef>
+                          <a:spcPts val="0"/>
+                        </a:spcBef>
+                        <a:spcAft>
+                          <a:spcPts val="0"/>
+                        </a:spcAft>
+                        <a:buClrTx/>
+                        <a:buSzTx/>
+                        <a:buFontTx/>
+                        <a:buNone/>
+                        <a:tabLst/>
+                        <a:defRPr/>
+                      </a:pPr>
+                      <a:endParaRPr lang="zh-CN" altLang="en-US" sz="1200" b="0" kern="1200" baseline="0" dirty="0">
+                        <a:solidFill>
+                          <a:schemeClr val="tx1">
+                            <a:lumMod val="75000"/>
+                            <a:lumOff val="25000"/>
+                          </a:schemeClr>
+                        </a:solidFill>
+                        <a:latin typeface="Bentley Light" panose="020B0404020201020102"/>
+                        <a:ea typeface="黑体" panose="02010609060101010101" pitchFamily="49" charset="-122"/>
+                        <a:cs typeface="+mn-ea"/>
+                        <a:sym typeface="+mn-lt"/>
+                      </a:endParaRPr>
+                    </a:p>
+                  </a:txBody>
+                  <a:tcPr marL="108666" marR="108666" marT="108522" marB="108522" anchor="ctr">
+                    <a:lnL w="3175" cap="flat" cmpd="sng" algn="ctr">
+                      <a:noFill/>
+                      <a:prstDash val="solid"/>
+                      <a:round/>
+                      <a:headEnd type="none" w="med" len="med"/>
+                      <a:tailEnd type="none" w="med" len="med"/>
+                    </a:lnL>
+                    <a:lnR w="57150" cap="flat" cmpd="sng" algn="ctr">
+                      <a:noFill/>
+                      <a:prstDash val="solid"/>
+                      <a:round/>
+                      <a:headEnd type="none" w="med" len="med"/>
+                      <a:tailEnd type="none" w="med" len="med"/>
+                    </a:lnR>
+                    <a:lnT w="3175" cap="flat" cmpd="sng" algn="ctr">
+                      <a:solidFill>
+                        <a:schemeClr val="bg1">
+                          <a:lumMod val="75000"/>
+                        </a:schemeClr>
+                      </a:solidFill>
+                      <a:prstDash val="sysDot"/>
+                      <a:round/>
+                      <a:headEnd type="none" w="med" len="med"/>
+                      <a:tailEnd type="none" w="med" len="med"/>
+                    </a:lnT>
+                    <a:lnB w="3175" cap="flat" cmpd="sng" algn="ctr">
+                      <a:solidFill>
+                        <a:schemeClr val="bg1">
+                          <a:lumMod val="75000"/>
+                        </a:schemeClr>
+                      </a:solidFill>
+                      <a:prstDash val="sysDot"/>
+                      <a:round/>
+                      <a:headEnd type="none" w="med" len="med"/>
+                      <a:tailEnd type="none" w="med" len="med"/>
+                    </a:lnB>
+                    <a:lnTlToBr w="12700" cmpd="sng">
+                      <a:noFill/>
+                      <a:prstDash val="solid"/>
+                    </a:lnTlToBr>
+                    <a:lnBlToTr w="12700" cmpd="sng">
+                      <a:noFill/>
+                      <a:prstDash val="solid"/>
+                    </a:lnBlToTr>
+                    <a:noFill/>
+                  </a:tcPr>
+                </a:tc>
+                <a:extLst>
+                  <a:ext uri="{0D108BD9-81ED-4DB2-BD59-A6C34878D82A}">
+                    <a16:rowId xmlns:a16="http://schemas.microsoft.com/office/drawing/2014/main" val="540085564"/>
                   </a:ext>
                 </a:extLst>
               </a:tr>
@@ -18304,29 +19014,29 @@
                         <a:defRPr/>
                       </a:pPr>
                       <a:r>
-                        <a:rPr lang="en-US" altLang="zh-CN" sz="1200" b="0" kern="1200" dirty="0" smtClean="0">
+                        <a:rPr lang="en-US" altLang="zh-CN" sz="1200" b="0" kern="1200" baseline="0" dirty="0" smtClean="0">
                           <a:solidFill>
                             <a:schemeClr val="tx1">
                               <a:lumMod val="75000"/>
                               <a:lumOff val="25000"/>
                             </a:schemeClr>
                           </a:solidFill>
-                          <a:latin typeface="+mn-lt"/>
-                          <a:ea typeface="+mn-ea"/>
+                          <a:latin typeface="Bentley Light" panose="020B0404020201020102"/>
+                          <a:ea typeface="黑体" panose="02010609060101010101" pitchFamily="49" charset="-122"/>
                           <a:cs typeface="+mn-ea"/>
                           <a:sym typeface="+mn-lt"/>
                         </a:rPr>
-                        <a:t>7</a:t>
+                        <a:t>9</a:t>
                       </a:r>
-                      <a:endParaRPr lang="zh-CN" altLang="en-US" sz="1200" b="0" kern="1200" dirty="0">
+                      <a:endParaRPr lang="zh-CN" altLang="en-US" sz="1200" b="0" kern="1200" baseline="0" dirty="0">
                         <a:solidFill>
                           <a:schemeClr val="tx1">
                             <a:lumMod val="75000"/>
                             <a:lumOff val="25000"/>
                           </a:schemeClr>
                         </a:solidFill>
-                        <a:latin typeface="+mn-lt"/>
-                        <a:ea typeface="+mn-ea"/>
+                        <a:latin typeface="Bentley Light" panose="020B0404020201020102"/>
+                        <a:ea typeface="黑体" panose="02010609060101010101" pitchFamily="49" charset="-122"/>
                         <a:cs typeface="+mn-ea"/>
                         <a:sym typeface="+mn-lt"/>
                       </a:endParaRPr>
@@ -18402,15 +19112,15 @@
                         <a:tabLst/>
                         <a:defRPr/>
                       </a:pPr>
-                      <a:endParaRPr lang="zh-CN" altLang="en-US" sz="1200" b="0" kern="1200" dirty="0">
+                      <a:endParaRPr lang="zh-CN" altLang="en-US" sz="1200" b="0" kern="1200" baseline="0" dirty="0">
                         <a:solidFill>
                           <a:schemeClr val="tx1">
                             <a:lumMod val="75000"/>
                             <a:lumOff val="25000"/>
                           </a:schemeClr>
                         </a:solidFill>
-                        <a:latin typeface="+mn-lt"/>
-                        <a:ea typeface="+mn-ea"/>
+                        <a:latin typeface="Bentley Light" panose="020B0404020201020102"/>
+                        <a:ea typeface="黑体" panose="02010609060101010101" pitchFamily="49" charset="-122"/>
                         <a:cs typeface="+mn-ea"/>
                         <a:sym typeface="+mn-lt"/>
                       </a:endParaRPr>
@@ -18486,15 +19196,15 @@
                         <a:tabLst/>
                         <a:defRPr/>
                       </a:pPr>
-                      <a:endParaRPr lang="zh-CN" altLang="en-US" sz="1200" b="0" kern="1200" dirty="0">
+                      <a:endParaRPr lang="zh-CN" altLang="en-US" sz="1200" b="0" kern="1200" baseline="0" dirty="0">
                         <a:solidFill>
                           <a:schemeClr val="tx1">
                             <a:lumMod val="75000"/>
                             <a:lumOff val="25000"/>
                           </a:schemeClr>
                         </a:solidFill>
-                        <a:latin typeface="+mn-lt"/>
-                        <a:ea typeface="+mn-ea"/>
+                        <a:latin typeface="Bentley Light" panose="020B0404020201020102"/>
+                        <a:ea typeface="黑体" panose="02010609060101010101" pitchFamily="49" charset="-122"/>
                         <a:cs typeface="+mn-ea"/>
                         <a:sym typeface="+mn-lt"/>
                       </a:endParaRPr>
@@ -18570,15 +19280,15 @@
                         <a:tabLst/>
                         <a:defRPr/>
                       </a:pPr>
-                      <a:endParaRPr lang="zh-CN" altLang="en-US" sz="1200" b="0" kern="1200" dirty="0">
+                      <a:endParaRPr lang="zh-CN" altLang="en-US" sz="1200" b="0" kern="1200" baseline="0" dirty="0">
                         <a:solidFill>
                           <a:schemeClr val="tx1">
                             <a:lumMod val="75000"/>
                             <a:lumOff val="25000"/>
                           </a:schemeClr>
                         </a:solidFill>
-                        <a:latin typeface="+mn-lt"/>
-                        <a:ea typeface="+mn-ea"/>
+                        <a:latin typeface="Bentley Light" panose="020B0404020201020102"/>
+                        <a:ea typeface="黑体" panose="02010609060101010101" pitchFamily="49" charset="-122"/>
                         <a:cs typeface="+mn-ea"/>
                         <a:sym typeface="+mn-lt"/>
                       </a:endParaRPr>
@@ -18634,7 +19344,7 @@
                 </a:tc>
                 <a:extLst>
                   <a:ext uri="{0D108BD9-81ED-4DB2-BD59-A6C34878D82A}">
-                    <a16:rowId xmlns:a16="http://schemas.microsoft.com/office/drawing/2014/main" xmlns="" val="1177553746"/>
+                    <a16:rowId xmlns:a16="http://schemas.microsoft.com/office/drawing/2014/main" val="1177553746"/>
                   </a:ext>
                 </a:extLst>
               </a:tr>
@@ -18662,29 +19372,29 @@
                         <a:defRPr/>
                       </a:pPr>
                       <a:r>
-                        <a:rPr lang="en-US" altLang="zh-CN" sz="1200" b="0" kern="1200" dirty="0" smtClean="0">
+                        <a:rPr lang="en-US" altLang="zh-CN" sz="1200" b="0" kern="1200" baseline="0" dirty="0" smtClean="0">
                           <a:solidFill>
                             <a:schemeClr val="tx1">
                               <a:lumMod val="75000"/>
                               <a:lumOff val="25000"/>
                             </a:schemeClr>
                           </a:solidFill>
-                          <a:latin typeface="+mn-lt"/>
-                          <a:ea typeface="+mn-ea"/>
+                          <a:latin typeface="Bentley Light" panose="020B0404020201020102"/>
+                          <a:ea typeface="黑体" panose="02010609060101010101" pitchFamily="49" charset="-122"/>
                           <a:cs typeface="+mn-ea"/>
                           <a:sym typeface="+mn-lt"/>
                         </a:rPr>
-                        <a:t>8</a:t>
+                        <a:t>10</a:t>
                       </a:r>
-                      <a:endParaRPr lang="zh-CN" altLang="en-US" sz="1200" b="0" kern="1200" dirty="0">
+                      <a:endParaRPr lang="zh-CN" altLang="en-US" sz="1200" b="0" kern="1200" baseline="0" dirty="0">
                         <a:solidFill>
                           <a:schemeClr val="tx1">
                             <a:lumMod val="75000"/>
                             <a:lumOff val="25000"/>
                           </a:schemeClr>
                         </a:solidFill>
-                        <a:latin typeface="+mn-lt"/>
-                        <a:ea typeface="+mn-ea"/>
+                        <a:latin typeface="Bentley Light" panose="020B0404020201020102"/>
+                        <a:ea typeface="黑体" panose="02010609060101010101" pitchFamily="49" charset="-122"/>
                         <a:cs typeface="+mn-ea"/>
                         <a:sym typeface="+mn-lt"/>
                       </a:endParaRPr>
@@ -18758,15 +19468,15 @@
                         <a:tabLst/>
                         <a:defRPr/>
                       </a:pPr>
-                      <a:endParaRPr lang="zh-CN" altLang="en-US" sz="1200" b="0" kern="1200" dirty="0">
+                      <a:endParaRPr lang="zh-CN" altLang="en-US" sz="1200" b="0" kern="1200" baseline="0" dirty="0">
                         <a:solidFill>
                           <a:schemeClr val="tx1">
                             <a:lumMod val="75000"/>
                             <a:lumOff val="25000"/>
                           </a:schemeClr>
                         </a:solidFill>
-                        <a:latin typeface="+mn-lt"/>
-                        <a:ea typeface="+mn-ea"/>
+                        <a:latin typeface="Bentley Light" panose="020B0404020201020102"/>
+                        <a:ea typeface="黑体" panose="02010609060101010101" pitchFamily="49" charset="-122"/>
                         <a:cs typeface="+mn-ea"/>
                         <a:sym typeface="+mn-lt"/>
                       </a:endParaRPr>
@@ -18840,15 +19550,15 @@
                         <a:tabLst/>
                         <a:defRPr/>
                       </a:pPr>
-                      <a:endParaRPr lang="zh-CN" altLang="en-US" sz="1200" b="0" kern="1200" dirty="0">
+                      <a:endParaRPr lang="zh-CN" altLang="en-US" sz="1200" b="0" kern="1200" baseline="0" dirty="0">
                         <a:solidFill>
                           <a:schemeClr val="tx1">
                             <a:lumMod val="75000"/>
                             <a:lumOff val="25000"/>
                           </a:schemeClr>
                         </a:solidFill>
-                        <a:latin typeface="+mn-lt"/>
-                        <a:ea typeface="+mn-ea"/>
+                        <a:latin typeface="Bentley Light" panose="020B0404020201020102"/>
+                        <a:ea typeface="黑体" panose="02010609060101010101" pitchFamily="49" charset="-122"/>
                         <a:cs typeface="+mn-ea"/>
                         <a:sym typeface="+mn-lt"/>
                       </a:endParaRPr>
@@ -18922,15 +19632,15 @@
                         <a:tabLst/>
                         <a:defRPr/>
                       </a:pPr>
-                      <a:endParaRPr lang="zh-CN" altLang="en-US" sz="1200" b="0" kern="1200" dirty="0">
+                      <a:endParaRPr lang="zh-CN" altLang="en-US" sz="1200" b="0" kern="1200" baseline="0" dirty="0">
                         <a:solidFill>
                           <a:schemeClr val="tx1">
                             <a:lumMod val="75000"/>
                             <a:lumOff val="25000"/>
                           </a:schemeClr>
                         </a:solidFill>
-                        <a:latin typeface="+mn-lt"/>
-                        <a:ea typeface="+mn-ea"/>
+                        <a:latin typeface="Bentley Light" panose="020B0404020201020102"/>
+                        <a:ea typeface="黑体" panose="02010609060101010101" pitchFamily="49" charset="-122"/>
                         <a:cs typeface="+mn-ea"/>
                         <a:sym typeface="+mn-lt"/>
                       </a:endParaRPr>
@@ -18984,7 +19694,7 @@
                 </a:tc>
                 <a:extLst>
                   <a:ext uri="{0D108BD9-81ED-4DB2-BD59-A6C34878D82A}">
-                    <a16:rowId xmlns:a16="http://schemas.microsoft.com/office/drawing/2014/main" xmlns="" val="4230401121"/>
+                    <a16:rowId xmlns:a16="http://schemas.microsoft.com/office/drawing/2014/main" val="4230401121"/>
                   </a:ext>
                 </a:extLst>
               </a:tr>
@@ -19310,221 +20020,6 @@
                   <a:spcPct val="0"/>
                 </a:spcAft>
               </a:pPr>
-              <a:r>
-                <a:rPr lang="zh-CN" altLang="en-US" sz="2000" dirty="0">
-                  <a:solidFill>
-                    <a:srgbClr val="232323"/>
-                  </a:solidFill>
-                  <a:cs typeface="+mn-ea"/>
-                  <a:sym typeface="+mn-lt"/>
-                </a:rPr>
-                <a:t>如本月全部交车活动均在展厅中进行</a:t>
-              </a:r>
-              <a:r>
-                <a:rPr lang="zh-CN" altLang="en-US" sz="2000" dirty="0" smtClean="0">
-                  <a:solidFill>
-                    <a:srgbClr val="232323"/>
-                  </a:solidFill>
-                  <a:cs typeface="+mn-ea"/>
-                  <a:sym typeface="+mn-lt"/>
-                </a:rPr>
-                <a:t>，</a:t>
-              </a:r>
-              <a:endParaRPr lang="en-US" altLang="zh-CN" sz="2000" dirty="0" smtClean="0">
-                <a:solidFill>
-                  <a:srgbClr val="232323"/>
-                </a:solidFill>
-                <a:cs typeface="+mn-ea"/>
-                <a:sym typeface="+mn-lt"/>
-              </a:endParaRPr>
-            </a:p>
-            <a:p>
-              <a:pPr algn="ctr" defTabSz="1085210" fontAlgn="base">
-                <a:spcBef>
-                  <a:spcPct val="0"/>
-                </a:spcBef>
-                <a:spcAft>
-                  <a:spcPct val="0"/>
-                </a:spcAft>
-              </a:pPr>
-              <a:r>
-                <a:rPr lang="zh-CN" altLang="en-US" sz="2000" dirty="0" smtClean="0">
-                  <a:solidFill>
-                    <a:srgbClr val="232323"/>
-                  </a:solidFill>
-                  <a:cs typeface="+mn-ea"/>
-                  <a:sym typeface="+mn-lt"/>
-                </a:rPr>
-                <a:t>提供</a:t>
-              </a:r>
-              <a:r>
-                <a:rPr lang="zh-CN" altLang="en-US" sz="2800" b="1" u="sng" dirty="0">
-                  <a:solidFill>
-                    <a:srgbClr val="232323"/>
-                  </a:solidFill>
-                  <a:cs typeface="+mn-ea"/>
-                  <a:sym typeface="+mn-lt"/>
-                </a:rPr>
-                <a:t>展厅</a:t>
-              </a:r>
-              <a:r>
-                <a:rPr lang="zh-CN" altLang="en-US" sz="2000" dirty="0">
-                  <a:solidFill>
-                    <a:srgbClr val="232323"/>
-                  </a:solidFill>
-                  <a:cs typeface="+mn-ea"/>
-                  <a:sym typeface="+mn-lt"/>
-                </a:rPr>
-                <a:t>实景照片即可；</a:t>
-              </a:r>
-              <a:endParaRPr lang="en-US" altLang="zh-CN" sz="2000" dirty="0">
-                <a:solidFill>
-                  <a:srgbClr val="232323"/>
-                </a:solidFill>
-                <a:cs typeface="+mn-ea"/>
-                <a:sym typeface="+mn-lt"/>
-              </a:endParaRPr>
-            </a:p>
-            <a:p>
-              <a:pPr algn="ctr" defTabSz="1085210" fontAlgn="base">
-                <a:spcBef>
-                  <a:spcPct val="0"/>
-                </a:spcBef>
-                <a:spcAft>
-                  <a:spcPct val="0"/>
-                </a:spcAft>
-              </a:pPr>
-              <a:endParaRPr lang="en-US" altLang="zh-CN" sz="2000" dirty="0" smtClean="0">
-                <a:solidFill>
-                  <a:srgbClr val="232323"/>
-                </a:solidFill>
-                <a:cs typeface="+mn-ea"/>
-                <a:sym typeface="+mn-lt"/>
-              </a:endParaRPr>
-            </a:p>
-            <a:p>
-              <a:pPr algn="ctr" defTabSz="1085210" fontAlgn="base">
-                <a:spcBef>
-                  <a:spcPct val="0"/>
-                </a:spcBef>
-                <a:spcAft>
-                  <a:spcPct val="0"/>
-                </a:spcAft>
-              </a:pPr>
-              <a:r>
-                <a:rPr lang="zh-CN" altLang="en-US" sz="2000" dirty="0" smtClean="0">
-                  <a:solidFill>
-                    <a:srgbClr val="232323"/>
-                  </a:solidFill>
-                  <a:cs typeface="+mn-ea"/>
-                  <a:sym typeface="+mn-lt"/>
-                </a:rPr>
-                <a:t>如</a:t>
-              </a:r>
-              <a:r>
-                <a:rPr lang="zh-CN" altLang="en-US" sz="2000" dirty="0">
-                  <a:solidFill>
-                    <a:srgbClr val="232323"/>
-                  </a:solidFill>
-                  <a:cs typeface="+mn-ea"/>
-                  <a:sym typeface="+mn-lt"/>
-                </a:rPr>
-                <a:t>本月交车活动涉及其他场地</a:t>
-              </a:r>
-              <a:r>
-                <a:rPr lang="zh-CN" altLang="en-US" sz="2000" dirty="0" smtClean="0">
-                  <a:solidFill>
-                    <a:srgbClr val="232323"/>
-                  </a:solidFill>
-                  <a:cs typeface="+mn-ea"/>
-                  <a:sym typeface="+mn-lt"/>
-                </a:rPr>
-                <a:t>，</a:t>
-              </a:r>
-              <a:endParaRPr lang="en-US" altLang="zh-CN" sz="2000" dirty="0" smtClean="0">
-                <a:solidFill>
-                  <a:srgbClr val="232323"/>
-                </a:solidFill>
-                <a:cs typeface="+mn-ea"/>
-                <a:sym typeface="+mn-lt"/>
-              </a:endParaRPr>
-            </a:p>
-            <a:p>
-              <a:pPr algn="ctr" defTabSz="1085210" fontAlgn="base">
-                <a:spcBef>
-                  <a:spcPct val="0"/>
-                </a:spcBef>
-                <a:spcAft>
-                  <a:spcPct val="0"/>
-                </a:spcAft>
-              </a:pPr>
-              <a:r>
-                <a:rPr lang="zh-CN" altLang="en-US" sz="2000" dirty="0" smtClean="0">
-                  <a:solidFill>
-                    <a:srgbClr val="232323"/>
-                  </a:solidFill>
-                  <a:cs typeface="+mn-ea"/>
-                  <a:sym typeface="+mn-lt"/>
-                </a:rPr>
-                <a:t>请提供</a:t>
-              </a:r>
-              <a:r>
-                <a:rPr lang="zh-CN" altLang="en-US" sz="2800" b="1" u="sng" dirty="0">
-                  <a:solidFill>
-                    <a:srgbClr val="232323"/>
-                  </a:solidFill>
-                  <a:cs typeface="+mn-ea"/>
-                  <a:sym typeface="+mn-lt"/>
-                </a:rPr>
-                <a:t>交车场地</a:t>
-              </a:r>
-              <a:r>
-                <a:rPr lang="zh-CN" altLang="en-US" sz="2000" dirty="0">
-                  <a:solidFill>
-                    <a:srgbClr val="232323"/>
-                  </a:solidFill>
-                  <a:cs typeface="+mn-ea"/>
-                  <a:sym typeface="+mn-lt"/>
-                </a:rPr>
-                <a:t>内外部实景</a:t>
-              </a:r>
-              <a:r>
-                <a:rPr lang="zh-CN" altLang="en-US" sz="2000" dirty="0" smtClean="0">
-                  <a:solidFill>
-                    <a:srgbClr val="232323"/>
-                  </a:solidFill>
-                  <a:cs typeface="+mn-ea"/>
-                  <a:sym typeface="+mn-lt"/>
-                </a:rPr>
-                <a:t>照片</a:t>
-              </a:r>
-              <a:endParaRPr lang="en-US" altLang="zh-CN" sz="2000" dirty="0" smtClean="0">
-                <a:solidFill>
-                  <a:srgbClr val="232323"/>
-                </a:solidFill>
-                <a:cs typeface="+mn-ea"/>
-                <a:sym typeface="+mn-lt"/>
-              </a:endParaRPr>
-            </a:p>
-            <a:p>
-              <a:pPr algn="ctr" defTabSz="1085210" fontAlgn="base">
-                <a:spcBef>
-                  <a:spcPct val="0"/>
-                </a:spcBef>
-                <a:spcAft>
-                  <a:spcPct val="0"/>
-                </a:spcAft>
-              </a:pPr>
-              <a:r>
-                <a:rPr lang="zh-CN" altLang="en-US" sz="2000" dirty="0" smtClean="0">
-                  <a:solidFill>
-                    <a:srgbClr val="232323"/>
-                  </a:solidFill>
-                  <a:cs typeface="+mn-ea"/>
-                  <a:sym typeface="+mn-lt"/>
-                </a:rPr>
-                <a:t>（如为客户私人住所可不提供照片）</a:t>
-              </a:r>
               <a:endParaRPr lang="zh-CN" altLang="en-US" sz="2000" dirty="0">
                 <a:solidFill>
                   <a:srgbClr val="232323"/>
@@ -19616,219 +20111,6 @@
             <a:noAutofit/>
           </a:bodyPr>
           <a:lstStyle/>
-          <a:p>
-            <a:pPr defTabSz="1085210" eaLnBrk="0" fontAlgn="base" hangingPunct="0">
-              <a:lnSpc>
-                <a:spcPct val="130000"/>
-              </a:lnSpc>
-              <a:spcBef>
-                <a:spcPct val="0"/>
-              </a:spcBef>
-              <a:spcAft>
-                <a:spcPct val="0"/>
-              </a:spcAft>
-              <a:buSzPct val="100000"/>
-            </a:pPr>
-            <a:r>
-              <a:rPr lang="zh-CN" altLang="en-US" sz="1305" dirty="0" smtClean="0">
-                <a:solidFill>
-                  <a:srgbClr val="232323">
-                    <a:lumMod val="75000"/>
-                    <a:lumOff val="25000"/>
-                  </a:srgbClr>
-                </a:solidFill>
-                <a:cs typeface="+mn-ea"/>
-                <a:sym typeface="+mn-lt"/>
-              </a:rPr>
-              <a:t>场地</a:t>
-            </a:r>
-            <a:r>
-              <a:rPr lang="zh-CN" altLang="en-US" sz="1305" dirty="0">
-                <a:solidFill>
-                  <a:srgbClr val="232323">
-                    <a:lumMod val="75000"/>
-                    <a:lumOff val="25000"/>
-                  </a:srgbClr>
-                </a:solidFill>
-                <a:cs typeface="+mn-ea"/>
-                <a:sym typeface="+mn-lt"/>
-              </a:rPr>
-              <a:t>基础信息：地点 </a:t>
-            </a:r>
-            <a:r>
-              <a:rPr lang="en-US" altLang="zh-CN" sz="1305" dirty="0">
-                <a:solidFill>
-                  <a:srgbClr val="232323">
-                    <a:lumMod val="75000"/>
-                    <a:lumOff val="25000"/>
-                  </a:srgbClr>
-                </a:solidFill>
-                <a:cs typeface="+mn-ea"/>
-                <a:sym typeface="+mn-lt"/>
-              </a:rPr>
-              <a:t>/ </a:t>
-            </a:r>
-            <a:r>
-              <a:rPr lang="zh-CN" altLang="en-US" sz="1305" dirty="0">
-                <a:solidFill>
-                  <a:srgbClr val="232323">
-                    <a:lumMod val="75000"/>
-                    <a:lumOff val="25000"/>
-                  </a:srgbClr>
-                </a:solidFill>
-                <a:cs typeface="+mn-ea"/>
-                <a:sym typeface="+mn-lt"/>
-              </a:rPr>
-              <a:t>容量 </a:t>
-            </a:r>
-            <a:r>
-              <a:rPr lang="en-US" altLang="zh-CN" sz="1305" dirty="0">
-                <a:solidFill>
-                  <a:srgbClr val="232323">
-                    <a:lumMod val="75000"/>
-                    <a:lumOff val="25000"/>
-                  </a:srgbClr>
-                </a:solidFill>
-                <a:cs typeface="+mn-ea"/>
-                <a:sym typeface="+mn-lt"/>
-              </a:rPr>
-              <a:t>/ </a:t>
-            </a:r>
-            <a:r>
-              <a:rPr lang="zh-CN" altLang="en-US" sz="1305" dirty="0">
-                <a:solidFill>
-                  <a:srgbClr val="232323">
-                    <a:lumMod val="75000"/>
-                    <a:lumOff val="25000"/>
-                  </a:srgbClr>
-                </a:solidFill>
-                <a:cs typeface="+mn-ea"/>
-                <a:sym typeface="+mn-lt"/>
-              </a:rPr>
-              <a:t>选择</a:t>
-            </a:r>
-            <a:r>
-              <a:rPr lang="zh-CN" altLang="en-US" sz="1305" dirty="0" smtClean="0">
-                <a:solidFill>
-                  <a:srgbClr val="232323">
-                    <a:lumMod val="75000"/>
-                    <a:lumOff val="25000"/>
-                  </a:srgbClr>
-                </a:solidFill>
-                <a:cs typeface="+mn-ea"/>
-                <a:sym typeface="+mn-lt"/>
-              </a:rPr>
-              <a:t>理由</a:t>
-            </a:r>
-            <a:endParaRPr lang="en-US" altLang="zh-CN" sz="1305" dirty="0" smtClean="0">
-              <a:solidFill>
-                <a:srgbClr val="232323">
-                  <a:lumMod val="75000"/>
-                  <a:lumOff val="25000"/>
-                </a:srgbClr>
-              </a:solidFill>
-              <a:cs typeface="+mn-ea"/>
-              <a:sym typeface="+mn-lt"/>
-            </a:endParaRPr>
-          </a:p>
-          <a:p>
-            <a:pPr defTabSz="1085210" eaLnBrk="0" fontAlgn="base" hangingPunct="0">
-              <a:lnSpc>
-                <a:spcPct val="130000"/>
-              </a:lnSpc>
-              <a:spcBef>
-                <a:spcPct val="0"/>
-              </a:spcBef>
-              <a:spcAft>
-                <a:spcPct val="0"/>
-              </a:spcAft>
-              <a:buSzPct val="100000"/>
-            </a:pPr>
-            <a:endParaRPr lang="en-US" altLang="zh-CN" sz="1305" dirty="0">
-              <a:solidFill>
-                <a:srgbClr val="232323">
-                  <a:lumMod val="75000"/>
-                  <a:lumOff val="25000"/>
-                </a:srgbClr>
-              </a:solidFill>
-              <a:cs typeface="+mn-ea"/>
-              <a:sym typeface="+mn-lt"/>
-            </a:endParaRPr>
-          </a:p>
-          <a:p>
-            <a:pPr defTabSz="1085210" eaLnBrk="0" fontAlgn="base" hangingPunct="0">
-              <a:lnSpc>
-                <a:spcPct val="130000"/>
-              </a:lnSpc>
-              <a:spcBef>
-                <a:spcPct val="0"/>
-              </a:spcBef>
-              <a:spcAft>
-                <a:spcPct val="0"/>
-              </a:spcAft>
-              <a:buSzPct val="100000"/>
-            </a:pPr>
-            <a:r>
-              <a:rPr lang="zh-CN" altLang="en-US" sz="1305" dirty="0" smtClean="0">
-                <a:solidFill>
-                  <a:srgbClr val="232323">
-                    <a:lumMod val="75000"/>
-                    <a:lumOff val="25000"/>
-                  </a:srgbClr>
-                </a:solidFill>
-                <a:cs typeface="+mn-ea"/>
-                <a:sym typeface="+mn-lt"/>
-              </a:rPr>
-              <a:t>如果是展厅，不需要提供理由，改成展厅局部照片</a:t>
-            </a:r>
-            <a:endParaRPr lang="en-US" altLang="zh-CN" sz="1305" dirty="0" smtClean="0">
-              <a:solidFill>
-                <a:srgbClr val="232323">
-                  <a:lumMod val="75000"/>
-                  <a:lumOff val="25000"/>
-                </a:srgbClr>
-              </a:solidFill>
-              <a:cs typeface="+mn-ea"/>
-              <a:sym typeface="+mn-lt"/>
-            </a:endParaRPr>
-          </a:p>
-          <a:p>
-            <a:pPr defTabSz="1085210" eaLnBrk="0" fontAlgn="base" hangingPunct="0">
-              <a:lnSpc>
-                <a:spcPct val="130000"/>
-              </a:lnSpc>
-              <a:spcBef>
-                <a:spcPct val="0"/>
-              </a:spcBef>
-              <a:spcAft>
-                <a:spcPct val="0"/>
-              </a:spcAft>
-              <a:buSzPct val="100000"/>
-            </a:pPr>
-            <a:r>
-              <a:rPr lang="zh-CN" altLang="en-US" sz="1305" dirty="0" smtClean="0">
-                <a:solidFill>
-                  <a:srgbClr val="232323">
-                    <a:lumMod val="75000"/>
-                    <a:lumOff val="25000"/>
-                  </a:srgbClr>
-                </a:solidFill>
-                <a:cs typeface="+mn-ea"/>
-                <a:sym typeface="+mn-lt"/>
-              </a:rPr>
-              <a:t>如果是外面场地，介绍下选择理由</a:t>
-            </a:r>
-            <a:endParaRPr lang="en-US" altLang="zh-CN" sz="1305" dirty="0">
-              <a:solidFill>
-                <a:srgbClr val="232323">
-                  <a:lumMod val="75000"/>
-                  <a:lumOff val="25000"/>
-                </a:srgbClr>
-              </a:solidFill>
-              <a:cs typeface="+mn-ea"/>
-              <a:sym typeface="+mn-lt"/>
-            </a:endParaRPr>
-          </a:p>
           <a:p>
             <a:pPr defTabSz="1085210" eaLnBrk="0" fontAlgn="base" hangingPunct="0">
               <a:lnSpc>
@@ -20404,7 +20686,7 @@
           <a:graphicData uri="http://schemas.openxmlformats.org/presentationml/2006/ole">
             <mc:AlternateContent xmlns:mc="http://schemas.openxmlformats.org/markup-compatibility/2006">
               <mc:Choice xmlns:v="urn:schemas-microsoft-com:vml" Requires="v">
-                <p:oleObj spid="_x0000_s44071" name="think-cell Slide" r:id="rId5" imgW="416" imgH="416" progId="TCLayout.ActiveDocument.1">
+                <p:oleObj spid="_x0000_s44073" name="think-cell Slide" r:id="rId5" imgW="416" imgH="416" progId="TCLayout.ActiveDocument.1">
                   <p:embed/>
                 </p:oleObj>
               </mc:Choice>
@@ -20482,177 +20764,6 @@
                 <a:spcPct val="0"/>
               </a:spcAft>
             </a:pPr>
-            <a:r>
-              <a:rPr lang="zh-CN" altLang="en-US" sz="2000" dirty="0">
-                <a:solidFill>
-                  <a:srgbClr val="232323"/>
-                </a:solidFill>
-                <a:cs typeface="+mn-ea"/>
-                <a:sym typeface="+mn-lt"/>
-              </a:rPr>
-              <a:t>如本月交车</a:t>
-            </a:r>
-            <a:r>
-              <a:rPr lang="zh-CN" altLang="en-US" sz="2000" dirty="0" smtClean="0">
-                <a:solidFill>
-                  <a:srgbClr val="232323"/>
-                </a:solidFill>
-                <a:cs typeface="+mn-ea"/>
-                <a:sym typeface="+mn-lt"/>
-              </a:rPr>
-              <a:t>活动</a:t>
-            </a:r>
-            <a:r>
-              <a:rPr lang="zh-CN" altLang="en-US" sz="2000" dirty="0">
-                <a:solidFill>
-                  <a:srgbClr val="232323"/>
-                </a:solidFill>
-                <a:cs typeface="+mn-ea"/>
-                <a:sym typeface="+mn-lt"/>
-              </a:rPr>
-              <a:t>有</a:t>
-            </a:r>
-            <a:r>
-              <a:rPr lang="zh-CN" altLang="en-US" sz="2000" dirty="0" smtClean="0">
-                <a:solidFill>
-                  <a:srgbClr val="232323"/>
-                </a:solidFill>
-                <a:cs typeface="+mn-ea"/>
-                <a:sym typeface="+mn-lt"/>
-              </a:rPr>
-              <a:t>多</a:t>
-            </a:r>
-            <a:r>
-              <a:rPr lang="zh-CN" altLang="en-US" sz="2000" dirty="0">
-                <a:solidFill>
-                  <a:srgbClr val="232323"/>
-                </a:solidFill>
-                <a:cs typeface="+mn-ea"/>
-                <a:sym typeface="+mn-lt"/>
-              </a:rPr>
-              <a:t>个</a:t>
-            </a:r>
-            <a:r>
-              <a:rPr lang="zh-CN" altLang="en-US" sz="2000" dirty="0" smtClean="0">
-                <a:solidFill>
-                  <a:srgbClr val="232323"/>
-                </a:solidFill>
-                <a:cs typeface="+mn-ea"/>
-                <a:sym typeface="+mn-lt"/>
-              </a:rPr>
-              <a:t>不同主视觉设计，</a:t>
-            </a:r>
-            <a:r>
-              <a:rPr lang="zh-CN" altLang="en-US" sz="2000" dirty="0">
-                <a:solidFill>
-                  <a:srgbClr val="232323"/>
-                </a:solidFill>
-                <a:cs typeface="+mn-ea"/>
-                <a:sym typeface="+mn-lt"/>
-              </a:rPr>
-              <a:t>请全部提供并确保</a:t>
-            </a:r>
-            <a:r>
-              <a:rPr lang="zh-CN" altLang="en-US" sz="2000" dirty="0" smtClean="0">
-                <a:solidFill>
-                  <a:srgbClr val="232323"/>
-                </a:solidFill>
-                <a:cs typeface="+mn-ea"/>
-                <a:sym typeface="+mn-lt"/>
-              </a:rPr>
-              <a:t>及时在活动开始前通过</a:t>
-            </a:r>
-            <a:r>
-              <a:rPr lang="en-US" altLang="zh-CN" sz="2000" dirty="0" err="1">
-                <a:solidFill>
-                  <a:srgbClr val="232323"/>
-                </a:solidFill>
-                <a:cs typeface="+mn-ea"/>
-                <a:sym typeface="+mn-lt"/>
-              </a:rPr>
-              <a:t>MarCom</a:t>
-            </a:r>
-            <a:r>
-              <a:rPr lang="zh-CN" altLang="en-US" sz="2000" dirty="0" smtClean="0">
-                <a:solidFill>
-                  <a:srgbClr val="232323"/>
-                </a:solidFill>
-                <a:cs typeface="+mn-ea"/>
-                <a:sym typeface="+mn-lt"/>
-              </a:rPr>
-              <a:t>审核</a:t>
-            </a:r>
-            <a:endParaRPr lang="en-US" altLang="zh-CN" sz="2000" dirty="0" smtClean="0">
-              <a:solidFill>
-                <a:srgbClr val="232323"/>
-              </a:solidFill>
-              <a:cs typeface="+mn-ea"/>
-              <a:sym typeface="+mn-lt"/>
-            </a:endParaRPr>
-          </a:p>
-          <a:p>
-            <a:pPr algn="ctr" defTabSz="1085210" fontAlgn="base">
-              <a:spcBef>
-                <a:spcPct val="0"/>
-              </a:spcBef>
-              <a:spcAft>
-                <a:spcPct val="0"/>
-              </a:spcAft>
-            </a:pPr>
-            <a:r>
-              <a:rPr lang="zh-CN" altLang="en-US" sz="2000" dirty="0" smtClean="0">
-                <a:solidFill>
-                  <a:srgbClr val="232323"/>
-                </a:solidFill>
-                <a:cs typeface="+mn-ea"/>
-                <a:sym typeface="+mn-lt"/>
-              </a:rPr>
-              <a:t>（相同模板提交一次即可）</a:t>
-            </a:r>
-            <a:endParaRPr lang="en-US" altLang="zh-CN" sz="2000" dirty="0" smtClean="0">
-              <a:solidFill>
-                <a:srgbClr val="232323"/>
-              </a:solidFill>
-              <a:cs typeface="+mn-ea"/>
-              <a:sym typeface="+mn-lt"/>
-            </a:endParaRPr>
-          </a:p>
-          <a:p>
-            <a:pPr algn="ctr" defTabSz="1085210" fontAlgn="base">
-              <a:spcBef>
-                <a:spcPct val="0"/>
-              </a:spcBef>
-              <a:spcAft>
-                <a:spcPct val="0"/>
-              </a:spcAft>
-            </a:pPr>
-            <a:endParaRPr lang="en-US" altLang="zh-CN" sz="2000" dirty="0">
-              <a:solidFill>
-                <a:srgbClr val="232323"/>
-              </a:solidFill>
-              <a:cs typeface="+mn-ea"/>
-              <a:sym typeface="+mn-lt"/>
-            </a:endParaRPr>
-          </a:p>
-          <a:p>
-            <a:pPr algn="ctr" defTabSz="1085210" fontAlgn="base">
-              <a:spcBef>
-                <a:spcPct val="0"/>
-              </a:spcBef>
-              <a:spcAft>
-                <a:spcPct val="0"/>
-              </a:spcAft>
-            </a:pPr>
-            <a:r>
-              <a:rPr lang="zh-CN" altLang="en-US" sz="2000" dirty="0" smtClean="0">
-                <a:solidFill>
-                  <a:srgbClr val="232323"/>
-                </a:solidFill>
-                <a:cs typeface="+mn-ea"/>
-                <a:sym typeface="+mn-lt"/>
-              </a:rPr>
-              <a:t>如果无主视觉，可以删除本页</a:t>
-            </a:r>
             <a:endParaRPr lang="zh-CN" altLang="en-US" sz="2000" dirty="0">
               <a:solidFill>
                 <a:srgbClr val="232323"/>
@@ -21211,16 +21322,6 @@
                 <a:spcPct val="0"/>
               </a:spcAft>
             </a:pPr>
-            <a:r>
-              <a:rPr lang="zh-CN" altLang="en-US" sz="2000" dirty="0" smtClean="0">
-                <a:solidFill>
-                  <a:srgbClr val="232323"/>
-                </a:solidFill>
-                <a:cs typeface="+mn-ea"/>
-                <a:sym typeface="+mn-lt"/>
-              </a:rPr>
-              <a:t>请提供具体搭建效果图</a:t>
-            </a:r>
             <a:endParaRPr lang="zh-CN" altLang="en-US" sz="2000" dirty="0">
               <a:solidFill>
                 <a:srgbClr val="232323"/>
@@ -21274,16 +21375,6 @@
                 <a:spcPct val="0"/>
               </a:spcAft>
             </a:pPr>
-            <a:r>
-              <a:rPr lang="zh-CN" altLang="en-US" sz="2000" dirty="0" smtClean="0">
-                <a:solidFill>
-                  <a:srgbClr val="232323"/>
-                </a:solidFill>
-                <a:cs typeface="+mn-ea"/>
-                <a:sym typeface="+mn-lt"/>
-              </a:rPr>
-              <a:t>请提供具体搭建方案</a:t>
-            </a:r>
             <a:endParaRPr lang="zh-CN" altLang="en-US" sz="2000" dirty="0">
               <a:solidFill>
                 <a:srgbClr val="232323"/>
@@ -21804,43 +21895,6 @@
                 <a:spcPct val="0"/>
               </a:spcAft>
             </a:pPr>
-            <a:r>
-              <a:rPr lang="zh-CN" altLang="en-US" sz="2000" dirty="0" smtClean="0">
-                <a:solidFill>
-                  <a:srgbClr val="232323"/>
-                </a:solidFill>
-                <a:cs typeface="+mn-ea"/>
-                <a:sym typeface="+mn-lt"/>
-              </a:rPr>
-              <a:t>请提供摄影师作品</a:t>
-            </a:r>
-            <a:endParaRPr lang="en-US" altLang="zh-CN" sz="2000" dirty="0" smtClean="0">
-              <a:solidFill>
-                <a:srgbClr val="232323"/>
-              </a:solidFill>
-              <a:cs typeface="+mn-ea"/>
-              <a:sym typeface="+mn-lt"/>
-            </a:endParaRPr>
-          </a:p>
-          <a:p>
-            <a:pPr algn="ctr" defTabSz="1085210" fontAlgn="base">
-              <a:spcBef>
-                <a:spcPct val="0"/>
-              </a:spcBef>
-              <a:spcAft>
-                <a:spcPct val="0"/>
-              </a:spcAft>
-            </a:pPr>
-            <a:r>
-              <a:rPr lang="zh-CN" altLang="en-US" sz="2000" dirty="0" smtClean="0">
-                <a:solidFill>
-                  <a:srgbClr val="232323"/>
-                </a:solidFill>
-                <a:cs typeface="+mn-ea"/>
-                <a:sym typeface="+mn-lt"/>
-              </a:rPr>
-              <a:t>可以是多幅</a:t>
-            </a:r>
             <a:endParaRPr lang="zh-CN" altLang="en-US" sz="2000" dirty="0">
               <a:solidFill>
                 <a:srgbClr val="232323"/>
@@ -21894,16 +21948,6 @@
                 <a:spcPct val="0"/>
               </a:spcAft>
             </a:pPr>
-            <a:r>
-              <a:rPr lang="zh-CN" altLang="en-US" sz="2000" dirty="0" smtClean="0">
-                <a:solidFill>
-                  <a:srgbClr val="232323"/>
-                </a:solidFill>
-                <a:cs typeface="+mn-ea"/>
-                <a:sym typeface="+mn-lt"/>
-              </a:rPr>
-              <a:t>请提供摄影师介绍</a:t>
-            </a:r>
             <a:endParaRPr lang="zh-CN" altLang="en-US" sz="2000" dirty="0">
               <a:solidFill>
                 <a:srgbClr val="232323"/>
@@ -22642,7 +22686,7 @@
   <a:extraClrSchemeLst/>
   <a:extLst>
     <a:ext uri="{05A4C25C-085E-4340-85A3-A5531E510DB2}">
-      <thm15:themeFamily xmlns:thm15="http://schemas.microsoft.com/office/thememl/2012/main" xmlns="" name="Bentley template 2021.potx" id="{C9F80F40-B2B1-4DB6-919B-71F3AAFFE5B0}" vid="{F9D38CA0-4F02-4029-A6BC-9642EF690A5C}"/>
+      <thm15:themeFamily xmlns:thm15="http://schemas.microsoft.com/office/thememl/2012/main" name="Bentley template 2021.potx" id="{C9F80F40-B2B1-4DB6-919B-71F3AAFFE5B0}" vid="{F9D38CA0-4F02-4029-A6BC-9642EF690A5C}"/>
     </a:ext>
   </a:extLst>
 </a:theme>
@@ -22876,7 +22920,7 @@
   <a:extraClrSchemeLst/>
   <a:extLst>
     <a:ext uri="{05A4C25C-085E-4340-85A3-A5531E510DB2}">
-      <thm15:themeFamily xmlns:thm15="http://schemas.microsoft.com/office/thememl/2012/main" xmlns="" name="Bentley template 2021.potx" id="{C9F80F40-B2B1-4DB6-919B-71F3AAFFE5B0}" vid="{F9D38CA0-4F02-4029-A6BC-9642EF690A5C}"/>
+      <thm15:themeFamily xmlns:thm15="http://schemas.microsoft.com/office/thememl/2012/main" name="Bentley template 2021.potx" id="{C9F80F40-B2B1-4DB6-919B-71F3AAFFE5B0}" vid="{F9D38CA0-4F02-4029-A6BC-9642EF690A5C}"/>
     </a:ext>
   </a:extLst>
 </a:theme>
@@ -23137,7 +23181,7 @@
   <a:extraClrSchemeLst/>
   <a:extLst>
     <a:ext uri="{05A4C25C-085E-4340-85A3-A5531E510DB2}">
-      <thm15:themeFamily xmlns:thm15="http://schemas.microsoft.com/office/thememl/2012/main" xmlns="" name="Office Theme" id="{62F939B6-93AF-4DB8-9C6B-D6C7DFDC589F}" vid="{4A3C46E8-61CC-4603-A589-7422A47A8E4A}"/>
+      <thm15:themeFamily xmlns:thm15="http://schemas.microsoft.com/office/thememl/2012/main" name="Office Theme" id="{62F939B6-93AF-4DB8-9C6B-D6C7DFDC589F}" vid="{4A3C46E8-61CC-4603-A589-7422A47A8E4A}"/>
     </a:ext>
   </a:extLst>
 </a:theme>

--- a/com.yrtech.bentleyAPI/com.yrtech.InventoryAPI/template/PlanHandOver.pptx
+++ b/com.yrtech.bentleyAPI/com.yrtech.InventoryAPI/template/PlanHandOver.pptx
@@ -219,7 +219,7 @@
           <a:p>
             <a:fld id="{69A4D669-94F9-4D70-8C76-4C2D35D4E5D0}" type="datetimeFigureOut">
               <a:rPr lang="en-US" smtClean="0"/>
-              <a:t>4/26/2022</a:t>
+              <a:t>5/5/2022</a:t>
             </a:fld>
             <a:endParaRPr lang="en-US" dirty="0"/>
           </a:p>
@@ -1191,7 +1191,7 @@
           <a:graphicData uri="http://schemas.openxmlformats.org/presentationml/2006/ole">
             <mc:AlternateContent xmlns:mc="http://schemas.openxmlformats.org/markup-compatibility/2006">
               <mc:Choice xmlns:v="urn:schemas-microsoft-com:vml" Requires="v">
-                <p:oleObj spid="_x0000_s32809" name="think-cell Slide" r:id="rId5" imgW="216" imgH="216" progId="TCLayout.ActiveDocument.1">
+                <p:oleObj spid="_x0000_s32813" name="think-cell Slide" r:id="rId5" imgW="216" imgH="216" progId="TCLayout.ActiveDocument.1">
                   <p:embed/>
                 </p:oleObj>
               </mc:Choice>
@@ -1949,7 +1949,7 @@
           <a:graphicData uri="http://schemas.openxmlformats.org/presentationml/2006/ole">
             <mc:AlternateContent xmlns:mc="http://schemas.openxmlformats.org/markup-compatibility/2006">
               <mc:Choice xmlns:v="urn:schemas-microsoft-com:vml" Requires="v">
-                <p:oleObj spid="_x0000_s33833" name="think-cell Slide" r:id="rId4" imgW="216" imgH="216" progId="TCLayout.ActiveDocument.1">
+                <p:oleObj spid="_x0000_s33837" name="think-cell Slide" r:id="rId4" imgW="216" imgH="216" progId="TCLayout.ActiveDocument.1">
                   <p:embed/>
                 </p:oleObj>
               </mc:Choice>
@@ -2686,7 +2686,7 @@
           <a:graphicData uri="http://schemas.openxmlformats.org/presentationml/2006/ole">
             <mc:AlternateContent xmlns:mc="http://schemas.openxmlformats.org/markup-compatibility/2006">
               <mc:Choice xmlns:v="urn:schemas-microsoft-com:vml" Requires="v">
-                <p:oleObj spid="_x0000_s34857" name="think-cell Slide" r:id="rId4" imgW="216" imgH="216" progId="TCLayout.ActiveDocument.1">
+                <p:oleObj spid="_x0000_s34861" name="think-cell Slide" r:id="rId4" imgW="216" imgH="216" progId="TCLayout.ActiveDocument.1">
                   <p:embed/>
                 </p:oleObj>
               </mc:Choice>
@@ -3734,7 +3734,7 @@
           <a:graphicData uri="http://schemas.openxmlformats.org/presentationml/2006/ole">
             <mc:AlternateContent xmlns:mc="http://schemas.openxmlformats.org/markup-compatibility/2006">
               <mc:Choice xmlns:v="urn:schemas-microsoft-com:vml" Requires="v">
-                <p:oleObj spid="_x0000_s35881" name="think-cell Slide" r:id="rId5" imgW="216" imgH="216" progId="TCLayout.ActiveDocument.1">
+                <p:oleObj spid="_x0000_s35885" name="think-cell Slide" r:id="rId5" imgW="216" imgH="216" progId="TCLayout.ActiveDocument.1">
                   <p:embed/>
                 </p:oleObj>
               </mc:Choice>
@@ -4253,7 +4253,7 @@
           <a:graphicData uri="http://schemas.openxmlformats.org/presentationml/2006/ole">
             <mc:AlternateContent xmlns:mc="http://schemas.openxmlformats.org/markup-compatibility/2006">
               <mc:Choice xmlns:v="urn:schemas-microsoft-com:vml" Requires="v">
-                <p:oleObj spid="_x0000_s45079" name="think-cell Slide" r:id="rId4" imgW="216" imgH="216" progId="TCLayout.ActiveDocument.1">
+                <p:oleObj spid="_x0000_s45083" name="think-cell Slide" r:id="rId4" imgW="216" imgH="216" progId="TCLayout.ActiveDocument.1">
                   <p:embed/>
                 </p:oleObj>
               </mc:Choice>
@@ -4339,7 +4339,7 @@
           <a:graphicData uri="http://schemas.openxmlformats.org/presentationml/2006/ole">
             <mc:AlternateContent xmlns:mc="http://schemas.openxmlformats.org/markup-compatibility/2006">
               <mc:Choice xmlns:v="urn:schemas-microsoft-com:vml" Requires="v">
-                <p:oleObj spid="_x0000_s37929" name="think-cell Slide" r:id="rId5" imgW="216" imgH="216" progId="TCLayout.ActiveDocument.1">
+                <p:oleObj spid="_x0000_s37933" name="think-cell Slide" r:id="rId5" imgW="216" imgH="216" progId="TCLayout.ActiveDocument.1">
                   <p:embed/>
                 </p:oleObj>
               </mc:Choice>
@@ -4816,7 +4816,7 @@
           <a:graphicData uri="http://schemas.openxmlformats.org/presentationml/2006/ole">
             <mc:AlternateContent xmlns:mc="http://schemas.openxmlformats.org/markup-compatibility/2006">
               <mc:Choice xmlns:v="urn:schemas-microsoft-com:vml" Requires="v">
-                <p:oleObj spid="_x0000_s38953" name="think-cell Slide" r:id="rId4" imgW="216" imgH="216" progId="TCLayout.ActiveDocument.1">
+                <p:oleObj spid="_x0000_s38957" name="think-cell Slide" r:id="rId4" imgW="216" imgH="216" progId="TCLayout.ActiveDocument.1">
                   <p:embed/>
                 </p:oleObj>
               </mc:Choice>
@@ -5553,7 +5553,7 @@
           <a:graphicData uri="http://schemas.openxmlformats.org/presentationml/2006/ole">
             <mc:AlternateContent xmlns:mc="http://schemas.openxmlformats.org/markup-compatibility/2006">
               <mc:Choice xmlns:v="urn:schemas-microsoft-com:vml" Requires="v">
-                <p:oleObj spid="_x0000_s39977" name="think-cell Slide" r:id="rId4" imgW="216" imgH="216" progId="TCLayout.ActiveDocument.1">
+                <p:oleObj spid="_x0000_s39981" name="think-cell Slide" r:id="rId4" imgW="216" imgH="216" progId="TCLayout.ActiveDocument.1">
                   <p:embed/>
                 </p:oleObj>
               </mc:Choice>
@@ -6601,7 +6601,7 @@
           <a:graphicData uri="http://schemas.openxmlformats.org/presentationml/2006/ole">
             <mc:AlternateContent xmlns:mc="http://schemas.openxmlformats.org/markup-compatibility/2006">
               <mc:Choice xmlns:v="urn:schemas-microsoft-com:vml" Requires="v">
-                <p:oleObj spid="_x0000_s41001" name="think-cell Slide" r:id="rId5" imgW="216" imgH="216" progId="TCLayout.ActiveDocument.1">
+                <p:oleObj spid="_x0000_s41005" name="think-cell Slide" r:id="rId5" imgW="216" imgH="216" progId="TCLayout.ActiveDocument.1">
                   <p:embed/>
                 </p:oleObj>
               </mc:Choice>
@@ -7121,7 +7121,7 @@
           <a:graphicData uri="http://schemas.openxmlformats.org/presentationml/2006/ole">
             <mc:AlternateContent xmlns:mc="http://schemas.openxmlformats.org/markup-compatibility/2006">
               <mc:Choice xmlns:v="urn:schemas-microsoft-com:vml" Requires="v">
-                <p:oleObj spid="_x0000_s31785" name="think-cell Slide" r:id="rId10" imgW="216" imgH="216" progId="TCLayout.ActiveDocument.1">
+                <p:oleObj spid="_x0000_s31789" name="think-cell Slide" r:id="rId10" imgW="216" imgH="216" progId="TCLayout.ActiveDocument.1">
                   <p:embed/>
                 </p:oleObj>
               </mc:Choice>
@@ -7879,7 +7879,7 @@
           <a:graphicData uri="http://schemas.openxmlformats.org/presentationml/2006/ole">
             <mc:AlternateContent xmlns:mc="http://schemas.openxmlformats.org/markup-compatibility/2006">
               <mc:Choice xmlns:v="urn:schemas-microsoft-com:vml" Requires="v">
-                <p:oleObj spid="_x0000_s36906" name="think-cell Slide" r:id="rId10" imgW="216" imgH="216" progId="TCLayout.ActiveDocument.1">
+                <p:oleObj spid="_x0000_s36910" name="think-cell Slide" r:id="rId10" imgW="216" imgH="216" progId="TCLayout.ActiveDocument.1">
                   <p:embed/>
                 </p:oleObj>
               </mc:Choice>
@@ -9084,7 +9084,7 @@
           <a:graphicData uri="http://schemas.openxmlformats.org/presentationml/2006/ole">
             <mc:AlternateContent xmlns:mc="http://schemas.openxmlformats.org/markup-compatibility/2006">
               <mc:Choice xmlns:v="urn:schemas-microsoft-com:vml" Requires="v">
-                <p:oleObj spid="_x0000_s42031" name="think-cell Slide" r:id="rId6" imgW="416" imgH="416" progId="TCLayout.ActiveDocument.1">
+                <p:oleObj spid="_x0000_s42035" name="think-cell Slide" r:id="rId6" imgW="416" imgH="416" progId="TCLayout.ActiveDocument.1">
                   <p:embed/>
                 </p:oleObj>
               </mc:Choice>
@@ -9128,7 +9128,7 @@
           <p:nvPr>
             <p:extLst>
               <p:ext uri="{D42A27DB-BD31-4B8C-83A1-F6EECF244321}">
-                <p14:modId xmlns:p14="http://schemas.microsoft.com/office/powerpoint/2010/main" val="1770992327"/>
+                <p14:modId xmlns:p14="http://schemas.microsoft.com/office/powerpoint/2010/main" val="3259073091"/>
               </p:ext>
             </p:extLst>
           </p:nvPr>
@@ -9355,12 +9355,12 @@
                         <a:defRPr/>
                       </a:pPr>
                       <a:r>
-                        <a:rPr lang="en-US" sz="1200" b="0" dirty="0" smtClean="0">
+                        <a:rPr lang="en-US" sz="1000" b="0" dirty="0" smtClean="0">
                           <a:solidFill>
                             <a:schemeClr val="tx1"/>
                           </a:solidFill>
-                          <a:latin typeface="+mn-lt"/>
-                          <a:ea typeface="+mn-ea"/>
+                          <a:latin typeface="Bentley Light" panose="020B0404020201020102"/>
+                          <a:ea typeface="黑体" panose="02010609060101010101" pitchFamily="49" charset="-122"/>
                           <a:cs typeface="+mn-ea"/>
                           <a:sym typeface="+mn-lt"/>
                         </a:rPr>
@@ -9386,47 +9386,47 @@
                         <a:defRPr/>
                       </a:pPr>
                       <a:r>
-                        <a:rPr lang="zh-CN" altLang="en-US" sz="1200" b="0" dirty="0" smtClean="0">
+                        <a:rPr lang="zh-CN" altLang="en-US" sz="1000" b="0" dirty="0" smtClean="0">
                           <a:solidFill>
                             <a:schemeClr val="tx1"/>
                           </a:solidFill>
-                          <a:latin typeface="+mn-lt"/>
-                          <a:ea typeface="+mn-ea"/>
+                          <a:latin typeface="Bentley Light" panose="020B0404020201020102"/>
+                          <a:ea typeface="黑体" panose="02010609060101010101" pitchFamily="49" charset="-122"/>
                           <a:cs typeface="+mn-ea"/>
                           <a:sym typeface="+mn-lt"/>
                         </a:rPr>
                         <a:t>活动名称</a:t>
                       </a:r>
                       <a:r>
-                        <a:rPr lang="en-US" altLang="zh-CN" sz="1200" b="0" dirty="0" smtClean="0">
+                        <a:rPr lang="en-US" altLang="zh-CN" sz="1000" b="0" dirty="0" smtClean="0">
                           <a:solidFill>
                             <a:schemeClr val="tx1"/>
                           </a:solidFill>
-                          <a:latin typeface="+mn-lt"/>
-                          <a:ea typeface="+mn-ea"/>
+                          <a:latin typeface="Bentley Light" panose="020B0404020201020102"/>
+                          <a:ea typeface="黑体" panose="02010609060101010101" pitchFamily="49" charset="-122"/>
                           <a:cs typeface="+mn-ea"/>
                           <a:sym typeface="+mn-lt"/>
                         </a:rPr>
                         <a:t>/</a:t>
                       </a:r>
                       <a:r>
-                        <a:rPr lang="zh-CN" altLang="en-US" sz="1200" b="0" dirty="0" smtClean="0">
+                        <a:rPr lang="zh-CN" altLang="en-US" sz="1000" b="0" dirty="0" smtClean="0">
                           <a:solidFill>
                             <a:schemeClr val="tx1"/>
                           </a:solidFill>
-                          <a:latin typeface="+mn-lt"/>
-                          <a:ea typeface="+mn-ea"/>
+                          <a:latin typeface="Bentley Light" panose="020B0404020201020102"/>
+                          <a:ea typeface="黑体" panose="02010609060101010101" pitchFamily="49" charset="-122"/>
                           <a:cs typeface="+mn-ea"/>
                           <a:sym typeface="+mn-lt"/>
                         </a:rPr>
                         <a:t>内容</a:t>
                       </a:r>
-                      <a:endParaRPr lang="en-US" sz="1200" b="0" dirty="0" smtClean="0">
+                      <a:endParaRPr lang="en-US" sz="1000" b="0" dirty="0" smtClean="0">
                         <a:solidFill>
                           <a:schemeClr val="tx1"/>
                         </a:solidFill>
-                        <a:latin typeface="+mn-lt"/>
-                        <a:ea typeface="+mn-ea"/>
+                        <a:latin typeface="Bentley Light" panose="020B0404020201020102"/>
+                        <a:ea typeface="黑体" panose="02010609060101010101" pitchFamily="49" charset="-122"/>
                         <a:cs typeface="+mn-ea"/>
                         <a:sym typeface="+mn-lt"/>
                       </a:endParaRPr>
@@ -9492,12 +9492,12 @@
                         <a:tabLst/>
                         <a:defRPr/>
                       </a:pPr>
-                      <a:endParaRPr lang="en-US" sz="1200" b="0" kern="1200" dirty="0" smtClean="0">
+                      <a:endParaRPr lang="en-US" sz="1000" b="0" kern="1200" dirty="0" smtClean="0">
                         <a:solidFill>
                           <a:schemeClr val="tx1"/>
                         </a:solidFill>
-                        <a:latin typeface="+mn-lt"/>
-                        <a:ea typeface="+mn-ea"/>
+                        <a:latin typeface="Bentley Light" panose="020B0404020201020102"/>
+                        <a:ea typeface="黑体" panose="02010609060101010101" pitchFamily="49" charset="-122"/>
                         <a:cs typeface="+mn-ea"/>
                         <a:sym typeface="+mn-lt"/>
                       </a:endParaRPr>
@@ -9688,12 +9688,12 @@
                         <a:defRPr/>
                       </a:pPr>
                       <a:r>
-                        <a:rPr lang="en-US" sz="1200" b="0" kern="1200" dirty="0" smtClean="0">
+                        <a:rPr lang="en-US" sz="1000" b="0" kern="1200" dirty="0" smtClean="0">
                           <a:solidFill>
                             <a:schemeClr val="tx1"/>
                           </a:solidFill>
-                          <a:latin typeface="+mn-lt"/>
-                          <a:ea typeface="+mn-ea"/>
+                          <a:latin typeface="Bentley Light" panose="020B0404020201020102"/>
+                          <a:ea typeface="黑体" panose="02010609060101010101" pitchFamily="49" charset="-122"/>
                           <a:cs typeface="+mn-ea"/>
                           <a:sym typeface="+mn-lt"/>
                         </a:rPr>
@@ -9719,23 +9719,23 @@
                         <a:defRPr/>
                       </a:pPr>
                       <a:r>
-                        <a:rPr lang="zh-CN" altLang="en-US" sz="1200" b="0" kern="1200" dirty="0" smtClean="0">
+                        <a:rPr lang="zh-CN" altLang="en-US" sz="1000" b="0" kern="1200" dirty="0" smtClean="0">
                           <a:solidFill>
                             <a:schemeClr val="tx1"/>
                           </a:solidFill>
-                          <a:latin typeface="+mn-lt"/>
-                          <a:ea typeface="+mn-ea"/>
+                          <a:latin typeface="Bentley Light" panose="020B0404020201020102"/>
+                          <a:ea typeface="黑体" panose="02010609060101010101" pitchFamily="49" charset="-122"/>
                           <a:cs typeface="+mn-ea"/>
                           <a:sym typeface="+mn-lt"/>
                         </a:rPr>
                         <a:t>人员</a:t>
                       </a:r>
-                      <a:endParaRPr lang="en-US" sz="1200" b="0" kern="1200" dirty="0" smtClean="0">
+                      <a:endParaRPr lang="en-US" sz="1000" b="0" kern="1200" dirty="0" smtClean="0">
                         <a:solidFill>
                           <a:schemeClr val="tx1"/>
                         </a:solidFill>
-                        <a:latin typeface="+mn-lt"/>
-                        <a:ea typeface="+mn-ea"/>
+                        <a:latin typeface="Bentley Light" panose="020B0404020201020102"/>
+                        <a:ea typeface="黑体" panose="02010609060101010101" pitchFamily="49" charset="-122"/>
                         <a:cs typeface="+mn-ea"/>
                         <a:sym typeface="+mn-lt"/>
                       </a:endParaRPr>
@@ -9804,36 +9804,36 @@
                         <a:defRPr/>
                       </a:pPr>
                       <a:r>
-                        <a:rPr lang="en-US" altLang="zh-CN" sz="1200" b="0" kern="1200" dirty="0" smtClean="0">
+                        <a:rPr lang="en-US" altLang="zh-CN" sz="1000" b="0" kern="1200" dirty="0" smtClean="0">
                           <a:solidFill>
                             <a:schemeClr val="tx1"/>
                           </a:solidFill>
-                          <a:latin typeface="+mn-lt"/>
-                          <a:ea typeface="+mn-ea"/>
+                          <a:latin typeface="Bentley Light" panose="020B0404020201020102"/>
+                          <a:ea typeface="黑体" panose="02010609060101010101" pitchFamily="49" charset="-122"/>
                           <a:cs typeface="+mn-ea"/>
                           <a:sym typeface="+mn-lt"/>
                         </a:rPr>
                         <a:t>Qty.</a:t>
                       </a:r>
                       <a:r>
-                        <a:rPr lang="en-US" sz="1200" b="0" kern="1200" dirty="0" smtClean="0">
+                        <a:rPr lang="en-US" sz="1000" b="0" kern="1200" dirty="0" smtClean="0">
                           <a:solidFill>
                             <a:schemeClr val="tx1"/>
                           </a:solidFill>
-                          <a:latin typeface="+mn-lt"/>
-                          <a:ea typeface="+mn-ea"/>
+                          <a:latin typeface="Bentley Light" panose="020B0404020201020102"/>
+                          <a:ea typeface="黑体" panose="02010609060101010101" pitchFamily="49" charset="-122"/>
                           <a:cs typeface="+mn-ea"/>
                           <a:sym typeface="+mn-lt"/>
                         </a:rPr>
                         <a:t> </a:t>
                       </a:r>
                       <a:r>
-                        <a:rPr lang="en-US" sz="1200" b="0" dirty="0" smtClean="0">
+                        <a:rPr lang="en-US" sz="1000" b="0" dirty="0" smtClean="0">
                           <a:solidFill>
                             <a:schemeClr val="tx1"/>
                           </a:solidFill>
-                          <a:latin typeface="+mn-lt"/>
-                          <a:ea typeface="+mn-ea"/>
+                          <a:latin typeface="Bentley Light" panose="020B0404020201020102"/>
+                          <a:ea typeface="黑体" panose="02010609060101010101" pitchFamily="49" charset="-122"/>
                           <a:cs typeface="+mn-ea"/>
                           <a:sym typeface="+mn-lt"/>
                         </a:rPr>
@@ -9859,23 +9859,23 @@
                         <a:defRPr/>
                       </a:pPr>
                       <a:r>
-                        <a:rPr lang="zh-CN" altLang="en-US" sz="1200" b="0" dirty="0" smtClean="0">
+                        <a:rPr lang="zh-CN" altLang="en-US" sz="1000" b="0" dirty="0" smtClean="0">
                           <a:solidFill>
                             <a:schemeClr val="tx1"/>
                           </a:solidFill>
-                          <a:latin typeface="+mn-lt"/>
-                          <a:ea typeface="+mn-ea"/>
+                          <a:latin typeface="Bentley Light" panose="020B0404020201020102"/>
+                          <a:ea typeface="黑体" panose="02010609060101010101" pitchFamily="49" charset="-122"/>
                           <a:cs typeface="+mn-ea"/>
                           <a:sym typeface="+mn-lt"/>
                         </a:rPr>
                         <a:t>参与人数</a:t>
                       </a:r>
-                      <a:endParaRPr lang="en-US" sz="1200" b="0" dirty="0" smtClean="0">
+                      <a:endParaRPr lang="en-US" sz="1000" b="0" dirty="0" smtClean="0">
                         <a:solidFill>
                           <a:schemeClr val="tx1"/>
                         </a:solidFill>
-                        <a:latin typeface="+mn-lt"/>
-                        <a:ea typeface="+mn-ea"/>
+                        <a:latin typeface="Bentley Light" panose="020B0404020201020102"/>
+                        <a:ea typeface="黑体" panose="02010609060101010101" pitchFamily="49" charset="-122"/>
                         <a:cs typeface="+mn-ea"/>
                         <a:sym typeface="+mn-lt"/>
                       </a:endParaRPr>
@@ -9931,12 +9931,24 @@
                     <a:bodyPr/>
                     <a:lstStyle/>
                     <a:p>
-                      <a:endParaRPr lang="en-US" sz="1200" b="0" kern="1200" dirty="0">
+                      <a:r>
+                        <a:rPr lang="en-US" sz="1000" b="0" kern="1200" dirty="0" smtClean="0">
+                          <a:solidFill>
+                            <a:schemeClr val="tx1"/>
+                          </a:solidFill>
+                          <a:latin typeface="Bentley Light" panose="020B0404020201020102"/>
+                          <a:ea typeface="黑体" panose="02010609060101010101" pitchFamily="49" charset="-122"/>
+                          <a:cs typeface="+mn-ea"/>
+                          <a:sym typeface="+mn-lt"/>
+                        </a:rPr>
+                        <a:t>22</a:t>
+                      </a:r>
+                      <a:endParaRPr lang="en-US" sz="1000" b="0" kern="1200" dirty="0">
                         <a:solidFill>
                           <a:schemeClr val="tx1"/>
                         </a:solidFill>
-                        <a:latin typeface="+mn-lt"/>
-                        <a:ea typeface="+mn-ea"/>
+                        <a:latin typeface="Bentley Light" panose="020B0404020201020102"/>
+                        <a:ea typeface="黑体" panose="02010609060101010101" pitchFamily="49" charset="-122"/>
                         <a:cs typeface="+mn-ea"/>
                         <a:sym typeface="+mn-lt"/>
                       </a:endParaRPr>
@@ -10008,12 +10020,12 @@
                         <a:defRPr/>
                       </a:pPr>
                       <a:r>
-                        <a:rPr lang="en-US" sz="1200" b="0" kern="1200" dirty="0" smtClean="0">
+                        <a:rPr lang="en-US" sz="1000" b="0" kern="1200" dirty="0" smtClean="0">
                           <a:solidFill>
                             <a:schemeClr val="tx1"/>
                           </a:solidFill>
-                          <a:latin typeface="+mn-lt"/>
-                          <a:ea typeface="+mn-ea"/>
+                          <a:latin typeface="Bentley Light" panose="020B0404020201020102"/>
+                          <a:ea typeface="黑体" panose="02010609060101010101" pitchFamily="49" charset="-122"/>
                           <a:cs typeface="+mn-ea"/>
                           <a:sym typeface="+mn-lt"/>
                         </a:rPr>
@@ -10039,23 +10051,23 @@
                         <a:defRPr/>
                       </a:pPr>
                       <a:r>
-                        <a:rPr lang="zh-CN" altLang="en-US" sz="1200" b="0" kern="1200" dirty="0" smtClean="0">
+                        <a:rPr lang="zh-CN" altLang="en-US" sz="1000" b="0" kern="1200" dirty="0" smtClean="0">
                           <a:solidFill>
                             <a:schemeClr val="tx1"/>
                           </a:solidFill>
-                          <a:latin typeface="+mn-lt"/>
-                          <a:ea typeface="+mn-ea"/>
+                          <a:latin typeface="Bentley Light" panose="020B0404020201020102"/>
+                          <a:ea typeface="黑体" panose="02010609060101010101" pitchFamily="49" charset="-122"/>
                           <a:cs typeface="+mn-ea"/>
                           <a:sym typeface="+mn-lt"/>
                         </a:rPr>
                         <a:t>地点</a:t>
                       </a:r>
-                      <a:endParaRPr lang="en-US" sz="1200" b="0" kern="1200" dirty="0" smtClean="0">
+                      <a:endParaRPr lang="en-US" sz="1000" b="0" kern="1200" dirty="0" smtClean="0">
                         <a:solidFill>
                           <a:schemeClr val="tx1"/>
                         </a:solidFill>
-                        <a:latin typeface="+mn-lt"/>
-                        <a:ea typeface="+mn-ea"/>
+                        <a:latin typeface="Bentley Light" panose="020B0404020201020102"/>
+                        <a:ea typeface="黑体" panose="02010609060101010101" pitchFamily="49" charset="-122"/>
                         <a:cs typeface="+mn-ea"/>
                         <a:sym typeface="+mn-lt"/>
                       </a:endParaRPr>
@@ -10131,12 +10143,12 @@
                         <a:tabLst/>
                         <a:defRPr/>
                       </a:pPr>
-                      <a:endParaRPr lang="en-US" sz="1200" b="0" dirty="0" smtClean="0">
+                      <a:endParaRPr lang="en-US" sz="1000" b="0" dirty="0" smtClean="0">
                         <a:solidFill>
                           <a:schemeClr val="tx1"/>
                         </a:solidFill>
-                        <a:latin typeface="+mn-lt"/>
-                        <a:ea typeface="+mn-ea"/>
+                        <a:latin typeface="Bentley Light" panose="020B0404020201020102"/>
+                        <a:ea typeface="黑体" panose="02010609060101010101" pitchFamily="49" charset="-122"/>
                         <a:cs typeface="+mn-ea"/>
                         <a:sym typeface="+mn-lt"/>
                       </a:endParaRPr>
@@ -10194,12 +10206,12 @@
                     <a:lstStyle/>
                     <a:p>
                       <a:pPr marL="0" algn="l" defTabSz="685792" rtl="0" eaLnBrk="1" latinLnBrk="0" hangingPunct="1"/>
-                      <a:endParaRPr lang="en-US" sz="1200" b="0" kern="1200" dirty="0">
+                      <a:endParaRPr lang="en-US" sz="1000" b="0" kern="1200" dirty="0">
                         <a:solidFill>
                           <a:schemeClr val="tx1"/>
                         </a:solidFill>
-                        <a:latin typeface="+mn-lt"/>
-                        <a:ea typeface="+mn-ea"/>
+                        <a:latin typeface="Bentley Light" panose="020B0404020201020102"/>
+                        <a:ea typeface="黑体" panose="02010609060101010101" pitchFamily="49" charset="-122"/>
                         <a:cs typeface="+mn-ea"/>
                         <a:sym typeface="+mn-lt"/>
                       </a:endParaRPr>
@@ -10285,36 +10297,36 @@
                         <a:defRPr/>
                       </a:pPr>
                       <a:r>
-                        <a:rPr lang="en-US" altLang="zh-CN" sz="1200" b="0" kern="1200" dirty="0" smtClean="0">
+                        <a:rPr lang="en-US" altLang="zh-CN" sz="1000" b="0" kern="1200" dirty="0" smtClean="0">
                           <a:solidFill>
                             <a:schemeClr val="tx1"/>
                           </a:solidFill>
-                          <a:latin typeface="+mn-lt"/>
-                          <a:ea typeface="+mn-ea"/>
+                          <a:latin typeface="Bentley Light" panose="020B0404020201020102"/>
+                          <a:ea typeface="黑体" panose="02010609060101010101" pitchFamily="49" charset="-122"/>
                           <a:cs typeface="+mn-ea"/>
                           <a:sym typeface="+mn-lt"/>
                         </a:rPr>
                         <a:t>Qty.</a:t>
                       </a:r>
                       <a:r>
-                        <a:rPr lang="en-US" sz="1200" b="0" kern="1200" dirty="0" smtClean="0">
+                        <a:rPr lang="en-US" sz="1000" b="0" kern="1200" dirty="0" smtClean="0">
                           <a:solidFill>
                             <a:schemeClr val="tx1"/>
                           </a:solidFill>
-                          <a:latin typeface="+mn-lt"/>
-                          <a:ea typeface="+mn-ea"/>
+                          <a:latin typeface="Bentley Light" panose="020B0404020201020102"/>
+                          <a:ea typeface="黑体" panose="02010609060101010101" pitchFamily="49" charset="-122"/>
                           <a:cs typeface="+mn-ea"/>
                           <a:sym typeface="+mn-lt"/>
                         </a:rPr>
                         <a:t> </a:t>
                       </a:r>
                       <a:r>
-                        <a:rPr lang="en-US" sz="1200" b="0" dirty="0" smtClean="0">
+                        <a:rPr lang="en-US" sz="1000" b="0" dirty="0" smtClean="0">
                           <a:solidFill>
                             <a:schemeClr val="tx1"/>
                           </a:solidFill>
-                          <a:latin typeface="+mn-lt"/>
-                          <a:ea typeface="+mn-ea"/>
+                          <a:latin typeface="Bentley Light" panose="020B0404020201020102"/>
+                          <a:ea typeface="黑体" panose="02010609060101010101" pitchFamily="49" charset="-122"/>
                           <a:cs typeface="+mn-ea"/>
                           <a:sym typeface="+mn-lt"/>
                         </a:rPr>
@@ -10340,47 +10352,47 @@
                         <a:defRPr/>
                       </a:pPr>
                       <a:r>
-                        <a:rPr lang="en-US" sz="1200" b="0" dirty="0" smtClean="0">
+                        <a:rPr lang="en-US" sz="1000" b="0" dirty="0" smtClean="0">
                           <a:solidFill>
                             <a:schemeClr val="tx1"/>
                           </a:solidFill>
-                          <a:latin typeface="+mn-lt"/>
-                          <a:ea typeface="+mn-ea"/>
+                          <a:latin typeface="Bentley Light" panose="020B0404020201020102"/>
+                          <a:ea typeface="黑体" panose="02010609060101010101" pitchFamily="49" charset="-122"/>
                           <a:cs typeface="+mn-ea"/>
                           <a:sym typeface="+mn-lt"/>
                         </a:rPr>
                         <a:t>DCPID</a:t>
                       </a:r>
                       <a:r>
-                        <a:rPr lang="en-US" sz="1200" b="0" baseline="0" dirty="0" smtClean="0">
+                        <a:rPr lang="en-US" sz="1000" b="0" baseline="0" dirty="0" smtClean="0">
                           <a:solidFill>
                             <a:schemeClr val="tx1"/>
                           </a:solidFill>
-                          <a:latin typeface="+mn-lt"/>
-                          <a:ea typeface="+mn-ea"/>
+                          <a:latin typeface="Bentley Light" panose="020B0404020201020102"/>
+                          <a:ea typeface="黑体" panose="02010609060101010101" pitchFamily="49" charset="-122"/>
                           <a:cs typeface="+mn-ea"/>
                           <a:sym typeface="+mn-lt"/>
                         </a:rPr>
                         <a:t> </a:t>
                       </a:r>
                       <a:r>
-                        <a:rPr lang="zh-CN" altLang="en-US" sz="1200" b="0" baseline="0" dirty="0" smtClean="0">
+                        <a:rPr lang="zh-CN" altLang="en-US" sz="1000" b="0" baseline="0" dirty="0" smtClean="0">
                           <a:solidFill>
                             <a:schemeClr val="tx1"/>
                           </a:solidFill>
-                          <a:latin typeface="+mn-lt"/>
-                          <a:ea typeface="+mn-ea"/>
+                          <a:latin typeface="Bentley Light" panose="020B0404020201020102"/>
+                          <a:ea typeface="黑体" panose="02010609060101010101" pitchFamily="49" charset="-122"/>
                           <a:cs typeface="+mn-ea"/>
                           <a:sym typeface="+mn-lt"/>
                         </a:rPr>
                         <a:t>客户数量</a:t>
                       </a:r>
-                      <a:endParaRPr lang="en-US" sz="1200" b="0" dirty="0" smtClean="0">
+                      <a:endParaRPr lang="en-US" sz="1000" b="0" dirty="0" smtClean="0">
                         <a:solidFill>
                           <a:schemeClr val="tx1"/>
                         </a:solidFill>
-                        <a:latin typeface="+mn-lt"/>
-                        <a:ea typeface="+mn-ea"/>
+                        <a:latin typeface="Bentley Light" panose="020B0404020201020102"/>
+                        <a:ea typeface="黑体" panose="02010609060101010101" pitchFamily="49" charset="-122"/>
                         <a:cs typeface="+mn-ea"/>
                         <a:sym typeface="+mn-lt"/>
                       </a:endParaRPr>
@@ -10434,12 +10446,12 @@
                     <a:bodyPr/>
                     <a:lstStyle/>
                     <a:p>
-                      <a:endParaRPr lang="en-US" sz="1200" b="0" dirty="0">
+                      <a:endParaRPr lang="en-US" sz="1000" b="0" dirty="0">
                         <a:solidFill>
                           <a:schemeClr val="tx1"/>
                         </a:solidFill>
-                        <a:latin typeface="+mn-lt"/>
-                        <a:ea typeface="+mn-ea"/>
+                        <a:latin typeface="Bentley Light" panose="020B0404020201020102"/>
+                        <a:ea typeface="黑体" panose="02010609060101010101" pitchFamily="49" charset="-122"/>
                         <a:cs typeface="+mn-ea"/>
                         <a:sym typeface="+mn-lt"/>
                       </a:endParaRPr>
@@ -10503,12 +10515,12 @@
                     <a:bodyPr/>
                     <a:lstStyle/>
                     <a:p>
-                      <a:endParaRPr lang="en-US" sz="1200" b="0" dirty="0">
+                      <a:endParaRPr lang="en-US" sz="1000" b="0" dirty="0">
                         <a:solidFill>
                           <a:schemeClr val="tx1"/>
                         </a:solidFill>
-                        <a:latin typeface="+mn-lt"/>
-                        <a:ea typeface="+mn-ea"/>
+                        <a:latin typeface="Bentley Light" panose="020B0404020201020102"/>
+                        <a:ea typeface="黑体" panose="02010609060101010101" pitchFamily="49" charset="-122"/>
                         <a:cs typeface="+mn-ea"/>
                         <a:sym typeface="+mn-lt"/>
                       </a:endParaRPr>
@@ -10564,12 +10576,12 @@
                     <a:lstStyle/>
                     <a:p>
                       <a:pPr marL="0" algn="l" defTabSz="685792" rtl="0" eaLnBrk="1" latinLnBrk="0" hangingPunct="1"/>
-                      <a:endParaRPr lang="en-US" sz="1200" b="0" kern="1200" dirty="0">
+                      <a:endParaRPr lang="en-US" sz="1000" b="0" kern="1200" dirty="0">
                         <a:solidFill>
                           <a:schemeClr val="tx1"/>
                         </a:solidFill>
-                        <a:latin typeface="+mn-lt"/>
-                        <a:ea typeface="+mn-ea"/>
+                        <a:latin typeface="Bentley Light" panose="020B0404020201020102"/>
+                        <a:ea typeface="黑体" panose="02010609060101010101" pitchFamily="49" charset="-122"/>
                         <a:cs typeface="+mn-ea"/>
                         <a:sym typeface="+mn-lt"/>
                       </a:endParaRPr>
@@ -10647,36 +10659,36 @@
                         <a:defRPr/>
                       </a:pPr>
                       <a:r>
-                        <a:rPr lang="en-US" sz="1200" b="0" kern="1200" dirty="0" smtClean="0">
+                        <a:rPr lang="en-US" sz="1000" b="0" kern="1200" dirty="0" smtClean="0">
                           <a:solidFill>
                             <a:schemeClr val="tx1"/>
                           </a:solidFill>
-                          <a:latin typeface="+mn-lt"/>
-                          <a:ea typeface="+mn-ea"/>
+                          <a:latin typeface="Bentley Light" panose="020B0404020201020102"/>
+                          <a:ea typeface="黑体" panose="02010609060101010101" pitchFamily="49" charset="-122"/>
                           <a:cs typeface="+mn-ea"/>
                           <a:sym typeface="+mn-lt"/>
                         </a:rPr>
                         <a:t>Cost per n</a:t>
                       </a:r>
                       <a:r>
-                        <a:rPr lang="en-US" altLang="zh-CN" sz="1200" b="0" kern="1200" dirty="0" smtClean="0">
+                        <a:rPr lang="en-US" altLang="zh-CN" sz="1000" b="0" kern="1200" dirty="0" smtClean="0">
                           <a:solidFill>
                             <a:schemeClr val="tx1"/>
                           </a:solidFill>
-                          <a:latin typeface="+mn-lt"/>
-                          <a:ea typeface="+mn-ea"/>
+                          <a:latin typeface="Bentley Light" panose="020B0404020201020102"/>
+                          <a:ea typeface="黑体" panose="02010609060101010101" pitchFamily="49" charset="-122"/>
                           <a:cs typeface="+mn-ea"/>
                           <a:sym typeface="+mn-lt"/>
                         </a:rPr>
                         <a:t>ew </a:t>
                       </a:r>
                       <a:r>
-                        <a:rPr lang="en-US" sz="1200" b="0" kern="1200" dirty="0" smtClean="0">
+                        <a:rPr lang="en-US" sz="1000" b="0" kern="1200" dirty="0" smtClean="0">
                           <a:solidFill>
                             <a:schemeClr val="tx1"/>
                           </a:solidFill>
-                          <a:latin typeface="+mn-lt"/>
-                          <a:ea typeface="+mn-ea"/>
+                          <a:latin typeface="Bentley Light" panose="020B0404020201020102"/>
+                          <a:ea typeface="黑体" panose="02010609060101010101" pitchFamily="49" charset="-122"/>
                           <a:cs typeface="+mn-ea"/>
                           <a:sym typeface="+mn-lt"/>
                         </a:rPr>
@@ -10702,35 +10714,35 @@
                         <a:defRPr/>
                       </a:pPr>
                       <a:r>
-                        <a:rPr lang="en-US" altLang="zh-CN" sz="1200" b="0" kern="1200" dirty="0" smtClean="0">
+                        <a:rPr lang="en-US" altLang="zh-CN" sz="1000" b="0" kern="1200" dirty="0" smtClean="0">
                           <a:solidFill>
                             <a:schemeClr val="tx1"/>
                           </a:solidFill>
-                          <a:latin typeface="+mn-lt"/>
-                          <a:ea typeface="+mn-ea"/>
+                          <a:latin typeface="Bentley Light" panose="020B0404020201020102"/>
+                          <a:ea typeface="黑体" panose="02010609060101010101" pitchFamily="49" charset="-122"/>
                           <a:cs typeface="+mn-ea"/>
                           <a:sym typeface="+mn-lt"/>
                         </a:rPr>
                         <a:t>*</a:t>
                       </a:r>
                       <a:r>
-                        <a:rPr lang="zh-CN" altLang="en-US" sz="1200" b="0" kern="1200" dirty="0" smtClean="0">
+                        <a:rPr lang="zh-CN" altLang="en-US" sz="1000" b="0" kern="1200" dirty="0" smtClean="0">
                           <a:solidFill>
                             <a:schemeClr val="tx1"/>
                           </a:solidFill>
-                          <a:latin typeface="+mn-lt"/>
-                          <a:ea typeface="+mn-ea"/>
+                          <a:latin typeface="Bentley Light" panose="020B0404020201020102"/>
+                          <a:ea typeface="黑体" panose="02010609060101010101" pitchFamily="49" charset="-122"/>
                           <a:cs typeface="+mn-ea"/>
                           <a:sym typeface="+mn-lt"/>
                         </a:rPr>
                         <a:t>每条线索成本</a:t>
                       </a:r>
-                      <a:endParaRPr lang="en-US" sz="1200" b="0" kern="1200" dirty="0" smtClean="0">
+                      <a:endParaRPr lang="en-US" sz="1000" b="0" kern="1200" dirty="0" smtClean="0">
                         <a:solidFill>
                           <a:schemeClr val="tx1"/>
                         </a:solidFill>
-                        <a:latin typeface="+mn-lt"/>
-                        <a:ea typeface="+mn-ea"/>
+                        <a:latin typeface="Bentley Light" panose="020B0404020201020102"/>
+                        <a:ea typeface="黑体" panose="02010609060101010101" pitchFamily="49" charset="-122"/>
                         <a:cs typeface="+mn-ea"/>
                         <a:sym typeface="+mn-lt"/>
                       </a:endParaRPr>
@@ -10801,15 +10813,18 @@
                         <a:tabLst/>
                         <a:defRPr/>
                       </a:pPr>
-                      <a:endParaRPr lang="en-US" altLang="zh-CN" sz="1200" b="0" kern="1200" dirty="0" smtClean="0">
-                        <a:solidFill>
-                          <a:schemeClr val="tx1"/>
-                        </a:solidFill>
-                        <a:latin typeface="+mn-lt"/>
-                        <a:ea typeface="+mn-ea"/>
-                        <a:cs typeface="+mn-ea"/>
-                        <a:sym typeface="+mn-lt"/>
-                      </a:endParaRPr>
+                      <a:r>
+                        <a:rPr lang="en-US" altLang="zh-CN" sz="1000" b="0" kern="1200" dirty="0" smtClean="0">
+                          <a:solidFill>
+                            <a:schemeClr val="tx1"/>
+                          </a:solidFill>
+                          <a:latin typeface="Bentley Light" panose="020B0404020201020102"/>
+                          <a:ea typeface="黑体" panose="02010609060101010101" pitchFamily="49" charset="-122"/>
+                          <a:cs typeface="+mn-ea"/>
+                          <a:sym typeface="+mn-lt"/>
+                        </a:rPr>
+                        <a:t>222</a:t>
+                      </a:r>
                     </a:p>
                   </a:txBody>
                   <a:tcPr marL="108522" marR="108522" marT="54261" marB="54261" anchor="ctr">
@@ -10925,47 +10940,47 @@
                         <a:defRPr/>
                       </a:pPr>
                       <a:r>
-                        <a:rPr lang="en-US" altLang="zh-CN" sz="1200" b="0" kern="1200" dirty="0" smtClean="0">
+                        <a:rPr lang="en-US" altLang="zh-CN" sz="1000" b="0" kern="1200" dirty="0" smtClean="0">
                           <a:solidFill>
                             <a:schemeClr val="tx1"/>
                           </a:solidFill>
-                          <a:latin typeface="+mn-lt"/>
-                          <a:ea typeface="+mn-ea"/>
+                          <a:latin typeface="Bentley Light" panose="020B0404020201020102"/>
+                          <a:ea typeface="黑体" panose="02010609060101010101" pitchFamily="49" charset="-122"/>
                           <a:cs typeface="+mn-ea"/>
                           <a:sym typeface="+mn-lt"/>
                         </a:rPr>
                         <a:t>Qty.</a:t>
                       </a:r>
                       <a:r>
-                        <a:rPr lang="en-US" sz="1200" b="0" kern="1200" dirty="0" smtClean="0">
+                        <a:rPr lang="en-US" sz="1000" b="0" kern="1200" dirty="0" smtClean="0">
                           <a:solidFill>
                             <a:schemeClr val="tx1"/>
                           </a:solidFill>
-                          <a:latin typeface="+mn-lt"/>
-                          <a:ea typeface="+mn-ea"/>
+                          <a:latin typeface="Bentley Light" panose="020B0404020201020102"/>
+                          <a:ea typeface="黑体" panose="02010609060101010101" pitchFamily="49" charset="-122"/>
                           <a:cs typeface="+mn-ea"/>
                           <a:sym typeface="+mn-lt"/>
                         </a:rPr>
                         <a:t> of new</a:t>
                       </a:r>
                       <a:r>
-                        <a:rPr lang="en-US" sz="1200" b="0" kern="1200" baseline="0" dirty="0" smtClean="0">
+                        <a:rPr lang="en-US" sz="1000" b="0" kern="1200" baseline="0" dirty="0" smtClean="0">
                           <a:solidFill>
                             <a:schemeClr val="tx1"/>
                           </a:solidFill>
-                          <a:latin typeface="+mn-lt"/>
-                          <a:ea typeface="+mn-ea"/>
+                          <a:latin typeface="Bentley Light" panose="020B0404020201020102"/>
+                          <a:ea typeface="黑体" panose="02010609060101010101" pitchFamily="49" charset="-122"/>
                           <a:cs typeface="+mn-ea"/>
                           <a:sym typeface="+mn-lt"/>
                         </a:rPr>
                         <a:t> leads created in 2022</a:t>
                       </a:r>
-                      <a:endParaRPr lang="en-US" sz="1200" b="0" kern="1200" dirty="0" smtClean="0">
+                      <a:endParaRPr lang="en-US" sz="1000" b="0" kern="1200" dirty="0" smtClean="0">
                         <a:solidFill>
                           <a:schemeClr val="tx1"/>
                         </a:solidFill>
-                        <a:latin typeface="+mn-lt"/>
-                        <a:ea typeface="+mn-ea"/>
+                        <a:latin typeface="Bentley Light" panose="020B0404020201020102"/>
+                        <a:ea typeface="黑体" panose="02010609060101010101" pitchFamily="49" charset="-122"/>
                         <a:cs typeface="+mn-ea"/>
                         <a:sym typeface="+mn-lt"/>
                       </a:endParaRPr>
@@ -10989,23 +11004,23 @@
                         <a:defRPr/>
                       </a:pPr>
                       <a:r>
-                        <a:rPr lang="zh-CN" altLang="en-US" sz="1200" b="0" kern="1200" dirty="0" smtClean="0">
+                        <a:rPr lang="zh-CN" altLang="en-US" sz="1000" b="0" kern="1200" dirty="0" smtClean="0">
                           <a:solidFill>
                             <a:schemeClr val="tx1"/>
                           </a:solidFill>
-                          <a:latin typeface="+mn-lt"/>
-                          <a:ea typeface="+mn-ea"/>
+                          <a:latin typeface="Bentley Light" panose="020B0404020201020102"/>
+                          <a:ea typeface="黑体" panose="02010609060101010101" pitchFamily="49" charset="-122"/>
                           <a:cs typeface="+mn-ea"/>
                           <a:sym typeface="+mn-lt"/>
                         </a:rPr>
                         <a:t>今年新增线索数量</a:t>
                       </a:r>
-                      <a:endParaRPr lang="en-US" sz="1200" b="0" kern="1200" dirty="0" smtClean="0">
+                      <a:endParaRPr lang="en-US" sz="1000" b="0" kern="1200" dirty="0" smtClean="0">
                         <a:solidFill>
                           <a:schemeClr val="tx1"/>
                         </a:solidFill>
-                        <a:latin typeface="+mn-lt"/>
-                        <a:ea typeface="+mn-ea"/>
+                        <a:latin typeface="Bentley Light" panose="020B0404020201020102"/>
+                        <a:ea typeface="黑体" panose="02010609060101010101" pitchFamily="49" charset="-122"/>
                         <a:cs typeface="+mn-ea"/>
                         <a:sym typeface="+mn-lt"/>
                       </a:endParaRPr>
@@ -11078,12 +11093,12 @@
                         <a:tabLst/>
                         <a:defRPr/>
                       </a:pPr>
-                      <a:endParaRPr lang="en-US" sz="1200" b="0" kern="1200" dirty="0">
+                      <a:endParaRPr lang="en-US" sz="1000" b="0" kern="1200" dirty="0">
                         <a:solidFill>
                           <a:schemeClr val="tx1"/>
                         </a:solidFill>
-                        <a:latin typeface="+mn-lt"/>
-                        <a:ea typeface="+mn-ea"/>
+                        <a:latin typeface="Bentley Light" panose="020B0404020201020102"/>
+                        <a:ea typeface="黑体" panose="02010609060101010101" pitchFamily="49" charset="-122"/>
                         <a:cs typeface="+mn-ea"/>
                         <a:sym typeface="+mn-lt"/>
                       </a:endParaRPr>
@@ -11149,12 +11164,12 @@
                     <a:bodyPr/>
                     <a:lstStyle/>
                     <a:p>
-                      <a:endParaRPr lang="en-US" sz="1200" b="0" dirty="0">
+                      <a:endParaRPr lang="en-US" sz="1000" b="0" dirty="0">
                         <a:solidFill>
                           <a:schemeClr val="tx1"/>
                         </a:solidFill>
-                        <a:latin typeface="+mn-lt"/>
-                        <a:ea typeface="+mn-ea"/>
+                        <a:latin typeface="Bentley Light" panose="020B0404020201020102"/>
+                        <a:ea typeface="黑体" panose="02010609060101010101" pitchFamily="49" charset="-122"/>
                         <a:cs typeface="+mn-ea"/>
                         <a:sym typeface="+mn-lt"/>
                       </a:endParaRPr>
@@ -11212,12 +11227,12 @@
                     <a:lstStyle/>
                     <a:p>
                       <a:pPr marL="0" algn="l" defTabSz="685792" rtl="0" eaLnBrk="1" latinLnBrk="0" hangingPunct="1"/>
-                      <a:endParaRPr lang="en-US" sz="1200" b="0" kern="1200" dirty="0">
+                      <a:endParaRPr lang="en-US" sz="1000" b="0" kern="1200" dirty="0">
                         <a:solidFill>
                           <a:schemeClr val="tx1"/>
                         </a:solidFill>
-                        <a:latin typeface="+mn-lt"/>
-                        <a:ea typeface="+mn-ea"/>
+                        <a:latin typeface="Bentley Light" panose="020B0404020201020102"/>
+                        <a:ea typeface="黑体" panose="02010609060101010101" pitchFamily="49" charset="-122"/>
                         <a:cs typeface="+mn-ea"/>
                         <a:sym typeface="+mn-lt"/>
                       </a:endParaRPr>
@@ -11385,14 +11400,14 @@
             </p:custDataLst>
             <p:extLst>
               <p:ext uri="{D42A27DB-BD31-4B8C-83A1-F6EECF244321}">
-                <p14:modId xmlns:p14="http://schemas.microsoft.com/office/powerpoint/2010/main" val="3993723744"/>
+                <p14:modId xmlns:p14="http://schemas.microsoft.com/office/powerpoint/2010/main" val="1741574511"/>
               </p:ext>
             </p:extLst>
           </p:nvPr>
         </p:nvGraphicFramePr>
         <p:xfrm>
           <a:off x="587372" y="4245295"/>
-          <a:ext cx="11032368" cy="871454"/>
+          <a:ext cx="11032368" cy="810494"/>
         </p:xfrm>
         <a:graphic>
           <a:graphicData uri="http://schemas.openxmlformats.org/drawingml/2006/table">
@@ -11458,7 +11473,7 @@
                         <a:tabLst/>
                       </a:pPr>
                       <a:r>
-                        <a:rPr kumimoji="0" lang="en-US" sz="1100" b="1" i="0" u="none" strike="noStrike" kern="1200" cap="none" normalizeH="0" baseline="0" dirty="0" smtClean="0">
+                        <a:rPr kumimoji="0" lang="en-US" sz="1000" b="1" i="0" u="none" strike="noStrike" kern="1200" cap="none" normalizeH="0" baseline="0" dirty="0" smtClean="0">
                           <a:ln>
                             <a:noFill/>
                           </a:ln>
@@ -11466,8 +11481,8 @@
                             <a:schemeClr val="bg1"/>
                           </a:solidFill>
                           <a:effectLst/>
-                          <a:latin typeface="+mn-lt"/>
-                          <a:ea typeface="+mn-ea"/>
+                          <a:latin typeface="Bentley Light" panose="020B0404020201020102"/>
+                          <a:ea typeface="黑体" panose="02010609060101010101" pitchFamily="49" charset="-122"/>
                           <a:cs typeface="+mn-ea"/>
                           <a:sym typeface="+mn-lt"/>
                         </a:rPr>
@@ -11492,7 +11507,7 @@
                         <a:tabLst/>
                       </a:pPr>
                       <a:r>
-                        <a:rPr kumimoji="0" lang="zh-CN" altLang="en-US" sz="1100" b="1" i="0" u="none" strike="noStrike" kern="1200" cap="none" normalizeH="0" baseline="0" dirty="0" smtClean="0">
+                        <a:rPr kumimoji="0" lang="zh-CN" altLang="en-US" sz="1000" b="1" i="0" u="none" strike="noStrike" kern="1200" cap="none" normalizeH="0" baseline="0" dirty="0" smtClean="0">
                           <a:ln>
                             <a:noFill/>
                           </a:ln>
@@ -11500,14 +11515,14 @@
                             <a:schemeClr val="bg1"/>
                           </a:solidFill>
                           <a:effectLst/>
-                          <a:latin typeface="+mn-lt"/>
-                          <a:ea typeface="+mn-ea"/>
+                          <a:latin typeface="Bentley Light" panose="020B0404020201020102"/>
+                          <a:ea typeface="黑体" panose="02010609060101010101" pitchFamily="49" charset="-122"/>
                           <a:cs typeface="+mn-ea"/>
                           <a:sym typeface="+mn-lt"/>
                         </a:rPr>
                         <a:t>邀请计划总数</a:t>
                       </a:r>
-                      <a:endParaRPr kumimoji="0" lang="en-US" sz="1100" b="1" i="0" u="none" strike="noStrike" kern="1200" cap="none" normalizeH="0" baseline="0" dirty="0">
+                      <a:endParaRPr kumimoji="0" lang="en-US" sz="1000" b="1" i="0" u="none" strike="noStrike" kern="1200" cap="none" normalizeH="0" baseline="0" dirty="0">
                         <a:ln>
                           <a:noFill/>
                         </a:ln>
@@ -11515,8 +11530,8 @@
                           <a:schemeClr val="bg1"/>
                         </a:solidFill>
                         <a:effectLst/>
-                        <a:latin typeface="+mn-lt"/>
-                        <a:ea typeface="+mn-ea"/>
+                        <a:latin typeface="Bentley Light" panose="020B0404020201020102"/>
+                        <a:ea typeface="黑体" panose="02010609060101010101" pitchFamily="49" charset="-122"/>
                         <a:cs typeface="+mn-ea"/>
                         <a:sym typeface="+mn-lt"/>
                       </a:endParaRPr>
@@ -11594,7 +11609,7 @@
                         <a:tabLst/>
                       </a:pPr>
                       <a:r>
-                        <a:rPr kumimoji="0" lang="en-US" sz="1100" b="1" i="0" u="none" strike="noStrike" kern="1200" cap="none" normalizeH="0" baseline="0" dirty="0" smtClean="0">
+                        <a:rPr kumimoji="0" lang="en-US" sz="1000" b="1" i="0" u="none" strike="noStrike" kern="1200" cap="none" normalizeH="0" baseline="0" dirty="0" smtClean="0">
                           <a:ln>
                             <a:noFill/>
                           </a:ln>
@@ -11602,8 +11617,8 @@
                             <a:schemeClr val="bg1"/>
                           </a:solidFill>
                           <a:effectLst/>
-                          <a:latin typeface="+mn-lt"/>
-                          <a:ea typeface="+mn-ea"/>
+                          <a:latin typeface="Bentley Light" panose="020B0404020201020102"/>
+                          <a:ea typeface="黑体" panose="02010609060101010101" pitchFamily="49" charset="-122"/>
                           <a:cs typeface="+mn-ea"/>
                           <a:sym typeface="+mn-lt"/>
                         </a:rPr>
@@ -11628,7 +11643,7 @@
                         <a:tabLst/>
                       </a:pPr>
                       <a:r>
-                        <a:rPr kumimoji="0" lang="zh-CN" altLang="en-US" sz="1100" b="1" i="0" u="none" strike="noStrike" kern="1200" cap="none" normalizeH="0" baseline="0" dirty="0" smtClean="0">
+                        <a:rPr kumimoji="0" lang="zh-CN" altLang="en-US" sz="1000" b="1" i="0" u="none" strike="noStrike" kern="1200" cap="none" normalizeH="0" baseline="0" dirty="0" smtClean="0">
                           <a:ln>
                             <a:noFill/>
                           </a:ln>
@@ -11636,14 +11651,14 @@
                             <a:schemeClr val="bg1"/>
                           </a:solidFill>
                           <a:effectLst/>
-                          <a:latin typeface="+mn-lt"/>
-                          <a:ea typeface="+mn-ea"/>
+                          <a:latin typeface="Bentley Light" panose="020B0404020201020102"/>
+                          <a:ea typeface="黑体" panose="02010609060101010101" pitchFamily="49" charset="-122"/>
                           <a:cs typeface="+mn-ea"/>
                           <a:sym typeface="+mn-lt"/>
                         </a:rPr>
                         <a:t>车主</a:t>
                       </a:r>
-                      <a:endParaRPr kumimoji="0" lang="en-US" sz="1100" b="1" i="0" u="none" strike="noStrike" kern="1200" cap="none" normalizeH="0" baseline="0" dirty="0">
+                      <a:endParaRPr kumimoji="0" lang="en-US" sz="1000" b="1" i="0" u="none" strike="noStrike" kern="1200" cap="none" normalizeH="0" baseline="0" dirty="0">
                         <a:ln>
                           <a:noFill/>
                         </a:ln>
@@ -11651,8 +11666,8 @@
                           <a:schemeClr val="bg1"/>
                         </a:solidFill>
                         <a:effectLst/>
-                        <a:latin typeface="+mn-lt"/>
-                        <a:ea typeface="+mn-ea"/>
+                        <a:latin typeface="Bentley Light" panose="020B0404020201020102"/>
+                        <a:ea typeface="黑体" panose="02010609060101010101" pitchFamily="49" charset="-122"/>
                         <a:cs typeface="+mn-ea"/>
                         <a:sym typeface="+mn-lt"/>
                       </a:endParaRPr>
@@ -11728,7 +11743,7 @@
                         <a:tabLst/>
                       </a:pPr>
                       <a:r>
-                        <a:rPr kumimoji="0" lang="en-US" sz="1100" b="1" i="0" u="none" strike="noStrike" cap="none" normalizeH="0" baseline="0" dirty="0" smtClean="0">
+                        <a:rPr kumimoji="0" lang="en-US" sz="1000" b="1" i="0" u="none" strike="noStrike" cap="none" normalizeH="0" baseline="0" dirty="0" smtClean="0">
                           <a:ln>
                             <a:noFill/>
                           </a:ln>
@@ -11736,8 +11751,8 @@
                             <a:schemeClr val="bg1"/>
                           </a:solidFill>
                           <a:effectLst/>
-                          <a:latin typeface="+mn-lt"/>
-                          <a:ea typeface="+mn-ea"/>
+                          <a:latin typeface="Bentley Light" panose="020B0404020201020102"/>
+                          <a:ea typeface="黑体" panose="02010609060101010101" pitchFamily="49" charset="-122"/>
                           <a:cs typeface="+mn-ea"/>
                           <a:sym typeface="+mn-lt"/>
                         </a:rPr>
@@ -11762,7 +11777,7 @@
                         <a:tabLst/>
                       </a:pPr>
                       <a:r>
-                        <a:rPr kumimoji="0" lang="zh-CN" altLang="en-US" sz="1100" b="0" i="0" u="none" strike="noStrike" cap="none" normalizeH="0" baseline="0" dirty="0" smtClean="0">
+                        <a:rPr kumimoji="0" lang="zh-CN" altLang="en-US" sz="1000" b="0" i="0" u="none" strike="noStrike" cap="none" normalizeH="0" baseline="0" dirty="0" smtClean="0">
                           <a:ln>
                             <a:noFill/>
                           </a:ln>
@@ -11770,14 +11785,14 @@
                             <a:schemeClr val="bg1"/>
                           </a:solidFill>
                           <a:effectLst/>
-                          <a:latin typeface="+mn-lt"/>
-                          <a:ea typeface="+mn-ea"/>
+                          <a:latin typeface="Bentley Light" panose="020B0404020201020102"/>
+                          <a:ea typeface="黑体" panose="02010609060101010101" pitchFamily="49" charset="-122"/>
                           <a:cs typeface="+mn-ea"/>
                           <a:sym typeface="+mn-lt"/>
                         </a:rPr>
                         <a:t>订单客户</a:t>
                       </a:r>
-                      <a:endParaRPr kumimoji="0" lang="en-US" sz="1100" b="0" i="0" u="none" strike="noStrike" cap="none" normalizeH="0" baseline="0" dirty="0">
+                      <a:endParaRPr kumimoji="0" lang="en-US" sz="1000" b="0" i="0" u="none" strike="noStrike" cap="none" normalizeH="0" baseline="0" dirty="0">
                         <a:ln>
                           <a:noFill/>
                         </a:ln>
@@ -11785,8 +11800,8 @@
                           <a:schemeClr val="bg1"/>
                         </a:solidFill>
                         <a:effectLst/>
-                        <a:latin typeface="+mn-lt"/>
-                        <a:ea typeface="+mn-ea"/>
+                        <a:latin typeface="Bentley Light" panose="020B0404020201020102"/>
+                        <a:ea typeface="黑体" panose="02010609060101010101" pitchFamily="49" charset="-122"/>
                         <a:cs typeface="+mn-ea"/>
                         <a:sym typeface="+mn-lt"/>
                       </a:endParaRPr>
@@ -11862,7 +11877,7 @@
                         <a:tabLst/>
                       </a:pPr>
                       <a:r>
-                        <a:rPr kumimoji="0" lang="en-US" sz="1100" b="1" i="0" u="none" strike="noStrike" kern="1200" cap="none" normalizeH="0" baseline="0" dirty="0" smtClean="0">
+                        <a:rPr kumimoji="0" lang="en-US" sz="1000" b="1" i="0" u="none" strike="noStrike" kern="1200" cap="none" normalizeH="0" baseline="0" dirty="0" smtClean="0">
                           <a:ln>
                             <a:noFill/>
                           </a:ln>
@@ -11870,8 +11885,8 @@
                             <a:schemeClr val="bg1"/>
                           </a:solidFill>
                           <a:effectLst/>
-                          <a:latin typeface="+mn-lt"/>
-                          <a:ea typeface="+mn-ea"/>
+                          <a:latin typeface="Bentley Light" panose="020B0404020201020102"/>
+                          <a:ea typeface="黑体" panose="02010609060101010101" pitchFamily="49" charset="-122"/>
                           <a:cs typeface="+mn-ea"/>
                           <a:sym typeface="+mn-lt"/>
                         </a:rPr>
@@ -11896,7 +11911,7 @@
                         <a:tabLst/>
                       </a:pPr>
                       <a:r>
-                        <a:rPr kumimoji="0" lang="zh-CN" altLang="en-US" sz="1100" b="1" i="0" u="none" strike="noStrike" kern="1200" cap="none" normalizeH="0" baseline="0" dirty="0" smtClean="0">
+                        <a:rPr kumimoji="0" lang="zh-CN" altLang="en-US" sz="1000" b="1" i="0" u="none" strike="noStrike" kern="1200" cap="none" normalizeH="0" baseline="0" dirty="0" smtClean="0">
                           <a:ln>
                             <a:noFill/>
                           </a:ln>
@@ -11904,14 +11919,14 @@
                             <a:schemeClr val="bg1"/>
                           </a:solidFill>
                           <a:effectLst/>
-                          <a:latin typeface="+mn-lt"/>
-                          <a:ea typeface="+mn-ea"/>
+                          <a:latin typeface="Bentley Light" panose="020B0404020201020102"/>
+                          <a:ea typeface="黑体" panose="02010609060101010101" pitchFamily="49" charset="-122"/>
                           <a:cs typeface="+mn-ea"/>
                           <a:sym typeface="+mn-lt"/>
                         </a:rPr>
                         <a:t>潜在客户</a:t>
                       </a:r>
-                      <a:endParaRPr kumimoji="0" lang="en-US" sz="1100" b="1" i="0" u="none" strike="noStrike" kern="1200" cap="none" normalizeH="0" baseline="0" dirty="0">
+                      <a:endParaRPr kumimoji="0" lang="en-US" sz="1000" b="1" i="0" u="none" strike="noStrike" kern="1200" cap="none" normalizeH="0" baseline="0" dirty="0">
                         <a:ln>
                           <a:noFill/>
                         </a:ln>
@@ -11919,8 +11934,8 @@
                           <a:schemeClr val="bg1"/>
                         </a:solidFill>
                         <a:effectLst/>
-                        <a:latin typeface="+mn-lt"/>
-                        <a:ea typeface="+mn-ea"/>
+                        <a:latin typeface="Bentley Light" panose="020B0404020201020102"/>
+                        <a:ea typeface="黑体" panose="02010609060101010101" pitchFamily="49" charset="-122"/>
                         <a:cs typeface="+mn-ea"/>
                         <a:sym typeface="+mn-lt"/>
                       </a:endParaRPr>
@@ -11996,7 +12011,7 @@
                         <a:tabLst/>
                       </a:pPr>
                       <a:r>
-                        <a:rPr kumimoji="0" lang="en-US" altLang="zh-CN" sz="1100" b="1" i="0" u="none" strike="noStrike" kern="1200" cap="none" normalizeH="0" baseline="0" dirty="0" smtClean="0">
+                        <a:rPr kumimoji="0" lang="en-US" altLang="zh-CN" sz="1000" b="1" i="0" u="none" strike="noStrike" kern="1200" cap="none" normalizeH="0" baseline="0" dirty="0" smtClean="0">
                           <a:ln>
                             <a:noFill/>
                           </a:ln>
@@ -12004,8 +12019,8 @@
                             <a:schemeClr val="bg1"/>
                           </a:solidFill>
                           <a:effectLst/>
-                          <a:latin typeface="+mn-lt"/>
-                          <a:ea typeface="+mn-ea"/>
+                          <a:latin typeface="Bentley Light" panose="020B0404020201020102"/>
+                          <a:ea typeface="黑体" panose="02010609060101010101" pitchFamily="49" charset="-122"/>
                           <a:cs typeface="+mn-ea"/>
                           <a:sym typeface="+mn-lt"/>
                         </a:rPr>
@@ -12030,7 +12045,7 @@
                         <a:tabLst/>
                       </a:pPr>
                       <a:r>
-                        <a:rPr kumimoji="0" lang="zh-CN" altLang="en-US" sz="1100" b="1" i="0" u="none" strike="noStrike" kern="1200" cap="none" normalizeH="0" baseline="0" dirty="0" smtClean="0">
+                        <a:rPr kumimoji="0" lang="zh-CN" altLang="en-US" sz="1000" b="1" i="0" u="none" strike="noStrike" kern="1200" cap="none" normalizeH="0" baseline="0" dirty="0" smtClean="0">
                           <a:ln>
                             <a:noFill/>
                           </a:ln>
@@ -12038,14 +12053,14 @@
                             <a:schemeClr val="bg1"/>
                           </a:solidFill>
                           <a:effectLst/>
-                          <a:latin typeface="+mn-lt"/>
-                          <a:ea typeface="+mn-ea"/>
+                          <a:latin typeface="Bentley Light" panose="020B0404020201020102"/>
+                          <a:ea typeface="黑体" panose="02010609060101010101" pitchFamily="49" charset="-122"/>
                           <a:cs typeface="+mn-ea"/>
                           <a:sym typeface="+mn-lt"/>
                         </a:rPr>
                         <a:t>其他</a:t>
                       </a:r>
-                      <a:endParaRPr kumimoji="0" lang="en-US" sz="1100" b="1" i="0" u="none" strike="noStrike" kern="1200" cap="none" normalizeH="0" baseline="0" dirty="0">
+                      <a:endParaRPr kumimoji="0" lang="en-US" sz="1000" b="1" i="0" u="none" strike="noStrike" kern="1200" cap="none" normalizeH="0" baseline="0" dirty="0">
                         <a:ln>
                           <a:noFill/>
                         </a:ln>
@@ -12053,8 +12068,8 @@
                           <a:schemeClr val="bg1"/>
                         </a:solidFill>
                         <a:effectLst/>
-                        <a:latin typeface="+mn-lt"/>
-                        <a:ea typeface="+mn-ea"/>
+                        <a:latin typeface="Bentley Light" panose="020B0404020201020102"/>
+                        <a:ea typeface="黑体" panose="02010609060101010101" pitchFamily="49" charset="-122"/>
                         <a:cs typeface="+mn-ea"/>
                         <a:sym typeface="+mn-lt"/>
                       </a:endParaRPr>
@@ -12140,15 +12155,15 @@
                         <a:buNone/>
                         <a:tabLst/>
                       </a:pPr>
-                      <a:endParaRPr lang="en-US" sz="1200" b="0" kern="1200" dirty="0">
+                      <a:endParaRPr lang="en-US" sz="1000" b="0" kern="1200" baseline="0" dirty="0">
                         <a:solidFill>
                           <a:schemeClr val="tx1">
                             <a:lumMod val="75000"/>
                             <a:lumOff val="25000"/>
                           </a:schemeClr>
                         </a:solidFill>
-                        <a:latin typeface="+mn-lt"/>
-                        <a:ea typeface="+mn-ea"/>
+                        <a:latin typeface="Bentley Light" panose="020B0404020201020102"/>
+                        <a:ea typeface="黑体" panose="02010609060101010101" pitchFamily="49" charset="-122"/>
                         <a:cs typeface="+mn-ea"/>
                         <a:sym typeface="+mn-lt"/>
                       </a:endParaRPr>
@@ -12220,15 +12235,15 @@
                         <a:buNone/>
                         <a:tabLst/>
                       </a:pPr>
-                      <a:endParaRPr lang="en-US" sz="1200" b="0" kern="1200" dirty="0">
+                      <a:endParaRPr lang="en-US" sz="1000" b="0" kern="1200" baseline="0" dirty="0">
                         <a:solidFill>
                           <a:schemeClr val="tx1">
                             <a:lumMod val="75000"/>
                             <a:lumOff val="25000"/>
                           </a:schemeClr>
                         </a:solidFill>
-                        <a:latin typeface="+mn-lt"/>
-                        <a:ea typeface="+mn-ea"/>
+                        <a:latin typeface="Bentley Light" panose="020B0404020201020102"/>
+                        <a:ea typeface="黑体" panose="02010609060101010101" pitchFamily="49" charset="-122"/>
                         <a:cs typeface="+mn-ea"/>
                         <a:sym typeface="+mn-lt"/>
                       </a:endParaRPr>
@@ -12285,9 +12300,9 @@
                     <a:lstStyle/>
                     <a:p>
                       <a:pPr algn="ctr"/>
-                      <a:endParaRPr lang="en-US" sz="1200" dirty="0">
-                        <a:latin typeface="+mn-lt"/>
-                        <a:ea typeface="+mn-ea"/>
+                      <a:endParaRPr lang="en-US" sz="1000" baseline="0" dirty="0">
+                        <a:latin typeface="Bentley Light" panose="020B0404020201020102"/>
+                        <a:ea typeface="黑体" panose="02010609060101010101" pitchFamily="49" charset="-122"/>
                         <a:cs typeface="+mn-ea"/>
                         <a:sym typeface="+mn-lt"/>
                       </a:endParaRPr>
@@ -12359,15 +12374,15 @@
                         <a:buNone/>
                         <a:tabLst/>
                       </a:pPr>
-                      <a:endParaRPr lang="en-US" sz="1200" b="0" kern="1200" dirty="0">
+                      <a:endParaRPr lang="en-US" sz="1000" b="0" kern="1200" baseline="0" dirty="0">
                         <a:solidFill>
                           <a:schemeClr val="tx1">
                             <a:lumMod val="75000"/>
                             <a:lumOff val="25000"/>
                           </a:schemeClr>
                         </a:solidFill>
-                        <a:latin typeface="+mn-lt"/>
-                        <a:ea typeface="+mn-ea"/>
+                        <a:latin typeface="Bentley Light" panose="020B0404020201020102"/>
+                        <a:ea typeface="黑体" panose="02010609060101010101" pitchFamily="49" charset="-122"/>
                         <a:cs typeface="+mn-ea"/>
                         <a:sym typeface="+mn-lt"/>
                       </a:endParaRPr>
@@ -12439,15 +12454,15 @@
                         <a:buNone/>
                         <a:tabLst/>
                       </a:pPr>
-                      <a:endParaRPr lang="en-US" sz="1200" b="0" kern="1200" dirty="0">
+                      <a:endParaRPr lang="en-US" sz="1000" b="0" kern="1200" baseline="0" dirty="0">
                         <a:solidFill>
                           <a:schemeClr val="tx1">
                             <a:lumMod val="75000"/>
                             <a:lumOff val="25000"/>
                           </a:schemeClr>
                         </a:solidFill>
-                        <a:latin typeface="+mn-lt"/>
-                        <a:ea typeface="+mn-ea"/>
+                        <a:latin typeface="Bentley Light" panose="020B0404020201020102"/>
+                        <a:ea typeface="黑体" panose="02010609060101010101" pitchFamily="49" charset="-122"/>
                         <a:cs typeface="+mn-ea"/>
                         <a:sym typeface="+mn-lt"/>
                       </a:endParaRPr>
@@ -12867,7 +12882,7 @@
           <p:nvPr>
             <p:extLst>
               <p:ext uri="{D42A27DB-BD31-4B8C-83A1-F6EECF244321}">
-                <p14:modId xmlns:p14="http://schemas.microsoft.com/office/powerpoint/2010/main" val="3659018523"/>
+                <p14:modId xmlns:p14="http://schemas.microsoft.com/office/powerpoint/2010/main" val="1406136119"/>
               </p:ext>
             </p:extLst>
           </p:nvPr>
@@ -12958,7 +12973,7 @@
                         <a:buNone/>
                       </a:pPr>
                       <a:r>
-                        <a:rPr lang="en-US" altLang="zh-CN" sz="1200" b="1" dirty="0" smtClean="0">
+                        <a:rPr lang="en-US" altLang="zh-CN" sz="1000" b="1" dirty="0" smtClean="0">
                           <a:solidFill>
                             <a:schemeClr val="bg1"/>
                           </a:solidFill>
@@ -12970,7 +12985,7 @@
                         <a:t>Budget Overview </a:t>
                       </a:r>
                       <a:r>
-                        <a:rPr lang="zh-CN" altLang="en-US" sz="1200" b="1" dirty="0" smtClean="0">
+                        <a:rPr lang="zh-CN" altLang="en-US" sz="1000" b="1" dirty="0" smtClean="0">
                           <a:solidFill>
                             <a:schemeClr val="bg1"/>
                           </a:solidFill>
@@ -13088,12 +13103,12 @@
                         <a:buNone/>
                       </a:pPr>
                       <a:r>
-                        <a:rPr lang="en-US" altLang="zh-CN" sz="1200" b="0" dirty="0" smtClean="0">
+                        <a:rPr lang="en-US" altLang="zh-CN" sz="1000" b="0" baseline="0" dirty="0" smtClean="0">
                           <a:solidFill>
                             <a:schemeClr val="tx1"/>
                           </a:solidFill>
-                          <a:latin typeface="+mn-lt"/>
-                          <a:ea typeface="+mn-ea"/>
+                          <a:latin typeface="Bentley Light" panose="020B0404020201020102"/>
+                          <a:ea typeface="黑体" panose="02010609060101010101" pitchFamily="49" charset="-122"/>
                           <a:cs typeface="+mn-ea"/>
                           <a:sym typeface="+mn-lt"/>
                         </a:rPr>
@@ -13106,12 +13121,12 @@
                         <a:buNone/>
                       </a:pPr>
                       <a:r>
-                        <a:rPr lang="zh-CN" altLang="en-US" sz="1200" b="0" dirty="0" smtClean="0">
+                        <a:rPr lang="zh-CN" altLang="en-US" sz="1000" b="0" baseline="0" dirty="0" smtClean="0">
                           <a:solidFill>
                             <a:schemeClr val="tx1"/>
                           </a:solidFill>
-                          <a:latin typeface="+mn-lt"/>
-                          <a:ea typeface="+mn-ea"/>
+                          <a:latin typeface="Bentley Light" panose="020B0404020201020102"/>
+                          <a:ea typeface="黑体" panose="02010609060101010101" pitchFamily="49" charset="-122"/>
                           <a:cs typeface="+mn-ea"/>
                           <a:sym typeface="+mn-lt"/>
                         </a:rPr>
@@ -13142,12 +13157,12 @@
                         <a:buFontTx/>
                         <a:buNone/>
                       </a:pPr>
-                      <a:endParaRPr lang="en-US" altLang="zh-CN" sz="1200" b="0" dirty="0" smtClean="0">
+                      <a:endParaRPr lang="en-US" altLang="zh-CN" sz="1000" b="0" baseline="0" dirty="0" smtClean="0">
                         <a:solidFill>
                           <a:schemeClr val="tx1"/>
                         </a:solidFill>
-                        <a:latin typeface="+mn-lt"/>
-                        <a:ea typeface="+mn-ea"/>
+                        <a:latin typeface="Bentley Light" panose="020B0404020201020102"/>
+                        <a:ea typeface="黑体" panose="02010609060101010101" pitchFamily="49" charset="-122"/>
                         <a:cs typeface="+mn-ea"/>
                         <a:sym typeface="+mn-lt"/>
                       </a:endParaRPr>
@@ -13238,12 +13253,12 @@
                         <a:buNone/>
                       </a:pPr>
                       <a:r>
-                        <a:rPr lang="en-US" altLang="zh-CN" sz="1200" b="0" dirty="0" smtClean="0">
+                        <a:rPr lang="en-US" altLang="zh-CN" sz="1000" b="0" baseline="0" dirty="0" smtClean="0">
                           <a:solidFill>
                             <a:schemeClr val="tx1"/>
                           </a:solidFill>
-                          <a:latin typeface="+mn-lt"/>
-                          <a:ea typeface="+mn-ea"/>
+                          <a:latin typeface="Bentley Light" panose="020B0404020201020102"/>
+                          <a:ea typeface="黑体" panose="02010609060101010101" pitchFamily="49" charset="-122"/>
                           <a:cs typeface="+mn-ea"/>
                           <a:sym typeface="+mn-lt"/>
                         </a:rPr>
@@ -13256,12 +13271,12 @@
                         <a:buNone/>
                       </a:pPr>
                       <a:r>
-                        <a:rPr lang="zh-CN" altLang="en-US" sz="1200" b="0" dirty="0" smtClean="0">
+                        <a:rPr lang="zh-CN" altLang="en-US" sz="1000" b="0" baseline="0" dirty="0" smtClean="0">
                           <a:solidFill>
                             <a:schemeClr val="tx1"/>
                           </a:solidFill>
-                          <a:latin typeface="+mn-lt"/>
-                          <a:ea typeface="+mn-ea"/>
+                          <a:latin typeface="Bentley Light" panose="020B0404020201020102"/>
+                          <a:ea typeface="黑体" panose="02010609060101010101" pitchFamily="49" charset="-122"/>
                           <a:cs typeface="+mn-ea"/>
                           <a:sym typeface="+mn-lt"/>
                         </a:rPr>
@@ -13288,9 +13303,9 @@
                     <a:bodyPr/>
                     <a:lstStyle/>
                     <a:p>
-                      <a:endParaRPr lang="en-US" sz="1200" dirty="0" smtClean="0">
-                        <a:latin typeface="+mn-lt"/>
-                        <a:ea typeface="+mn-ea"/>
+                      <a:endParaRPr lang="en-US" sz="1000" baseline="0" dirty="0" smtClean="0">
+                        <a:latin typeface="Bentley Light" panose="020B0404020201020102"/>
+                        <a:ea typeface="黑体" panose="02010609060101010101" pitchFamily="49" charset="-122"/>
                         <a:cs typeface="+mn-ea"/>
                         <a:sym typeface="+mn-lt"/>
                       </a:endParaRPr>
@@ -13503,7 +13518,7 @@
                         <a:buNone/>
                       </a:pPr>
                       <a:r>
-                        <a:rPr lang="en-US" altLang="zh-CN" sz="1200" b="1" dirty="0" smtClean="0">
+                        <a:rPr lang="en-US" altLang="zh-CN" sz="1000" b="1" dirty="0" smtClean="0">
                           <a:solidFill>
                             <a:schemeClr val="bg1"/>
                           </a:solidFill>
@@ -13515,7 +13530,7 @@
                         <a:t>Budget</a:t>
                       </a:r>
                       <a:r>
-                        <a:rPr lang="en-US" altLang="zh-CN" sz="1200" b="1" baseline="0" dirty="0" smtClean="0">
+                        <a:rPr lang="en-US" altLang="zh-CN" sz="1000" b="1" baseline="0" dirty="0" smtClean="0">
                           <a:solidFill>
                             <a:schemeClr val="bg1"/>
                           </a:solidFill>
@@ -13527,7 +13542,7 @@
                         <a:t> Detail </a:t>
                       </a:r>
                       <a:r>
-                        <a:rPr lang="zh-CN" altLang="en-US" sz="1200" b="1" baseline="0" dirty="0" smtClean="0">
+                        <a:rPr lang="zh-CN" altLang="en-US" sz="1000" b="1" baseline="0" dirty="0" smtClean="0">
                           <a:solidFill>
                             <a:schemeClr val="bg1"/>
                           </a:solidFill>
@@ -13538,7 +13553,7 @@
                         </a:rPr>
                         <a:t>费用详情</a:t>
                       </a:r>
-                      <a:endParaRPr lang="en-US" altLang="zh-CN" sz="1200" b="1" dirty="0" smtClean="0">
+                      <a:endParaRPr lang="en-US" altLang="zh-CN" sz="1000" b="1" dirty="0" smtClean="0">
                         <a:solidFill>
                           <a:schemeClr val="bg1"/>
                         </a:solidFill>
@@ -13654,23 +13669,23 @@
                         <a:buNone/>
                       </a:pPr>
                       <a:r>
-                        <a:rPr lang="zh-CN" altLang="en-US" sz="1200" b="1" dirty="0" smtClean="0">
+                        <a:rPr lang="zh-CN" altLang="en-US" sz="1000" b="1" i="0" baseline="0" dirty="0" smtClean="0">
                           <a:solidFill>
                             <a:schemeClr val="tx1"/>
                           </a:solidFill>
-                          <a:latin typeface="+mn-lt"/>
-                          <a:ea typeface="+mn-ea"/>
+                          <a:latin typeface="Bentley Light" panose="020B0404020201020102"/>
+                          <a:ea typeface="黑体" panose="02010609060101010101" pitchFamily="49" charset="-122"/>
                           <a:cs typeface="+mn-ea"/>
                           <a:sym typeface="+mn-lt"/>
                         </a:rPr>
                         <a:t>费用</a:t>
                       </a:r>
-                      <a:endParaRPr lang="en-US" altLang="zh-CN" sz="1200" b="1" dirty="0" smtClean="0">
+                      <a:endParaRPr lang="en-US" altLang="zh-CN" sz="1000" b="1" i="0" baseline="0" dirty="0" smtClean="0">
                         <a:solidFill>
                           <a:schemeClr val="tx1"/>
                         </a:solidFill>
-                        <a:latin typeface="+mn-lt"/>
-                        <a:ea typeface="+mn-ea"/>
+                        <a:latin typeface="Bentley Light" panose="020B0404020201020102"/>
+                        <a:ea typeface="黑体" panose="02010609060101010101" pitchFamily="49" charset="-122"/>
                         <a:cs typeface="+mn-ea"/>
                         <a:sym typeface="+mn-lt"/>
                       </a:endParaRPr>
@@ -13702,23 +13717,23 @@
                         <a:buNone/>
                       </a:pPr>
                       <a:r>
-                        <a:rPr lang="zh-CN" altLang="en-US" sz="1200" b="1" dirty="0" smtClean="0">
+                        <a:rPr lang="zh-CN" altLang="en-US" sz="1000" b="1" i="0" baseline="0" dirty="0" smtClean="0">
                           <a:solidFill>
                             <a:schemeClr val="tx1"/>
                           </a:solidFill>
-                          <a:latin typeface="+mn-lt"/>
-                          <a:ea typeface="+mn-ea"/>
+                          <a:latin typeface="Bentley Light" panose="020B0404020201020102"/>
+                          <a:ea typeface="黑体" panose="02010609060101010101" pitchFamily="49" charset="-122"/>
                           <a:cs typeface="+mn-ea"/>
                           <a:sym typeface="+mn-lt"/>
                         </a:rPr>
                         <a:t>金额</a:t>
                       </a:r>
-                      <a:endParaRPr lang="en-US" altLang="zh-CN" sz="1200" b="1" dirty="0" smtClean="0">
+                      <a:endParaRPr lang="en-US" altLang="zh-CN" sz="1000" b="1" i="0" baseline="0" dirty="0" smtClean="0">
                         <a:solidFill>
                           <a:schemeClr val="tx1"/>
                         </a:solidFill>
-                        <a:latin typeface="+mn-lt"/>
-                        <a:ea typeface="+mn-ea"/>
+                        <a:latin typeface="Bentley Light" panose="020B0404020201020102"/>
+                        <a:ea typeface="黑体" panose="02010609060101010101" pitchFamily="49" charset="-122"/>
                         <a:cs typeface="+mn-ea"/>
                         <a:sym typeface="+mn-lt"/>
                       </a:endParaRPr>
@@ -13740,23 +13755,23 @@
                         <a:buNone/>
                       </a:pPr>
                       <a:r>
-                        <a:rPr lang="zh-CN" altLang="en-US" sz="1200" b="1" dirty="0" smtClean="0">
+                        <a:rPr lang="zh-CN" altLang="en-US" sz="1000" b="1" i="0" baseline="0" dirty="0" smtClean="0">
                           <a:solidFill>
                             <a:schemeClr val="tx1"/>
                           </a:solidFill>
-                          <a:latin typeface="+mn-lt"/>
-                          <a:ea typeface="+mn-ea"/>
+                          <a:latin typeface="Bentley Light" panose="020B0404020201020102"/>
+                          <a:ea typeface="黑体" panose="02010609060101010101" pitchFamily="49" charset="-122"/>
                           <a:cs typeface="+mn-ea"/>
                           <a:sym typeface="+mn-lt"/>
                         </a:rPr>
                         <a:t>是否报销</a:t>
                       </a:r>
-                      <a:endParaRPr lang="en-US" altLang="zh-CN" sz="1200" b="1" dirty="0" smtClean="0">
+                      <a:endParaRPr lang="en-US" altLang="zh-CN" sz="1000" b="1" i="0" baseline="0" dirty="0" smtClean="0">
                         <a:solidFill>
                           <a:schemeClr val="tx1"/>
                         </a:solidFill>
-                        <a:latin typeface="+mn-lt"/>
-                        <a:ea typeface="+mn-ea"/>
+                        <a:latin typeface="Bentley Light" panose="020B0404020201020102"/>
+                        <a:ea typeface="黑体" panose="02010609060101010101" pitchFamily="49" charset="-122"/>
                         <a:cs typeface="+mn-ea"/>
                         <a:sym typeface="+mn-lt"/>
                       </a:endParaRPr>
@@ -13778,23 +13793,23 @@
                         <a:buNone/>
                       </a:pPr>
                       <a:r>
-                        <a:rPr lang="zh-CN" altLang="en-US" sz="1200" b="1" dirty="0" smtClean="0">
+                        <a:rPr lang="zh-CN" altLang="en-US" sz="1000" b="1" i="0" baseline="0" dirty="0" smtClean="0">
                           <a:solidFill>
                             <a:schemeClr val="tx1"/>
                           </a:solidFill>
-                          <a:latin typeface="+mn-lt"/>
-                          <a:ea typeface="+mn-ea"/>
+                          <a:latin typeface="Bentley Light" panose="020B0404020201020102"/>
+                          <a:ea typeface="黑体" panose="02010609060101010101" pitchFamily="49" charset="-122"/>
                           <a:cs typeface="+mn-ea"/>
                           <a:sym typeface="+mn-lt"/>
                         </a:rPr>
                         <a:t>费用说明</a:t>
                       </a:r>
-                      <a:endParaRPr lang="en-US" altLang="zh-CN" sz="1200" b="1" dirty="0" smtClean="0">
+                      <a:endParaRPr lang="en-US" altLang="zh-CN" sz="1000" b="1" i="0" baseline="0" dirty="0" smtClean="0">
                         <a:solidFill>
                           <a:schemeClr val="tx1"/>
                         </a:solidFill>
-                        <a:latin typeface="+mn-lt"/>
-                        <a:ea typeface="+mn-ea"/>
+                        <a:latin typeface="Bentley Light" panose="020B0404020201020102"/>
+                        <a:ea typeface="黑体" panose="02010609060101010101" pitchFamily="49" charset="-122"/>
                         <a:cs typeface="+mn-ea"/>
                         <a:sym typeface="+mn-lt"/>
                       </a:endParaRPr>
@@ -13805,23 +13820,23 @@
                         <a:buNone/>
                       </a:pPr>
                       <a:r>
-                        <a:rPr lang="zh-CN" altLang="en-US" sz="800" b="1" dirty="0" smtClean="0">
+                        <a:rPr lang="zh-CN" altLang="en-US" sz="1000" b="1" i="0" baseline="0" dirty="0" smtClean="0">
                           <a:solidFill>
                             <a:schemeClr val="tx1"/>
                           </a:solidFill>
-                          <a:latin typeface="+mn-lt"/>
-                          <a:ea typeface="+mn-ea"/>
+                          <a:latin typeface="Bentley Light" panose="020B0404020201020102"/>
+                          <a:ea typeface="黑体" panose="02010609060101010101" pitchFamily="49" charset="-122"/>
                           <a:cs typeface="+mn-ea"/>
                           <a:sym typeface="+mn-lt"/>
                         </a:rPr>
                         <a:t>（请参考指引填写）</a:t>
                       </a:r>
-                      <a:endParaRPr lang="en-US" altLang="zh-CN" sz="800" b="1" dirty="0" smtClean="0">
+                      <a:endParaRPr lang="en-US" altLang="zh-CN" sz="1000" b="1" i="0" baseline="0" dirty="0" smtClean="0">
                         <a:solidFill>
                           <a:schemeClr val="tx1"/>
                         </a:solidFill>
-                        <a:latin typeface="+mn-lt"/>
-                        <a:ea typeface="+mn-ea"/>
+                        <a:latin typeface="Bentley Light" panose="020B0404020201020102"/>
+                        <a:ea typeface="黑体" panose="02010609060101010101" pitchFamily="49" charset="-122"/>
                         <a:cs typeface="+mn-ea"/>
                         <a:sym typeface="+mn-lt"/>
                       </a:endParaRPr>
@@ -13856,23 +13871,23 @@
                         <a:defRPr/>
                       </a:pPr>
                       <a:r>
-                        <a:rPr lang="zh-CN" altLang="en-US" sz="1200" b="1" dirty="0" smtClean="0">
+                        <a:rPr lang="zh-CN" altLang="en-US" sz="1000" b="1" i="0" baseline="0" dirty="0" smtClean="0">
                           <a:solidFill>
                             <a:schemeClr val="tx1"/>
                           </a:solidFill>
-                          <a:latin typeface="+mn-lt"/>
-                          <a:ea typeface="+mn-ea"/>
+                          <a:latin typeface="Bentley Light" panose="020B0404020201020102"/>
+                          <a:ea typeface="黑体" panose="02010609060101010101" pitchFamily="49" charset="-122"/>
                           <a:cs typeface="+mn-ea"/>
                           <a:sym typeface="+mn-lt"/>
                         </a:rPr>
                         <a:t>费用</a:t>
                       </a:r>
-                      <a:endParaRPr lang="en-US" altLang="zh-CN" sz="1200" b="1" dirty="0" smtClean="0">
+                      <a:endParaRPr lang="en-US" altLang="zh-CN" sz="1000" b="1" i="0" baseline="0" dirty="0" smtClean="0">
                         <a:solidFill>
                           <a:schemeClr val="tx1"/>
                         </a:solidFill>
-                        <a:latin typeface="+mn-lt"/>
-                        <a:ea typeface="+mn-ea"/>
+                        <a:latin typeface="Bentley Light" panose="020B0404020201020102"/>
+                        <a:ea typeface="黑体" panose="02010609060101010101" pitchFamily="49" charset="-122"/>
                         <a:cs typeface="+mn-ea"/>
                         <a:sym typeface="+mn-lt"/>
                       </a:endParaRPr>
@@ -13894,23 +13909,23 @@
                         <a:buNone/>
                       </a:pPr>
                       <a:r>
-                        <a:rPr lang="zh-CN" altLang="en-US" sz="1200" b="1" dirty="0" smtClean="0">
+                        <a:rPr lang="zh-CN" altLang="en-US" sz="1000" b="1" i="0" baseline="0" dirty="0" smtClean="0">
                           <a:solidFill>
                             <a:schemeClr val="tx1"/>
                           </a:solidFill>
-                          <a:latin typeface="+mn-lt"/>
-                          <a:ea typeface="+mn-ea"/>
+                          <a:latin typeface="Bentley Light" panose="020B0404020201020102"/>
+                          <a:ea typeface="黑体" panose="02010609060101010101" pitchFamily="49" charset="-122"/>
                           <a:cs typeface="+mn-ea"/>
                           <a:sym typeface="+mn-lt"/>
                         </a:rPr>
                         <a:t>金额</a:t>
                       </a:r>
-                      <a:endParaRPr lang="en-US" altLang="zh-CN" sz="1200" b="1" dirty="0" smtClean="0">
+                      <a:endParaRPr lang="en-US" altLang="zh-CN" sz="1000" b="1" i="0" baseline="0" dirty="0" smtClean="0">
                         <a:solidFill>
                           <a:schemeClr val="tx1"/>
                         </a:solidFill>
-                        <a:latin typeface="+mn-lt"/>
-                        <a:ea typeface="+mn-ea"/>
+                        <a:latin typeface="Bentley Light" panose="020B0404020201020102"/>
+                        <a:ea typeface="黑体" panose="02010609060101010101" pitchFamily="49" charset="-122"/>
                         <a:cs typeface="+mn-ea"/>
                         <a:sym typeface="+mn-lt"/>
                       </a:endParaRPr>
@@ -13932,23 +13947,23 @@
                         <a:buNone/>
                       </a:pPr>
                       <a:r>
-                        <a:rPr lang="zh-CN" altLang="en-US" sz="1200" b="1" dirty="0" smtClean="0">
+                        <a:rPr lang="zh-CN" altLang="en-US" sz="1000" b="1" i="0" baseline="0" dirty="0" smtClean="0">
                           <a:solidFill>
                             <a:schemeClr val="tx1"/>
                           </a:solidFill>
-                          <a:latin typeface="+mn-lt"/>
-                          <a:ea typeface="+mn-ea"/>
+                          <a:latin typeface="Bentley Light" panose="020B0404020201020102"/>
+                          <a:ea typeface="黑体" panose="02010609060101010101" pitchFamily="49" charset="-122"/>
                           <a:cs typeface="+mn-ea"/>
                           <a:sym typeface="+mn-lt"/>
                         </a:rPr>
                         <a:t>是否报销</a:t>
                       </a:r>
-                      <a:endParaRPr lang="en-US" altLang="zh-CN" sz="1200" b="1" dirty="0" smtClean="0">
+                      <a:endParaRPr lang="en-US" altLang="zh-CN" sz="1000" b="1" i="0" baseline="0" dirty="0" smtClean="0">
                         <a:solidFill>
                           <a:schemeClr val="tx1"/>
                         </a:solidFill>
-                        <a:latin typeface="+mn-lt"/>
-                        <a:ea typeface="+mn-ea"/>
+                        <a:latin typeface="Bentley Light" panose="020B0404020201020102"/>
+                        <a:ea typeface="黑体" panose="02010609060101010101" pitchFamily="49" charset="-122"/>
                         <a:cs typeface="+mn-ea"/>
                         <a:sym typeface="+mn-lt"/>
                       </a:endParaRPr>
@@ -13983,7 +13998,7 @@
                         <a:defRPr/>
                       </a:pPr>
                       <a:r>
-                        <a:rPr kumimoji="0" lang="zh-CN" altLang="en-US" sz="1200" b="1" i="0" u="none" strike="noStrike" kern="1200" cap="none" spc="0" normalizeH="0" baseline="0" noProof="0" dirty="0" smtClean="0">
+                        <a:rPr kumimoji="0" lang="zh-CN" altLang="en-US" sz="1000" b="1" i="0" u="none" strike="noStrike" kern="1200" cap="none" spc="0" normalizeH="0" baseline="0" noProof="0" dirty="0" smtClean="0">
                           <a:ln>
                             <a:noFill/>
                           </a:ln>
@@ -13993,14 +14008,14 @@
                           <a:effectLst/>
                           <a:uLnTx/>
                           <a:uFillTx/>
-                          <a:latin typeface="+mn-lt"/>
-                          <a:ea typeface="+mn-ea"/>
+                          <a:latin typeface="Bentley Light" panose="020B0404020201020102"/>
+                          <a:ea typeface="黑体" panose="02010609060101010101" pitchFamily="49" charset="-122"/>
                           <a:cs typeface="+mn-ea"/>
                           <a:sym typeface="+mn-lt"/>
                         </a:rPr>
                         <a:t>费用说明</a:t>
                       </a:r>
-                      <a:endParaRPr kumimoji="0" lang="en-US" altLang="zh-CN" sz="1200" b="1" i="0" u="none" strike="noStrike" kern="1200" cap="none" spc="0" normalizeH="0" baseline="0" noProof="0" dirty="0" smtClean="0">
+                      <a:endParaRPr kumimoji="0" lang="en-US" altLang="zh-CN" sz="1000" b="1" i="0" u="none" strike="noStrike" kern="1200" cap="none" spc="0" normalizeH="0" baseline="0" noProof="0" dirty="0" smtClean="0">
                         <a:ln>
                           <a:noFill/>
                         </a:ln>
@@ -14010,8 +14025,8 @@
                         <a:effectLst/>
                         <a:uLnTx/>
                         <a:uFillTx/>
-                        <a:latin typeface="+mn-lt"/>
-                        <a:ea typeface="+mn-ea"/>
+                        <a:latin typeface="Bentley Light" panose="020B0404020201020102"/>
+                        <a:ea typeface="黑体" panose="02010609060101010101" pitchFamily="49" charset="-122"/>
                         <a:cs typeface="+mn-ea"/>
                         <a:sym typeface="+mn-lt"/>
                       </a:endParaRPr>
@@ -14035,7 +14050,7 @@
                         <a:defRPr/>
                       </a:pPr>
                       <a:r>
-                        <a:rPr kumimoji="0" lang="zh-CN" altLang="en-US" sz="800" b="1" i="0" u="none" strike="noStrike" kern="1200" cap="none" spc="0" normalizeH="0" baseline="0" noProof="0" dirty="0" smtClean="0">
+                        <a:rPr kumimoji="0" lang="zh-CN" altLang="en-US" sz="1000" b="1" i="0" u="none" strike="noStrike" kern="1200" cap="none" spc="0" normalizeH="0" baseline="0" noProof="0" dirty="0" smtClean="0">
                           <a:ln>
                             <a:noFill/>
                           </a:ln>
@@ -14045,14 +14060,14 @@
                           <a:effectLst/>
                           <a:uLnTx/>
                           <a:uFillTx/>
-                          <a:latin typeface="+mn-lt"/>
-                          <a:ea typeface="+mn-ea"/>
+                          <a:latin typeface="Bentley Light" panose="020B0404020201020102"/>
+                          <a:ea typeface="黑体" panose="02010609060101010101" pitchFamily="49" charset="-122"/>
                           <a:cs typeface="+mn-ea"/>
                           <a:sym typeface="+mn-lt"/>
                         </a:rPr>
                         <a:t>（请参考指引填写）</a:t>
                       </a:r>
-                      <a:endParaRPr kumimoji="0" lang="en-US" altLang="zh-CN" sz="800" b="1" i="0" u="none" strike="noStrike" kern="1200" cap="none" spc="0" normalizeH="0" baseline="0" noProof="0" dirty="0" smtClean="0">
+                      <a:endParaRPr kumimoji="0" lang="en-US" altLang="zh-CN" sz="1000" b="1" i="0" u="none" strike="noStrike" kern="1200" cap="none" spc="0" normalizeH="0" baseline="0" noProof="0" dirty="0" smtClean="0">
                         <a:ln>
                           <a:noFill/>
                         </a:ln>
@@ -14062,8 +14077,8 @@
                         <a:effectLst/>
                         <a:uLnTx/>
                         <a:uFillTx/>
-                        <a:latin typeface="+mn-lt"/>
-                        <a:ea typeface="+mn-ea"/>
+                        <a:latin typeface="Bentley Light" panose="020B0404020201020102"/>
+                        <a:ea typeface="黑体" panose="02010609060101010101" pitchFamily="49" charset="-122"/>
                         <a:cs typeface="+mn-ea"/>
                         <a:sym typeface="+mn-lt"/>
                       </a:endParaRPr>
@@ -14092,12 +14107,12 @@
                         <a:buNone/>
                       </a:pPr>
                       <a:r>
-                        <a:rPr lang="en-US" altLang="zh-CN" sz="1200" b="0" dirty="0" smtClean="0">
+                        <a:rPr lang="en-US" altLang="zh-CN" sz="1000" b="0" i="0" baseline="0" dirty="0" smtClean="0">
                           <a:solidFill>
                             <a:schemeClr val="tx1"/>
                           </a:solidFill>
-                          <a:latin typeface="+mn-lt"/>
-                          <a:ea typeface="+mn-ea"/>
+                          <a:latin typeface="Bentley Light" panose="020B0404020201020102"/>
+                          <a:ea typeface="黑体" panose="02010609060101010101" pitchFamily="49" charset="-122"/>
                           <a:cs typeface="+mn-ea"/>
                           <a:sym typeface="+mn-lt"/>
                         </a:rPr>
@@ -14110,12 +14125,12 @@
                         <a:buNone/>
                       </a:pPr>
                       <a:r>
-                        <a:rPr lang="zh-CN" altLang="en-US" sz="1200" b="0" dirty="0" smtClean="0">
+                        <a:rPr lang="zh-CN" altLang="en-US" sz="1000" b="0" i="0" baseline="0" dirty="0" smtClean="0">
                           <a:solidFill>
                             <a:schemeClr val="tx1"/>
                           </a:solidFill>
-                          <a:latin typeface="+mn-lt"/>
-                          <a:ea typeface="+mn-ea"/>
+                          <a:latin typeface="Bentley Light" panose="020B0404020201020102"/>
+                          <a:ea typeface="黑体" panose="02010609060101010101" pitchFamily="49" charset="-122"/>
                           <a:cs typeface="+mn-ea"/>
                           <a:sym typeface="+mn-lt"/>
                         </a:rPr>
@@ -14127,12 +14142,12 @@
                         <a:buFontTx/>
                         <a:buNone/>
                       </a:pPr>
-                      <a:endParaRPr lang="en-US" altLang="zh-CN" sz="1200" b="0" dirty="0" smtClean="0">
+                      <a:endParaRPr lang="en-US" altLang="zh-CN" sz="1000" b="0" i="0" baseline="0" dirty="0" smtClean="0">
                         <a:solidFill>
                           <a:schemeClr val="tx1"/>
                         </a:solidFill>
-                        <a:latin typeface="+mn-lt"/>
-                        <a:ea typeface="+mn-ea"/>
+                        <a:latin typeface="Bentley Light" panose="020B0404020201020102"/>
+                        <a:ea typeface="黑体" panose="02010609060101010101" pitchFamily="49" charset="-122"/>
                         <a:cs typeface="+mn-ea"/>
                         <a:sym typeface="+mn-lt"/>
                       </a:endParaRPr>
@@ -14161,12 +14176,12 @@
                         <a:buFontTx/>
                         <a:buNone/>
                       </a:pPr>
-                      <a:endParaRPr lang="en-US" altLang="zh-CN" sz="1200" b="0" dirty="0" smtClean="0">
+                      <a:endParaRPr lang="en-US" altLang="zh-CN" sz="1000" b="0" i="0" baseline="0" dirty="0" smtClean="0">
                         <a:solidFill>
                           <a:schemeClr val="tx1"/>
                         </a:solidFill>
-                        <a:latin typeface="+mn-lt"/>
-                        <a:ea typeface="+mn-ea"/>
+                        <a:latin typeface="Bentley Light" panose="020B0404020201020102"/>
+                        <a:ea typeface="黑体" panose="02010609060101010101" pitchFamily="49" charset="-122"/>
                         <a:cs typeface="+mn-ea"/>
                         <a:sym typeface="+mn-lt"/>
                       </a:endParaRPr>
@@ -14187,12 +14202,12 @@
                         <a:buFontTx/>
                         <a:buNone/>
                       </a:pPr>
-                      <a:endParaRPr lang="en-US" altLang="zh-CN" sz="1200" b="0" dirty="0" smtClean="0">
+                      <a:endParaRPr lang="en-US" altLang="zh-CN" sz="1000" b="0" i="0" baseline="0" dirty="0" smtClean="0">
                         <a:solidFill>
                           <a:schemeClr val="tx1"/>
                         </a:solidFill>
-                        <a:latin typeface="+mn-lt"/>
-                        <a:ea typeface="+mn-ea"/>
+                        <a:latin typeface="Bentley Light" panose="020B0404020201020102"/>
+                        <a:ea typeface="黑体" panose="02010609060101010101" pitchFamily="49" charset="-122"/>
                         <a:cs typeface="+mn-ea"/>
                         <a:sym typeface="+mn-lt"/>
                       </a:endParaRPr>
@@ -14213,7 +14228,7 @@
                         <a:buFontTx/>
                         <a:buNone/>
                       </a:pPr>
-                      <a:endParaRPr lang="zh-CN" altLang="en-US" sz="1200" b="0" baseline="0" dirty="0" smtClean="0">
+                      <a:endParaRPr lang="zh-CN" altLang="en-US" sz="1000" b="0" i="0" baseline="0" dirty="0" smtClean="0">
                         <a:solidFill>
                           <a:schemeClr val="tx1"/>
                         </a:solidFill>
@@ -14253,12 +14268,12 @@
                         <a:defRPr/>
                       </a:pPr>
                       <a:r>
-                        <a:rPr lang="en-US" altLang="zh-CN" sz="1200" b="0" dirty="0" smtClean="0">
+                        <a:rPr lang="en-US" altLang="zh-CN" sz="1000" b="0" i="0" baseline="0" dirty="0" smtClean="0">
                           <a:solidFill>
                             <a:schemeClr val="tx1"/>
                           </a:solidFill>
-                          <a:latin typeface="+mn-lt"/>
-                          <a:ea typeface="+mn-ea"/>
+                          <a:latin typeface="Bentley Light" panose="020B0404020201020102"/>
+                          <a:ea typeface="黑体" panose="02010609060101010101" pitchFamily="49" charset="-122"/>
                           <a:cs typeface="+mn-ea"/>
                           <a:sym typeface="+mn-lt"/>
                         </a:rPr>
@@ -14284,23 +14299,23 @@
                         <a:defRPr/>
                       </a:pPr>
                       <a:r>
-                        <a:rPr lang="zh-CN" altLang="en-US" sz="1200" b="0" dirty="0" smtClean="0">
+                        <a:rPr lang="zh-CN" altLang="en-US" sz="1000" b="0" i="0" baseline="0" dirty="0" smtClean="0">
                           <a:solidFill>
                             <a:schemeClr val="tx1"/>
                           </a:solidFill>
-                          <a:latin typeface="+mn-lt"/>
-                          <a:ea typeface="+mn-ea"/>
+                          <a:latin typeface="Bentley Light" panose="020B0404020201020102"/>
+                          <a:ea typeface="黑体" panose="02010609060101010101" pitchFamily="49" charset="-122"/>
                           <a:cs typeface="+mn-ea"/>
                           <a:sym typeface="+mn-lt"/>
                         </a:rPr>
                         <a:t>摄影</a:t>
                       </a:r>
-                      <a:endParaRPr lang="en-US" altLang="zh-CN" sz="1200" b="1" dirty="0" smtClean="0">
+                      <a:endParaRPr lang="en-US" altLang="zh-CN" sz="1000" b="0" i="0" baseline="0" dirty="0" smtClean="0">
                         <a:solidFill>
                           <a:schemeClr val="tx1"/>
                         </a:solidFill>
-                        <a:latin typeface="+mn-lt"/>
-                        <a:ea typeface="+mn-ea"/>
+                        <a:latin typeface="Bentley Light" panose="020B0404020201020102"/>
+                        <a:ea typeface="黑体" panose="02010609060101010101" pitchFamily="49" charset="-122"/>
                         <a:cs typeface="+mn-ea"/>
                         <a:sym typeface="+mn-lt"/>
                       </a:endParaRPr>
@@ -14319,12 +14334,12 @@
                         <a:buFontTx/>
                         <a:buNone/>
                       </a:pPr>
-                      <a:endParaRPr lang="en-US" altLang="zh-CN" sz="1200" b="0" dirty="0" smtClean="0">
+                      <a:endParaRPr lang="en-US" altLang="zh-CN" sz="1000" b="0" i="0" baseline="0" dirty="0" smtClean="0">
                         <a:solidFill>
                           <a:schemeClr val="tx1"/>
                         </a:solidFill>
-                        <a:latin typeface="+mn-lt"/>
-                        <a:ea typeface="+mn-ea"/>
+                        <a:latin typeface="Bentley Light" panose="020B0404020201020102"/>
+                        <a:ea typeface="黑体" panose="02010609060101010101" pitchFamily="49" charset="-122"/>
                         <a:cs typeface="+mn-ea"/>
                         <a:sym typeface="+mn-lt"/>
                       </a:endParaRPr>
@@ -14358,7 +14373,7 @@
                         <a:tabLst/>
                         <a:defRPr/>
                       </a:pPr>
-                      <a:endParaRPr kumimoji="0" lang="en-US" altLang="zh-CN" sz="1200" b="0" i="0" u="none" strike="noStrike" kern="1200" cap="none" spc="0" normalizeH="0" baseline="0" noProof="0" dirty="0" smtClean="0">
+                      <a:endParaRPr kumimoji="0" lang="en-US" altLang="zh-CN" sz="1000" b="0" i="0" u="none" strike="noStrike" kern="1200" cap="none" spc="0" normalizeH="0" baseline="0" noProof="0" dirty="0" smtClean="0">
                         <a:ln>
                           <a:noFill/>
                         </a:ln>
@@ -14368,8 +14383,8 @@
                         <a:effectLst/>
                         <a:uLnTx/>
                         <a:uFillTx/>
-                        <a:latin typeface="+mn-lt"/>
-                        <a:ea typeface="+mn-ea"/>
+                        <a:latin typeface="Bentley Light" panose="020B0404020201020102"/>
+                        <a:ea typeface="黑体" panose="02010609060101010101" pitchFamily="49" charset="-122"/>
                         <a:cs typeface="+mn-ea"/>
                         <a:sym typeface="+mn-lt"/>
                       </a:endParaRPr>
@@ -14403,7 +14418,7 @@
                         <a:tabLst/>
                         <a:defRPr/>
                       </a:pPr>
-                      <a:endParaRPr kumimoji="0" lang="en-US" altLang="zh-CN" sz="1200" b="0" i="0" u="none" strike="noStrike" kern="1200" cap="none" spc="0" normalizeH="0" baseline="0" noProof="0" dirty="0" smtClean="0">
+                      <a:endParaRPr kumimoji="0" lang="en-US" altLang="zh-CN" sz="1000" b="0" i="0" u="none" strike="noStrike" kern="1200" cap="none" spc="0" normalizeH="0" baseline="0" noProof="0" dirty="0" smtClean="0">
                         <a:ln>
                           <a:noFill/>
                         </a:ln>
@@ -14456,12 +14471,12 @@
                         <a:defRPr/>
                       </a:pPr>
                       <a:r>
-                        <a:rPr lang="en-US" altLang="zh-CN" sz="1200" b="0" dirty="0" smtClean="0">
+                        <a:rPr lang="en-US" altLang="zh-CN" sz="1000" b="0" i="0" baseline="0" dirty="0" smtClean="0">
                           <a:solidFill>
                             <a:schemeClr val="tx1"/>
                           </a:solidFill>
-                          <a:latin typeface="+mn-lt"/>
-                          <a:ea typeface="+mn-ea"/>
+                          <a:latin typeface="Bentley Light" panose="020B0404020201020102"/>
+                          <a:ea typeface="黑体" panose="02010609060101010101" pitchFamily="49" charset="-122"/>
                           <a:cs typeface="+mn-ea"/>
                           <a:sym typeface="+mn-lt"/>
                         </a:rPr>
@@ -14487,12 +14502,12 @@
                         <a:defRPr/>
                       </a:pPr>
                       <a:r>
-                        <a:rPr lang="zh-CN" altLang="en-US" sz="1200" b="0" dirty="0" smtClean="0">
+                        <a:rPr lang="zh-CN" altLang="en-US" sz="1000" b="0" i="0" baseline="0" dirty="0" smtClean="0">
                           <a:solidFill>
                             <a:schemeClr val="tx1"/>
                           </a:solidFill>
-                          <a:latin typeface="+mn-lt"/>
-                          <a:ea typeface="+mn-ea"/>
+                          <a:latin typeface="Bentley Light" panose="020B0404020201020102"/>
+                          <a:ea typeface="黑体" panose="02010609060101010101" pitchFamily="49" charset="-122"/>
                           <a:cs typeface="+mn-ea"/>
                           <a:sym typeface="+mn-lt"/>
                         </a:rPr>
@@ -14523,12 +14538,12 @@
                         <a:buFontTx/>
                         <a:buNone/>
                       </a:pPr>
-                      <a:endParaRPr lang="en-US" altLang="zh-CN" sz="1200" b="0" dirty="0" smtClean="0">
+                      <a:endParaRPr lang="en-US" altLang="zh-CN" sz="1000" b="0" i="0" baseline="0" dirty="0" smtClean="0">
                         <a:solidFill>
                           <a:schemeClr val="tx1"/>
                         </a:solidFill>
-                        <a:latin typeface="+mn-lt"/>
-                        <a:ea typeface="+mn-ea"/>
+                        <a:latin typeface="Bentley Light" panose="020B0404020201020102"/>
+                        <a:ea typeface="黑体" panose="02010609060101010101" pitchFamily="49" charset="-122"/>
                         <a:cs typeface="+mn-ea"/>
                         <a:sym typeface="+mn-lt"/>
                       </a:endParaRPr>
@@ -14562,7 +14577,7 @@
                         <a:tabLst/>
                         <a:defRPr/>
                       </a:pPr>
-                      <a:endParaRPr kumimoji="0" lang="en-US" altLang="zh-CN" sz="1200" b="0" i="0" u="none" strike="noStrike" kern="1200" cap="none" spc="0" normalizeH="0" baseline="0" noProof="0" dirty="0" smtClean="0">
+                      <a:endParaRPr kumimoji="0" lang="en-US" altLang="zh-CN" sz="1000" b="0" i="0" u="none" strike="noStrike" kern="1200" cap="none" spc="0" normalizeH="0" baseline="0" noProof="0" dirty="0" smtClean="0">
                         <a:ln>
                           <a:noFill/>
                         </a:ln>
@@ -14572,8 +14587,8 @@
                         <a:effectLst/>
                         <a:uLnTx/>
                         <a:uFillTx/>
-                        <a:latin typeface="+mn-lt"/>
-                        <a:ea typeface="+mn-ea"/>
+                        <a:latin typeface="Bentley Light" panose="020B0404020201020102"/>
+                        <a:ea typeface="黑体" panose="02010609060101010101" pitchFamily="49" charset="-122"/>
                         <a:cs typeface="+mn-ea"/>
                         <a:sym typeface="+mn-lt"/>
                       </a:endParaRPr>
@@ -14607,7 +14622,7 @@
                         <a:tabLst/>
                         <a:defRPr/>
                       </a:pPr>
-                      <a:endParaRPr lang="en-US" altLang="zh-CN" sz="1200" b="0" baseline="0" dirty="0" smtClean="0">
+                      <a:endParaRPr lang="en-US" altLang="zh-CN" sz="1000" b="0" i="0" baseline="0" dirty="0" smtClean="0">
                         <a:solidFill>
                           <a:schemeClr val="tx1"/>
                         </a:solidFill>
@@ -14647,12 +14662,12 @@
                         <a:defRPr/>
                       </a:pPr>
                       <a:r>
-                        <a:rPr lang="en-US" altLang="zh-CN" sz="1200" b="0" dirty="0" smtClean="0">
+                        <a:rPr lang="en-US" altLang="zh-CN" sz="1000" b="0" i="0" baseline="0" dirty="0" smtClean="0">
                           <a:solidFill>
                             <a:schemeClr val="tx1"/>
                           </a:solidFill>
-                          <a:latin typeface="+mn-lt"/>
-                          <a:ea typeface="+mn-ea"/>
+                          <a:latin typeface="Bentley Light" panose="020B0404020201020102"/>
+                          <a:ea typeface="黑体" panose="02010609060101010101" pitchFamily="49" charset="-122"/>
                           <a:cs typeface="+mn-ea"/>
                           <a:sym typeface="+mn-lt"/>
                         </a:rPr>
@@ -14678,23 +14693,23 @@
                         <a:defRPr/>
                       </a:pPr>
                       <a:r>
-                        <a:rPr lang="zh-CN" altLang="en-US" sz="1200" b="0" dirty="0" smtClean="0">
+                        <a:rPr lang="zh-CN" altLang="en-US" sz="1000" b="0" i="0" baseline="0" dirty="0" smtClean="0">
                           <a:solidFill>
                             <a:schemeClr val="tx1"/>
                           </a:solidFill>
-                          <a:latin typeface="+mn-lt"/>
-                          <a:ea typeface="+mn-ea"/>
+                          <a:latin typeface="Bentley Light" panose="020B0404020201020102"/>
+                          <a:ea typeface="黑体" panose="02010609060101010101" pitchFamily="49" charset="-122"/>
                           <a:cs typeface="+mn-ea"/>
                           <a:sym typeface="+mn-lt"/>
                         </a:rPr>
                         <a:t>其他</a:t>
                       </a:r>
-                      <a:endParaRPr lang="en-US" altLang="zh-CN" sz="1200" b="0" dirty="0" smtClean="0">
+                      <a:endParaRPr lang="en-US" altLang="zh-CN" sz="1000" b="0" i="0" baseline="0" dirty="0" smtClean="0">
                         <a:solidFill>
                           <a:schemeClr val="tx1"/>
                         </a:solidFill>
-                        <a:latin typeface="+mn-lt"/>
-                        <a:ea typeface="+mn-ea"/>
+                        <a:latin typeface="Bentley Light" panose="020B0404020201020102"/>
+                        <a:ea typeface="黑体" panose="02010609060101010101" pitchFamily="49" charset="-122"/>
                         <a:cs typeface="+mn-ea"/>
                         <a:sym typeface="+mn-lt"/>
                       </a:endParaRPr>
@@ -14726,12 +14741,12 @@
                         <a:tabLst/>
                         <a:defRPr/>
                       </a:pPr>
-                      <a:endParaRPr lang="en-US" altLang="zh-CN" sz="1200" b="0" dirty="0" smtClean="0">
+                      <a:endParaRPr lang="en-US" altLang="zh-CN" sz="1000" b="0" i="0" baseline="0" dirty="0" smtClean="0">
                         <a:solidFill>
                           <a:schemeClr val="tx1"/>
                         </a:solidFill>
-                        <a:latin typeface="+mn-lt"/>
-                        <a:ea typeface="+mn-ea"/>
+                        <a:latin typeface="Bentley Light" panose="020B0404020201020102"/>
+                        <a:ea typeface="黑体" panose="02010609060101010101" pitchFamily="49" charset="-122"/>
                         <a:cs typeface="+mn-ea"/>
                         <a:sym typeface="+mn-lt"/>
                       </a:endParaRPr>
@@ -14765,7 +14780,7 @@
                         <a:tabLst/>
                         <a:defRPr/>
                       </a:pPr>
-                      <a:endParaRPr kumimoji="0" lang="en-US" altLang="zh-CN" sz="1200" b="0" i="0" u="none" strike="noStrike" kern="1200" cap="none" spc="0" normalizeH="0" baseline="0" noProof="0" dirty="0" smtClean="0">
+                      <a:endParaRPr kumimoji="0" lang="en-US" altLang="zh-CN" sz="1000" b="0" i="0" u="none" strike="noStrike" kern="1200" cap="none" spc="0" normalizeH="0" baseline="0" noProof="0" dirty="0" smtClean="0">
                         <a:ln>
                           <a:noFill/>
                         </a:ln>
@@ -14775,8 +14790,8 @@
                         <a:effectLst/>
                         <a:uLnTx/>
                         <a:uFillTx/>
-                        <a:latin typeface="+mn-lt"/>
-                        <a:ea typeface="+mn-ea"/>
+                        <a:latin typeface="Bentley Light" panose="020B0404020201020102"/>
+                        <a:ea typeface="黑体" panose="02010609060101010101" pitchFamily="49" charset="-122"/>
                         <a:cs typeface="+mn-ea"/>
                         <a:sym typeface="+mn-lt"/>
                       </a:endParaRPr>
@@ -14810,7 +14825,7 @@
                         <a:tabLst/>
                         <a:defRPr/>
                       </a:pPr>
-                      <a:endParaRPr lang="en-US" altLang="zh-CN" sz="1200" b="0" baseline="0" dirty="0" smtClean="0">
+                      <a:endParaRPr lang="en-US" altLang="zh-CN" sz="1000" b="0" i="0" baseline="0" dirty="0" smtClean="0">
                         <a:solidFill>
                           <a:schemeClr val="tx1"/>
                         </a:solidFill>
@@ -14857,12 +14872,12 @@
                         <a:defRPr/>
                       </a:pPr>
                       <a:r>
-                        <a:rPr lang="en-US" altLang="zh-CN" sz="1200" b="0" dirty="0" smtClean="0">
+                        <a:rPr lang="en-US" altLang="zh-CN" sz="1000" b="0" i="0" baseline="0" dirty="0" smtClean="0">
                           <a:solidFill>
                             <a:schemeClr val="tx1"/>
                           </a:solidFill>
-                          <a:latin typeface="+mn-lt"/>
-                          <a:ea typeface="+mn-ea"/>
+                          <a:latin typeface="Bentley Light" panose="020B0404020201020102"/>
+                          <a:ea typeface="黑体" panose="02010609060101010101" pitchFamily="49" charset="-122"/>
                           <a:cs typeface="+mn-ea"/>
                           <a:sym typeface="+mn-lt"/>
                         </a:rPr>
@@ -14888,23 +14903,23 @@
                         <a:defRPr/>
                       </a:pPr>
                       <a:r>
-                        <a:rPr lang="zh-CN" altLang="en-US" sz="1200" b="0" dirty="0" smtClean="0">
+                        <a:rPr lang="zh-CN" altLang="en-US" sz="1000" b="0" i="0" baseline="0" dirty="0" smtClean="0">
                           <a:solidFill>
                             <a:schemeClr val="tx1"/>
                           </a:solidFill>
-                          <a:latin typeface="+mn-lt"/>
-                          <a:ea typeface="+mn-ea"/>
+                          <a:latin typeface="Bentley Light" panose="020B0404020201020102"/>
+                          <a:ea typeface="黑体" panose="02010609060101010101" pitchFamily="49" charset="-122"/>
                           <a:cs typeface="+mn-ea"/>
                           <a:sym typeface="+mn-lt"/>
                         </a:rPr>
                         <a:t>餐饮</a:t>
                       </a:r>
-                      <a:endParaRPr lang="en-US" altLang="zh-CN" sz="1200" b="0" dirty="0" smtClean="0">
+                      <a:endParaRPr lang="en-US" altLang="zh-CN" sz="1000" b="0" i="0" baseline="0" dirty="0" smtClean="0">
                         <a:solidFill>
                           <a:schemeClr val="tx1"/>
                         </a:solidFill>
-                        <a:latin typeface="+mn-lt"/>
-                        <a:ea typeface="+mn-ea"/>
+                        <a:latin typeface="Bentley Light" panose="020B0404020201020102"/>
+                        <a:ea typeface="黑体" panose="02010609060101010101" pitchFamily="49" charset="-122"/>
                         <a:cs typeface="+mn-ea"/>
                         <a:sym typeface="+mn-lt"/>
                       </a:endParaRPr>
@@ -14937,23 +14952,23 @@
                         <a:defRPr/>
                       </a:pPr>
                       <a:r>
-                        <a:rPr lang="zh-CN" altLang="en-US" sz="1200" b="0" dirty="0" smtClean="0">
+                        <a:rPr lang="zh-CN" altLang="en-US" sz="1000" b="0" i="0" baseline="0" dirty="0" smtClean="0">
                           <a:solidFill>
                             <a:schemeClr val="tx1"/>
                           </a:solidFill>
-                          <a:latin typeface="+mn-lt"/>
-                          <a:ea typeface="+mn-ea"/>
+                          <a:latin typeface="Bentley Light" panose="020B0404020201020102"/>
+                          <a:ea typeface="黑体" panose="02010609060101010101" pitchFamily="49" charset="-122"/>
                           <a:cs typeface="+mn-ea"/>
                           <a:sym typeface="+mn-lt"/>
                         </a:rPr>
                         <a:t>餐费</a:t>
                       </a:r>
-                      <a:endParaRPr lang="en-US" altLang="zh-CN" sz="1200" b="0" dirty="0" smtClean="0">
+                      <a:endParaRPr lang="en-US" altLang="zh-CN" sz="1000" b="0" i="0" baseline="0" dirty="0" smtClean="0">
                         <a:solidFill>
                           <a:schemeClr val="tx1"/>
                         </a:solidFill>
-                        <a:latin typeface="+mn-lt"/>
-                        <a:ea typeface="+mn-ea"/>
+                        <a:latin typeface="Bentley Light" panose="020B0404020201020102"/>
+                        <a:ea typeface="黑体" panose="02010609060101010101" pitchFamily="49" charset="-122"/>
                         <a:cs typeface="+mn-ea"/>
                         <a:sym typeface="+mn-lt"/>
                       </a:endParaRPr>
@@ -14972,12 +14987,12 @@
                         <a:buFontTx/>
                         <a:buNone/>
                       </a:pPr>
-                      <a:endParaRPr lang="en-US" altLang="zh-CN" sz="1200" b="0" dirty="0" smtClean="0">
+                      <a:endParaRPr lang="en-US" altLang="zh-CN" sz="1000" b="0" i="0" baseline="0" dirty="0" smtClean="0">
                         <a:solidFill>
                           <a:schemeClr val="tx1"/>
                         </a:solidFill>
-                        <a:latin typeface="+mn-lt"/>
-                        <a:ea typeface="+mn-ea"/>
+                        <a:latin typeface="Bentley Light" panose="020B0404020201020102"/>
+                        <a:ea typeface="黑体" panose="02010609060101010101" pitchFamily="49" charset="-122"/>
                         <a:cs typeface="+mn-ea"/>
                         <a:sym typeface="+mn-lt"/>
                       </a:endParaRPr>
@@ -15011,7 +15026,7 @@
                         <a:tabLst/>
                         <a:defRPr/>
                       </a:pPr>
-                      <a:endParaRPr kumimoji="0" lang="en-US" altLang="zh-CN" sz="1200" b="0" i="0" u="none" strike="noStrike" kern="1200" cap="none" spc="0" normalizeH="0" baseline="0" noProof="0" dirty="0" smtClean="0">
+                      <a:endParaRPr kumimoji="0" lang="en-US" altLang="zh-CN" sz="1000" b="0" i="0" u="none" strike="noStrike" kern="1200" cap="none" spc="0" normalizeH="0" baseline="0" noProof="0" dirty="0" smtClean="0">
                         <a:ln>
                           <a:noFill/>
                         </a:ln>
@@ -15021,8 +15036,8 @@
                         <a:effectLst/>
                         <a:uLnTx/>
                         <a:uFillTx/>
-                        <a:latin typeface="+mn-lt"/>
-                        <a:ea typeface="+mn-ea"/>
+                        <a:latin typeface="Bentley Light" panose="020B0404020201020102"/>
+                        <a:ea typeface="黑体" panose="02010609060101010101" pitchFamily="49" charset="-122"/>
                         <a:cs typeface="+mn-ea"/>
                         <a:sym typeface="+mn-lt"/>
                       </a:endParaRPr>
@@ -15056,7 +15071,7 @@
                         <a:tabLst/>
                         <a:defRPr/>
                       </a:pPr>
-                      <a:endParaRPr lang="en-US" altLang="zh-CN" sz="1200" b="0" baseline="0" dirty="0" smtClean="0">
+                      <a:endParaRPr lang="en-US" altLang="zh-CN" sz="1000" b="0" i="0" baseline="0" dirty="0" smtClean="0">
                         <a:solidFill>
                           <a:schemeClr val="tx1"/>
                         </a:solidFill>
@@ -15078,7 +15093,10 @@
                     <a:bodyPr/>
                     <a:lstStyle/>
                     <a:p>
-                      <a:endParaRPr lang="en-US" dirty="0"/>
+                      <a:endParaRPr lang="en-US" sz="1000" b="0" i="0" baseline="0" dirty="0">
+                        <a:latin typeface="Bentley Light" panose="020B0404020201020102"/>
+                        <a:ea typeface="黑体" panose="02010609060101010101" pitchFamily="49" charset="-122"/>
+                      </a:endParaRPr>
                     </a:p>
                   </a:txBody>
                   <a:tcPr anchor="ctr">
@@ -15090,7 +15108,10 @@
                     <a:bodyPr/>
                     <a:lstStyle/>
                     <a:p>
-                      <a:endParaRPr lang="en-US" dirty="0"/>
+                      <a:endParaRPr lang="en-US" sz="1000" b="0" i="0" baseline="0" dirty="0">
+                        <a:latin typeface="Bentley Light" panose="020B0404020201020102"/>
+                        <a:ea typeface="黑体" panose="02010609060101010101" pitchFamily="49" charset="-122"/>
+                      </a:endParaRPr>
                     </a:p>
                   </a:txBody>
                   <a:tcPr anchor="ctr">
@@ -15104,7 +15125,10 @@
                     <a:bodyPr/>
                     <a:lstStyle/>
                     <a:p>
-                      <a:endParaRPr lang="en-US" dirty="0"/>
+                      <a:endParaRPr lang="en-US" sz="1000" b="0" i="0" baseline="0" dirty="0">
+                        <a:latin typeface="Bentley Light" panose="020B0404020201020102"/>
+                        <a:ea typeface="黑体" panose="02010609060101010101" pitchFamily="49" charset="-122"/>
+                      </a:endParaRPr>
                     </a:p>
                   </a:txBody>
                   <a:tcPr anchor="ctr">
@@ -15118,7 +15142,7 @@
                     <a:bodyPr/>
                     <a:lstStyle/>
                     <a:p>
-                      <a:endParaRPr lang="en-US" sz="1200" baseline="0" dirty="0">
+                      <a:endParaRPr lang="en-US" sz="1000" b="0" i="0" baseline="0" dirty="0">
                         <a:solidFill>
                           <a:schemeClr val="tx1"/>
                         </a:solidFill>
@@ -15200,23 +15224,23 @@
                         <a:defRPr/>
                       </a:pPr>
                       <a:r>
-                        <a:rPr lang="zh-CN" altLang="en-US" sz="1200" b="0" dirty="0" smtClean="0">
+                        <a:rPr lang="zh-CN" altLang="en-US" sz="1000" b="0" i="0" baseline="0" dirty="0" smtClean="0">
                           <a:solidFill>
                             <a:schemeClr val="tx1"/>
                           </a:solidFill>
-                          <a:latin typeface="+mn-lt"/>
-                          <a:ea typeface="+mn-ea"/>
+                          <a:latin typeface="Bentley Light" panose="020B0404020201020102"/>
+                          <a:ea typeface="黑体" panose="02010609060101010101" pitchFamily="49" charset="-122"/>
                           <a:cs typeface="+mn-ea"/>
                           <a:sym typeface="+mn-lt"/>
                         </a:rPr>
                         <a:t>酒水</a:t>
                       </a:r>
-                      <a:endParaRPr lang="en-US" altLang="zh-CN" sz="1200" b="0" dirty="0" smtClean="0">
+                      <a:endParaRPr lang="en-US" altLang="zh-CN" sz="1000" b="0" i="0" baseline="0" dirty="0" smtClean="0">
                         <a:solidFill>
                           <a:schemeClr val="tx1"/>
                         </a:solidFill>
-                        <a:latin typeface="+mn-lt"/>
-                        <a:ea typeface="+mn-ea"/>
+                        <a:latin typeface="Bentley Light" panose="020B0404020201020102"/>
+                        <a:ea typeface="黑体" panose="02010609060101010101" pitchFamily="49" charset="-122"/>
                         <a:cs typeface="+mn-ea"/>
                         <a:sym typeface="+mn-lt"/>
                       </a:endParaRPr>
@@ -15248,12 +15272,12 @@
                         <a:tabLst/>
                         <a:defRPr/>
                       </a:pPr>
-                      <a:endParaRPr lang="en-US" altLang="zh-CN" sz="1200" b="0" dirty="0" smtClean="0">
+                      <a:endParaRPr lang="en-US" altLang="zh-CN" sz="1000" b="0" i="0" baseline="0" dirty="0" smtClean="0">
                         <a:solidFill>
                           <a:schemeClr val="tx1"/>
                         </a:solidFill>
-                        <a:latin typeface="+mn-lt"/>
-                        <a:ea typeface="+mn-ea"/>
+                        <a:latin typeface="Bentley Light" panose="020B0404020201020102"/>
+                        <a:ea typeface="黑体" panose="02010609060101010101" pitchFamily="49" charset="-122"/>
                         <a:cs typeface="+mn-ea"/>
                         <a:sym typeface="+mn-lt"/>
                       </a:endParaRPr>
@@ -15287,7 +15311,7 @@
                         <a:tabLst/>
                         <a:defRPr/>
                       </a:pPr>
-                      <a:endParaRPr kumimoji="0" lang="en-US" altLang="zh-CN" sz="1200" b="0" i="0" u="none" strike="noStrike" kern="1200" cap="none" spc="0" normalizeH="0" baseline="0" noProof="0" dirty="0" smtClean="0">
+                      <a:endParaRPr kumimoji="0" lang="en-US" altLang="zh-CN" sz="1000" b="0" i="0" u="none" strike="noStrike" kern="1200" cap="none" spc="0" normalizeH="0" baseline="0" noProof="0" dirty="0" smtClean="0">
                         <a:ln>
                           <a:noFill/>
                         </a:ln>
@@ -15297,8 +15321,8 @@
                         <a:effectLst/>
                         <a:uLnTx/>
                         <a:uFillTx/>
-                        <a:latin typeface="+mn-lt"/>
-                        <a:ea typeface="+mn-ea"/>
+                        <a:latin typeface="Bentley Light" panose="020B0404020201020102"/>
+                        <a:ea typeface="黑体" panose="02010609060101010101" pitchFamily="49" charset="-122"/>
                         <a:cs typeface="+mn-ea"/>
                         <a:sym typeface="+mn-lt"/>
                       </a:endParaRPr>
@@ -15332,7 +15356,7 @@
                         <a:tabLst/>
                         <a:defRPr/>
                       </a:pPr>
-                      <a:endParaRPr lang="en-US" altLang="zh-CN" sz="1200" b="0" baseline="0" dirty="0" smtClean="0">
+                      <a:endParaRPr lang="en-US" altLang="zh-CN" sz="1000" b="0" i="0" baseline="0" dirty="0" smtClean="0">
                         <a:solidFill>
                           <a:schemeClr val="tx1"/>
                         </a:solidFill>
@@ -15746,14 +15770,14 @@
           <p:nvPr>
             <p:extLst>
               <p:ext uri="{D42A27DB-BD31-4B8C-83A1-F6EECF244321}">
-                <p14:modId xmlns:p14="http://schemas.microsoft.com/office/powerpoint/2010/main" val="739655467"/>
+                <p14:modId xmlns:p14="http://schemas.microsoft.com/office/powerpoint/2010/main" val="3338118957"/>
               </p:ext>
             </p:extLst>
           </p:nvPr>
         </p:nvGraphicFramePr>
         <p:xfrm>
           <a:off x="587141" y="1234463"/>
-          <a:ext cx="11032602" cy="5210719"/>
+          <a:ext cx="11032602" cy="5111510"/>
         </p:xfrm>
         <a:graphic>
           <a:graphicData uri="http://schemas.openxmlformats.org/drawingml/2006/table">
@@ -15802,12 +15826,12 @@
                           <a:spcPct val="130000"/>
                         </a:lnSpc>
                       </a:pPr>
-                      <a:endParaRPr lang="zh-CN" altLang="en-US" sz="1400" b="1" kern="1200" dirty="0">
+                      <a:endParaRPr lang="zh-CN" altLang="en-US" sz="1000" b="0" i="0" kern="1200" dirty="0">
                         <a:solidFill>
                           <a:schemeClr val="lt1"/>
                         </a:solidFill>
-                        <a:latin typeface="+mn-lt"/>
-                        <a:ea typeface="+mn-ea"/>
+                        <a:latin typeface="Bentley Light" panose="020B0404020201020102"/>
+                        <a:ea typeface="黑体" panose="02010609060101010101" pitchFamily="49" charset="-122"/>
                         <a:cs typeface="+mn-ea"/>
                         <a:sym typeface="+mn-lt"/>
                       </a:endParaRPr>
@@ -15868,35 +15892,35 @@
                         </a:lnSpc>
                       </a:pPr>
                       <a:r>
-                        <a:rPr lang="en-US" altLang="zh-CN" sz="1400" b="1" kern="1200" dirty="0" smtClean="0">
+                        <a:rPr lang="en-US" altLang="zh-CN" sz="1000" b="1" i="0" kern="1200" dirty="0" smtClean="0">
                           <a:solidFill>
                             <a:schemeClr val="lt1"/>
                           </a:solidFill>
-                          <a:latin typeface="+mn-lt"/>
-                          <a:ea typeface="+mn-ea"/>
+                          <a:latin typeface="Bentley Light" panose="020B0404020201020102"/>
+                          <a:ea typeface="黑体" panose="02010609060101010101" pitchFamily="49" charset="-122"/>
                           <a:cs typeface="+mn-ea"/>
                           <a:sym typeface="+mn-lt"/>
                         </a:rPr>
                         <a:t>Date </a:t>
                       </a:r>
                       <a:r>
-                        <a:rPr lang="zh-CN" altLang="en-US" sz="1400" b="1" kern="1200" dirty="0" smtClean="0">
+                        <a:rPr lang="zh-CN" altLang="en-US" sz="1000" b="1" i="0" kern="1200" dirty="0" smtClean="0">
                           <a:solidFill>
                             <a:schemeClr val="lt1"/>
                           </a:solidFill>
-                          <a:latin typeface="+mn-lt"/>
-                          <a:ea typeface="+mn-ea"/>
+                          <a:latin typeface="Bentley Light" panose="020B0404020201020102"/>
+                          <a:ea typeface="黑体" panose="02010609060101010101" pitchFamily="49" charset="-122"/>
                           <a:cs typeface="+mn-ea"/>
                           <a:sym typeface="+mn-lt"/>
                         </a:rPr>
                         <a:t>日期</a:t>
                       </a:r>
-                      <a:endParaRPr lang="zh-CN" altLang="en-US" sz="1400" b="1" kern="1200" dirty="0">
+                      <a:endParaRPr lang="zh-CN" altLang="en-US" sz="1000" b="1" i="0" kern="1200" dirty="0">
                         <a:solidFill>
                           <a:schemeClr val="lt1"/>
                         </a:solidFill>
-                        <a:latin typeface="+mn-lt"/>
-                        <a:ea typeface="+mn-ea"/>
+                        <a:latin typeface="Bentley Light" panose="020B0404020201020102"/>
+                        <a:ea typeface="黑体" panose="02010609060101010101" pitchFamily="49" charset="-122"/>
                         <a:cs typeface="+mn-ea"/>
                         <a:sym typeface="+mn-lt"/>
                       </a:endParaRPr>
@@ -15957,35 +15981,35 @@
                         </a:lnSpc>
                       </a:pPr>
                       <a:r>
-                        <a:rPr lang="en-US" altLang="zh-CN" sz="1400" b="1" kern="1200" dirty="0" smtClean="0">
+                        <a:rPr lang="en-US" altLang="zh-CN" sz="1000" b="1" i="0" kern="1200" dirty="0" smtClean="0">
                           <a:solidFill>
                             <a:schemeClr val="lt1"/>
                           </a:solidFill>
-                          <a:latin typeface="+mn-lt"/>
-                          <a:ea typeface="+mn-ea"/>
+                          <a:latin typeface="Bentley Light" panose="020B0404020201020102"/>
+                          <a:ea typeface="黑体" panose="02010609060101010101" pitchFamily="49" charset="-122"/>
                           <a:cs typeface="+mn-ea"/>
                           <a:sym typeface="+mn-lt"/>
                         </a:rPr>
                         <a:t>Model </a:t>
                       </a:r>
                       <a:r>
-                        <a:rPr lang="zh-CN" altLang="en-US" sz="1400" b="1" kern="1200" dirty="0" smtClean="0">
+                        <a:rPr lang="zh-CN" altLang="en-US" sz="1000" b="1" i="0" kern="1200" dirty="0" smtClean="0">
                           <a:solidFill>
                             <a:schemeClr val="lt1"/>
                           </a:solidFill>
-                          <a:latin typeface="+mn-lt"/>
-                          <a:ea typeface="+mn-ea"/>
+                          <a:latin typeface="Bentley Light" panose="020B0404020201020102"/>
+                          <a:ea typeface="黑体" panose="02010609060101010101" pitchFamily="49" charset="-122"/>
                           <a:cs typeface="+mn-ea"/>
                           <a:sym typeface="+mn-lt"/>
                         </a:rPr>
                         <a:t>车型</a:t>
                       </a:r>
-                      <a:endParaRPr lang="zh-CN" altLang="en-US" sz="1400" b="1" kern="1200" dirty="0">
+                      <a:endParaRPr lang="zh-CN" altLang="en-US" sz="1000" b="1" i="0" kern="1200" dirty="0">
                         <a:solidFill>
                           <a:schemeClr val="lt1"/>
                         </a:solidFill>
-                        <a:latin typeface="+mn-lt"/>
-                        <a:ea typeface="+mn-ea"/>
+                        <a:latin typeface="Bentley Light" panose="020B0404020201020102"/>
+                        <a:ea typeface="黑体" panose="02010609060101010101" pitchFamily="49" charset="-122"/>
                         <a:cs typeface="+mn-ea"/>
                         <a:sym typeface="+mn-lt"/>
                       </a:endParaRPr>
@@ -16046,59 +16070,59 @@
                         </a:lnSpc>
                       </a:pPr>
                       <a:r>
-                        <a:rPr lang="en-US" altLang="zh-CN" sz="1400" b="1" kern="1200" dirty="0" smtClean="0">
+                        <a:rPr lang="en-US" altLang="zh-CN" sz="1000" b="1" i="0" kern="1200" dirty="0" smtClean="0">
                           <a:solidFill>
                             <a:schemeClr val="lt1"/>
                           </a:solidFill>
-                          <a:latin typeface="+mn-lt"/>
-                          <a:ea typeface="+mn-ea"/>
+                          <a:latin typeface="Bentley Light" panose="020B0404020201020102"/>
+                          <a:ea typeface="黑体" panose="02010609060101010101" pitchFamily="49" charset="-122"/>
                           <a:cs typeface="+mn-ea"/>
                           <a:sym typeface="+mn-lt"/>
                         </a:rPr>
                         <a:t>Event</a:t>
                       </a:r>
                       <a:r>
-                        <a:rPr lang="en-US" altLang="zh-CN" sz="1400" b="1" kern="1200" baseline="0" dirty="0" smtClean="0">
+                        <a:rPr lang="en-US" altLang="zh-CN" sz="1000" b="1" i="0" kern="1200" baseline="0" dirty="0" smtClean="0">
                           <a:solidFill>
                             <a:schemeClr val="lt1"/>
                           </a:solidFill>
-                          <a:latin typeface="+mn-lt"/>
-                          <a:ea typeface="+mn-ea"/>
+                          <a:latin typeface="Bentley Light" panose="020B0404020201020102"/>
+                          <a:ea typeface="黑体" panose="02010609060101010101" pitchFamily="49" charset="-122"/>
                           <a:cs typeface="+mn-ea"/>
                           <a:sym typeface="+mn-lt"/>
                         </a:rPr>
                         <a:t> </a:t>
                       </a:r>
                       <a:r>
-                        <a:rPr lang="en-US" altLang="zh-CN" sz="1400" b="1" kern="1200" dirty="0" smtClean="0">
+                        <a:rPr lang="en-US" altLang="zh-CN" sz="1000" b="1" i="0" kern="1200" dirty="0" smtClean="0">
                           <a:solidFill>
                             <a:schemeClr val="lt1"/>
                           </a:solidFill>
-                          <a:latin typeface="+mn-lt"/>
-                          <a:ea typeface="+mn-ea"/>
+                          <a:latin typeface="Bentley Light" panose="020B0404020201020102"/>
+                          <a:ea typeface="黑体" panose="02010609060101010101" pitchFamily="49" charset="-122"/>
                           <a:cs typeface="+mn-ea"/>
                           <a:sym typeface="+mn-lt"/>
                         </a:rPr>
                         <a:t>Highlight </a:t>
                       </a:r>
                       <a:r>
-                        <a:rPr lang="zh-CN" altLang="en-US" sz="1400" b="1" kern="1200" dirty="0" smtClean="0">
+                        <a:rPr lang="zh-CN" altLang="en-US" sz="1000" b="1" i="0" kern="1200" dirty="0" smtClean="0">
                           <a:solidFill>
                             <a:schemeClr val="lt1"/>
                           </a:solidFill>
-                          <a:latin typeface="+mn-lt"/>
-                          <a:ea typeface="+mn-ea"/>
+                          <a:latin typeface="Bentley Light" panose="020B0404020201020102"/>
+                          <a:ea typeface="黑体" panose="02010609060101010101" pitchFamily="49" charset="-122"/>
                           <a:cs typeface="+mn-ea"/>
                           <a:sym typeface="+mn-lt"/>
                         </a:rPr>
                         <a:t>活动主要亮点</a:t>
                       </a:r>
-                      <a:endParaRPr lang="zh-CN" altLang="en-US" sz="1400" b="1" kern="1200" dirty="0">
+                      <a:endParaRPr lang="zh-CN" altLang="en-US" sz="1000" b="1" i="0" kern="1200" dirty="0">
                         <a:solidFill>
                           <a:schemeClr val="lt1"/>
                         </a:solidFill>
-                        <a:latin typeface="+mn-lt"/>
-                        <a:ea typeface="+mn-ea"/>
+                        <a:latin typeface="Bentley Light" panose="020B0404020201020102"/>
+                        <a:ea typeface="黑体" panose="02010609060101010101" pitchFamily="49" charset="-122"/>
                         <a:cs typeface="+mn-ea"/>
                         <a:sym typeface="+mn-lt"/>
                       </a:endParaRPr>
@@ -16178,7 +16202,7 @@
                         <a:defRPr/>
                       </a:pPr>
                       <a:r>
-                        <a:rPr lang="en-US" sz="1200" b="0" kern="1200" baseline="0" dirty="0" smtClean="0">
+                        <a:rPr lang="en-US" sz="1000" b="0" i="0" kern="1200" baseline="0" dirty="0" smtClean="0">
                           <a:solidFill>
                             <a:schemeClr val="tx1">
                               <a:lumMod val="75000"/>
@@ -16260,7 +16284,7 @@
                         <a:tabLst/>
                         <a:defRPr/>
                       </a:pPr>
-                      <a:endParaRPr lang="en-US" sz="1200" b="0" kern="1200" baseline="0" dirty="0" smtClean="0">
+                      <a:endParaRPr lang="en-US" sz="1000" b="0" i="0" kern="1200" baseline="0" dirty="0" smtClean="0">
                         <a:solidFill>
                           <a:schemeClr val="tx1">
                             <a:lumMod val="75000"/>
@@ -16340,7 +16364,7 @@
                         <a:tabLst/>
                         <a:defRPr/>
                       </a:pPr>
-                      <a:endParaRPr lang="en-US" altLang="zh-CN" sz="1200" b="0" kern="1200" baseline="0" dirty="0">
+                      <a:endParaRPr lang="en-US" altLang="zh-CN" sz="1000" b="0" i="0" kern="1200" baseline="0" dirty="0">
                         <a:solidFill>
                           <a:schemeClr val="tx1">
                             <a:lumMod val="75000"/>
@@ -16420,7 +16444,7 @@
                         <a:tabLst/>
                         <a:defRPr/>
                       </a:pPr>
-                      <a:endParaRPr lang="en-US" altLang="zh-CN" sz="1200" b="0" kern="1200" baseline="0" dirty="0">
+                      <a:endParaRPr lang="en-US" altLang="zh-CN" sz="1000" b="0" i="0" kern="1200" baseline="0" dirty="0">
                         <a:solidFill>
                           <a:schemeClr val="tx1">
                             <a:lumMod val="75000"/>
@@ -16508,7 +16532,7 @@
                         <a:defRPr/>
                       </a:pPr>
                       <a:r>
-                        <a:rPr lang="en-US" altLang="zh-CN" sz="1200" b="0" kern="1200" baseline="0" dirty="0" smtClean="0">
+                        <a:rPr lang="en-US" altLang="zh-CN" sz="1000" b="0" i="0" kern="1200" baseline="0" dirty="0" smtClean="0">
                           <a:solidFill>
                             <a:schemeClr val="tx1">
                               <a:lumMod val="75000"/>
@@ -16522,7 +16546,7 @@
                         </a:rPr>
                         <a:t>2</a:t>
                       </a:r>
-                      <a:endParaRPr lang="zh-CN" altLang="en-US" sz="1200" b="0" kern="1200" baseline="0" dirty="0">
+                      <a:endParaRPr lang="zh-CN" altLang="en-US" sz="1000" b="0" i="0" kern="1200" baseline="0" dirty="0">
                         <a:solidFill>
                           <a:schemeClr val="tx1">
                             <a:lumMod val="75000"/>
@@ -16606,7 +16630,7 @@
                         <a:tabLst/>
                         <a:defRPr/>
                       </a:pPr>
-                      <a:endParaRPr lang="zh-CN" altLang="en-US" sz="1200" b="0" kern="1200" baseline="0" dirty="0">
+                      <a:endParaRPr lang="zh-CN" altLang="en-US" sz="1000" b="0" i="0" kern="1200" baseline="0" dirty="0">
                         <a:solidFill>
                           <a:schemeClr val="tx1">
                             <a:lumMod val="75000"/>
@@ -16690,7 +16714,7 @@
                         <a:tabLst/>
                         <a:defRPr/>
                       </a:pPr>
-                      <a:endParaRPr lang="zh-CN" altLang="en-US" sz="1200" b="0" kern="1200" baseline="0" dirty="0">
+                      <a:endParaRPr lang="zh-CN" altLang="en-US" sz="1000" b="0" i="0" kern="1200" baseline="0" dirty="0">
                         <a:solidFill>
                           <a:schemeClr val="tx1">
                             <a:lumMod val="75000"/>
@@ -16774,7 +16798,7 @@
                         <a:tabLst/>
                         <a:defRPr/>
                       </a:pPr>
-                      <a:endParaRPr lang="zh-CN" altLang="en-US" sz="1200" b="0" kern="1200" baseline="0" dirty="0">
+                      <a:endParaRPr lang="zh-CN" altLang="en-US" sz="1000" b="0" i="0" kern="1200" baseline="0" dirty="0">
                         <a:solidFill>
                           <a:schemeClr val="tx1">
                             <a:lumMod val="75000"/>
@@ -16866,7 +16890,7 @@
                         <a:defRPr/>
                       </a:pPr>
                       <a:r>
-                        <a:rPr lang="en-US" altLang="zh-CN" sz="1200" b="0" kern="1200" baseline="0" dirty="0" smtClean="0">
+                        <a:rPr lang="en-US" altLang="zh-CN" sz="1000" b="0" i="0" kern="1200" baseline="0" dirty="0" smtClean="0">
                           <a:solidFill>
                             <a:schemeClr val="tx1">
                               <a:lumMod val="75000"/>
@@ -16880,7 +16904,7 @@
                         </a:rPr>
                         <a:t>3</a:t>
                       </a:r>
-                      <a:endParaRPr lang="zh-CN" altLang="en-US" sz="1200" b="0" kern="1200" baseline="0" dirty="0">
+                      <a:endParaRPr lang="zh-CN" altLang="en-US" sz="1000" b="0" i="0" kern="1200" baseline="0" dirty="0">
                         <a:solidFill>
                           <a:schemeClr val="tx1">
                             <a:lumMod val="75000"/>
@@ -16964,7 +16988,7 @@
                         <a:tabLst/>
                         <a:defRPr/>
                       </a:pPr>
-                      <a:endParaRPr lang="zh-CN" altLang="en-US" sz="1200" b="0" kern="1200" baseline="0" dirty="0">
+                      <a:endParaRPr lang="zh-CN" altLang="en-US" sz="1000" b="0" i="0" kern="1200" baseline="0" dirty="0">
                         <a:solidFill>
                           <a:schemeClr val="tx1">
                             <a:lumMod val="75000"/>
@@ -17048,7 +17072,7 @@
                         <a:tabLst/>
                         <a:defRPr/>
                       </a:pPr>
-                      <a:endParaRPr lang="zh-CN" altLang="en-US" sz="1200" b="0" kern="1200" baseline="0" dirty="0">
+                      <a:endParaRPr lang="zh-CN" altLang="en-US" sz="1000" b="0" i="0" kern="1200" baseline="0" dirty="0">
                         <a:solidFill>
                           <a:schemeClr val="tx1">
                             <a:lumMod val="75000"/>
@@ -17132,7 +17156,7 @@
                         <a:tabLst/>
                         <a:defRPr/>
                       </a:pPr>
-                      <a:endParaRPr lang="zh-CN" altLang="en-US" sz="1200" b="0" kern="1200" baseline="0" dirty="0">
+                      <a:endParaRPr lang="zh-CN" altLang="en-US" sz="1000" b="0" i="0" kern="1200" baseline="0" dirty="0">
                         <a:solidFill>
                           <a:schemeClr val="tx1">
                             <a:lumMod val="75000"/>
@@ -17224,7 +17248,7 @@
                         <a:defRPr/>
                       </a:pPr>
                       <a:r>
-                        <a:rPr lang="en-US" altLang="zh-CN" sz="1200" b="0" kern="1200" baseline="0" dirty="0" smtClean="0">
+                        <a:rPr lang="en-US" altLang="zh-CN" sz="1000" b="0" i="0" kern="1200" baseline="0" dirty="0" smtClean="0">
                           <a:solidFill>
                             <a:schemeClr val="tx1">
                               <a:lumMod val="75000"/>
@@ -17238,7 +17262,7 @@
                         </a:rPr>
                         <a:t>4</a:t>
                       </a:r>
-                      <a:endParaRPr lang="zh-CN" altLang="en-US" sz="1200" b="0" kern="1200" baseline="0" dirty="0">
+                      <a:endParaRPr lang="zh-CN" altLang="en-US" sz="1000" b="0" i="0" kern="1200" baseline="0" dirty="0">
                         <a:solidFill>
                           <a:schemeClr val="tx1">
                             <a:lumMod val="75000"/>
@@ -17322,7 +17346,7 @@
                         <a:tabLst/>
                         <a:defRPr/>
                       </a:pPr>
-                      <a:endParaRPr lang="zh-CN" altLang="en-US" sz="1200" b="0" kern="1200" baseline="0" dirty="0">
+                      <a:endParaRPr lang="zh-CN" altLang="en-US" sz="1000" b="0" i="0" kern="1200" baseline="0" dirty="0">
                         <a:solidFill>
                           <a:schemeClr val="tx1">
                             <a:lumMod val="75000"/>
@@ -17406,7 +17430,7 @@
                         <a:tabLst/>
                         <a:defRPr/>
                       </a:pPr>
-                      <a:endParaRPr lang="zh-CN" altLang="en-US" sz="1200" b="0" kern="1200" baseline="0" dirty="0">
+                      <a:endParaRPr lang="zh-CN" altLang="en-US" sz="1000" b="0" i="0" kern="1200" baseline="0" dirty="0">
                         <a:solidFill>
                           <a:schemeClr val="tx1">
                             <a:lumMod val="75000"/>
@@ -17490,7 +17514,7 @@
                         <a:tabLst/>
                         <a:defRPr/>
                       </a:pPr>
-                      <a:endParaRPr lang="zh-CN" altLang="en-US" sz="1200" b="0" kern="1200" baseline="0" dirty="0">
+                      <a:endParaRPr lang="zh-CN" altLang="en-US" sz="1000" b="0" i="0" kern="1200" baseline="0" dirty="0">
                         <a:solidFill>
                           <a:schemeClr val="tx1">
                             <a:lumMod val="75000"/>
@@ -17582,7 +17606,7 @@
                         <a:defRPr/>
                       </a:pPr>
                       <a:r>
-                        <a:rPr lang="en-US" altLang="zh-CN" sz="1200" b="0" kern="1200" baseline="0" dirty="0" smtClean="0">
+                        <a:rPr lang="en-US" altLang="zh-CN" sz="1000" b="0" i="0" kern="1200" baseline="0" dirty="0" smtClean="0">
                           <a:solidFill>
                             <a:schemeClr val="tx1">
                               <a:lumMod val="75000"/>
@@ -17596,7 +17620,7 @@
                         </a:rPr>
                         <a:t>5</a:t>
                       </a:r>
-                      <a:endParaRPr lang="zh-CN" altLang="en-US" sz="1200" b="0" kern="1200" baseline="0" dirty="0">
+                      <a:endParaRPr lang="zh-CN" altLang="en-US" sz="1000" b="0" i="0" kern="1200" baseline="0" dirty="0">
                         <a:solidFill>
                           <a:schemeClr val="tx1">
                             <a:lumMod val="75000"/>
@@ -17680,7 +17704,7 @@
                         <a:tabLst/>
                         <a:defRPr/>
                       </a:pPr>
-                      <a:endParaRPr lang="zh-CN" altLang="en-US" sz="1200" b="0" kern="1200" baseline="0" dirty="0">
+                      <a:endParaRPr lang="zh-CN" altLang="en-US" sz="1000" b="0" i="0" kern="1200" baseline="0" dirty="0">
                         <a:solidFill>
                           <a:schemeClr val="tx1">
                             <a:lumMod val="75000"/>
@@ -17764,7 +17788,7 @@
                         <a:tabLst/>
                         <a:defRPr/>
                       </a:pPr>
-                      <a:endParaRPr lang="zh-CN" altLang="en-US" sz="1200" b="0" kern="1200" baseline="0" dirty="0">
+                      <a:endParaRPr lang="zh-CN" altLang="en-US" sz="1000" b="0" i="0" kern="1200" baseline="0" dirty="0">
                         <a:solidFill>
                           <a:schemeClr val="tx1">
                             <a:lumMod val="75000"/>
@@ -17848,7 +17872,7 @@
                         <a:tabLst/>
                         <a:defRPr/>
                       </a:pPr>
-                      <a:endParaRPr lang="zh-CN" altLang="en-US" sz="1200" b="0" kern="1200" baseline="0" dirty="0">
+                      <a:endParaRPr lang="zh-CN" altLang="en-US" sz="1000" b="0" i="0" kern="1200" baseline="0" dirty="0">
                         <a:solidFill>
                           <a:schemeClr val="tx1">
                             <a:lumMod val="75000"/>
@@ -17940,7 +17964,7 @@
                         <a:defRPr/>
                       </a:pPr>
                       <a:r>
-                        <a:rPr lang="en-US" altLang="zh-CN" sz="1200" b="0" kern="1200" baseline="0" dirty="0" smtClean="0">
+                        <a:rPr lang="en-US" altLang="zh-CN" sz="1000" b="0" i="0" kern="1200" baseline="0" dirty="0" smtClean="0">
                           <a:solidFill>
                             <a:schemeClr val="tx1">
                               <a:lumMod val="75000"/>
@@ -17954,7 +17978,7 @@
                         </a:rPr>
                         <a:t>6</a:t>
                       </a:r>
-                      <a:endParaRPr lang="zh-CN" altLang="en-US" sz="1200" b="0" kern="1200" baseline="0" dirty="0">
+                      <a:endParaRPr lang="zh-CN" altLang="en-US" sz="1000" b="0" i="0" kern="1200" baseline="0" dirty="0">
                         <a:solidFill>
                           <a:schemeClr val="tx1">
                             <a:lumMod val="75000"/>
@@ -18038,7 +18062,7 @@
                         <a:tabLst/>
                         <a:defRPr/>
                       </a:pPr>
-                      <a:endParaRPr lang="zh-CN" altLang="en-US" sz="1200" b="0" kern="1200" baseline="0" dirty="0">
+                      <a:endParaRPr lang="zh-CN" altLang="en-US" sz="1000" b="0" i="0" kern="1200" baseline="0" dirty="0">
                         <a:solidFill>
                           <a:schemeClr val="tx1">
                             <a:lumMod val="75000"/>
@@ -18122,7 +18146,7 @@
                         <a:tabLst/>
                         <a:defRPr/>
                       </a:pPr>
-                      <a:endParaRPr lang="zh-CN" altLang="en-US" sz="1200" b="0" kern="1200" baseline="0" dirty="0">
+                      <a:endParaRPr lang="zh-CN" altLang="en-US" sz="1000" b="0" i="0" kern="1200" baseline="0" dirty="0">
                         <a:solidFill>
                           <a:schemeClr val="tx1">
                             <a:lumMod val="75000"/>
@@ -18206,7 +18230,7 @@
                         <a:tabLst/>
                         <a:defRPr/>
                       </a:pPr>
-                      <a:endParaRPr lang="zh-CN" altLang="en-US" sz="1200" b="0" kern="1200" baseline="0" dirty="0">
+                      <a:endParaRPr lang="zh-CN" altLang="en-US" sz="1000" b="0" i="0" kern="1200" baseline="0" dirty="0">
                         <a:solidFill>
                           <a:schemeClr val="tx1">
                             <a:lumMod val="75000"/>
@@ -18298,7 +18322,7 @@
                         <a:defRPr/>
                       </a:pPr>
                       <a:r>
-                        <a:rPr lang="en-US" altLang="zh-CN" sz="1200" b="0" kern="1200" baseline="0" dirty="0" smtClean="0">
+                        <a:rPr lang="en-US" altLang="zh-CN" sz="1000" b="0" i="0" kern="1200" baseline="0" dirty="0" smtClean="0">
                           <a:solidFill>
                             <a:schemeClr val="tx1">
                               <a:lumMod val="75000"/>
@@ -18312,7 +18336,7 @@
                         </a:rPr>
                         <a:t>7</a:t>
                       </a:r>
-                      <a:endParaRPr lang="zh-CN" altLang="en-US" sz="1200" b="0" kern="1200" baseline="0" dirty="0">
+                      <a:endParaRPr lang="zh-CN" altLang="en-US" sz="1000" b="0" i="0" kern="1200" baseline="0" dirty="0">
                         <a:solidFill>
                           <a:schemeClr val="tx1">
                             <a:lumMod val="75000"/>
@@ -18396,7 +18420,7 @@
                         <a:tabLst/>
                         <a:defRPr/>
                       </a:pPr>
-                      <a:endParaRPr lang="zh-CN" altLang="en-US" sz="1200" b="0" kern="1200" baseline="0" dirty="0">
+                      <a:endParaRPr lang="zh-CN" altLang="en-US" sz="1000" b="0" i="0" kern="1200" baseline="0" dirty="0">
                         <a:solidFill>
                           <a:schemeClr val="tx1">
                             <a:lumMod val="75000"/>
@@ -18480,7 +18504,7 @@
                         <a:tabLst/>
                         <a:defRPr/>
                       </a:pPr>
-                      <a:endParaRPr lang="zh-CN" altLang="en-US" sz="1200" b="0" kern="1200" baseline="0" dirty="0">
+                      <a:endParaRPr lang="zh-CN" altLang="en-US" sz="1000" b="0" i="0" kern="1200" baseline="0" dirty="0">
                         <a:solidFill>
                           <a:schemeClr val="tx1">
                             <a:lumMod val="75000"/>
@@ -18564,7 +18588,7 @@
                         <a:tabLst/>
                         <a:defRPr/>
                       </a:pPr>
-                      <a:endParaRPr lang="zh-CN" altLang="en-US" sz="1200" b="0" kern="1200" baseline="0" dirty="0">
+                      <a:endParaRPr lang="zh-CN" altLang="en-US" sz="1000" b="0" i="0" kern="1200" baseline="0" dirty="0">
                         <a:solidFill>
                           <a:schemeClr val="tx1">
                             <a:lumMod val="75000"/>
@@ -18656,7 +18680,7 @@
                         <a:defRPr/>
                       </a:pPr>
                       <a:r>
-                        <a:rPr lang="en-US" altLang="zh-CN" sz="1200" b="0" kern="1200" baseline="0" dirty="0" smtClean="0">
+                        <a:rPr lang="en-US" altLang="zh-CN" sz="1000" b="0" i="0" kern="1200" baseline="0" dirty="0" smtClean="0">
                           <a:solidFill>
                             <a:schemeClr val="tx1">
                               <a:lumMod val="75000"/>
@@ -18670,7 +18694,7 @@
                         </a:rPr>
                         <a:t>8</a:t>
                       </a:r>
-                      <a:endParaRPr lang="zh-CN" altLang="en-US" sz="1200" b="0" kern="1200" baseline="0" dirty="0">
+                      <a:endParaRPr lang="zh-CN" altLang="en-US" sz="1000" b="0" i="0" kern="1200" baseline="0" dirty="0">
                         <a:solidFill>
                           <a:schemeClr val="tx1">
                             <a:lumMod val="75000"/>
@@ -18754,7 +18778,7 @@
                         <a:tabLst/>
                         <a:defRPr/>
                       </a:pPr>
-                      <a:endParaRPr lang="zh-CN" altLang="en-US" sz="1200" b="0" kern="1200" baseline="0" dirty="0">
+                      <a:endParaRPr lang="zh-CN" altLang="en-US" sz="1000" b="0" i="0" kern="1200" baseline="0" dirty="0">
                         <a:solidFill>
                           <a:schemeClr val="tx1">
                             <a:lumMod val="75000"/>
@@ -18838,7 +18862,7 @@
                         <a:tabLst/>
                         <a:defRPr/>
                       </a:pPr>
-                      <a:endParaRPr lang="zh-CN" altLang="en-US" sz="1200" b="0" kern="1200" baseline="0" dirty="0">
+                      <a:endParaRPr lang="zh-CN" altLang="en-US" sz="1000" b="0" i="0" kern="1200" baseline="0" dirty="0">
                         <a:solidFill>
                           <a:schemeClr val="tx1">
                             <a:lumMod val="75000"/>
@@ -18922,7 +18946,7 @@
                         <a:tabLst/>
                         <a:defRPr/>
                       </a:pPr>
-                      <a:endParaRPr lang="zh-CN" altLang="en-US" sz="1200" b="0" kern="1200" baseline="0" dirty="0">
+                      <a:endParaRPr lang="zh-CN" altLang="en-US" sz="1000" b="0" i="0" kern="1200" baseline="0" dirty="0">
                         <a:solidFill>
                           <a:schemeClr val="tx1">
                             <a:lumMod val="75000"/>
@@ -19014,7 +19038,7 @@
                         <a:defRPr/>
                       </a:pPr>
                       <a:r>
-                        <a:rPr lang="en-US" altLang="zh-CN" sz="1200" b="0" kern="1200" baseline="0" dirty="0" smtClean="0">
+                        <a:rPr lang="en-US" altLang="zh-CN" sz="1000" b="0" i="0" kern="1200" baseline="0" dirty="0" smtClean="0">
                           <a:solidFill>
                             <a:schemeClr val="tx1">
                               <a:lumMod val="75000"/>
@@ -19028,7 +19052,7 @@
                         </a:rPr>
                         <a:t>9</a:t>
                       </a:r>
-                      <a:endParaRPr lang="zh-CN" altLang="en-US" sz="1200" b="0" kern="1200" baseline="0" dirty="0">
+                      <a:endParaRPr lang="zh-CN" altLang="en-US" sz="1000" b="0" i="0" kern="1200" baseline="0" dirty="0">
                         <a:solidFill>
                           <a:schemeClr val="tx1">
                             <a:lumMod val="75000"/>
@@ -19112,7 +19136,7 @@
                         <a:tabLst/>
                         <a:defRPr/>
                       </a:pPr>
-                      <a:endParaRPr lang="zh-CN" altLang="en-US" sz="1200" b="0" kern="1200" baseline="0" dirty="0">
+                      <a:endParaRPr lang="zh-CN" altLang="en-US" sz="1000" b="0" i="0" kern="1200" baseline="0" dirty="0">
                         <a:solidFill>
                           <a:schemeClr val="tx1">
                             <a:lumMod val="75000"/>
@@ -19196,7 +19220,7 @@
                         <a:tabLst/>
                         <a:defRPr/>
                       </a:pPr>
-                      <a:endParaRPr lang="zh-CN" altLang="en-US" sz="1200" b="0" kern="1200" baseline="0" dirty="0">
+                      <a:endParaRPr lang="zh-CN" altLang="en-US" sz="1000" b="0" i="0" kern="1200" baseline="0" dirty="0">
                         <a:solidFill>
                           <a:schemeClr val="tx1">
                             <a:lumMod val="75000"/>
@@ -19280,7 +19304,7 @@
                         <a:tabLst/>
                         <a:defRPr/>
                       </a:pPr>
-                      <a:endParaRPr lang="zh-CN" altLang="en-US" sz="1200" b="0" kern="1200" baseline="0" dirty="0">
+                      <a:endParaRPr lang="zh-CN" altLang="en-US" sz="1000" b="0" i="0" kern="1200" baseline="0" dirty="0">
                         <a:solidFill>
                           <a:schemeClr val="tx1">
                             <a:lumMod val="75000"/>
@@ -19372,7 +19396,7 @@
                         <a:defRPr/>
                       </a:pPr>
                       <a:r>
-                        <a:rPr lang="en-US" altLang="zh-CN" sz="1200" b="0" kern="1200" baseline="0" dirty="0" smtClean="0">
+                        <a:rPr lang="en-US" altLang="zh-CN" sz="1000" b="0" i="0" kern="1200" baseline="0" dirty="0" smtClean="0">
                           <a:solidFill>
                             <a:schemeClr val="tx1">
                               <a:lumMod val="75000"/>
@@ -19386,7 +19410,7 @@
                         </a:rPr>
                         <a:t>10</a:t>
                       </a:r>
-                      <a:endParaRPr lang="zh-CN" altLang="en-US" sz="1200" b="0" kern="1200" baseline="0" dirty="0">
+                      <a:endParaRPr lang="zh-CN" altLang="en-US" sz="1000" b="0" i="0" kern="1200" baseline="0" dirty="0">
                         <a:solidFill>
                           <a:schemeClr val="tx1">
                             <a:lumMod val="75000"/>
@@ -19468,7 +19492,7 @@
                         <a:tabLst/>
                         <a:defRPr/>
                       </a:pPr>
-                      <a:endParaRPr lang="zh-CN" altLang="en-US" sz="1200" b="0" kern="1200" baseline="0" dirty="0">
+                      <a:endParaRPr lang="zh-CN" altLang="en-US" sz="1000" b="0" i="0" kern="1200" baseline="0" dirty="0">
                         <a:solidFill>
                           <a:schemeClr val="tx1">
                             <a:lumMod val="75000"/>
@@ -19550,7 +19574,7 @@
                         <a:tabLst/>
                         <a:defRPr/>
                       </a:pPr>
-                      <a:endParaRPr lang="zh-CN" altLang="en-US" sz="1200" b="0" kern="1200" baseline="0" dirty="0">
+                      <a:endParaRPr lang="zh-CN" altLang="en-US" sz="1000" b="0" i="0" kern="1200" baseline="0" dirty="0">
                         <a:solidFill>
                           <a:schemeClr val="tx1">
                             <a:lumMod val="75000"/>
@@ -19632,7 +19656,7 @@
                         <a:tabLst/>
                         <a:defRPr/>
                       </a:pPr>
-                      <a:endParaRPr lang="zh-CN" altLang="en-US" sz="1200" b="0" kern="1200" baseline="0" dirty="0">
+                      <a:endParaRPr lang="zh-CN" altLang="en-US" sz="1000" b="0" i="0" kern="1200" baseline="0" dirty="0">
                         <a:solidFill>
                           <a:schemeClr val="tx1">
                             <a:lumMod val="75000"/>
@@ -20194,7 +20218,7 @@
         <p:spPr>
           <a:xfrm>
             <a:off x="538850" y="1123920"/>
-            <a:ext cx="5468560" cy="530658"/>
+            <a:ext cx="5468560" cy="400110"/>
           </a:xfrm>
           <a:prstGeom prst="rect">
             <a:avLst/>
@@ -20221,10 +20245,12 @@
               <a:buSzPct val="100000"/>
             </a:pPr>
             <a:r>
-              <a:rPr lang="en-US" altLang="zh-CN" sz="1400" b="1" dirty="0">
+              <a:rPr lang="en-US" altLang="zh-CN" sz="1000" b="1" dirty="0">
                 <a:solidFill>
                   <a:srgbClr val="FFFFFF"/>
                 </a:solidFill>
+                <a:latin typeface="Bentley Light" panose="020B0404020201020102"/>
+                <a:ea typeface="黑体" panose="02010609060101010101" pitchFamily="49" charset="-122"/>
                 <a:cs typeface="+mn-ea"/>
                 <a:sym typeface="+mn-lt"/>
               </a:rPr>
@@ -20242,10 +20268,12 @@
               <a:buSzPct val="100000"/>
             </a:pPr>
             <a:r>
-              <a:rPr lang="zh-CN" altLang="en-US" sz="1400" b="1" dirty="0">
+              <a:rPr lang="zh-CN" altLang="en-US" sz="1000" b="1" dirty="0">
                 <a:solidFill>
                   <a:srgbClr val="FFFFFF"/>
                 </a:solidFill>
+                <a:latin typeface="Bentley Light" panose="020B0404020201020102"/>
+                <a:ea typeface="黑体" panose="02010609060101010101" pitchFamily="49" charset="-122"/>
                 <a:cs typeface="+mn-ea"/>
                 <a:sym typeface="+mn-lt"/>
               </a:rPr>
@@ -20395,7 +20423,7 @@
         <p:spPr>
           <a:xfrm>
             <a:off x="6151512" y="1123920"/>
-            <a:ext cx="5468560" cy="530658"/>
+            <a:ext cx="5468560" cy="400110"/>
           </a:xfrm>
           <a:prstGeom prst="rect">
             <a:avLst/>
@@ -20422,7 +20450,7 @@
               <a:buSzPct val="100000"/>
             </a:pPr>
             <a:r>
-              <a:rPr lang="en-US" altLang="zh-CN" sz="1400" b="1" dirty="0">
+              <a:rPr lang="en-US" altLang="zh-CN" sz="1000" b="1" dirty="0">
                 <a:solidFill>
                   <a:srgbClr val="FFFFFF"/>
                 </a:solidFill>
@@ -20443,7 +20471,7 @@
               <a:buSzPct val="100000"/>
             </a:pPr>
             <a:r>
-              <a:rPr lang="zh-CN" altLang="en-US" sz="1400" b="1" dirty="0">
+              <a:rPr lang="zh-CN" altLang="en-US" sz="1000" b="1" dirty="0">
                 <a:solidFill>
                   <a:srgbClr val="FFFFFF"/>
                 </a:solidFill>
@@ -20686,7 +20714,7 @@
           <a:graphicData uri="http://schemas.openxmlformats.org/presentationml/2006/ole">
             <mc:AlternateContent xmlns:mc="http://schemas.openxmlformats.org/markup-compatibility/2006">
               <mc:Choice xmlns:v="urn:schemas-microsoft-com:vml" Requires="v">
-                <p:oleObj spid="_x0000_s44073" name="think-cell Slide" r:id="rId5" imgW="416" imgH="416" progId="TCLayout.ActiveDocument.1">
+                <p:oleObj spid="_x0000_s44077" name="think-cell Slide" r:id="rId5" imgW="416" imgH="416" progId="TCLayout.ActiveDocument.1">
                   <p:embed/>
                 </p:oleObj>
               </mc:Choice>
@@ -21428,10 +21456,20 @@
                 <a:cs typeface="+mn-ea"/>
                 <a:sym typeface="+mn-lt"/>
               </a:rPr>
-              <a:t> Construction &amp; Displayed </a:t>
+              <a:t> </a:t>
             </a:r>
             <a:r>
-              <a:rPr lang="zh-CN" altLang="en-US" sz="1400" b="1" dirty="0">
+              <a:rPr lang="en-US" altLang="zh-CN" sz="1000" b="1" dirty="0">
+                <a:solidFill>
+                  <a:srgbClr val="FFFFFF"/>
+                </a:solidFill>
+                <a:cs typeface="+mn-ea"/>
+                <a:sym typeface="+mn-lt"/>
+              </a:rPr>
+              <a:t>Construction &amp; Displayed </a:t>
+            </a:r>
+            <a:r>
+              <a:rPr lang="zh-CN" altLang="en-US" sz="1000" b="1" dirty="0">
                 <a:solidFill>
                   <a:srgbClr val="FFFFFF"/>
                 </a:solidFill>
@@ -21440,7 +21478,7 @@
               </a:rPr>
               <a:t>搭建及布置</a:t>
             </a:r>
-            <a:endParaRPr lang="en-US" altLang="zh-CN" sz="1400" b="1" dirty="0">
+            <a:endParaRPr lang="en-US" altLang="zh-CN" sz="1000" b="1" dirty="0">
               <a:solidFill>
                 <a:srgbClr val="FFFFFF"/>
               </a:solidFill>
@@ -21548,10 +21586,20 @@
                 <a:cs typeface="+mn-ea"/>
                 <a:sym typeface="+mn-lt"/>
               </a:rPr>
-              <a:t> Construction &amp; Displayed </a:t>
+              <a:t> </a:t>
             </a:r>
             <a:r>
-              <a:rPr lang="zh-CN" altLang="en-US" sz="1400" b="1" dirty="0">
+              <a:rPr lang="en-US" altLang="zh-CN" sz="1000" b="1" dirty="0">
+                <a:solidFill>
+                  <a:srgbClr val="FFFFFF"/>
+                </a:solidFill>
+                <a:cs typeface="+mn-ea"/>
+                <a:sym typeface="+mn-lt"/>
+              </a:rPr>
+              <a:t>Construction &amp; Displayed </a:t>
+            </a:r>
+            <a:r>
+              <a:rPr lang="zh-CN" altLang="en-US" sz="1000" b="1" dirty="0">
                 <a:solidFill>
                   <a:srgbClr val="FFFFFF"/>
                 </a:solidFill>
@@ -21560,7 +21608,7 @@
               </a:rPr>
               <a:t>搭建及布置</a:t>
             </a:r>
-            <a:endParaRPr lang="en-US" altLang="zh-CN" sz="1400" b="1" dirty="0">
+            <a:endParaRPr lang="en-US" altLang="zh-CN" sz="1000" b="1" dirty="0">
               <a:solidFill>
                 <a:srgbClr val="FFFFFF"/>
               </a:solidFill>
@@ -22001,10 +22049,20 @@
                 <a:cs typeface="+mn-ea"/>
                 <a:sym typeface="+mn-lt"/>
               </a:rPr>
-              <a:t> Photography </a:t>
+              <a:t> </a:t>
             </a:r>
             <a:r>
-              <a:rPr lang="zh-CN" altLang="en-US" sz="1400" b="1" dirty="0">
+              <a:rPr lang="en-US" altLang="zh-CN" sz="1000" b="1" dirty="0">
+                <a:solidFill>
+                  <a:srgbClr val="FFFFFF"/>
+                </a:solidFill>
+                <a:cs typeface="+mn-ea"/>
+                <a:sym typeface="+mn-lt"/>
+              </a:rPr>
+              <a:t>Photography </a:t>
+            </a:r>
+            <a:r>
+              <a:rPr lang="zh-CN" altLang="en-US" sz="1000" b="1" dirty="0">
                 <a:solidFill>
                   <a:srgbClr val="FFFFFF"/>
                 </a:solidFill>
@@ -22013,7 +22071,7 @@
               </a:rPr>
               <a:t>摄影摄像</a:t>
             </a:r>
-            <a:endParaRPr lang="en-US" altLang="zh-CN" sz="1400" b="1" dirty="0">
+            <a:endParaRPr lang="en-US" altLang="zh-CN" sz="1000" b="1" dirty="0">
               <a:solidFill>
                 <a:srgbClr val="FFFFFF"/>
               </a:solidFill>
@@ -22121,10 +22179,20 @@
                 <a:cs typeface="+mn-ea"/>
                 <a:sym typeface="+mn-lt"/>
               </a:rPr>
-              <a:t> Photography </a:t>
+              <a:t> </a:t>
             </a:r>
             <a:r>
-              <a:rPr lang="zh-CN" altLang="en-US" sz="1400" b="1" dirty="0">
+              <a:rPr lang="en-US" altLang="zh-CN" sz="1000" b="1" dirty="0">
+                <a:solidFill>
+                  <a:srgbClr val="FFFFFF"/>
+                </a:solidFill>
+                <a:cs typeface="+mn-ea"/>
+                <a:sym typeface="+mn-lt"/>
+              </a:rPr>
+              <a:t>Photography </a:t>
+            </a:r>
+            <a:r>
+              <a:rPr lang="zh-CN" altLang="en-US" sz="1000" b="1" dirty="0">
                 <a:solidFill>
                   <a:srgbClr val="FFFFFF"/>
                 </a:solidFill>
@@ -22133,7 +22201,7 @@
               </a:rPr>
               <a:t>摄影摄像</a:t>
             </a:r>
-            <a:endParaRPr lang="en-US" altLang="zh-CN" sz="1400" b="1" dirty="0">
+            <a:endParaRPr lang="en-US" altLang="zh-CN" sz="1000" b="1" dirty="0">
               <a:solidFill>
                 <a:srgbClr val="FFFFFF"/>
               </a:solidFill>
